--- a/Orga-Dateien/LoFi.pptx
+++ b/Orga-Dateien/LoFi.pptx
@@ -8,7 +8,8 @@
     <p:sldId id="258" r:id="rId2"/>
     <p:sldId id="259" r:id="rId3"/>
     <p:sldId id="260" r:id="rId4"/>
-    <p:sldId id="257" r:id="rId5"/>
+    <p:sldId id="261" r:id="rId5"/>
+    <p:sldId id="257" r:id="rId6"/>
   </p:sldIdLst>
   <p:sldSz cx="12192000" cy="6858000"/>
   <p:notesSz cx="6858000" cy="9144000"/>
@@ -115,6 +116,7 @@
             <p14:sldId id="258"/>
             <p14:sldId id="259"/>
             <p14:sldId id="260"/>
+            <p14:sldId id="261"/>
           </p14:sldIdLst>
         </p14:section>
         <p14:section name="Beispiel" id="{21BE3D10-4EA7-4262-AA5C-F0CB779F646A}">
@@ -280,7 +282,7 @@
           <a:p>
             <a:fld id="{90BA0F64-CCA5-4670-B995-2C9FB854C1E0}" type="datetimeFigureOut">
               <a:rPr lang="de-DE" smtClean="0"/>
-              <a:t>03.11.2023</a:t>
+              <a:t>04.11.2023</a:t>
             </a:fld>
             <a:endParaRPr lang="de-DE"/>
           </a:p>
@@ -480,7 +482,7 @@
           <a:p>
             <a:fld id="{90BA0F64-CCA5-4670-B995-2C9FB854C1E0}" type="datetimeFigureOut">
               <a:rPr lang="de-DE" smtClean="0"/>
-              <a:t>03.11.2023</a:t>
+              <a:t>04.11.2023</a:t>
             </a:fld>
             <a:endParaRPr lang="de-DE"/>
           </a:p>
@@ -690,7 +692,7 @@
           <a:p>
             <a:fld id="{90BA0F64-CCA5-4670-B995-2C9FB854C1E0}" type="datetimeFigureOut">
               <a:rPr lang="de-DE" smtClean="0"/>
-              <a:t>03.11.2023</a:t>
+              <a:t>04.11.2023</a:t>
             </a:fld>
             <a:endParaRPr lang="de-DE"/>
           </a:p>
@@ -890,7 +892,7 @@
           <a:p>
             <a:fld id="{90BA0F64-CCA5-4670-B995-2C9FB854C1E0}" type="datetimeFigureOut">
               <a:rPr lang="de-DE" smtClean="0"/>
-              <a:t>03.11.2023</a:t>
+              <a:t>04.11.2023</a:t>
             </a:fld>
             <a:endParaRPr lang="de-DE"/>
           </a:p>
@@ -1166,7 +1168,7 @@
           <a:p>
             <a:fld id="{90BA0F64-CCA5-4670-B995-2C9FB854C1E0}" type="datetimeFigureOut">
               <a:rPr lang="de-DE" smtClean="0"/>
-              <a:t>03.11.2023</a:t>
+              <a:t>04.11.2023</a:t>
             </a:fld>
             <a:endParaRPr lang="de-DE"/>
           </a:p>
@@ -1434,7 +1436,7 @@
           <a:p>
             <a:fld id="{90BA0F64-CCA5-4670-B995-2C9FB854C1E0}" type="datetimeFigureOut">
               <a:rPr lang="de-DE" smtClean="0"/>
-              <a:t>03.11.2023</a:t>
+              <a:t>04.11.2023</a:t>
             </a:fld>
             <a:endParaRPr lang="de-DE"/>
           </a:p>
@@ -1849,7 +1851,7 @@
           <a:p>
             <a:fld id="{90BA0F64-CCA5-4670-B995-2C9FB854C1E0}" type="datetimeFigureOut">
               <a:rPr lang="de-DE" smtClean="0"/>
-              <a:t>03.11.2023</a:t>
+              <a:t>04.11.2023</a:t>
             </a:fld>
             <a:endParaRPr lang="de-DE"/>
           </a:p>
@@ -1991,7 +1993,7 @@
           <a:p>
             <a:fld id="{90BA0F64-CCA5-4670-B995-2C9FB854C1E0}" type="datetimeFigureOut">
               <a:rPr lang="de-DE" smtClean="0"/>
-              <a:t>03.11.2023</a:t>
+              <a:t>04.11.2023</a:t>
             </a:fld>
             <a:endParaRPr lang="de-DE"/>
           </a:p>
@@ -2104,7 +2106,7 @@
           <a:p>
             <a:fld id="{90BA0F64-CCA5-4670-B995-2C9FB854C1E0}" type="datetimeFigureOut">
               <a:rPr lang="de-DE" smtClean="0"/>
-              <a:t>03.11.2023</a:t>
+              <a:t>04.11.2023</a:t>
             </a:fld>
             <a:endParaRPr lang="de-DE"/>
           </a:p>
@@ -2417,7 +2419,7 @@
           <a:p>
             <a:fld id="{90BA0F64-CCA5-4670-B995-2C9FB854C1E0}" type="datetimeFigureOut">
               <a:rPr lang="de-DE" smtClean="0"/>
-              <a:t>03.11.2023</a:t>
+              <a:t>04.11.2023</a:t>
             </a:fld>
             <a:endParaRPr lang="de-DE"/>
           </a:p>
@@ -2706,7 +2708,7 @@
           <a:p>
             <a:fld id="{90BA0F64-CCA5-4670-B995-2C9FB854C1E0}" type="datetimeFigureOut">
               <a:rPr lang="de-DE" smtClean="0"/>
-              <a:t>03.11.2023</a:t>
+              <a:t>04.11.2023</a:t>
             </a:fld>
             <a:endParaRPr lang="de-DE"/>
           </a:p>
@@ -2949,7 +2951,7 @@
           <a:p>
             <a:fld id="{90BA0F64-CCA5-4670-B995-2C9FB854C1E0}" type="datetimeFigureOut">
               <a:rPr lang="de-DE" smtClean="0"/>
-              <a:t>03.11.2023</a:t>
+              <a:t>04.11.2023</a:t>
             </a:fld>
             <a:endParaRPr lang="de-DE"/>
           </a:p>
@@ -9512,7 +9514,7 @@
         </p:nvSpPr>
         <p:spPr>
           <a:xfrm>
-            <a:off x="491066" y="2089747"/>
+            <a:off x="637715" y="2338318"/>
             <a:ext cx="1639691" cy="2181363"/>
           </a:xfrm>
           <a:prstGeom prst="rect">
@@ -9547,6 +9549,53 @@
           </a:p>
         </p:txBody>
       </p:sp>
+      <p:cxnSp>
+        <p:nvCxnSpPr>
+          <p:cNvPr id="5" name="Connector: Curved 16">
+            <a:extLst>
+              <a:ext uri="{FF2B5EF4-FFF2-40B4-BE49-F238E27FC236}">
+                <a16:creationId xmlns:a16="http://schemas.microsoft.com/office/drawing/2014/main" id="{BF24353C-D20F-D923-45DE-DEAC99449C66}"/>
+              </a:ext>
+            </a:extLst>
+          </p:cNvPr>
+          <p:cNvCxnSpPr>
+            <a:cxnSpLocks/>
+            <a:endCxn id="2" idx="1"/>
+          </p:cNvCxnSpPr>
+          <p:nvPr/>
+        </p:nvCxnSpPr>
+        <p:spPr>
+          <a:xfrm>
+            <a:off x="0" y="3107481"/>
+            <a:ext cx="637715" cy="321519"/>
+          </a:xfrm>
+          <a:prstGeom prst="curvedConnector3">
+            <a:avLst>
+              <a:gd name="adj1" fmla="val 50000"/>
+            </a:avLst>
+          </a:prstGeom>
+          <a:ln w="28575">
+            <a:solidFill>
+              <a:srgbClr val="FF0000"/>
+            </a:solidFill>
+            <a:tailEnd type="triangle"/>
+          </a:ln>
+        </p:spPr>
+        <p:style>
+          <a:lnRef idx="1">
+            <a:schemeClr val="accent1"/>
+          </a:lnRef>
+          <a:fillRef idx="0">
+            <a:schemeClr val="accent1"/>
+          </a:fillRef>
+          <a:effectRef idx="0">
+            <a:schemeClr val="accent1"/>
+          </a:effectRef>
+          <a:fontRef idx="minor">
+            <a:schemeClr val="tx1"/>
+          </a:fontRef>
+        </p:style>
+      </p:cxnSp>
     </p:spTree>
     <p:extLst>
       <p:ext uri="{BB962C8B-B14F-4D97-AF65-F5344CB8AC3E}">
@@ -9577,6 +9626,328 @@
           <a:chExt cx="0" cy="0"/>
         </a:xfrm>
       </p:grpSpPr>
+      <p:sp>
+        <p:nvSpPr>
+          <p:cNvPr id="2" name="Rectangle 1">
+            <a:extLst>
+              <a:ext uri="{FF2B5EF4-FFF2-40B4-BE49-F238E27FC236}">
+                <a16:creationId xmlns:a16="http://schemas.microsoft.com/office/drawing/2014/main" id="{B1D7C995-ADA2-96E6-46C0-B5F7A147730F}"/>
+              </a:ext>
+            </a:extLst>
+          </p:cNvPr>
+          <p:cNvSpPr/>
+          <p:nvPr/>
+        </p:nvSpPr>
+        <p:spPr>
+          <a:xfrm>
+            <a:off x="637715" y="2338318"/>
+            <a:ext cx="1639691" cy="2181363"/>
+          </a:xfrm>
+          <a:prstGeom prst="rect">
+            <a:avLst/>
+          </a:prstGeom>
+        </p:spPr>
+        <p:style>
+          <a:lnRef idx="2">
+            <a:schemeClr val="accent1">
+              <a:shade val="50000"/>
+            </a:schemeClr>
+          </a:lnRef>
+          <a:fillRef idx="1">
+            <a:schemeClr val="accent1"/>
+          </a:fillRef>
+          <a:effectRef idx="0">
+            <a:schemeClr val="accent1"/>
+          </a:effectRef>
+          <a:fontRef idx="minor">
+            <a:schemeClr val="lt1"/>
+          </a:fontRef>
+        </p:style>
+        <p:txBody>
+          <a:bodyPr rtlCol="0" anchor="t"/>
+          <a:lstStyle/>
+          <a:p>
+            <a:pPr algn="ctr"/>
+            <a:r>
+              <a:rPr lang="de-DE" dirty="0"/>
+              <a:t>Einstellungen</a:t>
+            </a:r>
+          </a:p>
+          <a:p>
+            <a:endParaRPr lang="de-DE" dirty="0"/>
+          </a:p>
+          <a:p>
+            <a:r>
+              <a:rPr lang="de-DE" sz="1200" dirty="0"/>
+              <a:t>Benachrichtigungen:</a:t>
+            </a:r>
+          </a:p>
+          <a:p>
+            <a:r>
+              <a:rPr lang="de-DE" sz="1600" dirty="0"/>
+              <a:t>Sprache: </a:t>
+            </a:r>
+          </a:p>
+        </p:txBody>
+      </p:sp>
+      <p:cxnSp>
+        <p:nvCxnSpPr>
+          <p:cNvPr id="3" name="Connector: Curved 16">
+            <a:extLst>
+              <a:ext uri="{FF2B5EF4-FFF2-40B4-BE49-F238E27FC236}">
+                <a16:creationId xmlns:a16="http://schemas.microsoft.com/office/drawing/2014/main" id="{AB5B7112-35D0-36DB-88F5-9A5D398C5CCB}"/>
+              </a:ext>
+            </a:extLst>
+          </p:cNvPr>
+          <p:cNvCxnSpPr>
+            <a:cxnSpLocks/>
+            <a:endCxn id="2" idx="1"/>
+          </p:cNvCxnSpPr>
+          <p:nvPr/>
+        </p:nvCxnSpPr>
+        <p:spPr>
+          <a:xfrm>
+            <a:off x="0" y="3107481"/>
+            <a:ext cx="637715" cy="321519"/>
+          </a:xfrm>
+          <a:prstGeom prst="curvedConnector3">
+            <a:avLst>
+              <a:gd name="adj1" fmla="val 50000"/>
+            </a:avLst>
+          </a:prstGeom>
+          <a:ln w="28575">
+            <a:solidFill>
+              <a:srgbClr val="FF0000"/>
+            </a:solidFill>
+            <a:tailEnd type="triangle"/>
+          </a:ln>
+        </p:spPr>
+        <p:style>
+          <a:lnRef idx="1">
+            <a:schemeClr val="accent1"/>
+          </a:lnRef>
+          <a:fillRef idx="0">
+            <a:schemeClr val="accent1"/>
+          </a:fillRef>
+          <a:effectRef idx="0">
+            <a:schemeClr val="accent1"/>
+          </a:effectRef>
+          <a:fontRef idx="minor">
+            <a:schemeClr val="tx1"/>
+          </a:fontRef>
+        </p:style>
+      </p:cxnSp>
+      <p:pic>
+        <p:nvPicPr>
+          <p:cNvPr id="8" name="Graphic 34" descr="Checkmark">
+            <a:extLst>
+              <a:ext uri="{FF2B5EF4-FFF2-40B4-BE49-F238E27FC236}">
+                <a16:creationId xmlns:a16="http://schemas.microsoft.com/office/drawing/2014/main" id="{853EF72C-FC03-7139-67EA-4C57DE294658}"/>
+              </a:ext>
+            </a:extLst>
+          </p:cNvPr>
+          <p:cNvPicPr>
+            <a:picLocks noChangeAspect="1"/>
+          </p:cNvPicPr>
+          <p:nvPr/>
+        </p:nvPicPr>
+        <p:blipFill>
+          <a:blip r:embed="rId2">
+            <a:extLst>
+              <a:ext uri="{96DAC541-7B7A-43D3-8B79-37D633B846F1}">
+                <asvg:svgBlip xmlns:asvg="http://schemas.microsoft.com/office/drawing/2016/SVG/main" r:embed="rId3"/>
+              </a:ext>
+            </a:extLst>
+          </a:blip>
+          <a:stretch>
+            <a:fillRect/>
+          </a:stretch>
+        </p:blipFill>
+        <p:spPr>
+          <a:xfrm>
+            <a:off x="2014481" y="2881031"/>
+            <a:ext cx="219793" cy="219793"/>
+          </a:xfrm>
+          <a:prstGeom prst="rect">
+            <a:avLst/>
+          </a:prstGeom>
+        </p:spPr>
+      </p:pic>
+      <p:sp>
+        <p:nvSpPr>
+          <p:cNvPr id="9" name="Rectangle 32">
+            <a:extLst>
+              <a:ext uri="{FF2B5EF4-FFF2-40B4-BE49-F238E27FC236}">
+                <a16:creationId xmlns:a16="http://schemas.microsoft.com/office/drawing/2014/main" id="{87375D6F-9300-80D2-86E4-09495149FD2C}"/>
+              </a:ext>
+            </a:extLst>
+          </p:cNvPr>
+          <p:cNvSpPr/>
+          <p:nvPr/>
+        </p:nvSpPr>
+        <p:spPr>
+          <a:xfrm>
+            <a:off x="2023107" y="3161208"/>
+            <a:ext cx="158074" cy="148930"/>
+          </a:xfrm>
+          <a:prstGeom prst="rect">
+            <a:avLst/>
+          </a:prstGeom>
+          <a:ln/>
+        </p:spPr>
+        <p:style>
+          <a:lnRef idx="2">
+            <a:schemeClr val="accent4">
+              <a:shade val="50000"/>
+            </a:schemeClr>
+          </a:lnRef>
+          <a:fillRef idx="1">
+            <a:schemeClr val="accent4"/>
+          </a:fillRef>
+          <a:effectRef idx="0">
+            <a:schemeClr val="accent4"/>
+          </a:effectRef>
+          <a:fontRef idx="minor">
+            <a:schemeClr val="lt1"/>
+          </a:fontRef>
+        </p:style>
+        <p:txBody>
+          <a:bodyPr rtlCol="0" anchor="ctr"/>
+          <a:lstStyle/>
+          <a:p>
+            <a:endParaRPr lang="de-DE" dirty="0"/>
+          </a:p>
+        </p:txBody>
+      </p:sp>
+      <p:sp>
+        <p:nvSpPr>
+          <p:cNvPr id="10" name="Speech Bubble: Rectangle 76">
+            <a:extLst>
+              <a:ext uri="{FF2B5EF4-FFF2-40B4-BE49-F238E27FC236}">
+                <a16:creationId xmlns:a16="http://schemas.microsoft.com/office/drawing/2014/main" id="{3B44A380-FE77-0160-3A6F-AEF078D93405}"/>
+              </a:ext>
+            </a:extLst>
+          </p:cNvPr>
+          <p:cNvSpPr/>
+          <p:nvPr/>
+        </p:nvSpPr>
+        <p:spPr>
+          <a:xfrm>
+            <a:off x="2251846" y="3667038"/>
+            <a:ext cx="1326550" cy="378190"/>
+          </a:xfrm>
+          <a:prstGeom prst="wedgeRectCallout">
+            <a:avLst>
+              <a:gd name="adj1" fmla="val -57890"/>
+              <a:gd name="adj2" fmla="val -159847"/>
+            </a:avLst>
+          </a:prstGeom>
+        </p:spPr>
+        <p:style>
+          <a:lnRef idx="2">
+            <a:schemeClr val="dk1"/>
+          </a:lnRef>
+          <a:fillRef idx="1">
+            <a:schemeClr val="lt1"/>
+          </a:fillRef>
+          <a:effectRef idx="0">
+            <a:schemeClr val="dk1"/>
+          </a:effectRef>
+          <a:fontRef idx="minor">
+            <a:schemeClr val="dk1"/>
+          </a:fontRef>
+        </p:style>
+        <p:txBody>
+          <a:bodyPr rtlCol="0" anchor="ctr"/>
+          <a:lstStyle/>
+          <a:p>
+            <a:pPr algn="ctr"/>
+            <a:r>
+              <a:rPr lang="de-DE" dirty="0"/>
+              <a:t>DropDown</a:t>
+            </a:r>
+          </a:p>
+        </p:txBody>
+      </p:sp>
+    </p:spTree>
+    <p:extLst>
+      <p:ext uri="{BB962C8B-B14F-4D97-AF65-F5344CB8AC3E}">
+        <p14:creationId xmlns:p14="http://schemas.microsoft.com/office/powerpoint/2010/main" val="198200983"/>
+      </p:ext>
+    </p:extLst>
+  </p:cSld>
+  <p:clrMapOvr>
+    <a:masterClrMapping/>
+  </p:clrMapOvr>
+</p:sld>
+</file>
+
+<file path=ppt/slides/slide5.xml><?xml version="1.0" encoding="utf-8"?>
+<p:sld xmlns:a="http://schemas.openxmlformats.org/drawingml/2006/main" xmlns:r="http://schemas.openxmlformats.org/officeDocument/2006/relationships" xmlns:p="http://schemas.openxmlformats.org/presentationml/2006/main">
+  <p:cSld>
+    <p:spTree>
+      <p:nvGrpSpPr>
+        <p:cNvPr id="1" name=""/>
+        <p:cNvGrpSpPr/>
+        <p:nvPr/>
+      </p:nvGrpSpPr>
+      <p:grpSpPr>
+        <a:xfrm>
+          <a:off x="0" y="0"/>
+          <a:ext cx="0" cy="0"/>
+          <a:chOff x="0" y="0"/>
+          <a:chExt cx="0" cy="0"/>
+        </a:xfrm>
+      </p:grpSpPr>
+      <p:sp>
+        <p:nvSpPr>
+          <p:cNvPr id="25" name="Rectangle 24">
+            <a:extLst>
+              <a:ext uri="{FF2B5EF4-FFF2-40B4-BE49-F238E27FC236}">
+                <a16:creationId xmlns:a16="http://schemas.microsoft.com/office/drawing/2014/main" id="{B5C5A9BC-1E95-4762-9250-AB95FF64365C}"/>
+              </a:ext>
+            </a:extLst>
+          </p:cNvPr>
+          <p:cNvSpPr/>
+          <p:nvPr/>
+        </p:nvSpPr>
+        <p:spPr>
+          <a:xfrm>
+            <a:off x="5865412" y="3756828"/>
+            <a:ext cx="2266122" cy="2940325"/>
+          </a:xfrm>
+          <a:prstGeom prst="rect">
+            <a:avLst/>
+          </a:prstGeom>
+        </p:spPr>
+        <p:style>
+          <a:lnRef idx="2">
+            <a:schemeClr val="accent1">
+              <a:shade val="50000"/>
+            </a:schemeClr>
+          </a:lnRef>
+          <a:fillRef idx="1">
+            <a:schemeClr val="accent1"/>
+          </a:fillRef>
+          <a:effectRef idx="0">
+            <a:schemeClr val="accent1"/>
+          </a:effectRef>
+          <a:fontRef idx="minor">
+            <a:schemeClr val="lt1"/>
+          </a:fontRef>
+        </p:style>
+        <p:txBody>
+          <a:bodyPr rtlCol="0" anchor="t"/>
+          <a:lstStyle/>
+          <a:p>
+            <a:pPr algn="ctr"/>
+            <a:r>
+              <a:rPr lang="de-DE" dirty="0"/>
+              <a:t>Einstellungen</a:t>
+            </a:r>
+          </a:p>
+        </p:txBody>
+      </p:sp>
       <p:sp>
         <p:nvSpPr>
           <p:cNvPr id="2" name="Rectangle 1">
@@ -10220,55 +10591,6 @@
           </a:prstGeom>
         </p:spPr>
       </p:pic>
-      <p:sp>
-        <p:nvSpPr>
-          <p:cNvPr id="25" name="Rectangle 24">
-            <a:extLst>
-              <a:ext uri="{FF2B5EF4-FFF2-40B4-BE49-F238E27FC236}">
-                <a16:creationId xmlns:a16="http://schemas.microsoft.com/office/drawing/2014/main" id="{B5C5A9BC-1E95-4762-9250-AB95FF64365C}"/>
-              </a:ext>
-            </a:extLst>
-          </p:cNvPr>
-          <p:cNvSpPr/>
-          <p:nvPr/>
-        </p:nvSpPr>
-        <p:spPr>
-          <a:xfrm>
-            <a:off x="5865412" y="3756828"/>
-            <a:ext cx="2266122" cy="2940325"/>
-          </a:xfrm>
-          <a:prstGeom prst="rect">
-            <a:avLst/>
-          </a:prstGeom>
-        </p:spPr>
-        <p:style>
-          <a:lnRef idx="2">
-            <a:schemeClr val="accent1">
-              <a:shade val="50000"/>
-            </a:schemeClr>
-          </a:lnRef>
-          <a:fillRef idx="1">
-            <a:schemeClr val="accent1"/>
-          </a:fillRef>
-          <a:effectRef idx="0">
-            <a:schemeClr val="accent1"/>
-          </a:effectRef>
-          <a:fontRef idx="minor">
-            <a:schemeClr val="lt1"/>
-          </a:fontRef>
-        </p:style>
-        <p:txBody>
-          <a:bodyPr rtlCol="0" anchor="t"/>
-          <a:lstStyle/>
-          <a:p>
-            <a:pPr algn="ctr"/>
-            <a:r>
-              <a:rPr lang="de-DE" dirty="0"/>
-              <a:t>Einstellungen</a:t>
-            </a:r>
-          </a:p>
-        </p:txBody>
-      </p:sp>
       <p:cxnSp>
         <p:nvCxnSpPr>
           <p:cNvPr id="28" name="Connector: Curved 27">

--- a/Orga-Dateien/LoFi.pptx
+++ b/Orga-Dateien/LoFi.pptx
@@ -3382,10 +3382,10 @@
         </p:nvGrpSpPr>
         <p:grpSpPr>
           <a:xfrm>
-            <a:off x="2399374" y="-13411"/>
-            <a:ext cx="3259519" cy="2475461"/>
-            <a:chOff x="2388806" y="75003"/>
-            <a:chExt cx="3259519" cy="2475461"/>
+            <a:off x="2399374" y="80956"/>
+            <a:ext cx="3272232" cy="2381094"/>
+            <a:chOff x="2388806" y="169370"/>
+            <a:chExt cx="3272232" cy="2381094"/>
           </a:xfrm>
         </p:grpSpPr>
         <p:sp>
@@ -3451,13 +3451,13 @@
           </p:nvSpPr>
           <p:spPr>
             <a:xfrm>
-              <a:off x="4201741" y="75003"/>
+              <a:off x="4214454" y="169370"/>
               <a:ext cx="1446584" cy="486627"/>
             </a:xfrm>
             <a:prstGeom prst="wedgeRectCallout">
               <a:avLst>
-                <a:gd name="adj1" fmla="val -118876"/>
-                <a:gd name="adj2" fmla="val 239610"/>
+                <a:gd name="adj1" fmla="val -114105"/>
+                <a:gd name="adj2" fmla="val 202383"/>
               </a:avLst>
             </a:prstGeom>
           </p:spPr>
@@ -3490,224 +3490,6 @@
       </p:grpSp>
       <p:grpSp>
         <p:nvGrpSpPr>
-          <p:cNvPr id="21" name="Gruppieren 20">
-            <a:extLst>
-              <a:ext uri="{FF2B5EF4-FFF2-40B4-BE49-F238E27FC236}">
-                <a16:creationId xmlns:a16="http://schemas.microsoft.com/office/drawing/2014/main" id="{2BE0036D-5B00-A453-55F1-2C3A6DDF4861}"/>
-              </a:ext>
-            </a:extLst>
-          </p:cNvPr>
-          <p:cNvGrpSpPr/>
-          <p:nvPr/>
-        </p:nvGrpSpPr>
-        <p:grpSpPr>
-          <a:xfrm>
-            <a:off x="84968" y="3837264"/>
-            <a:ext cx="4015603" cy="2366648"/>
-            <a:chOff x="84968" y="3837264"/>
-            <a:chExt cx="4015603" cy="2366648"/>
-          </a:xfrm>
-        </p:grpSpPr>
-        <p:sp>
-          <p:nvSpPr>
-            <p:cNvPr id="50" name="Rectangle 1">
-              <a:extLst>
-                <a:ext uri="{FF2B5EF4-FFF2-40B4-BE49-F238E27FC236}">
-                  <a16:creationId xmlns:a16="http://schemas.microsoft.com/office/drawing/2014/main" id="{8B1F1407-8194-CFE9-9D26-C1ACD92DC54C}"/>
-                </a:ext>
-              </a:extLst>
-            </p:cNvPr>
-            <p:cNvSpPr/>
-            <p:nvPr/>
-          </p:nvSpPr>
-          <p:spPr>
-            <a:xfrm>
-              <a:off x="2460880" y="3837264"/>
-              <a:ext cx="1639691" cy="2181363"/>
-            </a:xfrm>
-            <a:prstGeom prst="rect">
-              <a:avLst/>
-            </a:prstGeom>
-          </p:spPr>
-          <p:style>
-            <a:lnRef idx="2">
-              <a:schemeClr val="accent1">
-                <a:shade val="50000"/>
-              </a:schemeClr>
-            </a:lnRef>
-            <a:fillRef idx="1">
-              <a:schemeClr val="accent1"/>
-            </a:fillRef>
-            <a:effectRef idx="0">
-              <a:schemeClr val="accent1"/>
-            </a:effectRef>
-            <a:fontRef idx="minor">
-              <a:schemeClr val="lt1"/>
-            </a:fontRef>
-          </p:style>
-          <p:txBody>
-            <a:bodyPr rtlCol="0" anchor="t"/>
-            <a:lstStyle/>
-            <a:p>
-              <a:pPr algn="ctr"/>
-              <a:r>
-                <a:rPr lang="de-DE" dirty="0"/>
-                <a:t>Restaurant</a:t>
-              </a:r>
-            </a:p>
-          </p:txBody>
-        </p:sp>
-        <p:sp>
-          <p:nvSpPr>
-            <p:cNvPr id="67" name="Rectangle 2">
-              <a:extLst>
-                <a:ext uri="{FF2B5EF4-FFF2-40B4-BE49-F238E27FC236}">
-                  <a16:creationId xmlns:a16="http://schemas.microsoft.com/office/drawing/2014/main" id="{62BC7AD5-2B2D-7011-D42B-E40171646FDE}"/>
-                </a:ext>
-              </a:extLst>
-            </p:cNvPr>
-            <p:cNvSpPr/>
-            <p:nvPr/>
-          </p:nvSpPr>
-          <p:spPr>
-            <a:xfrm>
-              <a:off x="2532316" y="4429151"/>
-              <a:ext cx="1496818" cy="245786"/>
-            </a:xfrm>
-            <a:prstGeom prst="rect">
-              <a:avLst/>
-            </a:prstGeom>
-          </p:spPr>
-          <p:style>
-            <a:lnRef idx="2">
-              <a:schemeClr val="accent2">
-                <a:shade val="50000"/>
-              </a:schemeClr>
-            </a:lnRef>
-            <a:fillRef idx="1">
-              <a:schemeClr val="accent2"/>
-            </a:fillRef>
-            <a:effectRef idx="0">
-              <a:schemeClr val="accent2"/>
-            </a:effectRef>
-            <a:fontRef idx="minor">
-              <a:schemeClr val="lt1"/>
-            </a:fontRef>
-          </p:style>
-          <p:txBody>
-            <a:bodyPr rtlCol="0" anchor="ctr"/>
-            <a:lstStyle/>
-            <a:p>
-              <a:pPr algn="ctr"/>
-              <a:r>
-                <a:rPr lang="de-DE" dirty="0"/>
-                <a:t>Speisekarte</a:t>
-              </a:r>
-            </a:p>
-          </p:txBody>
-        </p:sp>
-        <p:sp>
-          <p:nvSpPr>
-            <p:cNvPr id="68" name="Rectangle 2">
-              <a:extLst>
-                <a:ext uri="{FF2B5EF4-FFF2-40B4-BE49-F238E27FC236}">
-                  <a16:creationId xmlns:a16="http://schemas.microsoft.com/office/drawing/2014/main" id="{094221CA-95CB-FA53-1677-598E6770DD69}"/>
-                </a:ext>
-              </a:extLst>
-            </p:cNvPr>
-            <p:cNvSpPr/>
-            <p:nvPr/>
-          </p:nvSpPr>
-          <p:spPr>
-            <a:xfrm>
-              <a:off x="2532316" y="4762727"/>
-              <a:ext cx="1496818" cy="245786"/>
-            </a:xfrm>
-            <a:prstGeom prst="rect">
-              <a:avLst/>
-            </a:prstGeom>
-          </p:spPr>
-          <p:style>
-            <a:lnRef idx="2">
-              <a:schemeClr val="accent2">
-                <a:shade val="50000"/>
-              </a:schemeClr>
-            </a:lnRef>
-            <a:fillRef idx="1">
-              <a:schemeClr val="accent2"/>
-            </a:fillRef>
-            <a:effectRef idx="0">
-              <a:schemeClr val="accent2"/>
-            </a:effectRef>
-            <a:fontRef idx="minor">
-              <a:schemeClr val="lt1"/>
-            </a:fontRef>
-          </p:style>
-          <p:txBody>
-            <a:bodyPr rtlCol="0" anchor="ctr"/>
-            <a:lstStyle/>
-            <a:p>
-              <a:pPr algn="ctr"/>
-              <a:r>
-                <a:rPr lang="de-DE" dirty="0"/>
-                <a:t>Bestellungen</a:t>
-              </a:r>
-            </a:p>
-          </p:txBody>
-        </p:sp>
-        <p:sp>
-          <p:nvSpPr>
-            <p:cNvPr id="26" name="Speech Bubble: Rectangle 77">
-              <a:extLst>
-                <a:ext uri="{FF2B5EF4-FFF2-40B4-BE49-F238E27FC236}">
-                  <a16:creationId xmlns:a16="http://schemas.microsoft.com/office/drawing/2014/main" id="{BA91F4CA-F629-6FE9-9E02-99A340664771}"/>
-                </a:ext>
-              </a:extLst>
-            </p:cNvPr>
-            <p:cNvSpPr/>
-            <p:nvPr/>
-          </p:nvSpPr>
-          <p:spPr>
-            <a:xfrm>
-              <a:off x="84968" y="5579077"/>
-              <a:ext cx="2146853" cy="624835"/>
-            </a:xfrm>
-            <a:prstGeom prst="wedgeRectCallout">
-              <a:avLst>
-                <a:gd name="adj1" fmla="val 66251"/>
-                <a:gd name="adj2" fmla="val -162277"/>
-              </a:avLst>
-            </a:prstGeom>
-          </p:spPr>
-          <p:style>
-            <a:lnRef idx="2">
-              <a:schemeClr val="dk1"/>
-            </a:lnRef>
-            <a:fillRef idx="1">
-              <a:schemeClr val="lt1"/>
-            </a:fillRef>
-            <a:effectRef idx="0">
-              <a:schemeClr val="dk1"/>
-            </a:effectRef>
-            <a:fontRef idx="minor">
-              <a:schemeClr val="dk1"/>
-            </a:fontRef>
-          </p:style>
-          <p:txBody>
-            <a:bodyPr rtlCol="0" anchor="ctr"/>
-            <a:lstStyle/>
-            <a:p>
-              <a:pPr algn="ctr"/>
-              <a:r>
-                <a:rPr lang="de-DE" dirty="0"/>
-                <a:t>Anzeige für die Küche</a:t>
-              </a:r>
-            </a:p>
-          </p:txBody>
-        </p:sp>
-      </p:grpSp>
-      <p:grpSp>
-        <p:nvGrpSpPr>
           <p:cNvPr id="4" name="Gruppieren 3">
             <a:extLst>
               <a:ext uri="{FF2B5EF4-FFF2-40B4-BE49-F238E27FC236}">
@@ -3721,9 +3503,9 @@
         <p:grpSpPr>
           <a:xfrm>
             <a:off x="220133" y="1958837"/>
-            <a:ext cx="3913962" cy="2181363"/>
+            <a:ext cx="1639691" cy="2181363"/>
             <a:chOff x="220133" y="1958837"/>
-            <a:chExt cx="3913962" cy="2181363"/>
+            <a:chExt cx="1639691" cy="2181363"/>
           </a:xfrm>
         </p:grpSpPr>
         <p:sp>
@@ -3770,7 +3552,7 @@
               <a:pPr algn="ctr"/>
               <a:r>
                 <a:rPr lang="de-DE" dirty="0"/>
-                <a:t>Meine Restaurant App</a:t>
+                <a:t>Login</a:t>
               </a:r>
             </a:p>
           </p:txBody>
@@ -3789,7 +3571,7 @@
           </p:nvSpPr>
           <p:spPr>
             <a:xfrm>
-              <a:off x="276600" y="2707891"/>
+              <a:off x="276600" y="2401670"/>
               <a:ext cx="1496818" cy="245786"/>
             </a:xfrm>
             <a:prstGeom prst="rect">
@@ -3838,7 +3620,7 @@
           </p:nvSpPr>
           <p:spPr>
             <a:xfrm>
-              <a:off x="276600" y="3063176"/>
+              <a:off x="276600" y="2787173"/>
               <a:ext cx="1496818" cy="245786"/>
             </a:xfrm>
             <a:prstGeom prst="rect">
@@ -3967,56 +3749,6 @@
               <a:r>
                 <a:rPr lang="de-DE" dirty="0"/>
                 <a:t>Einstellungen</a:t>
-              </a:r>
-            </a:p>
-          </p:txBody>
-        </p:sp>
-        <p:sp>
-          <p:nvSpPr>
-            <p:cNvPr id="27" name="Speech Bubble: Rectangle 78">
-              <a:extLst>
-                <a:ext uri="{FF2B5EF4-FFF2-40B4-BE49-F238E27FC236}">
-                  <a16:creationId xmlns:a16="http://schemas.microsoft.com/office/drawing/2014/main" id="{207827A9-6847-0127-EDF6-083504716063}"/>
-                </a:ext>
-              </a:extLst>
-            </p:cNvPr>
-            <p:cNvSpPr/>
-            <p:nvPr/>
-          </p:nvSpPr>
-          <p:spPr>
-            <a:xfrm>
-              <a:off x="2200592" y="2632086"/>
-              <a:ext cx="1933503" cy="1134545"/>
-            </a:xfrm>
-            <a:prstGeom prst="wedgeRectCallout">
-              <a:avLst>
-                <a:gd name="adj1" fmla="val -72407"/>
-                <a:gd name="adj2" fmla="val 29460"/>
-              </a:avLst>
-            </a:prstGeom>
-          </p:spPr>
-          <p:style>
-            <a:lnRef idx="2">
-              <a:schemeClr val="dk1"/>
-            </a:lnRef>
-            <a:fillRef idx="1">
-              <a:schemeClr val="lt1"/>
-            </a:fillRef>
-            <a:effectRef idx="0">
-              <a:schemeClr val="dk1"/>
-            </a:effectRef>
-            <a:fontRef idx="minor">
-              <a:schemeClr val="dk1"/>
-            </a:fontRef>
-          </p:style>
-          <p:txBody>
-            <a:bodyPr rtlCol="0" anchor="ctr"/>
-            <a:lstStyle/>
-            <a:p>
-              <a:pPr algn="ctr"/>
-              <a:r>
-                <a:rPr lang="de-DE" dirty="0"/>
-                <a:t>Auswahl zwischen Benutzer &amp; Restaurant bei Registrierung</a:t>
               </a:r>
             </a:p>
           </p:txBody>
@@ -4598,14 +4330,9 @@
             <a:p>
               <a:pPr algn="ctr"/>
               <a:r>
-                <a:rPr lang="de-DE" sz="1600" dirty="0"/>
-                <a:t>Seite </a:t>
+                <a:rPr lang="de-DE" sz="1400" dirty="0"/>
+                <a:t>Seite einscannen</a:t>
               </a:r>
-              <a:r>
-                <a:rPr lang="de-DE" sz="1400" dirty="0"/>
-                <a:t>einscannen</a:t>
-              </a:r>
-              <a:endParaRPr lang="de-DE" dirty="0"/>
             </a:p>
           </p:txBody>
         </p:sp>
@@ -4722,7 +4449,7 @@
         </p:nvGrpSpPr>
         <p:grpSpPr>
           <a:xfrm>
-            <a:off x="7835968" y="3846207"/>
+            <a:off x="8756880" y="4310312"/>
             <a:ext cx="1593115" cy="2183910"/>
             <a:chOff x="7835968" y="3846207"/>
             <a:chExt cx="1593115" cy="2183910"/>
@@ -5284,10 +5011,10 @@
         </p:nvGrpSpPr>
         <p:grpSpPr>
           <a:xfrm>
-            <a:off x="4940368" y="2889825"/>
-            <a:ext cx="4241732" cy="3128802"/>
-            <a:chOff x="4940368" y="2889825"/>
-            <a:chExt cx="4241732" cy="3128802"/>
+            <a:off x="6493599" y="3515365"/>
+            <a:ext cx="3125221" cy="3241353"/>
+            <a:chOff x="4940368" y="2777274"/>
+            <a:chExt cx="3125221" cy="3241353"/>
           </a:xfrm>
         </p:grpSpPr>
         <p:sp>
@@ -5707,13 +5434,13 @@
           </p:nvSpPr>
           <p:spPr>
             <a:xfrm>
-              <a:off x="6537114" y="2889825"/>
+              <a:off x="5420603" y="2777274"/>
               <a:ext cx="2644986" cy="624835"/>
             </a:xfrm>
             <a:prstGeom prst="wedgeRectCallout">
               <a:avLst>
-                <a:gd name="adj1" fmla="val -55759"/>
-                <a:gd name="adj2" fmla="val 128884"/>
+                <a:gd name="adj1" fmla="val -34560"/>
+                <a:gd name="adj2" fmla="val 131645"/>
               </a:avLst>
             </a:prstGeom>
           </p:spPr>
@@ -5811,8 +5538,8 @@
         </p:nvCxnSpPr>
         <p:spPr>
           <a:xfrm rot="10800000">
-            <a:off x="6533483" y="5138212"/>
-            <a:ext cx="1406662" cy="653381"/>
+            <a:off x="8086715" y="5876303"/>
+            <a:ext cx="774343" cy="379395"/>
           </a:xfrm>
           <a:prstGeom prst="curvedConnector3">
             <a:avLst>
@@ -5852,14 +5579,13 @@
           </p:cNvPr>
           <p:cNvCxnSpPr>
             <a:cxnSpLocks/>
-            <a:endCxn id="12" idx="1"/>
           </p:cNvCxnSpPr>
           <p:nvPr/>
         </p:nvCxnSpPr>
         <p:spPr>
-          <a:xfrm>
-            <a:off x="6096000" y="4424865"/>
-            <a:ext cx="1739968" cy="607825"/>
+          <a:xfrm flipV="1">
+            <a:off x="7653385" y="4847704"/>
+            <a:ext cx="1103495" cy="315252"/>
           </a:xfrm>
           <a:prstGeom prst="curvedConnector3">
             <a:avLst>
@@ -5890,24 +5616,24 @@
       </p:cxnSp>
       <p:cxnSp>
         <p:nvCxnSpPr>
-          <p:cNvPr id="71" name="Connector: Curved 16">
-            <a:extLst>
-              <a:ext uri="{FF2B5EF4-FFF2-40B4-BE49-F238E27FC236}">
-                <a16:creationId xmlns:a16="http://schemas.microsoft.com/office/drawing/2014/main" id="{BC2C51FB-47BA-2AA2-EB95-C2D3B8A38E57}"/>
+          <p:cNvPr id="100" name="Connector: Curved 16">
+            <a:extLst>
+              <a:ext uri="{FF2B5EF4-FFF2-40B4-BE49-F238E27FC236}">
+                <a16:creationId xmlns:a16="http://schemas.microsoft.com/office/drawing/2014/main" id="{1013A069-A374-4B57-917D-9C141219DFA7}"/>
               </a:ext>
             </a:extLst>
           </p:cNvPr>
           <p:cNvCxnSpPr>
             <a:cxnSpLocks/>
-            <a:stCxn id="67" idx="3"/>
-            <a:endCxn id="34" idx="1"/>
+            <a:stCxn id="35" idx="3"/>
+            <a:endCxn id="46" idx="1"/>
           </p:cNvCxnSpPr>
           <p:nvPr/>
         </p:nvCxnSpPr>
         <p:spPr>
           <a:xfrm flipV="1">
-            <a:off x="4029134" y="2041819"/>
-            <a:ext cx="427175" cy="2510225"/>
+            <a:off x="6024562" y="1521842"/>
+            <a:ext cx="4251147" cy="260320"/>
           </a:xfrm>
           <a:prstGeom prst="curvedConnector3">
             <a:avLst>
@@ -5938,24 +5664,24 @@
       </p:cxnSp>
       <p:cxnSp>
         <p:nvCxnSpPr>
-          <p:cNvPr id="100" name="Connector: Curved 16">
-            <a:extLst>
-              <a:ext uri="{FF2B5EF4-FFF2-40B4-BE49-F238E27FC236}">
-                <a16:creationId xmlns:a16="http://schemas.microsoft.com/office/drawing/2014/main" id="{1013A069-A374-4B57-917D-9C141219DFA7}"/>
+          <p:cNvPr id="57" name="Connector: Curved 16">
+            <a:extLst>
+              <a:ext uri="{FF2B5EF4-FFF2-40B4-BE49-F238E27FC236}">
+                <a16:creationId xmlns:a16="http://schemas.microsoft.com/office/drawing/2014/main" id="{AD18DCCD-BDBD-43C3-A752-62F72FE56390}"/>
               </a:ext>
             </a:extLst>
           </p:cNvPr>
           <p:cNvCxnSpPr>
             <a:cxnSpLocks/>
-            <a:stCxn id="35" idx="3"/>
+            <a:stCxn id="97" idx="3"/>
             <a:endCxn id="46" idx="1"/>
           </p:cNvCxnSpPr>
           <p:nvPr/>
         </p:nvCxnSpPr>
         <p:spPr>
-          <a:xfrm flipV="1">
-            <a:off x="6024562" y="1521842"/>
-            <a:ext cx="4251147" cy="260320"/>
+          <a:xfrm>
+            <a:off x="6024562" y="1310475"/>
+            <a:ext cx="4251147" cy="211367"/>
           </a:xfrm>
           <a:prstGeom prst="curvedConnector3">
             <a:avLst>
@@ -5986,24 +5712,24 @@
       </p:cxnSp>
       <p:cxnSp>
         <p:nvCxnSpPr>
-          <p:cNvPr id="57" name="Connector: Curved 16">
-            <a:extLst>
-              <a:ext uri="{FF2B5EF4-FFF2-40B4-BE49-F238E27FC236}">
-                <a16:creationId xmlns:a16="http://schemas.microsoft.com/office/drawing/2014/main" id="{AD18DCCD-BDBD-43C3-A752-62F72FE56390}"/>
+          <p:cNvPr id="55" name="Connector: Curved 16">
+            <a:extLst>
+              <a:ext uri="{FF2B5EF4-FFF2-40B4-BE49-F238E27FC236}">
+                <a16:creationId xmlns:a16="http://schemas.microsoft.com/office/drawing/2014/main" id="{096F7A85-38E7-49A8-AB66-5CFE4F36D7BD}"/>
               </a:ext>
             </a:extLst>
           </p:cNvPr>
           <p:cNvCxnSpPr>
             <a:cxnSpLocks/>
-            <a:stCxn id="97" idx="3"/>
-            <a:endCxn id="46" idx="1"/>
+            <a:stCxn id="52" idx="1"/>
+            <a:endCxn id="34" idx="3"/>
           </p:cNvCxnSpPr>
           <p:nvPr/>
         </p:nvCxnSpPr>
         <p:spPr>
-          <a:xfrm>
-            <a:off x="6024562" y="1310475"/>
-            <a:ext cx="4251147" cy="211367"/>
+          <a:xfrm rot="10800000">
+            <a:off x="6096001" y="2041820"/>
+            <a:ext cx="4251145" cy="296997"/>
           </a:xfrm>
           <a:prstGeom prst="curvedConnector3">
             <a:avLst>
@@ -6034,24 +5760,24 @@
       </p:cxnSp>
       <p:cxnSp>
         <p:nvCxnSpPr>
-          <p:cNvPr id="55" name="Connector: Curved 16">
-            <a:extLst>
-              <a:ext uri="{FF2B5EF4-FFF2-40B4-BE49-F238E27FC236}">
-                <a16:creationId xmlns:a16="http://schemas.microsoft.com/office/drawing/2014/main" id="{096F7A85-38E7-49A8-AB66-5CFE4F36D7BD}"/>
+          <p:cNvPr id="32" name="Connector: Curved 16">
+            <a:extLst>
+              <a:ext uri="{FF2B5EF4-FFF2-40B4-BE49-F238E27FC236}">
+                <a16:creationId xmlns:a16="http://schemas.microsoft.com/office/drawing/2014/main" id="{23B7924C-EED7-6BD8-E595-CCDC97C51542}"/>
               </a:ext>
             </a:extLst>
           </p:cNvPr>
           <p:cNvCxnSpPr>
             <a:cxnSpLocks/>
-            <a:stCxn id="52" idx="1"/>
+            <a:stCxn id="31" idx="1"/>
             <a:endCxn id="34" idx="3"/>
           </p:cNvCxnSpPr>
           <p:nvPr/>
         </p:nvCxnSpPr>
         <p:spPr>
           <a:xfrm rot="10800000">
-            <a:off x="6096001" y="2041820"/>
-            <a:ext cx="4251145" cy="296997"/>
+            <a:off x="6096000" y="2041819"/>
+            <a:ext cx="4251144" cy="649366"/>
           </a:xfrm>
           <a:prstGeom prst="curvedConnector3">
             <a:avLst>
@@ -6082,24 +5808,24 @@
       </p:cxnSp>
       <p:cxnSp>
         <p:nvCxnSpPr>
-          <p:cNvPr id="32" name="Connector: Curved 16">
-            <a:extLst>
-              <a:ext uri="{FF2B5EF4-FFF2-40B4-BE49-F238E27FC236}">
-                <a16:creationId xmlns:a16="http://schemas.microsoft.com/office/drawing/2014/main" id="{23B7924C-EED7-6BD8-E595-CCDC97C51542}"/>
+          <p:cNvPr id="51" name="Connector: Curved 16">
+            <a:extLst>
+              <a:ext uri="{FF2B5EF4-FFF2-40B4-BE49-F238E27FC236}">
+                <a16:creationId xmlns:a16="http://schemas.microsoft.com/office/drawing/2014/main" id="{7BD492B4-EC10-35A0-B783-86BBA44D311D}"/>
               </a:ext>
             </a:extLst>
           </p:cNvPr>
           <p:cNvCxnSpPr>
             <a:cxnSpLocks/>
-            <a:stCxn id="31" idx="1"/>
-            <a:endCxn id="34" idx="3"/>
+            <a:stCxn id="45" idx="3"/>
+            <a:endCxn id="47" idx="1"/>
           </p:cNvCxnSpPr>
           <p:nvPr/>
         </p:nvCxnSpPr>
         <p:spPr>
-          <a:xfrm rot="10800000">
-            <a:off x="6096000" y="2041819"/>
-            <a:ext cx="4251144" cy="649366"/>
+          <a:xfrm flipV="1">
+            <a:off x="1773417" y="1371369"/>
+            <a:ext cx="625957" cy="2169986"/>
           </a:xfrm>
           <a:prstGeom prst="curvedConnector3">
             <a:avLst>
@@ -6130,24 +5856,74 @@
       </p:cxnSp>
       <p:cxnSp>
         <p:nvCxnSpPr>
-          <p:cNvPr id="51" name="Connector: Curved 16">
-            <a:extLst>
-              <a:ext uri="{FF2B5EF4-FFF2-40B4-BE49-F238E27FC236}">
-                <a16:creationId xmlns:a16="http://schemas.microsoft.com/office/drawing/2014/main" id="{7BD492B4-EC10-35A0-B783-86BBA44D311D}"/>
+          <p:cNvPr id="56" name="Connector: Curved 16">
+            <a:extLst>
+              <a:ext uri="{FF2B5EF4-FFF2-40B4-BE49-F238E27FC236}">
+                <a16:creationId xmlns:a16="http://schemas.microsoft.com/office/drawing/2014/main" id="{B9AD7973-4027-F664-424C-B9C496C474F2}"/>
               </a:ext>
             </a:extLst>
           </p:cNvPr>
           <p:cNvCxnSpPr>
             <a:cxnSpLocks/>
             <a:stCxn id="45" idx="3"/>
-            <a:endCxn id="47" idx="1"/>
+            <a:endCxn id="50" idx="1"/>
           </p:cNvCxnSpPr>
           <p:nvPr/>
         </p:nvCxnSpPr>
         <p:spPr>
-          <a:xfrm flipV="1">
-            <a:off x="1773417" y="1371369"/>
-            <a:ext cx="625957" cy="2169986"/>
+          <a:xfrm flipH="1">
+            <a:off x="1740252" y="3541355"/>
+            <a:ext cx="33165" cy="2169986"/>
+          </a:xfrm>
+          <a:prstGeom prst="curvedConnector5">
+            <a:avLst>
+              <a:gd name="adj1" fmla="val -689281"/>
+              <a:gd name="adj2" fmla="val 27701"/>
+              <a:gd name="adj3" fmla="val 789281"/>
+            </a:avLst>
+          </a:prstGeom>
+          <a:ln w="28575">
+            <a:solidFill>
+              <a:srgbClr val="FF0000"/>
+            </a:solidFill>
+            <a:tailEnd type="triangle"/>
+          </a:ln>
+        </p:spPr>
+        <p:style>
+          <a:lnRef idx="1">
+            <a:schemeClr val="accent1"/>
+          </a:lnRef>
+          <a:fillRef idx="0">
+            <a:schemeClr val="accent1"/>
+          </a:fillRef>
+          <a:effectRef idx="0">
+            <a:schemeClr val="accent1"/>
+          </a:effectRef>
+          <a:fontRef idx="minor">
+            <a:schemeClr val="tx1"/>
+          </a:fontRef>
+        </p:style>
+      </p:cxnSp>
+      <p:cxnSp>
+        <p:nvCxnSpPr>
+          <p:cNvPr id="66" name="Connector: Curved 16">
+            <a:extLst>
+              <a:ext uri="{FF2B5EF4-FFF2-40B4-BE49-F238E27FC236}">
+                <a16:creationId xmlns:a16="http://schemas.microsoft.com/office/drawing/2014/main" id="{2F9ADEA0-312E-2092-2664-13BF99EFB2AD}"/>
+              </a:ext>
+            </a:extLst>
+          </p:cNvPr>
+          <p:cNvCxnSpPr>
+            <a:cxnSpLocks/>
+            <a:stCxn id="40" idx="1"/>
+            <a:endCxn id="50" idx="3"/>
+          </p:cNvCxnSpPr>
+          <p:nvPr/>
+        </p:nvCxnSpPr>
+        <p:spPr>
+          <a:xfrm rot="10800000" flipV="1">
+            <a:off x="3379944" y="2725339"/>
+            <a:ext cx="1151839" cy="2986001"/>
           </a:xfrm>
           <a:prstGeom prst="curvedConnector3">
             <a:avLst>
@@ -6176,198 +5952,6 @@
           </a:fontRef>
         </p:style>
       </p:cxnSp>
-      <p:cxnSp>
-        <p:nvCxnSpPr>
-          <p:cNvPr id="56" name="Connector: Curved 16">
-            <a:extLst>
-              <a:ext uri="{FF2B5EF4-FFF2-40B4-BE49-F238E27FC236}">
-                <a16:creationId xmlns:a16="http://schemas.microsoft.com/office/drawing/2014/main" id="{B9AD7973-4027-F664-424C-B9C496C474F2}"/>
-              </a:ext>
-            </a:extLst>
-          </p:cNvPr>
-          <p:cNvCxnSpPr>
-            <a:cxnSpLocks/>
-            <a:stCxn id="45" idx="3"/>
-            <a:endCxn id="50" idx="1"/>
-          </p:cNvCxnSpPr>
-          <p:nvPr/>
-        </p:nvCxnSpPr>
-        <p:spPr>
-          <a:xfrm>
-            <a:off x="1773417" y="3541355"/>
-            <a:ext cx="687463" cy="1386591"/>
-          </a:xfrm>
-          <a:prstGeom prst="curvedConnector3">
-            <a:avLst>
-              <a:gd name="adj1" fmla="val 50000"/>
-            </a:avLst>
-          </a:prstGeom>
-          <a:ln w="28575">
-            <a:solidFill>
-              <a:srgbClr val="FF0000"/>
-            </a:solidFill>
-            <a:tailEnd type="triangle"/>
-          </a:ln>
-        </p:spPr>
-        <p:style>
-          <a:lnRef idx="1">
-            <a:schemeClr val="accent1"/>
-          </a:lnRef>
-          <a:fillRef idx="0">
-            <a:schemeClr val="accent1"/>
-          </a:fillRef>
-          <a:effectRef idx="0">
-            <a:schemeClr val="accent1"/>
-          </a:effectRef>
-          <a:fontRef idx="minor">
-            <a:schemeClr val="tx1"/>
-          </a:fontRef>
-        </p:style>
-      </p:cxnSp>
-      <p:cxnSp>
-        <p:nvCxnSpPr>
-          <p:cNvPr id="62" name="Connector: Curved 16">
-            <a:extLst>
-              <a:ext uri="{FF2B5EF4-FFF2-40B4-BE49-F238E27FC236}">
-                <a16:creationId xmlns:a16="http://schemas.microsoft.com/office/drawing/2014/main" id="{D56803D9-E26C-7286-E84B-080E7C88939A}"/>
-              </a:ext>
-            </a:extLst>
-          </p:cNvPr>
-          <p:cNvCxnSpPr>
-            <a:cxnSpLocks/>
-            <a:stCxn id="42" idx="1"/>
-            <a:endCxn id="50" idx="3"/>
-          </p:cNvCxnSpPr>
-          <p:nvPr/>
-        </p:nvCxnSpPr>
-        <p:spPr>
-          <a:xfrm rot="10800000">
-            <a:off x="4100571" y="4927946"/>
-            <a:ext cx="903500" cy="863646"/>
-          </a:xfrm>
-          <a:prstGeom prst="curvedConnector3">
-            <a:avLst>
-              <a:gd name="adj1" fmla="val 50000"/>
-            </a:avLst>
-          </a:prstGeom>
-          <a:ln w="28575">
-            <a:solidFill>
-              <a:srgbClr val="FF0000"/>
-            </a:solidFill>
-            <a:tailEnd type="triangle"/>
-          </a:ln>
-        </p:spPr>
-        <p:style>
-          <a:lnRef idx="1">
-            <a:schemeClr val="accent1"/>
-          </a:lnRef>
-          <a:fillRef idx="0">
-            <a:schemeClr val="accent1"/>
-          </a:fillRef>
-          <a:effectRef idx="0">
-            <a:schemeClr val="accent1"/>
-          </a:effectRef>
-          <a:fontRef idx="minor">
-            <a:schemeClr val="tx1"/>
-          </a:fontRef>
-        </p:style>
-      </p:cxnSp>
-      <p:cxnSp>
-        <p:nvCxnSpPr>
-          <p:cNvPr id="75" name="Connector: Curved 16">
-            <a:extLst>
-              <a:ext uri="{FF2B5EF4-FFF2-40B4-BE49-F238E27FC236}">
-                <a16:creationId xmlns:a16="http://schemas.microsoft.com/office/drawing/2014/main" id="{4EEEE4CC-F27F-4E8E-91F4-70B9BD7D256F}"/>
-              </a:ext>
-            </a:extLst>
-          </p:cNvPr>
-          <p:cNvCxnSpPr>
-            <a:cxnSpLocks/>
-            <a:stCxn id="68" idx="3"/>
-            <a:endCxn id="114" idx="1"/>
-          </p:cNvCxnSpPr>
-          <p:nvPr/>
-        </p:nvCxnSpPr>
-        <p:spPr>
-          <a:xfrm>
-            <a:off x="4029134" y="4885620"/>
-            <a:ext cx="911234" cy="135580"/>
-          </a:xfrm>
-          <a:prstGeom prst="curvedConnector3">
-            <a:avLst>
-              <a:gd name="adj1" fmla="val 50000"/>
-            </a:avLst>
-          </a:prstGeom>
-          <a:ln w="28575">
-            <a:solidFill>
-              <a:srgbClr val="FF0000"/>
-            </a:solidFill>
-            <a:tailEnd type="triangle"/>
-          </a:ln>
-        </p:spPr>
-        <p:style>
-          <a:lnRef idx="1">
-            <a:schemeClr val="accent1"/>
-          </a:lnRef>
-          <a:fillRef idx="0">
-            <a:schemeClr val="accent1"/>
-          </a:fillRef>
-          <a:effectRef idx="0">
-            <a:schemeClr val="accent1"/>
-          </a:effectRef>
-          <a:fontRef idx="minor">
-            <a:schemeClr val="tx1"/>
-          </a:fontRef>
-        </p:style>
-      </p:cxnSp>
-      <p:cxnSp>
-        <p:nvCxnSpPr>
-          <p:cNvPr id="66" name="Connector: Curved 16">
-            <a:extLst>
-              <a:ext uri="{FF2B5EF4-FFF2-40B4-BE49-F238E27FC236}">
-                <a16:creationId xmlns:a16="http://schemas.microsoft.com/office/drawing/2014/main" id="{2F9ADEA0-312E-2092-2664-13BF99EFB2AD}"/>
-              </a:ext>
-            </a:extLst>
-          </p:cNvPr>
-          <p:cNvCxnSpPr>
-            <a:cxnSpLocks/>
-            <a:stCxn id="40" idx="1"/>
-            <a:endCxn id="50" idx="3"/>
-          </p:cNvCxnSpPr>
-          <p:nvPr/>
-        </p:nvCxnSpPr>
-        <p:spPr>
-          <a:xfrm rot="10800000" flipV="1">
-            <a:off x="4100572" y="2725340"/>
-            <a:ext cx="431211" cy="2202606"/>
-          </a:xfrm>
-          <a:prstGeom prst="curvedConnector3">
-            <a:avLst>
-              <a:gd name="adj1" fmla="val 50000"/>
-            </a:avLst>
-          </a:prstGeom>
-          <a:ln w="28575">
-            <a:solidFill>
-              <a:srgbClr val="FF0000"/>
-            </a:solidFill>
-            <a:tailEnd type="triangle"/>
-          </a:ln>
-        </p:spPr>
-        <p:style>
-          <a:lnRef idx="1">
-            <a:schemeClr val="accent1"/>
-          </a:lnRef>
-          <a:fillRef idx="0">
-            <a:schemeClr val="accent1"/>
-          </a:fillRef>
-          <a:effectRef idx="0">
-            <a:schemeClr val="accent1"/>
-          </a:effectRef>
-          <a:fontRef idx="minor">
-            <a:schemeClr val="tx1"/>
-          </a:fontRef>
-        </p:style>
-      </p:cxnSp>
       <p:sp>
         <p:nvSpPr>
           <p:cNvPr id="25" name="Speech Bubble: Rectangle 77">
@@ -6382,13 +5966,13 @@
         </p:nvSpPr>
         <p:spPr>
           <a:xfrm>
-            <a:off x="9825014" y="3700913"/>
+            <a:off x="9994161" y="3391565"/>
             <a:ext cx="2146853" cy="851131"/>
           </a:xfrm>
           <a:prstGeom prst="wedgeRectCallout">
             <a:avLst>
-              <a:gd name="adj1" fmla="val -70844"/>
-              <a:gd name="adj2" fmla="val 109181"/>
+              <a:gd name="adj1" fmla="val -35082"/>
+              <a:gd name="adj2" fmla="val 192290"/>
             </a:avLst>
           </a:prstGeom>
         </p:spPr>
@@ -6414,6 +5998,972 @@
             <a:r>
               <a:rPr lang="de-DE" dirty="0"/>
               <a:t>Abgeschlossene Bestellungen kommen nach unten</a:t>
+            </a:r>
+          </a:p>
+        </p:txBody>
+      </p:sp>
+      <p:cxnSp>
+        <p:nvCxnSpPr>
+          <p:cNvPr id="22" name="Connector: Curved 16">
+            <a:extLst>
+              <a:ext uri="{FF2B5EF4-FFF2-40B4-BE49-F238E27FC236}">
+                <a16:creationId xmlns:a16="http://schemas.microsoft.com/office/drawing/2014/main" id="{9D8C7F4B-D17E-7FC1-AC8C-463EF4835446}"/>
+              </a:ext>
+            </a:extLst>
+          </p:cNvPr>
+          <p:cNvCxnSpPr>
+            <a:cxnSpLocks/>
+            <a:endCxn id="2" idx="1"/>
+          </p:cNvCxnSpPr>
+          <p:nvPr/>
+        </p:nvCxnSpPr>
+        <p:spPr>
+          <a:xfrm>
+            <a:off x="0" y="3032959"/>
+            <a:ext cx="220133" cy="16560"/>
+          </a:xfrm>
+          <a:prstGeom prst="curvedConnector3">
+            <a:avLst>
+              <a:gd name="adj1" fmla="val 50000"/>
+            </a:avLst>
+          </a:prstGeom>
+          <a:ln w="28575">
+            <a:solidFill>
+              <a:srgbClr val="FF0000"/>
+            </a:solidFill>
+            <a:tailEnd type="triangle"/>
+          </a:ln>
+        </p:spPr>
+        <p:style>
+          <a:lnRef idx="1">
+            <a:schemeClr val="accent1"/>
+          </a:lnRef>
+          <a:fillRef idx="0">
+            <a:schemeClr val="accent1"/>
+          </a:fillRef>
+          <a:effectRef idx="0">
+            <a:schemeClr val="accent1"/>
+          </a:effectRef>
+          <a:fontRef idx="minor">
+            <a:schemeClr val="tx1"/>
+          </a:fontRef>
+        </p:style>
+      </p:cxnSp>
+      <p:grpSp>
+        <p:nvGrpSpPr>
+          <p:cNvPr id="69" name="Gruppieren 68">
+            <a:extLst>
+              <a:ext uri="{FF2B5EF4-FFF2-40B4-BE49-F238E27FC236}">
+                <a16:creationId xmlns:a16="http://schemas.microsoft.com/office/drawing/2014/main" id="{208D4D04-F6F1-B2FC-A2D4-4A85682626BA}"/>
+              </a:ext>
+            </a:extLst>
+          </p:cNvPr>
+          <p:cNvGrpSpPr/>
+          <p:nvPr/>
+        </p:nvGrpSpPr>
+        <p:grpSpPr>
+          <a:xfrm>
+            <a:off x="90281" y="4620659"/>
+            <a:ext cx="3289662" cy="2181363"/>
+            <a:chOff x="515260" y="4140097"/>
+            <a:chExt cx="3289662" cy="2181363"/>
+          </a:xfrm>
+        </p:grpSpPr>
+        <p:grpSp>
+          <p:nvGrpSpPr>
+            <p:cNvPr id="21" name="Gruppieren 20">
+              <a:extLst>
+                <a:ext uri="{FF2B5EF4-FFF2-40B4-BE49-F238E27FC236}">
+                  <a16:creationId xmlns:a16="http://schemas.microsoft.com/office/drawing/2014/main" id="{2BE0036D-5B00-A453-55F1-2C3A6DDF4861}"/>
+                </a:ext>
+              </a:extLst>
+            </p:cNvPr>
+            <p:cNvGrpSpPr/>
+            <p:nvPr/>
+          </p:nvGrpSpPr>
+          <p:grpSpPr>
+            <a:xfrm>
+              <a:off x="515260" y="4140097"/>
+              <a:ext cx="3289662" cy="2181363"/>
+              <a:chOff x="810909" y="3837264"/>
+              <a:chExt cx="3289662" cy="2181363"/>
+            </a:xfrm>
+          </p:grpSpPr>
+          <p:sp>
+            <p:nvSpPr>
+              <p:cNvPr id="50" name="Rectangle 1">
+                <a:extLst>
+                  <a:ext uri="{FF2B5EF4-FFF2-40B4-BE49-F238E27FC236}">
+                    <a16:creationId xmlns:a16="http://schemas.microsoft.com/office/drawing/2014/main" id="{8B1F1407-8194-CFE9-9D26-C1ACD92DC54C}"/>
+                  </a:ext>
+                </a:extLst>
+              </p:cNvPr>
+              <p:cNvSpPr/>
+              <p:nvPr/>
+            </p:nvSpPr>
+            <p:spPr>
+              <a:xfrm>
+                <a:off x="2460880" y="3837264"/>
+                <a:ext cx="1639691" cy="2181363"/>
+              </a:xfrm>
+              <a:prstGeom prst="rect">
+                <a:avLst/>
+              </a:prstGeom>
+            </p:spPr>
+            <p:style>
+              <a:lnRef idx="2">
+                <a:schemeClr val="accent1">
+                  <a:shade val="50000"/>
+                </a:schemeClr>
+              </a:lnRef>
+              <a:fillRef idx="1">
+                <a:schemeClr val="accent1"/>
+              </a:fillRef>
+              <a:effectRef idx="0">
+                <a:schemeClr val="accent1"/>
+              </a:effectRef>
+              <a:fontRef idx="minor">
+                <a:schemeClr val="lt1"/>
+              </a:fontRef>
+            </p:style>
+            <p:txBody>
+              <a:bodyPr rtlCol="0" anchor="t"/>
+              <a:lstStyle/>
+              <a:p>
+                <a:pPr algn="ctr"/>
+                <a:r>
+                  <a:rPr lang="de-DE" dirty="0"/>
+                  <a:t>Restaurant</a:t>
+                </a:r>
+              </a:p>
+            </p:txBody>
+          </p:sp>
+          <p:sp>
+            <p:nvSpPr>
+              <p:cNvPr id="67" name="Rectangle 2">
+                <a:extLst>
+                  <a:ext uri="{FF2B5EF4-FFF2-40B4-BE49-F238E27FC236}">
+                    <a16:creationId xmlns:a16="http://schemas.microsoft.com/office/drawing/2014/main" id="{62BC7AD5-2B2D-7011-D42B-E40171646FDE}"/>
+                  </a:ext>
+                </a:extLst>
+              </p:cNvPr>
+              <p:cNvSpPr/>
+              <p:nvPr/>
+            </p:nvSpPr>
+            <p:spPr>
+              <a:xfrm>
+                <a:off x="2532316" y="4429151"/>
+                <a:ext cx="1496818" cy="245786"/>
+              </a:xfrm>
+              <a:prstGeom prst="rect">
+                <a:avLst/>
+              </a:prstGeom>
+            </p:spPr>
+            <p:style>
+              <a:lnRef idx="2">
+                <a:schemeClr val="accent2">
+                  <a:shade val="50000"/>
+                </a:schemeClr>
+              </a:lnRef>
+              <a:fillRef idx="1">
+                <a:schemeClr val="accent2"/>
+              </a:fillRef>
+              <a:effectRef idx="0">
+                <a:schemeClr val="accent2"/>
+              </a:effectRef>
+              <a:fontRef idx="minor">
+                <a:schemeClr val="lt1"/>
+              </a:fontRef>
+            </p:style>
+            <p:txBody>
+              <a:bodyPr rtlCol="0" anchor="ctr"/>
+              <a:lstStyle/>
+              <a:p>
+                <a:pPr algn="ctr"/>
+                <a:r>
+                  <a:rPr lang="de-DE" dirty="0"/>
+                  <a:t>Speisekarte</a:t>
+                </a:r>
+              </a:p>
+            </p:txBody>
+          </p:sp>
+          <p:sp>
+            <p:nvSpPr>
+              <p:cNvPr id="68" name="Rectangle 2">
+                <a:extLst>
+                  <a:ext uri="{FF2B5EF4-FFF2-40B4-BE49-F238E27FC236}">
+                    <a16:creationId xmlns:a16="http://schemas.microsoft.com/office/drawing/2014/main" id="{094221CA-95CB-FA53-1677-598E6770DD69}"/>
+                  </a:ext>
+                </a:extLst>
+              </p:cNvPr>
+              <p:cNvSpPr/>
+              <p:nvPr/>
+            </p:nvSpPr>
+            <p:spPr>
+              <a:xfrm>
+                <a:off x="2532316" y="4762727"/>
+                <a:ext cx="1496818" cy="245786"/>
+              </a:xfrm>
+              <a:prstGeom prst="rect">
+                <a:avLst/>
+              </a:prstGeom>
+            </p:spPr>
+            <p:style>
+              <a:lnRef idx="2">
+                <a:schemeClr val="accent2">
+                  <a:shade val="50000"/>
+                </a:schemeClr>
+              </a:lnRef>
+              <a:fillRef idx="1">
+                <a:schemeClr val="accent2"/>
+              </a:fillRef>
+              <a:effectRef idx="0">
+                <a:schemeClr val="accent2"/>
+              </a:effectRef>
+              <a:fontRef idx="minor">
+                <a:schemeClr val="lt1"/>
+              </a:fontRef>
+            </p:style>
+            <p:txBody>
+              <a:bodyPr rtlCol="0" anchor="ctr"/>
+              <a:lstStyle/>
+              <a:p>
+                <a:pPr algn="ctr"/>
+                <a:r>
+                  <a:rPr lang="de-DE" dirty="0"/>
+                  <a:t>Bestellungen</a:t>
+                </a:r>
+              </a:p>
+            </p:txBody>
+          </p:sp>
+          <p:sp>
+            <p:nvSpPr>
+              <p:cNvPr id="26" name="Speech Bubble: Rectangle 77">
+                <a:extLst>
+                  <a:ext uri="{FF2B5EF4-FFF2-40B4-BE49-F238E27FC236}">
+                    <a16:creationId xmlns:a16="http://schemas.microsoft.com/office/drawing/2014/main" id="{BA91F4CA-F629-6FE9-9E02-99A340664771}"/>
+                  </a:ext>
+                </a:extLst>
+              </p:cNvPr>
+              <p:cNvSpPr/>
+              <p:nvPr/>
+            </p:nvSpPr>
+            <p:spPr>
+              <a:xfrm>
+                <a:off x="810909" y="4057063"/>
+                <a:ext cx="1307816" cy="868630"/>
+              </a:xfrm>
+              <a:prstGeom prst="wedgeRectCallout">
+                <a:avLst>
+                  <a:gd name="adj1" fmla="val 87253"/>
+                  <a:gd name="adj2" fmla="val -28065"/>
+                </a:avLst>
+              </a:prstGeom>
+            </p:spPr>
+            <p:style>
+              <a:lnRef idx="2">
+                <a:schemeClr val="dk1"/>
+              </a:lnRef>
+              <a:fillRef idx="1">
+                <a:schemeClr val="lt1"/>
+              </a:fillRef>
+              <a:effectRef idx="0">
+                <a:schemeClr val="dk1"/>
+              </a:effectRef>
+              <a:fontRef idx="minor">
+                <a:schemeClr val="dk1"/>
+              </a:fontRef>
+            </p:style>
+            <p:txBody>
+              <a:bodyPr rtlCol="0" anchor="ctr"/>
+              <a:lstStyle/>
+              <a:p>
+                <a:pPr algn="ctr"/>
+                <a:r>
+                  <a:rPr lang="de-DE" dirty="0"/>
+                  <a:t>Anzeige für Restaurant-manager</a:t>
+                </a:r>
+              </a:p>
+            </p:txBody>
+          </p:sp>
+        </p:grpSp>
+        <p:sp>
+          <p:nvSpPr>
+            <p:cNvPr id="29" name="Rectangle: Rounded Corners 4">
+              <a:extLst>
+                <a:ext uri="{FF2B5EF4-FFF2-40B4-BE49-F238E27FC236}">
+                  <a16:creationId xmlns:a16="http://schemas.microsoft.com/office/drawing/2014/main" id="{AFA9ACA4-8DF8-74AB-CDAD-F330DC4F125B}"/>
+                </a:ext>
+              </a:extLst>
+            </p:cNvPr>
+            <p:cNvSpPr/>
+            <p:nvPr/>
+          </p:nvSpPr>
+          <p:spPr>
+            <a:xfrm>
+              <a:off x="2243084" y="5442555"/>
+              <a:ext cx="1496817" cy="440867"/>
+            </a:xfrm>
+            <a:prstGeom prst="roundRect">
+              <a:avLst/>
+            </a:prstGeom>
+          </p:spPr>
+          <p:style>
+            <a:lnRef idx="2">
+              <a:schemeClr val="accent2">
+                <a:shade val="50000"/>
+              </a:schemeClr>
+            </a:lnRef>
+            <a:fillRef idx="1">
+              <a:schemeClr val="accent2"/>
+            </a:fillRef>
+            <a:effectRef idx="0">
+              <a:schemeClr val="accent2"/>
+            </a:effectRef>
+            <a:fontRef idx="minor">
+              <a:schemeClr val="lt1"/>
+            </a:fontRef>
+          </p:style>
+          <p:txBody>
+            <a:bodyPr rtlCol="0" anchor="ctr"/>
+            <a:lstStyle/>
+            <a:p>
+              <a:pPr algn="ctr"/>
+              <a:r>
+                <a:rPr lang="de-DE" sz="1200" dirty="0"/>
+                <a:t>Mitarbeiterschlüssel generieren</a:t>
+              </a:r>
+            </a:p>
+          </p:txBody>
+        </p:sp>
+      </p:grpSp>
+      <p:cxnSp>
+        <p:nvCxnSpPr>
+          <p:cNvPr id="30" name="Connector: Curved 16">
+            <a:extLst>
+              <a:ext uri="{FF2B5EF4-FFF2-40B4-BE49-F238E27FC236}">
+                <a16:creationId xmlns:a16="http://schemas.microsoft.com/office/drawing/2014/main" id="{1E38E2C9-1FA9-0FD3-0609-167D59FF3D28}"/>
+              </a:ext>
+            </a:extLst>
+          </p:cNvPr>
+          <p:cNvCxnSpPr>
+            <a:cxnSpLocks/>
+            <a:stCxn id="45" idx="3"/>
+            <a:endCxn id="72" idx="1"/>
+          </p:cNvCxnSpPr>
+          <p:nvPr/>
+        </p:nvCxnSpPr>
+        <p:spPr>
+          <a:xfrm>
+            <a:off x="1773417" y="3541355"/>
+            <a:ext cx="2506714" cy="819075"/>
+          </a:xfrm>
+          <a:prstGeom prst="curvedConnector3">
+            <a:avLst>
+              <a:gd name="adj1" fmla="val 50000"/>
+            </a:avLst>
+          </a:prstGeom>
+          <a:ln w="28575">
+            <a:solidFill>
+              <a:srgbClr val="FF0000"/>
+            </a:solidFill>
+            <a:tailEnd type="triangle"/>
+          </a:ln>
+        </p:spPr>
+        <p:style>
+          <a:lnRef idx="1">
+            <a:schemeClr val="accent1"/>
+          </a:lnRef>
+          <a:fillRef idx="0">
+            <a:schemeClr val="accent1"/>
+          </a:fillRef>
+          <a:effectRef idx="0">
+            <a:schemeClr val="accent1"/>
+          </a:effectRef>
+          <a:fontRef idx="minor">
+            <a:schemeClr val="tx1"/>
+          </a:fontRef>
+        </p:style>
+      </p:cxnSp>
+      <p:sp>
+        <p:nvSpPr>
+          <p:cNvPr id="60" name="Speech Bubble: Rectangle 75">
+            <a:extLst>
+              <a:ext uri="{FF2B5EF4-FFF2-40B4-BE49-F238E27FC236}">
+                <a16:creationId xmlns:a16="http://schemas.microsoft.com/office/drawing/2014/main" id="{54F06174-4CD9-0DA2-E53F-414A88051299}"/>
+              </a:ext>
+            </a:extLst>
+          </p:cNvPr>
+          <p:cNvSpPr/>
+          <p:nvPr/>
+        </p:nvSpPr>
+        <p:spPr>
+          <a:xfrm>
+            <a:off x="291569" y="619659"/>
+            <a:ext cx="1446584" cy="486627"/>
+          </a:xfrm>
+          <a:prstGeom prst="wedgeRectCallout">
+            <a:avLst>
+              <a:gd name="adj1" fmla="val -41949"/>
+              <a:gd name="adj2" fmla="val 248473"/>
+            </a:avLst>
+          </a:prstGeom>
+        </p:spPr>
+        <p:style>
+          <a:lnRef idx="2">
+            <a:schemeClr val="dk1"/>
+          </a:lnRef>
+          <a:fillRef idx="1">
+            <a:schemeClr val="lt1"/>
+          </a:fillRef>
+          <a:effectRef idx="0">
+            <a:schemeClr val="dk1"/>
+          </a:effectRef>
+          <a:fontRef idx="minor">
+            <a:schemeClr val="dk1"/>
+          </a:fontRef>
+        </p:style>
+        <p:txBody>
+          <a:bodyPr rtlCol="0" anchor="ctr"/>
+          <a:lstStyle/>
+          <a:p>
+            <a:pPr algn="ctr"/>
+            <a:r>
+              <a:rPr lang="de-DE" dirty="0"/>
+              <a:t>Registrierung auf Folie 3</a:t>
+            </a:r>
+          </a:p>
+        </p:txBody>
+      </p:sp>
+      <p:sp>
+        <p:nvSpPr>
+          <p:cNvPr id="72" name="Rectangle 1">
+            <a:extLst>
+              <a:ext uri="{FF2B5EF4-FFF2-40B4-BE49-F238E27FC236}">
+                <a16:creationId xmlns:a16="http://schemas.microsoft.com/office/drawing/2014/main" id="{AAEA31BB-8D77-7FB8-6298-E22122142384}"/>
+              </a:ext>
+            </a:extLst>
+          </p:cNvPr>
+          <p:cNvSpPr/>
+          <p:nvPr/>
+        </p:nvSpPr>
+        <p:spPr>
+          <a:xfrm>
+            <a:off x="4280131" y="3269748"/>
+            <a:ext cx="1639691" cy="2181363"/>
+          </a:xfrm>
+          <a:prstGeom prst="rect">
+            <a:avLst/>
+          </a:prstGeom>
+        </p:spPr>
+        <p:style>
+          <a:lnRef idx="2">
+            <a:schemeClr val="accent1">
+              <a:shade val="50000"/>
+            </a:schemeClr>
+          </a:lnRef>
+          <a:fillRef idx="1">
+            <a:schemeClr val="accent1"/>
+          </a:fillRef>
+          <a:effectRef idx="0">
+            <a:schemeClr val="accent1"/>
+          </a:effectRef>
+          <a:fontRef idx="minor">
+            <a:schemeClr val="lt1"/>
+          </a:fontRef>
+        </p:style>
+        <p:txBody>
+          <a:bodyPr rtlCol="0" anchor="t"/>
+          <a:lstStyle/>
+          <a:p>
+            <a:pPr algn="ctr"/>
+            <a:r>
+              <a:rPr lang="de-DE" dirty="0"/>
+              <a:t>Mitarbeiter</a:t>
+            </a:r>
+          </a:p>
+        </p:txBody>
+      </p:sp>
+      <p:sp>
+        <p:nvSpPr>
+          <p:cNvPr id="73" name="Rectangle: Rounded Corners 4">
+            <a:extLst>
+              <a:ext uri="{FF2B5EF4-FFF2-40B4-BE49-F238E27FC236}">
+                <a16:creationId xmlns:a16="http://schemas.microsoft.com/office/drawing/2014/main" id="{C0BE2A16-2878-A06C-AB09-E1DDE7484393}"/>
+              </a:ext>
+            </a:extLst>
+          </p:cNvPr>
+          <p:cNvSpPr/>
+          <p:nvPr/>
+        </p:nvSpPr>
+        <p:spPr>
+          <a:xfrm>
+            <a:off x="4350939" y="3720240"/>
+            <a:ext cx="1496817" cy="245786"/>
+          </a:xfrm>
+          <a:prstGeom prst="roundRect">
+            <a:avLst/>
+          </a:prstGeom>
+        </p:spPr>
+        <p:style>
+          <a:lnRef idx="2">
+            <a:schemeClr val="accent2">
+              <a:shade val="50000"/>
+            </a:schemeClr>
+          </a:lnRef>
+          <a:fillRef idx="1">
+            <a:schemeClr val="accent2"/>
+          </a:fillRef>
+          <a:effectRef idx="0">
+            <a:schemeClr val="accent2"/>
+          </a:effectRef>
+          <a:fontRef idx="minor">
+            <a:schemeClr val="lt1"/>
+          </a:fontRef>
+        </p:style>
+        <p:txBody>
+          <a:bodyPr rtlCol="0" anchor="ctr"/>
+          <a:lstStyle/>
+          <a:p>
+            <a:pPr algn="ctr"/>
+            <a:r>
+              <a:rPr lang="de-DE" sz="1400" dirty="0"/>
+              <a:t>QR-Code scannen</a:t>
+            </a:r>
+          </a:p>
+        </p:txBody>
+      </p:sp>
+      <p:cxnSp>
+        <p:nvCxnSpPr>
+          <p:cNvPr id="78" name="Connector: Curved 16">
+            <a:extLst>
+              <a:ext uri="{FF2B5EF4-FFF2-40B4-BE49-F238E27FC236}">
+                <a16:creationId xmlns:a16="http://schemas.microsoft.com/office/drawing/2014/main" id="{D169AA3D-52AD-75CC-DE7B-C48D23DA68A9}"/>
+              </a:ext>
+            </a:extLst>
+          </p:cNvPr>
+          <p:cNvCxnSpPr>
+            <a:cxnSpLocks/>
+            <a:stCxn id="42" idx="1"/>
+            <a:endCxn id="72" idx="3"/>
+          </p:cNvCxnSpPr>
+          <p:nvPr/>
+        </p:nvCxnSpPr>
+        <p:spPr>
+          <a:xfrm rot="10800000">
+            <a:off x="5919822" y="4360431"/>
+            <a:ext cx="637480" cy="2169253"/>
+          </a:xfrm>
+          <a:prstGeom prst="curvedConnector3">
+            <a:avLst>
+              <a:gd name="adj1" fmla="val 50000"/>
+            </a:avLst>
+          </a:prstGeom>
+          <a:ln w="28575">
+            <a:solidFill>
+              <a:srgbClr val="FF0000"/>
+            </a:solidFill>
+            <a:tailEnd type="triangle"/>
+          </a:ln>
+        </p:spPr>
+        <p:style>
+          <a:lnRef idx="1">
+            <a:schemeClr val="accent1"/>
+          </a:lnRef>
+          <a:fillRef idx="0">
+            <a:schemeClr val="accent1"/>
+          </a:fillRef>
+          <a:effectRef idx="0">
+            <a:schemeClr val="accent1"/>
+          </a:effectRef>
+          <a:fontRef idx="minor">
+            <a:schemeClr val="tx1"/>
+          </a:fontRef>
+        </p:style>
+      </p:cxnSp>
+      <p:cxnSp>
+        <p:nvCxnSpPr>
+          <p:cNvPr id="75" name="Connector: Curved 16">
+            <a:extLst>
+              <a:ext uri="{FF2B5EF4-FFF2-40B4-BE49-F238E27FC236}">
+                <a16:creationId xmlns:a16="http://schemas.microsoft.com/office/drawing/2014/main" id="{4EEEE4CC-F27F-4E8E-91F4-70B9BD7D256F}"/>
+              </a:ext>
+            </a:extLst>
+          </p:cNvPr>
+          <p:cNvCxnSpPr>
+            <a:cxnSpLocks/>
+            <a:stCxn id="68" idx="3"/>
+            <a:endCxn id="114" idx="1"/>
+          </p:cNvCxnSpPr>
+          <p:nvPr/>
+        </p:nvCxnSpPr>
+        <p:spPr>
+          <a:xfrm>
+            <a:off x="3308506" y="5669015"/>
+            <a:ext cx="3185093" cy="90276"/>
+          </a:xfrm>
+          <a:prstGeom prst="curvedConnector3">
+            <a:avLst>
+              <a:gd name="adj1" fmla="val 50000"/>
+            </a:avLst>
+          </a:prstGeom>
+          <a:ln w="28575">
+            <a:solidFill>
+              <a:srgbClr val="FF0000"/>
+            </a:solidFill>
+            <a:tailEnd type="triangle"/>
+          </a:ln>
+        </p:spPr>
+        <p:style>
+          <a:lnRef idx="1">
+            <a:schemeClr val="accent1"/>
+          </a:lnRef>
+          <a:fillRef idx="0">
+            <a:schemeClr val="accent1"/>
+          </a:fillRef>
+          <a:effectRef idx="0">
+            <a:schemeClr val="accent1"/>
+          </a:effectRef>
+          <a:fontRef idx="minor">
+            <a:schemeClr val="tx1"/>
+          </a:fontRef>
+        </p:style>
+      </p:cxnSp>
+      <p:cxnSp>
+        <p:nvCxnSpPr>
+          <p:cNvPr id="71" name="Connector: Curved 16">
+            <a:extLst>
+              <a:ext uri="{FF2B5EF4-FFF2-40B4-BE49-F238E27FC236}">
+                <a16:creationId xmlns:a16="http://schemas.microsoft.com/office/drawing/2014/main" id="{BC2C51FB-47BA-2AA2-EB95-C2D3B8A38E57}"/>
+              </a:ext>
+            </a:extLst>
+          </p:cNvPr>
+          <p:cNvCxnSpPr>
+            <a:cxnSpLocks/>
+            <a:stCxn id="67" idx="3"/>
+            <a:endCxn id="34" idx="1"/>
+          </p:cNvCxnSpPr>
+          <p:nvPr/>
+        </p:nvCxnSpPr>
+        <p:spPr>
+          <a:xfrm flipV="1">
+            <a:off x="3308506" y="2041819"/>
+            <a:ext cx="1147803" cy="3293620"/>
+          </a:xfrm>
+          <a:prstGeom prst="curvedConnector3">
+            <a:avLst>
+              <a:gd name="adj1" fmla="val 50000"/>
+            </a:avLst>
+          </a:prstGeom>
+          <a:ln w="28575">
+            <a:solidFill>
+              <a:srgbClr val="FF0000"/>
+            </a:solidFill>
+            <a:tailEnd type="triangle"/>
+          </a:ln>
+        </p:spPr>
+        <p:style>
+          <a:lnRef idx="1">
+            <a:schemeClr val="accent1"/>
+          </a:lnRef>
+          <a:fillRef idx="0">
+            <a:schemeClr val="accent1"/>
+          </a:fillRef>
+          <a:effectRef idx="0">
+            <a:schemeClr val="accent1"/>
+          </a:effectRef>
+          <a:fontRef idx="minor">
+            <a:schemeClr val="tx1"/>
+          </a:fontRef>
+        </p:style>
+      </p:cxnSp>
+      <p:cxnSp>
+        <p:nvCxnSpPr>
+          <p:cNvPr id="62" name="Connector: Curved 16">
+            <a:extLst>
+              <a:ext uri="{FF2B5EF4-FFF2-40B4-BE49-F238E27FC236}">
+                <a16:creationId xmlns:a16="http://schemas.microsoft.com/office/drawing/2014/main" id="{D56803D9-E26C-7286-E84B-080E7C88939A}"/>
+              </a:ext>
+            </a:extLst>
+          </p:cNvPr>
+          <p:cNvCxnSpPr>
+            <a:cxnSpLocks/>
+            <a:stCxn id="42" idx="1"/>
+            <a:endCxn id="50" idx="3"/>
+          </p:cNvCxnSpPr>
+          <p:nvPr/>
+        </p:nvCxnSpPr>
+        <p:spPr>
+          <a:xfrm rot="10800000">
+            <a:off x="3379944" y="5711341"/>
+            <a:ext cx="3177359" cy="818342"/>
+          </a:xfrm>
+          <a:prstGeom prst="curvedConnector3">
+            <a:avLst>
+              <a:gd name="adj1" fmla="val 50000"/>
+            </a:avLst>
+          </a:prstGeom>
+          <a:ln w="28575">
+            <a:solidFill>
+              <a:srgbClr val="FF0000"/>
+            </a:solidFill>
+            <a:tailEnd type="triangle"/>
+          </a:ln>
+        </p:spPr>
+        <p:style>
+          <a:lnRef idx="1">
+            <a:schemeClr val="accent1"/>
+          </a:lnRef>
+          <a:fillRef idx="0">
+            <a:schemeClr val="accent1"/>
+          </a:fillRef>
+          <a:effectRef idx="0">
+            <a:schemeClr val="accent1"/>
+          </a:effectRef>
+          <a:fontRef idx="minor">
+            <a:schemeClr val="tx1"/>
+          </a:fontRef>
+        </p:style>
+      </p:cxnSp>
+      <p:cxnSp>
+        <p:nvCxnSpPr>
+          <p:cNvPr id="91" name="Connector: Curved 16">
+            <a:extLst>
+              <a:ext uri="{FF2B5EF4-FFF2-40B4-BE49-F238E27FC236}">
+                <a16:creationId xmlns:a16="http://schemas.microsoft.com/office/drawing/2014/main" id="{874FE6B4-815C-78F8-7A4E-5A34AC18E0AA}"/>
+              </a:ext>
+            </a:extLst>
+          </p:cNvPr>
+          <p:cNvCxnSpPr>
+            <a:cxnSpLocks/>
+            <a:stCxn id="73" idx="3"/>
+            <a:endCxn id="114" idx="1"/>
+          </p:cNvCxnSpPr>
+          <p:nvPr/>
+        </p:nvCxnSpPr>
+        <p:spPr>
+          <a:xfrm>
+            <a:off x="5847756" y="3843133"/>
+            <a:ext cx="645843" cy="1916158"/>
+          </a:xfrm>
+          <a:prstGeom prst="curvedConnector3">
+            <a:avLst>
+              <a:gd name="adj1" fmla="val 50000"/>
+            </a:avLst>
+          </a:prstGeom>
+          <a:ln w="28575">
+            <a:solidFill>
+              <a:srgbClr val="FF0000"/>
+            </a:solidFill>
+            <a:tailEnd type="triangle"/>
+          </a:ln>
+        </p:spPr>
+        <p:style>
+          <a:lnRef idx="1">
+            <a:schemeClr val="accent1"/>
+          </a:lnRef>
+          <a:fillRef idx="0">
+            <a:schemeClr val="accent1"/>
+          </a:fillRef>
+          <a:effectRef idx="0">
+            <a:schemeClr val="accent1"/>
+          </a:effectRef>
+          <a:fontRef idx="minor">
+            <a:schemeClr val="tx1"/>
+          </a:fontRef>
+        </p:style>
+      </p:cxnSp>
+      <p:sp>
+        <p:nvSpPr>
+          <p:cNvPr id="99" name="Speech Bubble: Rectangle 77">
+            <a:extLst>
+              <a:ext uri="{FF2B5EF4-FFF2-40B4-BE49-F238E27FC236}">
+                <a16:creationId xmlns:a16="http://schemas.microsoft.com/office/drawing/2014/main" id="{13628A83-B0D0-6EBB-FBB8-BE938CEFFAA1}"/>
+              </a:ext>
+            </a:extLst>
+          </p:cNvPr>
+          <p:cNvSpPr/>
+          <p:nvPr/>
+        </p:nvSpPr>
+        <p:spPr>
+          <a:xfrm>
+            <a:off x="6228586" y="2787173"/>
+            <a:ext cx="1852964" cy="495991"/>
+          </a:xfrm>
+          <a:prstGeom prst="wedgeRectCallout">
+            <a:avLst>
+              <a:gd name="adj1" fmla="val -73540"/>
+              <a:gd name="adj2" fmla="val 152686"/>
+            </a:avLst>
+          </a:prstGeom>
+        </p:spPr>
+        <p:style>
+          <a:lnRef idx="2">
+            <a:schemeClr val="dk1"/>
+          </a:lnRef>
+          <a:fillRef idx="1">
+            <a:schemeClr val="lt1"/>
+          </a:fillRef>
+          <a:effectRef idx="0">
+            <a:schemeClr val="dk1"/>
+          </a:effectRef>
+          <a:fontRef idx="minor">
+            <a:schemeClr val="dk1"/>
+          </a:fontRef>
+        </p:style>
+        <p:txBody>
+          <a:bodyPr rtlCol="0" anchor="ctr"/>
+          <a:lstStyle/>
+          <a:p>
+            <a:pPr algn="ctr"/>
+            <a:r>
+              <a:rPr lang="de-DE" dirty="0"/>
+              <a:t>Zum einstempeln</a:t>
+            </a:r>
+          </a:p>
+        </p:txBody>
+      </p:sp>
+      <p:sp>
+        <p:nvSpPr>
+          <p:cNvPr id="101" name="Rectangle: Rounded Corners 4">
+            <a:extLst>
+              <a:ext uri="{FF2B5EF4-FFF2-40B4-BE49-F238E27FC236}">
+                <a16:creationId xmlns:a16="http://schemas.microsoft.com/office/drawing/2014/main" id="{2A6F8164-725B-7112-354C-FF72CB633CC0}"/>
+              </a:ext>
+            </a:extLst>
+          </p:cNvPr>
+          <p:cNvSpPr/>
+          <p:nvPr/>
+        </p:nvSpPr>
+        <p:spPr>
+          <a:xfrm>
+            <a:off x="4348953" y="4105436"/>
+            <a:ext cx="1496817" cy="245786"/>
+          </a:xfrm>
+          <a:prstGeom prst="roundRect">
+            <a:avLst/>
+          </a:prstGeom>
+        </p:spPr>
+        <p:style>
+          <a:lnRef idx="2">
+            <a:schemeClr val="accent2">
+              <a:shade val="50000"/>
+            </a:schemeClr>
+          </a:lnRef>
+          <a:fillRef idx="1">
+            <a:schemeClr val="accent2"/>
+          </a:fillRef>
+          <a:effectRef idx="0">
+            <a:schemeClr val="accent2"/>
+          </a:effectRef>
+          <a:fontRef idx="minor">
+            <a:schemeClr val="lt1"/>
+          </a:fontRef>
+        </p:style>
+        <p:txBody>
+          <a:bodyPr rtlCol="0" anchor="ctr"/>
+          <a:lstStyle/>
+          <a:p>
+            <a:pPr algn="ctr"/>
+            <a:r>
+              <a:rPr lang="de-DE" sz="1400" dirty="0"/>
+              <a:t>Zur Kundenseite</a:t>
+            </a:r>
+          </a:p>
+        </p:txBody>
+      </p:sp>
+      <p:cxnSp>
+        <p:nvCxnSpPr>
+          <p:cNvPr id="102" name="Connector: Curved 16">
+            <a:extLst>
+              <a:ext uri="{FF2B5EF4-FFF2-40B4-BE49-F238E27FC236}">
+                <a16:creationId xmlns:a16="http://schemas.microsoft.com/office/drawing/2014/main" id="{1A161809-FED7-F6C5-CFF9-4ED235820D57}"/>
+              </a:ext>
+            </a:extLst>
+          </p:cNvPr>
+          <p:cNvCxnSpPr>
+            <a:cxnSpLocks/>
+            <a:stCxn id="101" idx="1"/>
+            <a:endCxn id="47" idx="2"/>
+          </p:cNvCxnSpPr>
+          <p:nvPr/>
+        </p:nvCxnSpPr>
+        <p:spPr>
+          <a:xfrm rot="10800000">
+            <a:off x="3219221" y="2462051"/>
+            <a:ext cx="1129733" cy="1766279"/>
+          </a:xfrm>
+          <a:prstGeom prst="curvedConnector2">
+            <a:avLst/>
+          </a:prstGeom>
+          <a:ln w="28575">
+            <a:solidFill>
+              <a:srgbClr val="FF0000"/>
+            </a:solidFill>
+            <a:tailEnd type="triangle"/>
+          </a:ln>
+        </p:spPr>
+        <p:style>
+          <a:lnRef idx="1">
+            <a:schemeClr val="accent1"/>
+          </a:lnRef>
+          <a:fillRef idx="0">
+            <a:schemeClr val="accent1"/>
+          </a:fillRef>
+          <a:effectRef idx="0">
+            <a:schemeClr val="accent1"/>
+          </a:effectRef>
+          <a:fontRef idx="minor">
+            <a:schemeClr val="tx1"/>
+          </a:fontRef>
+        </p:style>
+      </p:cxnSp>
+      <p:sp>
+        <p:nvSpPr>
+          <p:cNvPr id="59" name="Speech Bubble: Rectangle 77">
+            <a:extLst>
+              <a:ext uri="{FF2B5EF4-FFF2-40B4-BE49-F238E27FC236}">
+                <a16:creationId xmlns:a16="http://schemas.microsoft.com/office/drawing/2014/main" id="{408B7591-814A-DEF1-BF79-F15ED6C2E5B6}"/>
+              </a:ext>
+            </a:extLst>
+          </p:cNvPr>
+          <p:cNvSpPr/>
+          <p:nvPr/>
+        </p:nvSpPr>
+        <p:spPr>
+          <a:xfrm>
+            <a:off x="2166912" y="2970446"/>
+            <a:ext cx="1852964" cy="477511"/>
+          </a:xfrm>
+          <a:prstGeom prst="wedgeRectCallout">
+            <a:avLst>
+              <a:gd name="adj1" fmla="val -28847"/>
+              <a:gd name="adj2" fmla="val 76537"/>
+            </a:avLst>
+          </a:prstGeom>
+        </p:spPr>
+        <p:style>
+          <a:lnRef idx="2">
+            <a:schemeClr val="dk1"/>
+          </a:lnRef>
+          <a:fillRef idx="1">
+            <a:schemeClr val="lt1"/>
+          </a:fillRef>
+          <a:effectRef idx="0">
+            <a:schemeClr val="dk1"/>
+          </a:effectRef>
+          <a:fontRef idx="minor">
+            <a:schemeClr val="dk1"/>
+          </a:fontRef>
+        </p:style>
+        <p:txBody>
+          <a:bodyPr rtlCol="0" anchor="ctr"/>
+          <a:lstStyle/>
+          <a:p>
+            <a:pPr algn="ctr"/>
+            <a:r>
+              <a:rPr lang="de-DE" dirty="0"/>
+              <a:t>Wenn Mitarbeiter</a:t>
             </a:r>
           </a:p>
         </p:txBody>
@@ -6828,8 +7378,8 @@
         </p:nvCxnSpPr>
         <p:spPr>
           <a:xfrm rot="10800000" flipV="1">
-            <a:off x="2130757" y="2910824"/>
-            <a:ext cx="1036548" cy="617515"/>
+            <a:off x="2130757" y="2910825"/>
+            <a:ext cx="1036548" cy="778732"/>
           </a:xfrm>
           <a:prstGeom prst="curvedConnector3">
             <a:avLst>
@@ -6924,7 +7474,7 @@
         <p:spPr>
           <a:xfrm>
             <a:off x="0" y="3206822"/>
-            <a:ext cx="491066" cy="321518"/>
+            <a:ext cx="491066" cy="482735"/>
           </a:xfrm>
           <a:prstGeom prst="curvedConnector3">
             <a:avLst>
@@ -7989,9 +8539,9 @@
         <p:grpSpPr>
           <a:xfrm>
             <a:off x="93662" y="1000410"/>
-            <a:ext cx="2037095" cy="5302509"/>
+            <a:ext cx="4212557" cy="4288957"/>
             <a:chOff x="93662" y="1000410"/>
-            <a:chExt cx="2037095" cy="5302509"/>
+            <a:chExt cx="4212557" cy="4288957"/>
           </a:xfrm>
         </p:grpSpPr>
         <p:sp>
@@ -8009,7 +8559,7 @@
           <p:spPr>
             <a:xfrm>
               <a:off x="491066" y="2089747"/>
-              <a:ext cx="1639691" cy="2877185"/>
+              <a:ext cx="1639691" cy="3199620"/>
             </a:xfrm>
             <a:prstGeom prst="rect">
               <a:avLst/>
@@ -8352,13 +8902,13 @@
           </p:nvSpPr>
           <p:spPr>
             <a:xfrm>
-              <a:off x="322262" y="5412260"/>
+              <a:off x="2666528" y="3712995"/>
               <a:ext cx="1639691" cy="890659"/>
             </a:xfrm>
             <a:prstGeom prst="wedgeRectCallout">
               <a:avLst>
-                <a:gd name="adj1" fmla="val 11630"/>
-                <a:gd name="adj2" fmla="val -124350"/>
+                <a:gd name="adj1" fmla="val -87277"/>
+                <a:gd name="adj2" fmla="val 51925"/>
               </a:avLst>
             </a:prstGeom>
           </p:spPr>
@@ -9470,6 +10020,105 @@
           </p:txBody>
         </p:sp>
       </p:grpSp>
+      <p:sp>
+        <p:nvSpPr>
+          <p:cNvPr id="23" name="Rectangle: Rounded Corners 4">
+            <a:extLst>
+              <a:ext uri="{FF2B5EF4-FFF2-40B4-BE49-F238E27FC236}">
+                <a16:creationId xmlns:a16="http://schemas.microsoft.com/office/drawing/2014/main" id="{EE5F2917-D0DF-9045-09A0-34996EEF7891}"/>
+              </a:ext>
+            </a:extLst>
+          </p:cNvPr>
+          <p:cNvSpPr/>
+          <p:nvPr/>
+        </p:nvSpPr>
+        <p:spPr>
+          <a:xfrm>
+            <a:off x="561979" y="4952463"/>
+            <a:ext cx="1496817" cy="245786"/>
+          </a:xfrm>
+          <a:prstGeom prst="roundRect">
+            <a:avLst/>
+          </a:prstGeom>
+        </p:spPr>
+        <p:style>
+          <a:lnRef idx="2">
+            <a:schemeClr val="accent2">
+              <a:shade val="50000"/>
+            </a:schemeClr>
+          </a:lnRef>
+          <a:fillRef idx="1">
+            <a:schemeClr val="accent2"/>
+          </a:fillRef>
+          <a:effectRef idx="0">
+            <a:schemeClr val="accent2"/>
+          </a:effectRef>
+          <a:fontRef idx="minor">
+            <a:schemeClr val="lt1"/>
+          </a:fontRef>
+        </p:style>
+        <p:txBody>
+          <a:bodyPr rtlCol="0" anchor="ctr"/>
+          <a:lstStyle/>
+          <a:p>
+            <a:pPr algn="ctr"/>
+            <a:r>
+              <a:rPr lang="de-DE" dirty="0"/>
+              <a:t>Einstellungen</a:t>
+            </a:r>
+          </a:p>
+        </p:txBody>
+      </p:sp>
+      <p:sp>
+        <p:nvSpPr>
+          <p:cNvPr id="24" name="Speech Bubble: Rectangle 75">
+            <a:extLst>
+              <a:ext uri="{FF2B5EF4-FFF2-40B4-BE49-F238E27FC236}">
+                <a16:creationId xmlns:a16="http://schemas.microsoft.com/office/drawing/2014/main" id="{E6D985E2-6FF3-8416-2AE3-6122C74EA9C5}"/>
+              </a:ext>
+            </a:extLst>
+          </p:cNvPr>
+          <p:cNvSpPr/>
+          <p:nvPr/>
+        </p:nvSpPr>
+        <p:spPr>
+          <a:xfrm>
+            <a:off x="149149" y="5614276"/>
+            <a:ext cx="1446584" cy="486627"/>
+          </a:xfrm>
+          <a:prstGeom prst="wedgeRectCallout">
+            <a:avLst>
+              <a:gd name="adj1" fmla="val 18280"/>
+              <a:gd name="adj2" fmla="val -130884"/>
+            </a:avLst>
+          </a:prstGeom>
+        </p:spPr>
+        <p:style>
+          <a:lnRef idx="2">
+            <a:schemeClr val="dk1"/>
+          </a:lnRef>
+          <a:fillRef idx="1">
+            <a:schemeClr val="lt1"/>
+          </a:fillRef>
+          <a:effectRef idx="0">
+            <a:schemeClr val="dk1"/>
+          </a:effectRef>
+          <a:fontRef idx="minor">
+            <a:schemeClr val="dk1"/>
+          </a:fontRef>
+        </p:style>
+        <p:txBody>
+          <a:bodyPr rtlCol="0" anchor="ctr"/>
+          <a:lstStyle/>
+          <a:p>
+            <a:pPr algn="ctr"/>
+            <a:r>
+              <a:rPr lang="de-DE" dirty="0"/>
+              <a:t>Einstellungen auf Folie 4</a:t>
+            </a:r>
+          </a:p>
+        </p:txBody>
+      </p:sp>
     </p:spTree>
     <p:extLst>
       <p:ext uri="{BB962C8B-B14F-4D97-AF65-F5344CB8AC3E}">
@@ -9568,6 +10217,951 @@
           <a:xfrm>
             <a:off x="0" y="3107481"/>
             <a:ext cx="637715" cy="321519"/>
+          </a:xfrm>
+          <a:prstGeom prst="curvedConnector3">
+            <a:avLst>
+              <a:gd name="adj1" fmla="val 50000"/>
+            </a:avLst>
+          </a:prstGeom>
+          <a:ln w="28575">
+            <a:solidFill>
+              <a:srgbClr val="FF0000"/>
+            </a:solidFill>
+            <a:tailEnd type="triangle"/>
+          </a:ln>
+        </p:spPr>
+        <p:style>
+          <a:lnRef idx="1">
+            <a:schemeClr val="accent1"/>
+          </a:lnRef>
+          <a:fillRef idx="0">
+            <a:schemeClr val="accent1"/>
+          </a:fillRef>
+          <a:effectRef idx="0">
+            <a:schemeClr val="accent1"/>
+          </a:effectRef>
+          <a:fontRef idx="minor">
+            <a:schemeClr val="tx1"/>
+          </a:fontRef>
+        </p:style>
+      </p:cxnSp>
+      <p:sp>
+        <p:nvSpPr>
+          <p:cNvPr id="6" name="Rectangle: Rounded Corners 4">
+            <a:extLst>
+              <a:ext uri="{FF2B5EF4-FFF2-40B4-BE49-F238E27FC236}">
+                <a16:creationId xmlns:a16="http://schemas.microsoft.com/office/drawing/2014/main" id="{78486C81-BB70-3D70-D912-DEA63C9F3BE2}"/>
+              </a:ext>
+            </a:extLst>
+          </p:cNvPr>
+          <p:cNvSpPr/>
+          <p:nvPr/>
+        </p:nvSpPr>
+        <p:spPr>
+          <a:xfrm>
+            <a:off x="709152" y="2861695"/>
+            <a:ext cx="1496817" cy="245786"/>
+          </a:xfrm>
+          <a:prstGeom prst="roundRect">
+            <a:avLst/>
+          </a:prstGeom>
+        </p:spPr>
+        <p:style>
+          <a:lnRef idx="2">
+            <a:schemeClr val="accent2">
+              <a:shade val="50000"/>
+            </a:schemeClr>
+          </a:lnRef>
+          <a:fillRef idx="1">
+            <a:schemeClr val="accent2"/>
+          </a:fillRef>
+          <a:effectRef idx="0">
+            <a:schemeClr val="accent2"/>
+          </a:effectRef>
+          <a:fontRef idx="minor">
+            <a:schemeClr val="lt1"/>
+          </a:fontRef>
+        </p:style>
+        <p:txBody>
+          <a:bodyPr rtlCol="0" anchor="ctr"/>
+          <a:lstStyle/>
+          <a:p>
+            <a:pPr algn="ctr"/>
+            <a:r>
+              <a:rPr lang="de-DE" dirty="0"/>
+              <a:t>Kunde</a:t>
+            </a:r>
+          </a:p>
+        </p:txBody>
+      </p:sp>
+      <p:sp>
+        <p:nvSpPr>
+          <p:cNvPr id="7" name="Rectangle: Rounded Corners 4">
+            <a:extLst>
+              <a:ext uri="{FF2B5EF4-FFF2-40B4-BE49-F238E27FC236}">
+                <a16:creationId xmlns:a16="http://schemas.microsoft.com/office/drawing/2014/main" id="{0ED22145-28FD-7CBB-296D-2F80FDCB8216}"/>
+              </a:ext>
+            </a:extLst>
+          </p:cNvPr>
+          <p:cNvSpPr/>
+          <p:nvPr/>
+        </p:nvSpPr>
+        <p:spPr>
+          <a:xfrm>
+            <a:off x="709151" y="3268240"/>
+            <a:ext cx="1496817" cy="245786"/>
+          </a:xfrm>
+          <a:prstGeom prst="roundRect">
+            <a:avLst/>
+          </a:prstGeom>
+        </p:spPr>
+        <p:style>
+          <a:lnRef idx="2">
+            <a:schemeClr val="accent2">
+              <a:shade val="50000"/>
+            </a:schemeClr>
+          </a:lnRef>
+          <a:fillRef idx="1">
+            <a:schemeClr val="accent2"/>
+          </a:fillRef>
+          <a:effectRef idx="0">
+            <a:schemeClr val="accent2"/>
+          </a:effectRef>
+          <a:fontRef idx="minor">
+            <a:schemeClr val="lt1"/>
+          </a:fontRef>
+        </p:style>
+        <p:txBody>
+          <a:bodyPr rtlCol="0" anchor="ctr"/>
+          <a:lstStyle/>
+          <a:p>
+            <a:pPr algn="ctr"/>
+            <a:r>
+              <a:rPr lang="de-DE" dirty="0"/>
+              <a:t>Restaurant</a:t>
+            </a:r>
+          </a:p>
+        </p:txBody>
+      </p:sp>
+      <p:sp>
+        <p:nvSpPr>
+          <p:cNvPr id="8" name="Rectangle 1">
+            <a:extLst>
+              <a:ext uri="{FF2B5EF4-FFF2-40B4-BE49-F238E27FC236}">
+                <a16:creationId xmlns:a16="http://schemas.microsoft.com/office/drawing/2014/main" id="{F6CE01CD-FAC2-01C6-138F-653DC0338D8E}"/>
+              </a:ext>
+            </a:extLst>
+          </p:cNvPr>
+          <p:cNvSpPr/>
+          <p:nvPr/>
+        </p:nvSpPr>
+        <p:spPr>
+          <a:xfrm>
+            <a:off x="4145791" y="3428999"/>
+            <a:ext cx="1639691" cy="2181363"/>
+          </a:xfrm>
+          <a:prstGeom prst="rect">
+            <a:avLst/>
+          </a:prstGeom>
+        </p:spPr>
+        <p:style>
+          <a:lnRef idx="2">
+            <a:schemeClr val="accent1">
+              <a:shade val="50000"/>
+            </a:schemeClr>
+          </a:lnRef>
+          <a:fillRef idx="1">
+            <a:schemeClr val="accent1"/>
+          </a:fillRef>
+          <a:effectRef idx="0">
+            <a:schemeClr val="accent1"/>
+          </a:effectRef>
+          <a:fontRef idx="minor">
+            <a:schemeClr val="lt1"/>
+          </a:fontRef>
+        </p:style>
+        <p:txBody>
+          <a:bodyPr rtlCol="0" anchor="t"/>
+          <a:lstStyle/>
+          <a:p>
+            <a:pPr algn="ctr"/>
+            <a:r>
+              <a:rPr lang="de-DE" dirty="0"/>
+              <a:t>Restaurant</a:t>
+            </a:r>
+          </a:p>
+        </p:txBody>
+      </p:sp>
+      <p:cxnSp>
+        <p:nvCxnSpPr>
+          <p:cNvPr id="9" name="Connector: Curved 16">
+            <a:extLst>
+              <a:ext uri="{FF2B5EF4-FFF2-40B4-BE49-F238E27FC236}">
+                <a16:creationId xmlns:a16="http://schemas.microsoft.com/office/drawing/2014/main" id="{53DCF5EA-B817-9EF0-EB6D-350BD0240BAB}"/>
+              </a:ext>
+            </a:extLst>
+          </p:cNvPr>
+          <p:cNvCxnSpPr>
+            <a:cxnSpLocks/>
+            <a:stCxn id="7" idx="3"/>
+            <a:endCxn id="8" idx="1"/>
+          </p:cNvCxnSpPr>
+          <p:nvPr/>
+        </p:nvCxnSpPr>
+        <p:spPr>
+          <a:xfrm>
+            <a:off x="2205968" y="3391133"/>
+            <a:ext cx="1939823" cy="1128548"/>
+          </a:xfrm>
+          <a:prstGeom prst="curvedConnector3">
+            <a:avLst>
+              <a:gd name="adj1" fmla="val 50000"/>
+            </a:avLst>
+          </a:prstGeom>
+          <a:ln w="28575">
+            <a:solidFill>
+              <a:srgbClr val="FF0000"/>
+            </a:solidFill>
+            <a:tailEnd type="triangle"/>
+          </a:ln>
+        </p:spPr>
+        <p:style>
+          <a:lnRef idx="1">
+            <a:schemeClr val="accent1"/>
+          </a:lnRef>
+          <a:fillRef idx="0">
+            <a:schemeClr val="accent1"/>
+          </a:fillRef>
+          <a:effectRef idx="0">
+            <a:schemeClr val="accent1"/>
+          </a:effectRef>
+          <a:fontRef idx="minor">
+            <a:schemeClr val="tx1"/>
+          </a:fontRef>
+        </p:style>
+      </p:cxnSp>
+      <p:sp>
+        <p:nvSpPr>
+          <p:cNvPr id="11" name="Rectangle: Rounded Corners 4">
+            <a:extLst>
+              <a:ext uri="{FF2B5EF4-FFF2-40B4-BE49-F238E27FC236}">
+                <a16:creationId xmlns:a16="http://schemas.microsoft.com/office/drawing/2014/main" id="{15A34155-64D6-84C4-8C0E-3772F5B7870F}"/>
+              </a:ext>
+            </a:extLst>
+          </p:cNvPr>
+          <p:cNvSpPr/>
+          <p:nvPr/>
+        </p:nvSpPr>
+        <p:spPr>
+          <a:xfrm>
+            <a:off x="4217227" y="4358921"/>
+            <a:ext cx="1496817" cy="245786"/>
+          </a:xfrm>
+          <a:prstGeom prst="roundRect">
+            <a:avLst/>
+          </a:prstGeom>
+        </p:spPr>
+        <p:style>
+          <a:lnRef idx="2">
+            <a:schemeClr val="accent2">
+              <a:shade val="50000"/>
+            </a:schemeClr>
+          </a:lnRef>
+          <a:fillRef idx="1">
+            <a:schemeClr val="accent2"/>
+          </a:fillRef>
+          <a:effectRef idx="0">
+            <a:schemeClr val="accent2"/>
+          </a:effectRef>
+          <a:fontRef idx="minor">
+            <a:schemeClr val="lt1"/>
+          </a:fontRef>
+        </p:style>
+        <p:txBody>
+          <a:bodyPr rtlCol="0" anchor="ctr"/>
+          <a:lstStyle/>
+          <a:p>
+            <a:pPr algn="ctr"/>
+            <a:r>
+              <a:rPr lang="de-DE" dirty="0"/>
+              <a:t>Erstellen</a:t>
+            </a:r>
+          </a:p>
+        </p:txBody>
+      </p:sp>
+      <p:sp>
+        <p:nvSpPr>
+          <p:cNvPr id="22" name="Rectangle 1">
+            <a:extLst>
+              <a:ext uri="{FF2B5EF4-FFF2-40B4-BE49-F238E27FC236}">
+                <a16:creationId xmlns:a16="http://schemas.microsoft.com/office/drawing/2014/main" id="{D08EB7E3-E9CF-BA71-899C-A356849DE2E6}"/>
+              </a:ext>
+            </a:extLst>
+          </p:cNvPr>
+          <p:cNvSpPr/>
+          <p:nvPr/>
+        </p:nvSpPr>
+        <p:spPr>
+          <a:xfrm>
+            <a:off x="7653867" y="4198162"/>
+            <a:ext cx="1639691" cy="2181363"/>
+          </a:xfrm>
+          <a:prstGeom prst="rect">
+            <a:avLst/>
+          </a:prstGeom>
+        </p:spPr>
+        <p:style>
+          <a:lnRef idx="2">
+            <a:schemeClr val="accent1">
+              <a:shade val="50000"/>
+            </a:schemeClr>
+          </a:lnRef>
+          <a:fillRef idx="1">
+            <a:schemeClr val="accent1"/>
+          </a:fillRef>
+          <a:effectRef idx="0">
+            <a:schemeClr val="accent1"/>
+          </a:effectRef>
+          <a:fontRef idx="minor">
+            <a:schemeClr val="lt1"/>
+          </a:fontRef>
+        </p:style>
+        <p:txBody>
+          <a:bodyPr rtlCol="0" anchor="t"/>
+          <a:lstStyle/>
+          <a:p>
+            <a:pPr algn="ctr"/>
+            <a:r>
+              <a:rPr lang="de-DE" dirty="0"/>
+              <a:t>Einrichten</a:t>
+            </a:r>
+          </a:p>
+        </p:txBody>
+      </p:sp>
+      <p:sp>
+        <p:nvSpPr>
+          <p:cNvPr id="24" name="Rectangle: Rounded Corners 4">
+            <a:extLst>
+              <a:ext uri="{FF2B5EF4-FFF2-40B4-BE49-F238E27FC236}">
+                <a16:creationId xmlns:a16="http://schemas.microsoft.com/office/drawing/2014/main" id="{56F2D96B-48FF-5F19-5357-E042CE9F1BA5}"/>
+              </a:ext>
+            </a:extLst>
+          </p:cNvPr>
+          <p:cNvSpPr/>
+          <p:nvPr/>
+        </p:nvSpPr>
+        <p:spPr>
+          <a:xfrm>
+            <a:off x="7725302" y="6036368"/>
+            <a:ext cx="1496817" cy="245786"/>
+          </a:xfrm>
+          <a:prstGeom prst="roundRect">
+            <a:avLst/>
+          </a:prstGeom>
+        </p:spPr>
+        <p:style>
+          <a:lnRef idx="2">
+            <a:schemeClr val="accent2">
+              <a:shade val="50000"/>
+            </a:schemeClr>
+          </a:lnRef>
+          <a:fillRef idx="1">
+            <a:schemeClr val="accent2"/>
+          </a:fillRef>
+          <a:effectRef idx="0">
+            <a:schemeClr val="accent2"/>
+          </a:effectRef>
+          <a:fontRef idx="minor">
+            <a:schemeClr val="lt1"/>
+          </a:fontRef>
+        </p:style>
+        <p:txBody>
+          <a:bodyPr rtlCol="0" anchor="ctr"/>
+          <a:lstStyle/>
+          <a:p>
+            <a:pPr algn="ctr"/>
+            <a:r>
+              <a:rPr lang="de-DE" sz="1600" dirty="0"/>
+              <a:t>Fertig</a:t>
+            </a:r>
+          </a:p>
+        </p:txBody>
+      </p:sp>
+      <p:cxnSp>
+        <p:nvCxnSpPr>
+          <p:cNvPr id="26" name="Connector: Curved 16">
+            <a:extLst>
+              <a:ext uri="{FF2B5EF4-FFF2-40B4-BE49-F238E27FC236}">
+                <a16:creationId xmlns:a16="http://schemas.microsoft.com/office/drawing/2014/main" id="{D5A4A0E5-3545-7D14-7E13-4365EA2E0F31}"/>
+              </a:ext>
+            </a:extLst>
+          </p:cNvPr>
+          <p:cNvCxnSpPr>
+            <a:cxnSpLocks/>
+            <a:stCxn id="11" idx="3"/>
+            <a:endCxn id="22" idx="1"/>
+          </p:cNvCxnSpPr>
+          <p:nvPr/>
+        </p:nvCxnSpPr>
+        <p:spPr>
+          <a:xfrm>
+            <a:off x="5714044" y="4481814"/>
+            <a:ext cx="1939823" cy="807030"/>
+          </a:xfrm>
+          <a:prstGeom prst="curvedConnector3">
+            <a:avLst>
+              <a:gd name="adj1" fmla="val 50000"/>
+            </a:avLst>
+          </a:prstGeom>
+          <a:ln w="28575">
+            <a:solidFill>
+              <a:srgbClr val="FF0000"/>
+            </a:solidFill>
+            <a:tailEnd type="triangle"/>
+          </a:ln>
+        </p:spPr>
+        <p:style>
+          <a:lnRef idx="1">
+            <a:schemeClr val="accent1"/>
+          </a:lnRef>
+          <a:fillRef idx="0">
+            <a:schemeClr val="accent1"/>
+          </a:fillRef>
+          <a:effectRef idx="0">
+            <a:schemeClr val="accent1"/>
+          </a:effectRef>
+          <a:fontRef idx="minor">
+            <a:schemeClr val="tx1"/>
+          </a:fontRef>
+        </p:style>
+      </p:cxnSp>
+      <p:sp>
+        <p:nvSpPr>
+          <p:cNvPr id="38" name="Rectangle 2">
+            <a:extLst>
+              <a:ext uri="{FF2B5EF4-FFF2-40B4-BE49-F238E27FC236}">
+                <a16:creationId xmlns:a16="http://schemas.microsoft.com/office/drawing/2014/main" id="{203976F3-C6F5-EF65-DC77-ACC3E7BB2BFF}"/>
+              </a:ext>
+            </a:extLst>
+          </p:cNvPr>
+          <p:cNvSpPr/>
+          <p:nvPr/>
+        </p:nvSpPr>
+        <p:spPr>
+          <a:xfrm>
+            <a:off x="7725302" y="4710008"/>
+            <a:ext cx="1496818" cy="245786"/>
+          </a:xfrm>
+          <a:prstGeom prst="rect">
+            <a:avLst/>
+          </a:prstGeom>
+        </p:spPr>
+        <p:style>
+          <a:lnRef idx="2">
+            <a:schemeClr val="accent6">
+              <a:shade val="50000"/>
+            </a:schemeClr>
+          </a:lnRef>
+          <a:fillRef idx="1">
+            <a:schemeClr val="accent6"/>
+          </a:fillRef>
+          <a:effectRef idx="0">
+            <a:schemeClr val="accent6"/>
+          </a:effectRef>
+          <a:fontRef idx="minor">
+            <a:schemeClr val="lt1"/>
+          </a:fontRef>
+        </p:style>
+        <p:txBody>
+          <a:bodyPr rtlCol="0" anchor="ctr"/>
+          <a:lstStyle/>
+          <a:p>
+            <a:pPr algn="ctr"/>
+            <a:r>
+              <a:rPr lang="de-DE" sz="1600" dirty="0"/>
+              <a:t>Name</a:t>
+            </a:r>
+          </a:p>
+        </p:txBody>
+      </p:sp>
+      <p:sp>
+        <p:nvSpPr>
+          <p:cNvPr id="39" name="Rectangle 2">
+            <a:extLst>
+              <a:ext uri="{FF2B5EF4-FFF2-40B4-BE49-F238E27FC236}">
+                <a16:creationId xmlns:a16="http://schemas.microsoft.com/office/drawing/2014/main" id="{09B196A5-F9C9-216B-21DE-66458EBEF76C}"/>
+              </a:ext>
+            </a:extLst>
+          </p:cNvPr>
+          <p:cNvSpPr/>
+          <p:nvPr/>
+        </p:nvSpPr>
+        <p:spPr>
+          <a:xfrm>
+            <a:off x="7725302" y="5034278"/>
+            <a:ext cx="1496818" cy="245786"/>
+          </a:xfrm>
+          <a:prstGeom prst="rect">
+            <a:avLst/>
+          </a:prstGeom>
+        </p:spPr>
+        <p:style>
+          <a:lnRef idx="2">
+            <a:schemeClr val="accent6">
+              <a:shade val="50000"/>
+            </a:schemeClr>
+          </a:lnRef>
+          <a:fillRef idx="1">
+            <a:schemeClr val="accent6"/>
+          </a:fillRef>
+          <a:effectRef idx="0">
+            <a:schemeClr val="accent6"/>
+          </a:effectRef>
+          <a:fontRef idx="minor">
+            <a:schemeClr val="lt1"/>
+          </a:fontRef>
+        </p:style>
+        <p:txBody>
+          <a:bodyPr rtlCol="0" anchor="ctr"/>
+          <a:lstStyle/>
+          <a:p>
+            <a:pPr algn="ctr"/>
+            <a:r>
+              <a:rPr lang="de-DE" sz="1600" dirty="0"/>
+              <a:t>Adresse</a:t>
+            </a:r>
+          </a:p>
+        </p:txBody>
+      </p:sp>
+      <p:sp>
+        <p:nvSpPr>
+          <p:cNvPr id="41" name="Rectangle 2">
+            <a:extLst>
+              <a:ext uri="{FF2B5EF4-FFF2-40B4-BE49-F238E27FC236}">
+                <a16:creationId xmlns:a16="http://schemas.microsoft.com/office/drawing/2014/main" id="{FF64F784-826E-4BA5-7284-936E99FF402C}"/>
+              </a:ext>
+            </a:extLst>
+          </p:cNvPr>
+          <p:cNvSpPr/>
+          <p:nvPr/>
+        </p:nvSpPr>
+        <p:spPr>
+          <a:xfrm>
+            <a:off x="7725302" y="5358548"/>
+            <a:ext cx="1496818" cy="245786"/>
+          </a:xfrm>
+          <a:prstGeom prst="rect">
+            <a:avLst/>
+          </a:prstGeom>
+        </p:spPr>
+        <p:style>
+          <a:lnRef idx="2">
+            <a:schemeClr val="accent6">
+              <a:shade val="50000"/>
+            </a:schemeClr>
+          </a:lnRef>
+          <a:fillRef idx="1">
+            <a:schemeClr val="accent6"/>
+          </a:fillRef>
+          <a:effectRef idx="0">
+            <a:schemeClr val="accent6"/>
+          </a:effectRef>
+          <a:fontRef idx="minor">
+            <a:schemeClr val="lt1"/>
+          </a:fontRef>
+        </p:style>
+        <p:txBody>
+          <a:bodyPr rtlCol="0" anchor="ctr"/>
+          <a:lstStyle/>
+          <a:p>
+            <a:pPr algn="ctr"/>
+            <a:r>
+              <a:rPr lang="de-DE" sz="1600" dirty="0"/>
+              <a:t>E-Mail</a:t>
+            </a:r>
+          </a:p>
+        </p:txBody>
+      </p:sp>
+      <p:sp>
+        <p:nvSpPr>
+          <p:cNvPr id="42" name="Rectangle 2">
+            <a:extLst>
+              <a:ext uri="{FF2B5EF4-FFF2-40B4-BE49-F238E27FC236}">
+                <a16:creationId xmlns:a16="http://schemas.microsoft.com/office/drawing/2014/main" id="{FD061CA5-23AC-4C4D-825F-0EF1C2F648D1}"/>
+              </a:ext>
+            </a:extLst>
+          </p:cNvPr>
+          <p:cNvSpPr/>
+          <p:nvPr/>
+        </p:nvSpPr>
+        <p:spPr>
+          <a:xfrm>
+            <a:off x="7725302" y="5697458"/>
+            <a:ext cx="1496818" cy="245786"/>
+          </a:xfrm>
+          <a:prstGeom prst="rect">
+            <a:avLst/>
+          </a:prstGeom>
+        </p:spPr>
+        <p:style>
+          <a:lnRef idx="2">
+            <a:schemeClr val="accent6">
+              <a:shade val="50000"/>
+            </a:schemeClr>
+          </a:lnRef>
+          <a:fillRef idx="1">
+            <a:schemeClr val="accent6"/>
+          </a:fillRef>
+          <a:effectRef idx="0">
+            <a:schemeClr val="accent6"/>
+          </a:effectRef>
+          <a:fontRef idx="minor">
+            <a:schemeClr val="lt1"/>
+          </a:fontRef>
+        </p:style>
+        <p:txBody>
+          <a:bodyPr rtlCol="0" anchor="ctr"/>
+          <a:lstStyle/>
+          <a:p>
+            <a:pPr algn="ctr"/>
+            <a:r>
+              <a:rPr lang="de-DE" sz="1600" dirty="0"/>
+              <a:t>Passwort</a:t>
+            </a:r>
+          </a:p>
+        </p:txBody>
+      </p:sp>
+      <p:cxnSp>
+        <p:nvCxnSpPr>
+          <p:cNvPr id="43" name="Connector: Curved 16">
+            <a:extLst>
+              <a:ext uri="{FF2B5EF4-FFF2-40B4-BE49-F238E27FC236}">
+                <a16:creationId xmlns:a16="http://schemas.microsoft.com/office/drawing/2014/main" id="{FF990A1F-1C48-0E25-165E-B03986F61F87}"/>
+              </a:ext>
+            </a:extLst>
+          </p:cNvPr>
+          <p:cNvCxnSpPr>
+            <a:cxnSpLocks/>
+            <a:stCxn id="24" idx="3"/>
+          </p:cNvCxnSpPr>
+          <p:nvPr/>
+        </p:nvCxnSpPr>
+        <p:spPr>
+          <a:xfrm flipV="1">
+            <a:off x="9222119" y="4770408"/>
+            <a:ext cx="2969881" cy="1388853"/>
+          </a:xfrm>
+          <a:prstGeom prst="curvedConnector3">
+            <a:avLst>
+              <a:gd name="adj1" fmla="val 50000"/>
+            </a:avLst>
+          </a:prstGeom>
+          <a:ln w="28575">
+            <a:solidFill>
+              <a:srgbClr val="FF0000"/>
+            </a:solidFill>
+            <a:tailEnd type="triangle"/>
+          </a:ln>
+        </p:spPr>
+        <p:style>
+          <a:lnRef idx="1">
+            <a:schemeClr val="accent1"/>
+          </a:lnRef>
+          <a:fillRef idx="0">
+            <a:schemeClr val="accent1"/>
+          </a:fillRef>
+          <a:effectRef idx="0">
+            <a:schemeClr val="accent1"/>
+          </a:effectRef>
+          <a:fontRef idx="minor">
+            <a:schemeClr val="tx1"/>
+          </a:fontRef>
+        </p:style>
+      </p:cxnSp>
+      <p:grpSp>
+        <p:nvGrpSpPr>
+          <p:cNvPr id="60" name="Gruppieren 59">
+            <a:extLst>
+              <a:ext uri="{FF2B5EF4-FFF2-40B4-BE49-F238E27FC236}">
+                <a16:creationId xmlns:a16="http://schemas.microsoft.com/office/drawing/2014/main" id="{17DFC4C2-2EFF-8F05-41C1-3F7DA986C378}"/>
+              </a:ext>
+            </a:extLst>
+          </p:cNvPr>
+          <p:cNvGrpSpPr/>
+          <p:nvPr/>
+        </p:nvGrpSpPr>
+        <p:grpSpPr>
+          <a:xfrm>
+            <a:off x="3910003" y="238379"/>
+            <a:ext cx="1639691" cy="2181363"/>
+            <a:chOff x="3910003" y="238379"/>
+            <a:chExt cx="1639691" cy="2181363"/>
+          </a:xfrm>
+        </p:grpSpPr>
+        <p:sp>
+          <p:nvSpPr>
+            <p:cNvPr id="47" name="Rectangle 1">
+              <a:extLst>
+                <a:ext uri="{FF2B5EF4-FFF2-40B4-BE49-F238E27FC236}">
+                  <a16:creationId xmlns:a16="http://schemas.microsoft.com/office/drawing/2014/main" id="{C478DD96-B22E-7D9A-5E67-6280DE74DBB7}"/>
+                </a:ext>
+              </a:extLst>
+            </p:cNvPr>
+            <p:cNvSpPr/>
+            <p:nvPr/>
+          </p:nvSpPr>
+          <p:spPr>
+            <a:xfrm>
+              <a:off x="3910003" y="238379"/>
+              <a:ext cx="1639691" cy="2181363"/>
+            </a:xfrm>
+            <a:prstGeom prst="rect">
+              <a:avLst/>
+            </a:prstGeom>
+          </p:spPr>
+          <p:style>
+            <a:lnRef idx="2">
+              <a:schemeClr val="accent1">
+                <a:shade val="50000"/>
+              </a:schemeClr>
+            </a:lnRef>
+            <a:fillRef idx="1">
+              <a:schemeClr val="accent1"/>
+            </a:fillRef>
+            <a:effectRef idx="0">
+              <a:schemeClr val="accent1"/>
+            </a:effectRef>
+            <a:fontRef idx="minor">
+              <a:schemeClr val="lt1"/>
+            </a:fontRef>
+          </p:style>
+          <p:txBody>
+            <a:bodyPr rtlCol="0" anchor="t"/>
+            <a:lstStyle/>
+            <a:p>
+              <a:pPr algn="ctr"/>
+              <a:r>
+                <a:rPr lang="de-DE" dirty="0"/>
+                <a:t>Kunde</a:t>
+              </a:r>
+            </a:p>
+          </p:txBody>
+        </p:sp>
+        <p:sp>
+          <p:nvSpPr>
+            <p:cNvPr id="48" name="Rectangle: Rounded Corners 4">
+              <a:extLst>
+                <a:ext uri="{FF2B5EF4-FFF2-40B4-BE49-F238E27FC236}">
+                  <a16:creationId xmlns:a16="http://schemas.microsoft.com/office/drawing/2014/main" id="{BDEEDB75-237B-F698-0705-9D1F1774363E}"/>
+                </a:ext>
+              </a:extLst>
+            </p:cNvPr>
+            <p:cNvSpPr/>
+            <p:nvPr/>
+          </p:nvSpPr>
+          <p:spPr>
+            <a:xfrm>
+              <a:off x="3981438" y="2038719"/>
+              <a:ext cx="1496817" cy="245786"/>
+            </a:xfrm>
+            <a:prstGeom prst="roundRect">
+              <a:avLst/>
+            </a:prstGeom>
+          </p:spPr>
+          <p:style>
+            <a:lnRef idx="2">
+              <a:schemeClr val="accent2">
+                <a:shade val="50000"/>
+              </a:schemeClr>
+            </a:lnRef>
+            <a:fillRef idx="1">
+              <a:schemeClr val="accent2"/>
+            </a:fillRef>
+            <a:effectRef idx="0">
+              <a:schemeClr val="accent2"/>
+            </a:effectRef>
+            <a:fontRef idx="minor">
+              <a:schemeClr val="lt1"/>
+            </a:fontRef>
+          </p:style>
+          <p:txBody>
+            <a:bodyPr rtlCol="0" anchor="ctr"/>
+            <a:lstStyle/>
+            <a:p>
+              <a:pPr algn="ctr"/>
+              <a:r>
+                <a:rPr lang="de-DE" sz="1600" dirty="0"/>
+                <a:t>Fertig</a:t>
+              </a:r>
+            </a:p>
+          </p:txBody>
+        </p:sp>
+        <p:sp>
+          <p:nvSpPr>
+            <p:cNvPr id="51" name="Rectangle 2">
+              <a:extLst>
+                <a:ext uri="{FF2B5EF4-FFF2-40B4-BE49-F238E27FC236}">
+                  <a16:creationId xmlns:a16="http://schemas.microsoft.com/office/drawing/2014/main" id="{298AFC83-B9EB-EB5B-7917-0C018B765B0B}"/>
+                </a:ext>
+              </a:extLst>
+            </p:cNvPr>
+            <p:cNvSpPr/>
+            <p:nvPr/>
+          </p:nvSpPr>
+          <p:spPr>
+            <a:xfrm>
+              <a:off x="3981438" y="798271"/>
+              <a:ext cx="1496818" cy="245786"/>
+            </a:xfrm>
+            <a:prstGeom prst="rect">
+              <a:avLst/>
+            </a:prstGeom>
+          </p:spPr>
+          <p:style>
+            <a:lnRef idx="2">
+              <a:schemeClr val="accent6">
+                <a:shade val="50000"/>
+              </a:schemeClr>
+            </a:lnRef>
+            <a:fillRef idx="1">
+              <a:schemeClr val="accent6"/>
+            </a:fillRef>
+            <a:effectRef idx="0">
+              <a:schemeClr val="accent6"/>
+            </a:effectRef>
+            <a:fontRef idx="minor">
+              <a:schemeClr val="lt1"/>
+            </a:fontRef>
+          </p:style>
+          <p:txBody>
+            <a:bodyPr rtlCol="0" anchor="ctr"/>
+            <a:lstStyle/>
+            <a:p>
+              <a:pPr algn="ctr"/>
+              <a:r>
+                <a:rPr lang="de-DE" sz="1600" dirty="0"/>
+                <a:t>E-Mail</a:t>
+              </a:r>
+            </a:p>
+          </p:txBody>
+        </p:sp>
+        <p:sp>
+          <p:nvSpPr>
+            <p:cNvPr id="52" name="Rectangle 2">
+              <a:extLst>
+                <a:ext uri="{FF2B5EF4-FFF2-40B4-BE49-F238E27FC236}">
+                  <a16:creationId xmlns:a16="http://schemas.microsoft.com/office/drawing/2014/main" id="{DE819F83-92DB-E146-F8B2-986049E1A9E3}"/>
+                </a:ext>
+              </a:extLst>
+            </p:cNvPr>
+            <p:cNvSpPr/>
+            <p:nvPr/>
+          </p:nvSpPr>
+          <p:spPr>
+            <a:xfrm>
+              <a:off x="3986883" y="1231689"/>
+              <a:ext cx="1496818" cy="245786"/>
+            </a:xfrm>
+            <a:prstGeom prst="rect">
+              <a:avLst/>
+            </a:prstGeom>
+          </p:spPr>
+          <p:style>
+            <a:lnRef idx="2">
+              <a:schemeClr val="accent6">
+                <a:shade val="50000"/>
+              </a:schemeClr>
+            </a:lnRef>
+            <a:fillRef idx="1">
+              <a:schemeClr val="accent6"/>
+            </a:fillRef>
+            <a:effectRef idx="0">
+              <a:schemeClr val="accent6"/>
+            </a:effectRef>
+            <a:fontRef idx="minor">
+              <a:schemeClr val="lt1"/>
+            </a:fontRef>
+          </p:style>
+          <p:txBody>
+            <a:bodyPr rtlCol="0" anchor="ctr"/>
+            <a:lstStyle/>
+            <a:p>
+              <a:pPr algn="ctr"/>
+              <a:r>
+                <a:rPr lang="de-DE" sz="1600" dirty="0"/>
+                <a:t>Passwort</a:t>
+              </a:r>
+            </a:p>
+          </p:txBody>
+        </p:sp>
+      </p:grpSp>
+      <p:cxnSp>
+        <p:nvCxnSpPr>
+          <p:cNvPr id="53" name="Connector: Curved 16">
+            <a:extLst>
+              <a:ext uri="{FF2B5EF4-FFF2-40B4-BE49-F238E27FC236}">
+                <a16:creationId xmlns:a16="http://schemas.microsoft.com/office/drawing/2014/main" id="{B75E8512-F6AE-F24B-7662-A0856B0037F5}"/>
+              </a:ext>
+            </a:extLst>
+          </p:cNvPr>
+          <p:cNvCxnSpPr>
+            <a:cxnSpLocks/>
+            <a:stCxn id="6" idx="3"/>
+            <a:endCxn id="47" idx="1"/>
+          </p:cNvCxnSpPr>
+          <p:nvPr/>
+        </p:nvCxnSpPr>
+        <p:spPr>
+          <a:xfrm flipV="1">
+            <a:off x="2205969" y="1329061"/>
+            <a:ext cx="1704034" cy="1655527"/>
+          </a:xfrm>
+          <a:prstGeom prst="curvedConnector3">
+            <a:avLst>
+              <a:gd name="adj1" fmla="val 50000"/>
+            </a:avLst>
+          </a:prstGeom>
+          <a:ln w="28575">
+            <a:solidFill>
+              <a:srgbClr val="FF0000"/>
+            </a:solidFill>
+            <a:tailEnd type="triangle"/>
+          </a:ln>
+        </p:spPr>
+        <p:style>
+          <a:lnRef idx="1">
+            <a:schemeClr val="accent1"/>
+          </a:lnRef>
+          <a:fillRef idx="0">
+            <a:schemeClr val="accent1"/>
+          </a:fillRef>
+          <a:effectRef idx="0">
+            <a:schemeClr val="accent1"/>
+          </a:effectRef>
+          <a:fontRef idx="minor">
+            <a:schemeClr val="tx1"/>
+          </a:fontRef>
+        </p:style>
+      </p:cxnSp>
+      <p:cxnSp>
+        <p:nvCxnSpPr>
+          <p:cNvPr id="56" name="Connector: Curved 16">
+            <a:extLst>
+              <a:ext uri="{FF2B5EF4-FFF2-40B4-BE49-F238E27FC236}">
+                <a16:creationId xmlns:a16="http://schemas.microsoft.com/office/drawing/2014/main" id="{E4B68E28-1E28-AC7B-AD07-7B3AEA5C8E4C}"/>
+              </a:ext>
+            </a:extLst>
+          </p:cNvPr>
+          <p:cNvCxnSpPr>
+            <a:cxnSpLocks/>
+            <a:stCxn id="48" idx="3"/>
+          </p:cNvCxnSpPr>
+          <p:nvPr/>
+        </p:nvCxnSpPr>
+        <p:spPr>
+          <a:xfrm flipV="1">
+            <a:off x="5478255" y="953482"/>
+            <a:ext cx="6713745" cy="1208130"/>
           </a:xfrm>
           <a:prstGeom prst="curvedConnector3">
             <a:avLst>
@@ -9688,6 +11282,18 @@
               <a:t>Sprache: </a:t>
             </a:r>
           </a:p>
+          <a:p>
+            <a:r>
+              <a:rPr lang="de-DE" sz="1600" dirty="0"/>
+              <a:t>Darkmode:</a:t>
+            </a:r>
+          </a:p>
+          <a:p>
+            <a:r>
+              <a:rPr lang="de-DE" sz="1600" dirty="0"/>
+              <a:t> </a:t>
+            </a:r>
+          </a:p>
         </p:txBody>
       </p:sp>
       <p:cxnSp>
@@ -9865,6 +11471,91 @@
             <a:r>
               <a:rPr lang="de-DE" dirty="0"/>
               <a:t>DropDown</a:t>
+            </a:r>
+          </a:p>
+        </p:txBody>
+      </p:sp>
+      <p:pic>
+        <p:nvPicPr>
+          <p:cNvPr id="5" name="Graphic 34" descr="Checkmark">
+            <a:extLst>
+              <a:ext uri="{FF2B5EF4-FFF2-40B4-BE49-F238E27FC236}">
+                <a16:creationId xmlns:a16="http://schemas.microsoft.com/office/drawing/2014/main" id="{A8FE474B-F56D-E86D-A2A0-BDF165038A0D}"/>
+              </a:ext>
+            </a:extLst>
+          </p:cNvPr>
+          <p:cNvPicPr>
+            <a:picLocks noChangeAspect="1"/>
+          </p:cNvPicPr>
+          <p:nvPr/>
+        </p:nvPicPr>
+        <p:blipFill>
+          <a:blip r:embed="rId2">
+            <a:extLst>
+              <a:ext uri="{96DAC541-7B7A-43D3-8B79-37D633B846F1}">
+                <asvg:svgBlip xmlns:asvg="http://schemas.microsoft.com/office/drawing/2016/SVG/main" r:embed="rId3"/>
+              </a:ext>
+            </a:extLst>
+          </a:blip>
+          <a:stretch>
+            <a:fillRect/>
+          </a:stretch>
+        </p:blipFill>
+        <p:spPr>
+          <a:xfrm>
+            <a:off x="1992247" y="3351998"/>
+            <a:ext cx="219793" cy="219793"/>
+          </a:xfrm>
+          <a:prstGeom prst="rect">
+            <a:avLst/>
+          </a:prstGeom>
+        </p:spPr>
+      </p:pic>
+      <p:sp>
+        <p:nvSpPr>
+          <p:cNvPr id="6" name="Rectangle 2">
+            <a:extLst>
+              <a:ext uri="{FF2B5EF4-FFF2-40B4-BE49-F238E27FC236}">
+                <a16:creationId xmlns:a16="http://schemas.microsoft.com/office/drawing/2014/main" id="{9A872DF5-9146-857D-838F-F0D831247D2C}"/>
+              </a:ext>
+            </a:extLst>
+          </p:cNvPr>
+          <p:cNvSpPr/>
+          <p:nvPr/>
+        </p:nvSpPr>
+        <p:spPr>
+          <a:xfrm>
+            <a:off x="690223" y="3661189"/>
+            <a:ext cx="1496818" cy="378189"/>
+          </a:xfrm>
+          <a:prstGeom prst="rect">
+            <a:avLst/>
+          </a:prstGeom>
+        </p:spPr>
+        <p:style>
+          <a:lnRef idx="2">
+            <a:schemeClr val="accent6">
+              <a:shade val="50000"/>
+            </a:schemeClr>
+          </a:lnRef>
+          <a:fillRef idx="1">
+            <a:schemeClr val="accent6"/>
+          </a:fillRef>
+          <a:effectRef idx="0">
+            <a:schemeClr val="accent6"/>
+          </a:effectRef>
+          <a:fontRef idx="minor">
+            <a:schemeClr val="lt1"/>
+          </a:fontRef>
+        </p:style>
+        <p:txBody>
+          <a:bodyPr rtlCol="0" anchor="ctr"/>
+          <a:lstStyle/>
+          <a:p>
+            <a:pPr algn="ctr"/>
+            <a:r>
+              <a:rPr lang="de-DE" sz="1200" dirty="0"/>
+              <a:t>Mitarbeiterschlüssel eingeben</a:t>
             </a:r>
           </a:p>
         </p:txBody>

--- a/Orga-Dateien/LoFi.pptx
+++ b/Orga-Dateien/LoFi.pptx
@@ -9,7 +9,6 @@
     <p:sldId id="259" r:id="rId3"/>
     <p:sldId id="260" r:id="rId4"/>
     <p:sldId id="261" r:id="rId5"/>
-    <p:sldId id="257" r:id="rId6"/>
   </p:sldIdLst>
   <p:sldSz cx="12192000" cy="6858000"/>
   <p:notesSz cx="6858000" cy="9144000"/>
@@ -119,11 +118,6 @@
             <p14:sldId id="261"/>
           </p14:sldIdLst>
         </p14:section>
-        <p14:section name="Beispiel" id="{21BE3D10-4EA7-4262-AA5C-F0CB779F646A}">
-          <p14:sldIdLst>
-            <p14:sldId id="257"/>
-          </p14:sldIdLst>
-        </p14:section>
       </p14:sectionLst>
     </p:ext>
     <p:ext uri="{EFAFB233-063F-42B5-8137-9DF3F51BA10A}">
@@ -282,7 +276,7 @@
           <a:p>
             <a:fld id="{90BA0F64-CCA5-4670-B995-2C9FB854C1E0}" type="datetimeFigureOut">
               <a:rPr lang="de-DE" smtClean="0"/>
-              <a:t>04.11.2023</a:t>
+              <a:t>10.11.2023</a:t>
             </a:fld>
             <a:endParaRPr lang="de-DE"/>
           </a:p>
@@ -482,7 +476,7 @@
           <a:p>
             <a:fld id="{90BA0F64-CCA5-4670-B995-2C9FB854C1E0}" type="datetimeFigureOut">
               <a:rPr lang="de-DE" smtClean="0"/>
-              <a:t>04.11.2023</a:t>
+              <a:t>10.11.2023</a:t>
             </a:fld>
             <a:endParaRPr lang="de-DE"/>
           </a:p>
@@ -692,7 +686,7 @@
           <a:p>
             <a:fld id="{90BA0F64-CCA5-4670-B995-2C9FB854C1E0}" type="datetimeFigureOut">
               <a:rPr lang="de-DE" smtClean="0"/>
-              <a:t>04.11.2023</a:t>
+              <a:t>10.11.2023</a:t>
             </a:fld>
             <a:endParaRPr lang="de-DE"/>
           </a:p>
@@ -892,7 +886,7 @@
           <a:p>
             <a:fld id="{90BA0F64-CCA5-4670-B995-2C9FB854C1E0}" type="datetimeFigureOut">
               <a:rPr lang="de-DE" smtClean="0"/>
-              <a:t>04.11.2023</a:t>
+              <a:t>10.11.2023</a:t>
             </a:fld>
             <a:endParaRPr lang="de-DE"/>
           </a:p>
@@ -1168,7 +1162,7 @@
           <a:p>
             <a:fld id="{90BA0F64-CCA5-4670-B995-2C9FB854C1E0}" type="datetimeFigureOut">
               <a:rPr lang="de-DE" smtClean="0"/>
-              <a:t>04.11.2023</a:t>
+              <a:t>10.11.2023</a:t>
             </a:fld>
             <a:endParaRPr lang="de-DE"/>
           </a:p>
@@ -1436,7 +1430,7 @@
           <a:p>
             <a:fld id="{90BA0F64-CCA5-4670-B995-2C9FB854C1E0}" type="datetimeFigureOut">
               <a:rPr lang="de-DE" smtClean="0"/>
-              <a:t>04.11.2023</a:t>
+              <a:t>10.11.2023</a:t>
             </a:fld>
             <a:endParaRPr lang="de-DE"/>
           </a:p>
@@ -1851,7 +1845,7 @@
           <a:p>
             <a:fld id="{90BA0F64-CCA5-4670-B995-2C9FB854C1E0}" type="datetimeFigureOut">
               <a:rPr lang="de-DE" smtClean="0"/>
-              <a:t>04.11.2023</a:t>
+              <a:t>10.11.2023</a:t>
             </a:fld>
             <a:endParaRPr lang="de-DE"/>
           </a:p>
@@ -1993,7 +1987,7 @@
           <a:p>
             <a:fld id="{90BA0F64-CCA5-4670-B995-2C9FB854C1E0}" type="datetimeFigureOut">
               <a:rPr lang="de-DE" smtClean="0"/>
-              <a:t>04.11.2023</a:t>
+              <a:t>10.11.2023</a:t>
             </a:fld>
             <a:endParaRPr lang="de-DE"/>
           </a:p>
@@ -2106,7 +2100,7 @@
           <a:p>
             <a:fld id="{90BA0F64-CCA5-4670-B995-2C9FB854C1E0}" type="datetimeFigureOut">
               <a:rPr lang="de-DE" smtClean="0"/>
-              <a:t>04.11.2023</a:t>
+              <a:t>10.11.2023</a:t>
             </a:fld>
             <a:endParaRPr lang="de-DE"/>
           </a:p>
@@ -2419,7 +2413,7 @@
           <a:p>
             <a:fld id="{90BA0F64-CCA5-4670-B995-2C9FB854C1E0}" type="datetimeFigureOut">
               <a:rPr lang="de-DE" smtClean="0"/>
-              <a:t>04.11.2023</a:t>
+              <a:t>10.11.2023</a:t>
             </a:fld>
             <a:endParaRPr lang="de-DE"/>
           </a:p>
@@ -2708,7 +2702,7 @@
           <a:p>
             <a:fld id="{90BA0F64-CCA5-4670-B995-2C9FB854C1E0}" type="datetimeFigureOut">
               <a:rPr lang="de-DE" smtClean="0"/>
-              <a:t>04.11.2023</a:t>
+              <a:t>10.11.2023</a:t>
             </a:fld>
             <a:endParaRPr lang="de-DE"/>
           </a:p>
@@ -2951,7 +2945,7 @@
           <a:p>
             <a:fld id="{90BA0F64-CCA5-4670-B995-2C9FB854C1E0}" type="datetimeFigureOut">
               <a:rPr lang="de-DE" smtClean="0"/>
-              <a:t>04.11.2023</a:t>
+              <a:t>10.11.2023</a:t>
             </a:fld>
             <a:endParaRPr lang="de-DE"/>
           </a:p>
@@ -5522,54 +5516,6 @@
       </p:grpSp>
       <p:cxnSp>
         <p:nvCxnSpPr>
-          <p:cNvPr id="58" name="Connector: Curved 16">
-            <a:extLst>
-              <a:ext uri="{FF2B5EF4-FFF2-40B4-BE49-F238E27FC236}">
-                <a16:creationId xmlns:a16="http://schemas.microsoft.com/office/drawing/2014/main" id="{2A0AE38D-6C8B-5A2C-873F-A4E7BE54E933}"/>
-              </a:ext>
-            </a:extLst>
-          </p:cNvPr>
-          <p:cNvCxnSpPr>
-            <a:cxnSpLocks/>
-            <a:stCxn id="41" idx="1"/>
-            <a:endCxn id="107" idx="3"/>
-          </p:cNvCxnSpPr>
-          <p:nvPr/>
-        </p:nvCxnSpPr>
-        <p:spPr>
-          <a:xfrm rot="10800000">
-            <a:off x="8086715" y="5876303"/>
-            <a:ext cx="774343" cy="379395"/>
-          </a:xfrm>
-          <a:prstGeom prst="curvedConnector3">
-            <a:avLst>
-              <a:gd name="adj1" fmla="val 50000"/>
-            </a:avLst>
-          </a:prstGeom>
-          <a:ln w="28575">
-            <a:solidFill>
-              <a:srgbClr val="FF0000"/>
-            </a:solidFill>
-            <a:tailEnd type="triangle"/>
-          </a:ln>
-        </p:spPr>
-        <p:style>
-          <a:lnRef idx="1">
-            <a:schemeClr val="accent1"/>
-          </a:lnRef>
-          <a:fillRef idx="0">
-            <a:schemeClr val="accent1"/>
-          </a:fillRef>
-          <a:effectRef idx="0">
-            <a:schemeClr val="accent1"/>
-          </a:effectRef>
-          <a:fontRef idx="minor">
-            <a:schemeClr val="tx1"/>
-          </a:fontRef>
-        </p:style>
-      </p:cxnSp>
-      <p:cxnSp>
-        <p:nvCxnSpPr>
           <p:cNvPr id="13" name="Connector: Curved 16">
             <a:extLst>
               <a:ext uri="{FF2B5EF4-FFF2-40B4-BE49-F238E27FC236}">
@@ -5760,54 +5706,6 @@
       </p:cxnSp>
       <p:cxnSp>
         <p:nvCxnSpPr>
-          <p:cNvPr id="32" name="Connector: Curved 16">
-            <a:extLst>
-              <a:ext uri="{FF2B5EF4-FFF2-40B4-BE49-F238E27FC236}">
-                <a16:creationId xmlns:a16="http://schemas.microsoft.com/office/drawing/2014/main" id="{23B7924C-EED7-6BD8-E595-CCDC97C51542}"/>
-              </a:ext>
-            </a:extLst>
-          </p:cNvPr>
-          <p:cNvCxnSpPr>
-            <a:cxnSpLocks/>
-            <a:stCxn id="31" idx="1"/>
-            <a:endCxn id="34" idx="3"/>
-          </p:cNvCxnSpPr>
-          <p:nvPr/>
-        </p:nvCxnSpPr>
-        <p:spPr>
-          <a:xfrm rot="10800000">
-            <a:off x="6096000" y="2041819"/>
-            <a:ext cx="4251144" cy="649366"/>
-          </a:xfrm>
-          <a:prstGeom prst="curvedConnector3">
-            <a:avLst>
-              <a:gd name="adj1" fmla="val 50000"/>
-            </a:avLst>
-          </a:prstGeom>
-          <a:ln w="28575">
-            <a:solidFill>
-              <a:srgbClr val="FF0000"/>
-            </a:solidFill>
-            <a:tailEnd type="triangle"/>
-          </a:ln>
-        </p:spPr>
-        <p:style>
-          <a:lnRef idx="1">
-            <a:schemeClr val="accent1"/>
-          </a:lnRef>
-          <a:fillRef idx="0">
-            <a:schemeClr val="accent1"/>
-          </a:fillRef>
-          <a:effectRef idx="0">
-            <a:schemeClr val="accent1"/>
-          </a:effectRef>
-          <a:fontRef idx="minor">
-            <a:schemeClr val="tx1"/>
-          </a:fontRef>
-        </p:style>
-      </p:cxnSp>
-      <p:cxnSp>
-        <p:nvCxnSpPr>
           <p:cNvPr id="51" name="Connector: Curved 16">
             <a:extLst>
               <a:ext uri="{FF2B5EF4-FFF2-40B4-BE49-F238E27FC236}">
@@ -5880,54 +5778,6 @@
               <a:gd name="adj1" fmla="val -689281"/>
               <a:gd name="adj2" fmla="val 27701"/>
               <a:gd name="adj3" fmla="val 789281"/>
-            </a:avLst>
-          </a:prstGeom>
-          <a:ln w="28575">
-            <a:solidFill>
-              <a:srgbClr val="FF0000"/>
-            </a:solidFill>
-            <a:tailEnd type="triangle"/>
-          </a:ln>
-        </p:spPr>
-        <p:style>
-          <a:lnRef idx="1">
-            <a:schemeClr val="accent1"/>
-          </a:lnRef>
-          <a:fillRef idx="0">
-            <a:schemeClr val="accent1"/>
-          </a:fillRef>
-          <a:effectRef idx="0">
-            <a:schemeClr val="accent1"/>
-          </a:effectRef>
-          <a:fontRef idx="minor">
-            <a:schemeClr val="tx1"/>
-          </a:fontRef>
-        </p:style>
-      </p:cxnSp>
-      <p:cxnSp>
-        <p:nvCxnSpPr>
-          <p:cNvPr id="66" name="Connector: Curved 16">
-            <a:extLst>
-              <a:ext uri="{FF2B5EF4-FFF2-40B4-BE49-F238E27FC236}">
-                <a16:creationId xmlns:a16="http://schemas.microsoft.com/office/drawing/2014/main" id="{2F9ADEA0-312E-2092-2664-13BF99EFB2AD}"/>
-              </a:ext>
-            </a:extLst>
-          </p:cNvPr>
-          <p:cNvCxnSpPr>
-            <a:cxnSpLocks/>
-            <a:stCxn id="40" idx="1"/>
-            <a:endCxn id="50" idx="3"/>
-          </p:cNvCxnSpPr>
-          <p:nvPr/>
-        </p:nvCxnSpPr>
-        <p:spPr>
-          <a:xfrm rot="10800000" flipV="1">
-            <a:off x="3379944" y="2725339"/>
-            <a:ext cx="1151839" cy="2986001"/>
-          </a:xfrm>
-          <a:prstGeom prst="curvedConnector3">
-            <a:avLst>
-              <a:gd name="adj1" fmla="val 50000"/>
             </a:avLst>
           </a:prstGeom>
           <a:ln w="28575">
@@ -6535,54 +6385,6 @@
       </p:sp>
       <p:cxnSp>
         <p:nvCxnSpPr>
-          <p:cNvPr id="78" name="Connector: Curved 16">
-            <a:extLst>
-              <a:ext uri="{FF2B5EF4-FFF2-40B4-BE49-F238E27FC236}">
-                <a16:creationId xmlns:a16="http://schemas.microsoft.com/office/drawing/2014/main" id="{D169AA3D-52AD-75CC-DE7B-C48D23DA68A9}"/>
-              </a:ext>
-            </a:extLst>
-          </p:cNvPr>
-          <p:cNvCxnSpPr>
-            <a:cxnSpLocks/>
-            <a:stCxn id="42" idx="1"/>
-            <a:endCxn id="72" idx="3"/>
-          </p:cNvCxnSpPr>
-          <p:nvPr/>
-        </p:nvCxnSpPr>
-        <p:spPr>
-          <a:xfrm rot="10800000">
-            <a:off x="5919822" y="4360431"/>
-            <a:ext cx="637480" cy="2169253"/>
-          </a:xfrm>
-          <a:prstGeom prst="curvedConnector3">
-            <a:avLst>
-              <a:gd name="adj1" fmla="val 50000"/>
-            </a:avLst>
-          </a:prstGeom>
-          <a:ln w="28575">
-            <a:solidFill>
-              <a:srgbClr val="FF0000"/>
-            </a:solidFill>
-            <a:tailEnd type="triangle"/>
-          </a:ln>
-        </p:spPr>
-        <p:style>
-          <a:lnRef idx="1">
-            <a:schemeClr val="accent1"/>
-          </a:lnRef>
-          <a:fillRef idx="0">
-            <a:schemeClr val="accent1"/>
-          </a:fillRef>
-          <a:effectRef idx="0">
-            <a:schemeClr val="accent1"/>
-          </a:effectRef>
-          <a:fontRef idx="minor">
-            <a:schemeClr val="tx1"/>
-          </a:fontRef>
-        </p:style>
-      </p:cxnSp>
-      <p:cxnSp>
-        <p:nvCxnSpPr>
           <p:cNvPr id="75" name="Connector: Curved 16">
             <a:extLst>
               <a:ext uri="{FF2B5EF4-FFF2-40B4-BE49-F238E27FC236}">
@@ -6679,54 +6481,6 @@
       </p:cxnSp>
       <p:cxnSp>
         <p:nvCxnSpPr>
-          <p:cNvPr id="62" name="Connector: Curved 16">
-            <a:extLst>
-              <a:ext uri="{FF2B5EF4-FFF2-40B4-BE49-F238E27FC236}">
-                <a16:creationId xmlns:a16="http://schemas.microsoft.com/office/drawing/2014/main" id="{D56803D9-E26C-7286-E84B-080E7C88939A}"/>
-              </a:ext>
-            </a:extLst>
-          </p:cNvPr>
-          <p:cNvCxnSpPr>
-            <a:cxnSpLocks/>
-            <a:stCxn id="42" idx="1"/>
-            <a:endCxn id="50" idx="3"/>
-          </p:cNvCxnSpPr>
-          <p:nvPr/>
-        </p:nvCxnSpPr>
-        <p:spPr>
-          <a:xfrm rot="10800000">
-            <a:off x="3379944" y="5711341"/>
-            <a:ext cx="3177359" cy="818342"/>
-          </a:xfrm>
-          <a:prstGeom prst="curvedConnector3">
-            <a:avLst>
-              <a:gd name="adj1" fmla="val 50000"/>
-            </a:avLst>
-          </a:prstGeom>
-          <a:ln w="28575">
-            <a:solidFill>
-              <a:srgbClr val="FF0000"/>
-            </a:solidFill>
-            <a:tailEnd type="triangle"/>
-          </a:ln>
-        </p:spPr>
-        <p:style>
-          <a:lnRef idx="1">
-            <a:schemeClr val="accent1"/>
-          </a:lnRef>
-          <a:fillRef idx="0">
-            <a:schemeClr val="accent1"/>
-          </a:fillRef>
-          <a:effectRef idx="0">
-            <a:schemeClr val="accent1"/>
-          </a:effectRef>
-          <a:fontRef idx="minor">
-            <a:schemeClr val="tx1"/>
-          </a:fontRef>
-        </p:style>
-      </p:cxnSp>
-      <p:cxnSp>
-        <p:nvCxnSpPr>
           <p:cNvPr id="91" name="Connector: Curved 16">
             <a:extLst>
               <a:ext uri="{FF2B5EF4-FFF2-40B4-BE49-F238E27FC236}">
@@ -6998,2412 +6752,6 @@
           <a:chExt cx="0" cy="0"/>
         </a:xfrm>
       </p:grpSpPr>
-      <p:grpSp>
-        <p:nvGrpSpPr>
-          <p:cNvPr id="69" name="Gruppieren 68">
-            <a:extLst>
-              <a:ext uri="{FF2B5EF4-FFF2-40B4-BE49-F238E27FC236}">
-                <a16:creationId xmlns:a16="http://schemas.microsoft.com/office/drawing/2014/main" id="{8B1FC17A-2271-19F8-B617-97CC1CBE79D6}"/>
-              </a:ext>
-            </a:extLst>
-          </p:cNvPr>
-          <p:cNvGrpSpPr/>
-          <p:nvPr/>
-        </p:nvGrpSpPr>
-        <p:grpSpPr>
-          <a:xfrm>
-            <a:off x="3095868" y="963643"/>
-            <a:ext cx="1639691" cy="2181363"/>
-            <a:chOff x="3518927" y="1945355"/>
-            <a:chExt cx="1639691" cy="2181363"/>
-          </a:xfrm>
-        </p:grpSpPr>
-        <p:sp>
-          <p:nvSpPr>
-            <p:cNvPr id="10" name="Rectangle 1">
-              <a:extLst>
-                <a:ext uri="{FF2B5EF4-FFF2-40B4-BE49-F238E27FC236}">
-                  <a16:creationId xmlns:a16="http://schemas.microsoft.com/office/drawing/2014/main" id="{4A6322CB-61BB-5448-1206-D36DC87DDBF2}"/>
-                </a:ext>
-              </a:extLst>
-            </p:cNvPr>
-            <p:cNvSpPr/>
-            <p:nvPr/>
-          </p:nvSpPr>
-          <p:spPr>
-            <a:xfrm>
-              <a:off x="3518927" y="1945355"/>
-              <a:ext cx="1639691" cy="2181363"/>
-            </a:xfrm>
-            <a:prstGeom prst="rect">
-              <a:avLst/>
-            </a:prstGeom>
-          </p:spPr>
-          <p:style>
-            <a:lnRef idx="2">
-              <a:schemeClr val="accent1">
-                <a:shade val="50000"/>
-              </a:schemeClr>
-            </a:lnRef>
-            <a:fillRef idx="1">
-              <a:schemeClr val="accent1"/>
-            </a:fillRef>
-            <a:effectRef idx="0">
-              <a:schemeClr val="accent1"/>
-            </a:effectRef>
-            <a:fontRef idx="minor">
-              <a:schemeClr val="lt1"/>
-            </a:fontRef>
-          </p:style>
-          <p:txBody>
-            <a:bodyPr rtlCol="0" anchor="t"/>
-            <a:lstStyle/>
-            <a:p>
-              <a:pPr algn="ctr"/>
-              <a:r>
-                <a:rPr lang="de-DE" dirty="0"/>
-                <a:t>Restaurant x</a:t>
-              </a:r>
-            </a:p>
-          </p:txBody>
-        </p:sp>
-        <p:sp>
-          <p:nvSpPr>
-            <p:cNvPr id="12" name="Rectangle 3">
-              <a:extLst>
-                <a:ext uri="{FF2B5EF4-FFF2-40B4-BE49-F238E27FC236}">
-                  <a16:creationId xmlns:a16="http://schemas.microsoft.com/office/drawing/2014/main" id="{0D8D83B4-715C-3299-A9B7-75462282F270}"/>
-                </a:ext>
-              </a:extLst>
-            </p:cNvPr>
-            <p:cNvSpPr/>
-            <p:nvPr/>
-          </p:nvSpPr>
-          <p:spPr>
-            <a:xfrm>
-              <a:off x="3575394" y="2941272"/>
-              <a:ext cx="1496818" cy="245786"/>
-            </a:xfrm>
-            <a:prstGeom prst="rect">
-              <a:avLst/>
-            </a:prstGeom>
-          </p:spPr>
-          <p:style>
-            <a:lnRef idx="2">
-              <a:schemeClr val="accent6">
-                <a:shade val="50000"/>
-              </a:schemeClr>
-            </a:lnRef>
-            <a:fillRef idx="1">
-              <a:schemeClr val="accent6"/>
-            </a:fillRef>
-            <a:effectRef idx="0">
-              <a:schemeClr val="accent6"/>
-            </a:effectRef>
-            <a:fontRef idx="minor">
-              <a:schemeClr val="lt1"/>
-            </a:fontRef>
-          </p:style>
-          <p:txBody>
-            <a:bodyPr rtlCol="0" anchor="ctr"/>
-            <a:lstStyle/>
-            <a:p>
-              <a:pPr algn="ctr"/>
-              <a:r>
-                <a:rPr lang="de-DE" dirty="0"/>
-                <a:t>Bewertungen</a:t>
-              </a:r>
-            </a:p>
-          </p:txBody>
-        </p:sp>
-        <p:sp>
-          <p:nvSpPr>
-            <p:cNvPr id="13" name="Rectangle: Rounded Corners 4">
-              <a:extLst>
-                <a:ext uri="{FF2B5EF4-FFF2-40B4-BE49-F238E27FC236}">
-                  <a16:creationId xmlns:a16="http://schemas.microsoft.com/office/drawing/2014/main" id="{7A9BFA3E-0E59-C59A-6A68-50E3219711BD}"/>
-                </a:ext>
-              </a:extLst>
-            </p:cNvPr>
-            <p:cNvSpPr/>
-            <p:nvPr/>
-          </p:nvSpPr>
-          <p:spPr>
-            <a:xfrm>
-              <a:off x="3568472" y="3274368"/>
-              <a:ext cx="1496817" cy="245786"/>
-            </a:xfrm>
-            <a:prstGeom prst="roundRect">
-              <a:avLst/>
-            </a:prstGeom>
-          </p:spPr>
-          <p:style>
-            <a:lnRef idx="2">
-              <a:schemeClr val="accent2">
-                <a:shade val="50000"/>
-              </a:schemeClr>
-            </a:lnRef>
-            <a:fillRef idx="1">
-              <a:schemeClr val="accent2"/>
-            </a:fillRef>
-            <a:effectRef idx="0">
-              <a:schemeClr val="accent2"/>
-            </a:effectRef>
-            <a:fontRef idx="minor">
-              <a:schemeClr val="lt1"/>
-            </a:fontRef>
-          </p:style>
-          <p:txBody>
-            <a:bodyPr rtlCol="0" anchor="ctr"/>
-            <a:lstStyle/>
-            <a:p>
-              <a:pPr algn="ctr"/>
-              <a:r>
-                <a:rPr lang="de-DE" dirty="0"/>
-                <a:t>Speisekarte</a:t>
-              </a:r>
-            </a:p>
-          </p:txBody>
-        </p:sp>
-        <p:sp>
-          <p:nvSpPr>
-            <p:cNvPr id="40" name="Rectangle: Rounded Corners 4">
-              <a:extLst>
-                <a:ext uri="{FF2B5EF4-FFF2-40B4-BE49-F238E27FC236}">
-                  <a16:creationId xmlns:a16="http://schemas.microsoft.com/office/drawing/2014/main" id="{F3298448-4D2D-16BA-FDE4-AE5EF9A28E37}"/>
-                </a:ext>
-              </a:extLst>
-            </p:cNvPr>
-            <p:cNvSpPr/>
-            <p:nvPr/>
-          </p:nvSpPr>
-          <p:spPr>
-            <a:xfrm>
-              <a:off x="3590364" y="3756250"/>
-              <a:ext cx="833064" cy="272574"/>
-            </a:xfrm>
-            <a:prstGeom prst="roundRect">
-              <a:avLst/>
-            </a:prstGeom>
-          </p:spPr>
-          <p:style>
-            <a:lnRef idx="2">
-              <a:schemeClr val="accent2">
-                <a:shade val="50000"/>
-              </a:schemeClr>
-            </a:lnRef>
-            <a:fillRef idx="1">
-              <a:schemeClr val="accent2"/>
-            </a:fillRef>
-            <a:effectRef idx="0">
-              <a:schemeClr val="accent2"/>
-            </a:effectRef>
-            <a:fontRef idx="minor">
-              <a:schemeClr val="lt1"/>
-            </a:fontRef>
-          </p:style>
-          <p:txBody>
-            <a:bodyPr rtlCol="0" anchor="ctr"/>
-            <a:lstStyle/>
-            <a:p>
-              <a:pPr algn="ctr"/>
-              <a:r>
-                <a:rPr lang="de-DE" sz="1600" dirty="0"/>
-                <a:t>Zurück</a:t>
-              </a:r>
-            </a:p>
-          </p:txBody>
-        </p:sp>
-        <p:sp>
-          <p:nvSpPr>
-            <p:cNvPr id="11" name="Rectangle 2">
-              <a:extLst>
-                <a:ext uri="{FF2B5EF4-FFF2-40B4-BE49-F238E27FC236}">
-                  <a16:creationId xmlns:a16="http://schemas.microsoft.com/office/drawing/2014/main" id="{066EE2F7-78CD-F482-FCE3-151C462A1555}"/>
-                </a:ext>
-              </a:extLst>
-            </p:cNvPr>
-            <p:cNvSpPr/>
-            <p:nvPr/>
-          </p:nvSpPr>
-          <p:spPr>
-            <a:xfrm>
-              <a:off x="3575394" y="2619197"/>
-              <a:ext cx="1496818" cy="245786"/>
-            </a:xfrm>
-            <a:prstGeom prst="rect">
-              <a:avLst/>
-            </a:prstGeom>
-          </p:spPr>
-          <p:style>
-            <a:lnRef idx="2">
-              <a:schemeClr val="accent6">
-                <a:shade val="50000"/>
-              </a:schemeClr>
-            </a:lnRef>
-            <a:fillRef idx="1">
-              <a:schemeClr val="accent6"/>
-            </a:fillRef>
-            <a:effectRef idx="0">
-              <a:schemeClr val="accent6"/>
-            </a:effectRef>
-            <a:fontRef idx="minor">
-              <a:schemeClr val="lt1"/>
-            </a:fontRef>
-          </p:style>
-          <p:txBody>
-            <a:bodyPr rtlCol="0" anchor="ctr"/>
-            <a:lstStyle/>
-            <a:p>
-              <a:pPr algn="ctr"/>
-              <a:r>
-                <a:rPr lang="de-DE" sz="1600" dirty="0"/>
-                <a:t>Öffnungszeiten</a:t>
-              </a:r>
-            </a:p>
-          </p:txBody>
-        </p:sp>
-      </p:grpSp>
-      <p:cxnSp>
-        <p:nvCxnSpPr>
-          <p:cNvPr id="17" name="Connector: Curved 16">
-            <a:extLst>
-              <a:ext uri="{FF2B5EF4-FFF2-40B4-BE49-F238E27FC236}">
-                <a16:creationId xmlns:a16="http://schemas.microsoft.com/office/drawing/2014/main" id="{0B92EDDB-D310-DA1B-4DBC-E4223B2D7B1E}"/>
-              </a:ext>
-            </a:extLst>
-          </p:cNvPr>
-          <p:cNvCxnSpPr>
-            <a:cxnSpLocks/>
-            <a:stCxn id="9" idx="3"/>
-            <a:endCxn id="10" idx="1"/>
-          </p:cNvCxnSpPr>
-          <p:nvPr/>
-        </p:nvCxnSpPr>
-        <p:spPr>
-          <a:xfrm flipV="1">
-            <a:off x="2059320" y="2054325"/>
-            <a:ext cx="1036548" cy="2183316"/>
-          </a:xfrm>
-          <a:prstGeom prst="curvedConnector3">
-            <a:avLst>
-              <a:gd name="adj1" fmla="val 50000"/>
-            </a:avLst>
-          </a:prstGeom>
-          <a:ln w="28575">
-            <a:solidFill>
-              <a:srgbClr val="FF0000"/>
-            </a:solidFill>
-            <a:tailEnd type="triangle"/>
-          </a:ln>
-        </p:spPr>
-        <p:style>
-          <a:lnRef idx="1">
-            <a:schemeClr val="accent1"/>
-          </a:lnRef>
-          <a:fillRef idx="0">
-            <a:schemeClr val="accent1"/>
-          </a:fillRef>
-          <a:effectRef idx="0">
-            <a:schemeClr val="accent1"/>
-          </a:effectRef>
-          <a:fontRef idx="minor">
-            <a:schemeClr val="tx1"/>
-          </a:fontRef>
-        </p:style>
-      </p:cxnSp>
-      <p:cxnSp>
-        <p:nvCxnSpPr>
-          <p:cNvPr id="14" name="Connector: Curved 16">
-            <a:extLst>
-              <a:ext uri="{FF2B5EF4-FFF2-40B4-BE49-F238E27FC236}">
-                <a16:creationId xmlns:a16="http://schemas.microsoft.com/office/drawing/2014/main" id="{564FFD2A-9DB7-9501-61C7-F9013D494D54}"/>
-              </a:ext>
-            </a:extLst>
-          </p:cNvPr>
-          <p:cNvCxnSpPr>
-            <a:cxnSpLocks/>
-            <a:stCxn id="6" idx="3"/>
-            <a:endCxn id="10" idx="1"/>
-          </p:cNvCxnSpPr>
-          <p:nvPr/>
-        </p:nvCxnSpPr>
-        <p:spPr>
-          <a:xfrm flipV="1">
-            <a:off x="2059320" y="2054325"/>
-            <a:ext cx="1036548" cy="1838501"/>
-          </a:xfrm>
-          <a:prstGeom prst="curvedConnector3">
-            <a:avLst>
-              <a:gd name="adj1" fmla="val 50000"/>
-            </a:avLst>
-          </a:prstGeom>
-          <a:ln w="28575">
-            <a:solidFill>
-              <a:srgbClr val="FF0000"/>
-            </a:solidFill>
-            <a:tailEnd type="triangle"/>
-          </a:ln>
-        </p:spPr>
-        <p:style>
-          <a:lnRef idx="1">
-            <a:schemeClr val="accent1"/>
-          </a:lnRef>
-          <a:fillRef idx="0">
-            <a:schemeClr val="accent1"/>
-          </a:fillRef>
-          <a:effectRef idx="0">
-            <a:schemeClr val="accent1"/>
-          </a:effectRef>
-          <a:fontRef idx="minor">
-            <a:schemeClr val="tx1"/>
-          </a:fontRef>
-        </p:style>
-      </p:cxnSp>
-      <p:cxnSp>
-        <p:nvCxnSpPr>
-          <p:cNvPr id="33" name="Connector: Curved 16">
-            <a:extLst>
-              <a:ext uri="{FF2B5EF4-FFF2-40B4-BE49-F238E27FC236}">
-                <a16:creationId xmlns:a16="http://schemas.microsoft.com/office/drawing/2014/main" id="{1667AA4F-F658-FCCD-1185-609AF9025C19}"/>
-              </a:ext>
-            </a:extLst>
-          </p:cNvPr>
-          <p:cNvCxnSpPr>
-            <a:cxnSpLocks/>
-            <a:stCxn id="40" idx="1"/>
-            <a:endCxn id="2" idx="3"/>
-          </p:cNvCxnSpPr>
-          <p:nvPr/>
-        </p:nvCxnSpPr>
-        <p:spPr>
-          <a:xfrm rot="10800000" flipV="1">
-            <a:off x="2130757" y="2910825"/>
-            <a:ext cx="1036548" cy="778732"/>
-          </a:xfrm>
-          <a:prstGeom prst="curvedConnector3">
-            <a:avLst>
-              <a:gd name="adj1" fmla="val 50000"/>
-            </a:avLst>
-          </a:prstGeom>
-          <a:ln w="28575">
-            <a:solidFill>
-              <a:srgbClr val="FF0000"/>
-            </a:solidFill>
-            <a:tailEnd type="triangle"/>
-          </a:ln>
-        </p:spPr>
-        <p:style>
-          <a:lnRef idx="1">
-            <a:schemeClr val="accent1"/>
-          </a:lnRef>
-          <a:fillRef idx="0">
-            <a:schemeClr val="accent1"/>
-          </a:fillRef>
-          <a:effectRef idx="0">
-            <a:schemeClr val="accent1"/>
-          </a:effectRef>
-          <a:fontRef idx="minor">
-            <a:schemeClr val="tx1"/>
-          </a:fontRef>
-        </p:style>
-      </p:cxnSp>
-      <p:cxnSp>
-        <p:nvCxnSpPr>
-          <p:cNvPr id="26" name="Connector: Curved 16">
-            <a:extLst>
-              <a:ext uri="{FF2B5EF4-FFF2-40B4-BE49-F238E27FC236}">
-                <a16:creationId xmlns:a16="http://schemas.microsoft.com/office/drawing/2014/main" id="{058F4E60-110B-792C-2A4F-4A44DD01513A}"/>
-              </a:ext>
-            </a:extLst>
-          </p:cNvPr>
-          <p:cNvCxnSpPr>
-            <a:cxnSpLocks/>
-            <a:stCxn id="120" idx="3"/>
-            <a:endCxn id="28" idx="1"/>
-          </p:cNvCxnSpPr>
-          <p:nvPr/>
-        </p:nvCxnSpPr>
-        <p:spPr>
-          <a:xfrm>
-            <a:off x="2059320" y="4662557"/>
-            <a:ext cx="2301179" cy="301402"/>
-          </a:xfrm>
-          <a:prstGeom prst="curvedConnector3">
-            <a:avLst>
-              <a:gd name="adj1" fmla="val 50000"/>
-            </a:avLst>
-          </a:prstGeom>
-          <a:ln w="28575">
-            <a:solidFill>
-              <a:srgbClr val="FF0000"/>
-            </a:solidFill>
-            <a:tailEnd type="triangle"/>
-          </a:ln>
-        </p:spPr>
-        <p:style>
-          <a:lnRef idx="1">
-            <a:schemeClr val="accent1"/>
-          </a:lnRef>
-          <a:fillRef idx="0">
-            <a:schemeClr val="accent1"/>
-          </a:fillRef>
-          <a:effectRef idx="0">
-            <a:schemeClr val="accent1"/>
-          </a:effectRef>
-          <a:fontRef idx="minor">
-            <a:schemeClr val="tx1"/>
-          </a:fontRef>
-        </p:style>
-      </p:cxnSp>
-      <p:cxnSp>
-        <p:nvCxnSpPr>
-          <p:cNvPr id="3" name="Connector: Curved 16">
-            <a:extLst>
-              <a:ext uri="{FF2B5EF4-FFF2-40B4-BE49-F238E27FC236}">
-                <a16:creationId xmlns:a16="http://schemas.microsoft.com/office/drawing/2014/main" id="{0D2909C9-9551-709E-E677-524FBC46E9A2}"/>
-              </a:ext>
-            </a:extLst>
-          </p:cNvPr>
-          <p:cNvCxnSpPr>
-            <a:cxnSpLocks/>
-            <a:endCxn id="2" idx="1"/>
-          </p:cNvCxnSpPr>
-          <p:nvPr/>
-        </p:nvCxnSpPr>
-        <p:spPr>
-          <a:xfrm>
-            <a:off x="0" y="3206822"/>
-            <a:ext cx="491066" cy="482735"/>
-          </a:xfrm>
-          <a:prstGeom prst="curvedConnector3">
-            <a:avLst>
-              <a:gd name="adj1" fmla="val 50000"/>
-            </a:avLst>
-          </a:prstGeom>
-          <a:ln w="28575">
-            <a:solidFill>
-              <a:srgbClr val="FF0000"/>
-            </a:solidFill>
-            <a:tailEnd type="triangle"/>
-          </a:ln>
-        </p:spPr>
-        <p:style>
-          <a:lnRef idx="1">
-            <a:schemeClr val="accent1"/>
-          </a:lnRef>
-          <a:fillRef idx="0">
-            <a:schemeClr val="accent1"/>
-          </a:fillRef>
-          <a:effectRef idx="0">
-            <a:schemeClr val="accent1"/>
-          </a:effectRef>
-          <a:fontRef idx="minor">
-            <a:schemeClr val="tx1"/>
-          </a:fontRef>
-        </p:style>
-      </p:cxnSp>
-      <p:cxnSp>
-        <p:nvCxnSpPr>
-          <p:cNvPr id="55" name="Connector: Curved 16">
-            <a:extLst>
-              <a:ext uri="{FF2B5EF4-FFF2-40B4-BE49-F238E27FC236}">
-                <a16:creationId xmlns:a16="http://schemas.microsoft.com/office/drawing/2014/main" id="{9CE27762-CB03-BB85-77D9-74B0EF1BE70E}"/>
-              </a:ext>
-            </a:extLst>
-          </p:cNvPr>
-          <p:cNvCxnSpPr>
-            <a:cxnSpLocks/>
-            <a:stCxn id="38" idx="3"/>
-            <a:endCxn id="60" idx="1"/>
-          </p:cNvCxnSpPr>
-          <p:nvPr/>
-        </p:nvCxnSpPr>
-        <p:spPr>
-          <a:xfrm flipV="1">
-            <a:off x="5913546" y="4839394"/>
-            <a:ext cx="1352600" cy="717710"/>
-          </a:xfrm>
-          <a:prstGeom prst="curvedConnector3">
-            <a:avLst>
-              <a:gd name="adj1" fmla="val 50000"/>
-            </a:avLst>
-          </a:prstGeom>
-          <a:ln w="28575">
-            <a:solidFill>
-              <a:srgbClr val="FF0000"/>
-            </a:solidFill>
-            <a:tailEnd type="triangle"/>
-          </a:ln>
-        </p:spPr>
-        <p:style>
-          <a:lnRef idx="1">
-            <a:schemeClr val="accent1"/>
-          </a:lnRef>
-          <a:fillRef idx="0">
-            <a:schemeClr val="accent1"/>
-          </a:fillRef>
-          <a:effectRef idx="0">
-            <a:schemeClr val="accent1"/>
-          </a:effectRef>
-          <a:fontRef idx="minor">
-            <a:schemeClr val="tx1"/>
-          </a:fontRef>
-        </p:style>
-      </p:cxnSp>
-      <p:grpSp>
-        <p:nvGrpSpPr>
-          <p:cNvPr id="87" name="Gruppieren 86">
-            <a:extLst>
-              <a:ext uri="{FF2B5EF4-FFF2-40B4-BE49-F238E27FC236}">
-                <a16:creationId xmlns:a16="http://schemas.microsoft.com/office/drawing/2014/main" id="{B29CC70D-C5D7-97CC-A673-03DFF2BB7E05}"/>
-              </a:ext>
-            </a:extLst>
-          </p:cNvPr>
-          <p:cNvGrpSpPr/>
-          <p:nvPr/>
-        </p:nvGrpSpPr>
-        <p:grpSpPr>
-          <a:xfrm>
-            <a:off x="10229433" y="2514987"/>
-            <a:ext cx="1639691" cy="2181363"/>
-            <a:chOff x="10267752" y="354631"/>
-            <a:chExt cx="1639691" cy="2181363"/>
-          </a:xfrm>
-        </p:grpSpPr>
-        <p:sp>
-          <p:nvSpPr>
-            <p:cNvPr id="78" name="Rectangle 1">
-              <a:extLst>
-                <a:ext uri="{FF2B5EF4-FFF2-40B4-BE49-F238E27FC236}">
-                  <a16:creationId xmlns:a16="http://schemas.microsoft.com/office/drawing/2014/main" id="{DFD5A98A-CCD8-A005-9EA7-68C89B8F452F}"/>
-                </a:ext>
-              </a:extLst>
-            </p:cNvPr>
-            <p:cNvSpPr/>
-            <p:nvPr/>
-          </p:nvSpPr>
-          <p:spPr>
-            <a:xfrm>
-              <a:off x="10267752" y="354631"/>
-              <a:ext cx="1639691" cy="2181363"/>
-            </a:xfrm>
-            <a:prstGeom prst="rect">
-              <a:avLst/>
-            </a:prstGeom>
-          </p:spPr>
-          <p:style>
-            <a:lnRef idx="2">
-              <a:schemeClr val="accent1">
-                <a:shade val="50000"/>
-              </a:schemeClr>
-            </a:lnRef>
-            <a:fillRef idx="1">
-              <a:schemeClr val="accent1"/>
-            </a:fillRef>
-            <a:effectRef idx="0">
-              <a:schemeClr val="accent1"/>
-            </a:effectRef>
-            <a:fontRef idx="minor">
-              <a:schemeClr val="lt1"/>
-            </a:fontRef>
-          </p:style>
-          <p:txBody>
-            <a:bodyPr rtlCol="0" anchor="t"/>
-            <a:lstStyle/>
-            <a:p>
-              <a:pPr algn="ctr"/>
-              <a:r>
-                <a:rPr lang="de-DE" sz="1400" dirty="0"/>
-                <a:t>Zahlungsmethoden</a:t>
-              </a:r>
-            </a:p>
-          </p:txBody>
-        </p:sp>
-        <p:sp>
-          <p:nvSpPr>
-            <p:cNvPr id="80" name="Rectangle: Rounded Corners 4">
-              <a:extLst>
-                <a:ext uri="{FF2B5EF4-FFF2-40B4-BE49-F238E27FC236}">
-                  <a16:creationId xmlns:a16="http://schemas.microsoft.com/office/drawing/2014/main" id="{27BB49B0-0437-3FE1-D470-6D3EDDD138C9}"/>
-                </a:ext>
-              </a:extLst>
-            </p:cNvPr>
-            <p:cNvSpPr/>
-            <p:nvPr/>
-          </p:nvSpPr>
-          <p:spPr>
-            <a:xfrm>
-              <a:off x="10339189" y="2165526"/>
-              <a:ext cx="1131292" cy="272574"/>
-            </a:xfrm>
-            <a:prstGeom prst="roundRect">
-              <a:avLst/>
-            </a:prstGeom>
-          </p:spPr>
-          <p:style>
-            <a:lnRef idx="2">
-              <a:schemeClr val="accent2">
-                <a:shade val="50000"/>
-              </a:schemeClr>
-            </a:lnRef>
-            <a:fillRef idx="1">
-              <a:schemeClr val="accent2"/>
-            </a:fillRef>
-            <a:effectRef idx="0">
-              <a:schemeClr val="accent2"/>
-            </a:effectRef>
-            <a:fontRef idx="minor">
-              <a:schemeClr val="lt1"/>
-            </a:fontRef>
-          </p:style>
-          <p:txBody>
-            <a:bodyPr rtlCol="0" anchor="ctr"/>
-            <a:lstStyle/>
-            <a:p>
-              <a:pPr algn="ctr"/>
-              <a:r>
-                <a:rPr lang="de-DE" sz="1600" dirty="0"/>
-                <a:t>Abbrechen</a:t>
-              </a:r>
-            </a:p>
-          </p:txBody>
-        </p:sp>
-        <p:sp>
-          <p:nvSpPr>
-            <p:cNvPr id="83" name="Rectangle: Rounded Corners 4">
-              <a:extLst>
-                <a:ext uri="{FF2B5EF4-FFF2-40B4-BE49-F238E27FC236}">
-                  <a16:creationId xmlns:a16="http://schemas.microsoft.com/office/drawing/2014/main" id="{9F242BE8-1DF3-D548-36C1-8F82B9799BCF}"/>
-                </a:ext>
-              </a:extLst>
-            </p:cNvPr>
-            <p:cNvSpPr/>
-            <p:nvPr/>
-          </p:nvSpPr>
-          <p:spPr>
-            <a:xfrm>
-              <a:off x="10339188" y="681855"/>
-              <a:ext cx="1496817" cy="245786"/>
-            </a:xfrm>
-            <a:prstGeom prst="roundRect">
-              <a:avLst/>
-            </a:prstGeom>
-          </p:spPr>
-          <p:style>
-            <a:lnRef idx="2">
-              <a:schemeClr val="accent2">
-                <a:shade val="50000"/>
-              </a:schemeClr>
-            </a:lnRef>
-            <a:fillRef idx="1">
-              <a:schemeClr val="accent2"/>
-            </a:fillRef>
-            <a:effectRef idx="0">
-              <a:schemeClr val="accent2"/>
-            </a:effectRef>
-            <a:fontRef idx="minor">
-              <a:schemeClr val="lt1"/>
-            </a:fontRef>
-          </p:style>
-          <p:txBody>
-            <a:bodyPr rtlCol="0" anchor="ctr"/>
-            <a:lstStyle/>
-            <a:p>
-              <a:pPr algn="ctr"/>
-              <a:r>
-                <a:rPr lang="de-DE" sz="1600" dirty="0"/>
-                <a:t>Zahlungsm. 1</a:t>
-              </a:r>
-            </a:p>
-          </p:txBody>
-        </p:sp>
-        <p:sp>
-          <p:nvSpPr>
-            <p:cNvPr id="84" name="Rectangle: Rounded Corners 4">
-              <a:extLst>
-                <a:ext uri="{FF2B5EF4-FFF2-40B4-BE49-F238E27FC236}">
-                  <a16:creationId xmlns:a16="http://schemas.microsoft.com/office/drawing/2014/main" id="{01F4925E-902E-0227-3E0A-9DE07A9BCB4A}"/>
-                </a:ext>
-              </a:extLst>
-            </p:cNvPr>
-            <p:cNvSpPr/>
-            <p:nvPr/>
-          </p:nvSpPr>
-          <p:spPr>
-            <a:xfrm>
-              <a:off x="10339189" y="1046466"/>
-              <a:ext cx="1496817" cy="245786"/>
-            </a:xfrm>
-            <a:prstGeom prst="roundRect">
-              <a:avLst/>
-            </a:prstGeom>
-          </p:spPr>
-          <p:style>
-            <a:lnRef idx="2">
-              <a:schemeClr val="accent2">
-                <a:shade val="50000"/>
-              </a:schemeClr>
-            </a:lnRef>
-            <a:fillRef idx="1">
-              <a:schemeClr val="accent2"/>
-            </a:fillRef>
-            <a:effectRef idx="0">
-              <a:schemeClr val="accent2"/>
-            </a:effectRef>
-            <a:fontRef idx="minor">
-              <a:schemeClr val="lt1"/>
-            </a:fontRef>
-          </p:style>
-          <p:txBody>
-            <a:bodyPr rtlCol="0" anchor="ctr"/>
-            <a:lstStyle/>
-            <a:p>
-              <a:pPr algn="ctr"/>
-              <a:r>
-                <a:rPr lang="de-DE" sz="1600" dirty="0"/>
-                <a:t>Zahlungsm. 2</a:t>
-              </a:r>
-            </a:p>
-          </p:txBody>
-        </p:sp>
-        <p:sp>
-          <p:nvSpPr>
-            <p:cNvPr id="85" name="Rectangle: Rounded Corners 4">
-              <a:extLst>
-                <a:ext uri="{FF2B5EF4-FFF2-40B4-BE49-F238E27FC236}">
-                  <a16:creationId xmlns:a16="http://schemas.microsoft.com/office/drawing/2014/main" id="{C16BBFDD-AB85-BB07-B775-855A398EB03E}"/>
-                </a:ext>
-              </a:extLst>
-            </p:cNvPr>
-            <p:cNvSpPr/>
-            <p:nvPr/>
-          </p:nvSpPr>
-          <p:spPr>
-            <a:xfrm>
-              <a:off x="10339188" y="1445312"/>
-              <a:ext cx="1496817" cy="245786"/>
-            </a:xfrm>
-            <a:prstGeom prst="roundRect">
-              <a:avLst/>
-            </a:prstGeom>
-          </p:spPr>
-          <p:style>
-            <a:lnRef idx="2">
-              <a:schemeClr val="accent2">
-                <a:shade val="50000"/>
-              </a:schemeClr>
-            </a:lnRef>
-            <a:fillRef idx="1">
-              <a:schemeClr val="accent2"/>
-            </a:fillRef>
-            <a:effectRef idx="0">
-              <a:schemeClr val="accent2"/>
-            </a:effectRef>
-            <a:fontRef idx="minor">
-              <a:schemeClr val="lt1"/>
-            </a:fontRef>
-          </p:style>
-          <p:txBody>
-            <a:bodyPr rtlCol="0" anchor="ctr"/>
-            <a:lstStyle/>
-            <a:p>
-              <a:pPr algn="ctr"/>
-              <a:r>
-                <a:rPr lang="de-DE" sz="1600" dirty="0"/>
-                <a:t>Zahlungsm. 3</a:t>
-              </a:r>
-            </a:p>
-          </p:txBody>
-        </p:sp>
-      </p:grpSp>
-      <p:cxnSp>
-        <p:nvCxnSpPr>
-          <p:cNvPr id="88" name="Connector: Curved 16">
-            <a:extLst>
-              <a:ext uri="{FF2B5EF4-FFF2-40B4-BE49-F238E27FC236}">
-                <a16:creationId xmlns:a16="http://schemas.microsoft.com/office/drawing/2014/main" id="{DF17BFB3-3D97-02C0-F312-DE2C8F23CA03}"/>
-              </a:ext>
-            </a:extLst>
-          </p:cNvPr>
-          <p:cNvCxnSpPr>
-            <a:cxnSpLocks/>
-            <a:stCxn id="77" idx="3"/>
-            <a:endCxn id="78" idx="1"/>
-          </p:cNvCxnSpPr>
-          <p:nvPr/>
-        </p:nvCxnSpPr>
-        <p:spPr>
-          <a:xfrm flipV="1">
-            <a:off x="8834400" y="3605669"/>
-            <a:ext cx="1395033" cy="1329693"/>
-          </a:xfrm>
-          <a:prstGeom prst="curvedConnector3">
-            <a:avLst>
-              <a:gd name="adj1" fmla="val 50000"/>
-            </a:avLst>
-          </a:prstGeom>
-          <a:ln w="28575">
-            <a:solidFill>
-              <a:srgbClr val="FF0000"/>
-            </a:solidFill>
-            <a:tailEnd type="triangle"/>
-          </a:ln>
-        </p:spPr>
-        <p:style>
-          <a:lnRef idx="1">
-            <a:schemeClr val="accent1"/>
-          </a:lnRef>
-          <a:fillRef idx="0">
-            <a:schemeClr val="accent1"/>
-          </a:fillRef>
-          <a:effectRef idx="0">
-            <a:schemeClr val="accent1"/>
-          </a:effectRef>
-          <a:fontRef idx="minor">
-            <a:schemeClr val="tx1"/>
-          </a:fontRef>
-        </p:style>
-      </p:cxnSp>
-      <p:cxnSp>
-        <p:nvCxnSpPr>
-          <p:cNvPr id="97" name="Connector: Curved 16">
-            <a:extLst>
-              <a:ext uri="{FF2B5EF4-FFF2-40B4-BE49-F238E27FC236}">
-                <a16:creationId xmlns:a16="http://schemas.microsoft.com/office/drawing/2014/main" id="{652CDC95-D32D-0D9A-CF24-DB17CB801592}"/>
-              </a:ext>
-            </a:extLst>
-          </p:cNvPr>
-          <p:cNvCxnSpPr>
-            <a:cxnSpLocks/>
-            <a:stCxn id="80" idx="1"/>
-            <a:endCxn id="60" idx="3"/>
-          </p:cNvCxnSpPr>
-          <p:nvPr/>
-        </p:nvCxnSpPr>
-        <p:spPr>
-          <a:xfrm rot="10800000" flipV="1">
-            <a:off x="8905838" y="4462168"/>
-            <a:ext cx="1395033" cy="377225"/>
-          </a:xfrm>
-          <a:prstGeom prst="curvedConnector3">
-            <a:avLst>
-              <a:gd name="adj1" fmla="val 50000"/>
-            </a:avLst>
-          </a:prstGeom>
-          <a:ln w="28575">
-            <a:solidFill>
-              <a:srgbClr val="FF0000"/>
-            </a:solidFill>
-            <a:tailEnd type="triangle"/>
-          </a:ln>
-        </p:spPr>
-        <p:style>
-          <a:lnRef idx="1">
-            <a:schemeClr val="accent1"/>
-          </a:lnRef>
-          <a:fillRef idx="0">
-            <a:schemeClr val="accent1"/>
-          </a:fillRef>
-          <a:effectRef idx="0">
-            <a:schemeClr val="accent1"/>
-          </a:effectRef>
-          <a:fontRef idx="minor">
-            <a:schemeClr val="tx1"/>
-          </a:fontRef>
-        </p:style>
-      </p:cxnSp>
-      <p:cxnSp>
-        <p:nvCxnSpPr>
-          <p:cNvPr id="52" name="Connector: Curved 16">
-            <a:extLst>
-              <a:ext uri="{FF2B5EF4-FFF2-40B4-BE49-F238E27FC236}">
-                <a16:creationId xmlns:a16="http://schemas.microsoft.com/office/drawing/2014/main" id="{DDAB5BA1-A3AF-DEE7-4AD8-00D2368BE891}"/>
-              </a:ext>
-            </a:extLst>
-          </p:cNvPr>
-          <p:cNvCxnSpPr>
-            <a:cxnSpLocks/>
-            <a:stCxn id="62" idx="1"/>
-            <a:endCxn id="28" idx="3"/>
-          </p:cNvCxnSpPr>
-          <p:nvPr/>
-        </p:nvCxnSpPr>
-        <p:spPr>
-          <a:xfrm rot="10800000">
-            <a:off x="5948451" y="4963960"/>
-            <a:ext cx="1389133" cy="770889"/>
-          </a:xfrm>
-          <a:prstGeom prst="curvedConnector3">
-            <a:avLst>
-              <a:gd name="adj1" fmla="val 50000"/>
-            </a:avLst>
-          </a:prstGeom>
-          <a:ln w="28575">
-            <a:solidFill>
-              <a:srgbClr val="FF0000"/>
-            </a:solidFill>
-            <a:tailEnd type="triangle"/>
-          </a:ln>
-        </p:spPr>
-        <p:style>
-          <a:lnRef idx="1">
-            <a:schemeClr val="accent1"/>
-          </a:lnRef>
-          <a:fillRef idx="0">
-            <a:schemeClr val="accent1"/>
-          </a:fillRef>
-          <a:effectRef idx="0">
-            <a:schemeClr val="accent1"/>
-          </a:effectRef>
-          <a:fontRef idx="minor">
-            <a:schemeClr val="tx1"/>
-          </a:fontRef>
-        </p:style>
-      </p:cxnSp>
-      <p:grpSp>
-        <p:nvGrpSpPr>
-          <p:cNvPr id="116" name="Gruppieren 115">
-            <a:extLst>
-              <a:ext uri="{FF2B5EF4-FFF2-40B4-BE49-F238E27FC236}">
-                <a16:creationId xmlns:a16="http://schemas.microsoft.com/office/drawing/2014/main" id="{08D4CD47-E0DD-04C6-0B91-A5C23239D038}"/>
-              </a:ext>
-            </a:extLst>
-          </p:cNvPr>
-          <p:cNvGrpSpPr/>
-          <p:nvPr/>
-        </p:nvGrpSpPr>
-        <p:grpSpPr>
-          <a:xfrm>
-            <a:off x="7266146" y="1779494"/>
-            <a:ext cx="4603592" cy="4823245"/>
-            <a:chOff x="7415770" y="98961"/>
-            <a:chExt cx="4603592" cy="4823245"/>
-          </a:xfrm>
-        </p:grpSpPr>
-        <p:sp>
-          <p:nvSpPr>
-            <p:cNvPr id="60" name="Rectangle 1">
-              <a:extLst>
-                <a:ext uri="{FF2B5EF4-FFF2-40B4-BE49-F238E27FC236}">
-                  <a16:creationId xmlns:a16="http://schemas.microsoft.com/office/drawing/2014/main" id="{8BF207BF-E875-652D-1389-2732FFF73D65}"/>
-                </a:ext>
-              </a:extLst>
-            </p:cNvPr>
-            <p:cNvSpPr/>
-            <p:nvPr/>
-          </p:nvSpPr>
-          <p:spPr>
-            <a:xfrm>
-              <a:off x="7415770" y="1695336"/>
-              <a:ext cx="1639691" cy="2927050"/>
-            </a:xfrm>
-            <a:prstGeom prst="rect">
-              <a:avLst/>
-            </a:prstGeom>
-          </p:spPr>
-          <p:style>
-            <a:lnRef idx="2">
-              <a:schemeClr val="accent1">
-                <a:shade val="50000"/>
-              </a:schemeClr>
-            </a:lnRef>
-            <a:fillRef idx="1">
-              <a:schemeClr val="accent1"/>
-            </a:fillRef>
-            <a:effectRef idx="0">
-              <a:schemeClr val="accent1"/>
-            </a:effectRef>
-            <a:fontRef idx="minor">
-              <a:schemeClr val="lt1"/>
-            </a:fontRef>
-          </p:style>
-          <p:txBody>
-            <a:bodyPr rtlCol="0" anchor="t"/>
-            <a:lstStyle/>
-            <a:p>
-              <a:pPr algn="ctr"/>
-              <a:r>
-                <a:rPr lang="de-DE" sz="1400" dirty="0"/>
-                <a:t>Digitale Rechnung</a:t>
-              </a:r>
-            </a:p>
-          </p:txBody>
-        </p:sp>
-        <p:sp>
-          <p:nvSpPr>
-            <p:cNvPr id="65" name="Rectangle 2">
-              <a:extLst>
-                <a:ext uri="{FF2B5EF4-FFF2-40B4-BE49-F238E27FC236}">
-                  <a16:creationId xmlns:a16="http://schemas.microsoft.com/office/drawing/2014/main" id="{93B6005E-20FB-2257-FE6A-A4AB2361977A}"/>
-                </a:ext>
-              </a:extLst>
-            </p:cNvPr>
-            <p:cNvSpPr/>
-            <p:nvPr/>
-          </p:nvSpPr>
-          <p:spPr>
-            <a:xfrm>
-              <a:off x="7487207" y="2091358"/>
-              <a:ext cx="1496818" cy="245786"/>
-            </a:xfrm>
-            <a:prstGeom prst="rect">
-              <a:avLst/>
-            </a:prstGeom>
-          </p:spPr>
-          <p:style>
-            <a:lnRef idx="2">
-              <a:schemeClr val="accent6">
-                <a:shade val="50000"/>
-              </a:schemeClr>
-            </a:lnRef>
-            <a:fillRef idx="1">
-              <a:schemeClr val="accent6"/>
-            </a:fillRef>
-            <a:effectRef idx="0">
-              <a:schemeClr val="accent6"/>
-            </a:effectRef>
-            <a:fontRef idx="minor">
-              <a:schemeClr val="lt1"/>
-            </a:fontRef>
-          </p:style>
-          <p:txBody>
-            <a:bodyPr rtlCol="0" anchor="ctr"/>
-            <a:lstStyle/>
-            <a:p>
-              <a:pPr algn="ctr"/>
-              <a:r>
-                <a:rPr lang="de-DE" dirty="0"/>
-                <a:t>Bestellung 1</a:t>
-              </a:r>
-            </a:p>
-          </p:txBody>
-        </p:sp>
-        <p:sp>
-          <p:nvSpPr>
-            <p:cNvPr id="62" name="Rectangle: Rounded Corners 4">
-              <a:extLst>
-                <a:ext uri="{FF2B5EF4-FFF2-40B4-BE49-F238E27FC236}">
-                  <a16:creationId xmlns:a16="http://schemas.microsoft.com/office/drawing/2014/main" id="{19A49979-9966-AE77-81D4-C67D38E0FE71}"/>
-                </a:ext>
-              </a:extLst>
-            </p:cNvPr>
-            <p:cNvSpPr/>
-            <p:nvPr/>
-          </p:nvSpPr>
-          <p:spPr>
-            <a:xfrm>
-              <a:off x="7487207" y="3918028"/>
-              <a:ext cx="1496816" cy="272574"/>
-            </a:xfrm>
-            <a:prstGeom prst="roundRect">
-              <a:avLst/>
-            </a:prstGeom>
-          </p:spPr>
-          <p:style>
-            <a:lnRef idx="2">
-              <a:schemeClr val="accent2">
-                <a:shade val="50000"/>
-              </a:schemeClr>
-            </a:lnRef>
-            <a:fillRef idx="1">
-              <a:schemeClr val="accent2"/>
-            </a:fillRef>
-            <a:effectRef idx="0">
-              <a:schemeClr val="accent2"/>
-            </a:effectRef>
-            <a:fontRef idx="minor">
-              <a:schemeClr val="lt1"/>
-            </a:fontRef>
-          </p:style>
-          <p:txBody>
-            <a:bodyPr rtlCol="0" anchor="ctr"/>
-            <a:lstStyle/>
-            <a:p>
-              <a:pPr algn="ctr"/>
-              <a:r>
-                <a:rPr lang="de-DE" sz="1600" dirty="0"/>
-                <a:t>Mehr bestellen</a:t>
-              </a:r>
-            </a:p>
-          </p:txBody>
-        </p:sp>
-        <p:sp>
-          <p:nvSpPr>
-            <p:cNvPr id="75" name="Rectangle 2">
-              <a:extLst>
-                <a:ext uri="{FF2B5EF4-FFF2-40B4-BE49-F238E27FC236}">
-                  <a16:creationId xmlns:a16="http://schemas.microsoft.com/office/drawing/2014/main" id="{C734E1C0-8810-B2EF-AA5F-3883D9202174}"/>
-                </a:ext>
-              </a:extLst>
-            </p:cNvPr>
-            <p:cNvSpPr/>
-            <p:nvPr/>
-          </p:nvSpPr>
-          <p:spPr>
-            <a:xfrm>
-              <a:off x="7487206" y="2422952"/>
-              <a:ext cx="1496818" cy="245786"/>
-            </a:xfrm>
-            <a:prstGeom prst="rect">
-              <a:avLst/>
-            </a:prstGeom>
-          </p:spPr>
-          <p:style>
-            <a:lnRef idx="2">
-              <a:schemeClr val="accent6">
-                <a:shade val="50000"/>
-              </a:schemeClr>
-            </a:lnRef>
-            <a:fillRef idx="1">
-              <a:schemeClr val="accent6"/>
-            </a:fillRef>
-            <a:effectRef idx="0">
-              <a:schemeClr val="accent6"/>
-            </a:effectRef>
-            <a:fontRef idx="minor">
-              <a:schemeClr val="lt1"/>
-            </a:fontRef>
-          </p:style>
-          <p:txBody>
-            <a:bodyPr rtlCol="0" anchor="ctr"/>
-            <a:lstStyle/>
-            <a:p>
-              <a:pPr algn="ctr"/>
-              <a:r>
-                <a:rPr lang="de-DE" dirty="0"/>
-                <a:t>Bestellung 2</a:t>
-              </a:r>
-            </a:p>
-          </p:txBody>
-        </p:sp>
-        <p:sp>
-          <p:nvSpPr>
-            <p:cNvPr id="76" name="Rectangle 2">
-              <a:extLst>
-                <a:ext uri="{FF2B5EF4-FFF2-40B4-BE49-F238E27FC236}">
-                  <a16:creationId xmlns:a16="http://schemas.microsoft.com/office/drawing/2014/main" id="{95D3B742-F321-D907-CDE0-167967BA9524}"/>
-                </a:ext>
-              </a:extLst>
-            </p:cNvPr>
-            <p:cNvSpPr/>
-            <p:nvPr/>
-          </p:nvSpPr>
-          <p:spPr>
-            <a:xfrm>
-              <a:off x="7487206" y="2757640"/>
-              <a:ext cx="1496818" cy="245786"/>
-            </a:xfrm>
-            <a:prstGeom prst="rect">
-              <a:avLst/>
-            </a:prstGeom>
-          </p:spPr>
-          <p:style>
-            <a:lnRef idx="2">
-              <a:schemeClr val="accent6">
-                <a:shade val="50000"/>
-              </a:schemeClr>
-            </a:lnRef>
-            <a:fillRef idx="1">
-              <a:schemeClr val="accent6"/>
-            </a:fillRef>
-            <a:effectRef idx="0">
-              <a:schemeClr val="accent6"/>
-            </a:effectRef>
-            <a:fontRef idx="minor">
-              <a:schemeClr val="lt1"/>
-            </a:fontRef>
-          </p:style>
-          <p:txBody>
-            <a:bodyPr rtlCol="0" anchor="ctr"/>
-            <a:lstStyle/>
-            <a:p>
-              <a:pPr algn="ctr"/>
-              <a:r>
-                <a:rPr lang="de-DE" dirty="0"/>
-                <a:t>Bestellung 3</a:t>
-              </a:r>
-            </a:p>
-          </p:txBody>
-        </p:sp>
-        <p:sp>
-          <p:nvSpPr>
-            <p:cNvPr id="77" name="Rectangle: Rounded Corners 4">
-              <a:extLst>
-                <a:ext uri="{FF2B5EF4-FFF2-40B4-BE49-F238E27FC236}">
-                  <a16:creationId xmlns:a16="http://schemas.microsoft.com/office/drawing/2014/main" id="{EA575D4D-D953-6031-F9AF-E8ABF0BBCF80}"/>
-                </a:ext>
-              </a:extLst>
-            </p:cNvPr>
-            <p:cNvSpPr/>
-            <p:nvPr/>
-          </p:nvSpPr>
-          <p:spPr>
-            <a:xfrm>
-              <a:off x="7487207" y="3131936"/>
-              <a:ext cx="1496817" cy="245786"/>
-            </a:xfrm>
-            <a:prstGeom prst="roundRect">
-              <a:avLst/>
-            </a:prstGeom>
-          </p:spPr>
-          <p:style>
-            <a:lnRef idx="2">
-              <a:schemeClr val="accent2">
-                <a:shade val="50000"/>
-              </a:schemeClr>
-            </a:lnRef>
-            <a:fillRef idx="1">
-              <a:schemeClr val="accent2"/>
-            </a:fillRef>
-            <a:effectRef idx="0">
-              <a:schemeClr val="accent2"/>
-            </a:effectRef>
-            <a:fontRef idx="minor">
-              <a:schemeClr val="lt1"/>
-            </a:fontRef>
-          </p:style>
-          <p:txBody>
-            <a:bodyPr rtlCol="0" anchor="ctr"/>
-            <a:lstStyle/>
-            <a:p>
-              <a:pPr algn="ctr"/>
-              <a:r>
-                <a:rPr lang="de-DE" dirty="0"/>
-                <a:t>Sofort zahlen</a:t>
-              </a:r>
-            </a:p>
-          </p:txBody>
-        </p:sp>
-        <p:sp>
-          <p:nvSpPr>
-            <p:cNvPr id="110" name="Rectangle: Rounded Corners 4">
-              <a:extLst>
-                <a:ext uri="{FF2B5EF4-FFF2-40B4-BE49-F238E27FC236}">
-                  <a16:creationId xmlns:a16="http://schemas.microsoft.com/office/drawing/2014/main" id="{80C50E20-9FF6-DE0E-A0AD-6EB115F21934}"/>
-                </a:ext>
-              </a:extLst>
-            </p:cNvPr>
-            <p:cNvSpPr/>
-            <p:nvPr/>
-          </p:nvSpPr>
-          <p:spPr>
-            <a:xfrm>
-              <a:off x="7496967" y="3493904"/>
-              <a:ext cx="1496817" cy="245786"/>
-            </a:xfrm>
-            <a:prstGeom prst="roundRect">
-              <a:avLst/>
-            </a:prstGeom>
-          </p:spPr>
-          <p:style>
-            <a:lnRef idx="2">
-              <a:schemeClr val="accent2">
-                <a:shade val="50000"/>
-              </a:schemeClr>
-            </a:lnRef>
-            <a:fillRef idx="1">
-              <a:schemeClr val="accent2"/>
-            </a:fillRef>
-            <a:effectRef idx="0">
-              <a:schemeClr val="accent2"/>
-            </a:effectRef>
-            <a:fontRef idx="minor">
-              <a:schemeClr val="lt1"/>
-            </a:fontRef>
-          </p:style>
-          <p:txBody>
-            <a:bodyPr rtlCol="0" anchor="ctr"/>
-            <a:lstStyle/>
-            <a:p>
-              <a:pPr algn="ctr"/>
-              <a:r>
-                <a:rPr lang="de-DE" dirty="0"/>
-                <a:t>Bar zahlen</a:t>
-              </a:r>
-            </a:p>
-          </p:txBody>
-        </p:sp>
-        <p:sp>
-          <p:nvSpPr>
-            <p:cNvPr id="113" name="Speech Bubble: Rectangle 77">
-              <a:extLst>
-                <a:ext uri="{FF2B5EF4-FFF2-40B4-BE49-F238E27FC236}">
-                  <a16:creationId xmlns:a16="http://schemas.microsoft.com/office/drawing/2014/main" id="{AAA5A993-54FA-5487-BE55-4C19020F40D0}"/>
-                </a:ext>
-              </a:extLst>
-            </p:cNvPr>
-            <p:cNvSpPr/>
-            <p:nvPr/>
-          </p:nvSpPr>
-          <p:spPr>
-            <a:xfrm>
-              <a:off x="7982034" y="98961"/>
-              <a:ext cx="2146853" cy="1185611"/>
-            </a:xfrm>
-            <a:prstGeom prst="wedgeRectCallout">
-              <a:avLst>
-                <a:gd name="adj1" fmla="val -33575"/>
-                <a:gd name="adj2" fmla="val 89847"/>
-              </a:avLst>
-            </a:prstGeom>
-          </p:spPr>
-          <p:style>
-            <a:lnRef idx="2">
-              <a:schemeClr val="dk1"/>
-            </a:lnRef>
-            <a:fillRef idx="1">
-              <a:schemeClr val="lt1"/>
-            </a:fillRef>
-            <a:effectRef idx="0">
-              <a:schemeClr val="dk1"/>
-            </a:effectRef>
-            <a:fontRef idx="minor">
-              <a:schemeClr val="dk1"/>
-            </a:fontRef>
-          </p:style>
-          <p:txBody>
-            <a:bodyPr rtlCol="0" anchor="ctr"/>
-            <a:lstStyle/>
-            <a:p>
-              <a:pPr algn="ctr"/>
-              <a:r>
-                <a:rPr lang="de-DE" dirty="0"/>
-                <a:t>Digitale Rechnung bleibt gespeichert &amp; ist jederzeit wieder aufrufbar</a:t>
-              </a:r>
-            </a:p>
-          </p:txBody>
-        </p:sp>
-        <p:sp>
-          <p:nvSpPr>
-            <p:cNvPr id="114" name="Speech Bubble: Rectangle 77">
-              <a:extLst>
-                <a:ext uri="{FF2B5EF4-FFF2-40B4-BE49-F238E27FC236}">
-                  <a16:creationId xmlns:a16="http://schemas.microsoft.com/office/drawing/2014/main" id="{4A8F5AF1-BBC7-62AD-01B0-6D836676BA4C}"/>
-                </a:ext>
-              </a:extLst>
-            </p:cNvPr>
-            <p:cNvSpPr/>
-            <p:nvPr/>
-          </p:nvSpPr>
-          <p:spPr>
-            <a:xfrm>
-              <a:off x="9872509" y="3280485"/>
-              <a:ext cx="2146853" cy="624835"/>
-            </a:xfrm>
-            <a:prstGeom prst="wedgeRectCallout">
-              <a:avLst>
-                <a:gd name="adj1" fmla="val -93027"/>
-                <a:gd name="adj2" fmla="val 2358"/>
-              </a:avLst>
-            </a:prstGeom>
-          </p:spPr>
-          <p:style>
-            <a:lnRef idx="2">
-              <a:schemeClr val="dk1"/>
-            </a:lnRef>
-            <a:fillRef idx="1">
-              <a:schemeClr val="lt1"/>
-            </a:fillRef>
-            <a:effectRef idx="0">
-              <a:schemeClr val="dk1"/>
-            </a:effectRef>
-            <a:fontRef idx="minor">
-              <a:schemeClr val="dk1"/>
-            </a:fontRef>
-          </p:style>
-          <p:txBody>
-            <a:bodyPr rtlCol="0" anchor="ctr"/>
-            <a:lstStyle/>
-            <a:p>
-              <a:pPr algn="ctr"/>
-              <a:r>
-                <a:rPr lang="de-DE" dirty="0"/>
-                <a:t>Sagt Kellner, dass man bezahlen will</a:t>
-              </a:r>
-            </a:p>
-          </p:txBody>
-        </p:sp>
-        <p:sp>
-          <p:nvSpPr>
-            <p:cNvPr id="115" name="Speech Bubble: Rectangle 77">
-              <a:extLst>
-                <a:ext uri="{FF2B5EF4-FFF2-40B4-BE49-F238E27FC236}">
-                  <a16:creationId xmlns:a16="http://schemas.microsoft.com/office/drawing/2014/main" id="{20107869-A522-640E-560A-66F322E0093C}"/>
-                </a:ext>
-              </a:extLst>
-            </p:cNvPr>
-            <p:cNvSpPr/>
-            <p:nvPr/>
-          </p:nvSpPr>
-          <p:spPr>
-            <a:xfrm>
-              <a:off x="9753285" y="4297371"/>
-              <a:ext cx="2146853" cy="624835"/>
-            </a:xfrm>
-            <a:prstGeom prst="wedgeRectCallout">
-              <a:avLst>
-                <a:gd name="adj1" fmla="val -88592"/>
-                <a:gd name="adj2" fmla="val -83009"/>
-              </a:avLst>
-            </a:prstGeom>
-          </p:spPr>
-          <p:style>
-            <a:lnRef idx="2">
-              <a:schemeClr val="dk1"/>
-            </a:lnRef>
-            <a:fillRef idx="1">
-              <a:schemeClr val="lt1"/>
-            </a:fillRef>
-            <a:effectRef idx="0">
-              <a:schemeClr val="dk1"/>
-            </a:effectRef>
-            <a:fontRef idx="minor">
-              <a:schemeClr val="dk1"/>
-            </a:fontRef>
-          </p:style>
-          <p:txBody>
-            <a:bodyPr rtlCol="0" anchor="ctr"/>
-            <a:lstStyle/>
-            <a:p>
-              <a:pPr algn="ctr"/>
-              <a:r>
-                <a:rPr lang="de-DE" dirty="0"/>
-                <a:t>Kunde kann weitere Gerichte bestellen</a:t>
-              </a:r>
-            </a:p>
-          </p:txBody>
-        </p:sp>
-        <p:sp>
-          <p:nvSpPr>
-            <p:cNvPr id="169" name="Rectangle: Rounded Corners 4">
-              <a:extLst>
-                <a:ext uri="{FF2B5EF4-FFF2-40B4-BE49-F238E27FC236}">
-                  <a16:creationId xmlns:a16="http://schemas.microsoft.com/office/drawing/2014/main" id="{AB83AE59-5ABD-B429-77D0-A04AB7EAF0D4}"/>
-                </a:ext>
-              </a:extLst>
-            </p:cNvPr>
-            <p:cNvSpPr/>
-            <p:nvPr/>
-          </p:nvSpPr>
-          <p:spPr>
-            <a:xfrm>
-              <a:off x="7487207" y="4277215"/>
-              <a:ext cx="1496816" cy="272574"/>
-            </a:xfrm>
-            <a:prstGeom prst="roundRect">
-              <a:avLst/>
-            </a:prstGeom>
-          </p:spPr>
-          <p:style>
-            <a:lnRef idx="2">
-              <a:schemeClr val="accent2">
-                <a:shade val="50000"/>
-              </a:schemeClr>
-            </a:lnRef>
-            <a:fillRef idx="1">
-              <a:schemeClr val="accent2"/>
-            </a:fillRef>
-            <a:effectRef idx="0">
-              <a:schemeClr val="accent2"/>
-            </a:effectRef>
-            <a:fontRef idx="minor">
-              <a:schemeClr val="lt1"/>
-            </a:fontRef>
-          </p:style>
-          <p:txBody>
-            <a:bodyPr rtlCol="0" anchor="ctr"/>
-            <a:lstStyle/>
-            <a:p>
-              <a:pPr algn="ctr"/>
-              <a:r>
-                <a:rPr lang="de-DE" sz="1200" dirty="0"/>
-                <a:t>Restaurant verlassen</a:t>
-              </a:r>
-            </a:p>
-          </p:txBody>
-        </p:sp>
-      </p:grpSp>
-      <p:grpSp>
-        <p:nvGrpSpPr>
-          <p:cNvPr id="163" name="Gruppieren 162">
-            <a:extLst>
-              <a:ext uri="{FF2B5EF4-FFF2-40B4-BE49-F238E27FC236}">
-                <a16:creationId xmlns:a16="http://schemas.microsoft.com/office/drawing/2014/main" id="{FB69E32B-007B-1554-5A4D-15CF632AF073}"/>
-              </a:ext>
-            </a:extLst>
-          </p:cNvPr>
-          <p:cNvGrpSpPr/>
-          <p:nvPr/>
-        </p:nvGrpSpPr>
-        <p:grpSpPr>
-          <a:xfrm>
-            <a:off x="93662" y="1000410"/>
-            <a:ext cx="4212557" cy="4288957"/>
-            <a:chOff x="93662" y="1000410"/>
-            <a:chExt cx="4212557" cy="4288957"/>
-          </a:xfrm>
-        </p:grpSpPr>
-        <p:sp>
-          <p:nvSpPr>
-            <p:cNvPr id="2" name="Rectangle 1">
-              <a:extLst>
-                <a:ext uri="{FF2B5EF4-FFF2-40B4-BE49-F238E27FC236}">
-                  <a16:creationId xmlns:a16="http://schemas.microsoft.com/office/drawing/2014/main" id="{B1D7C995-ADA2-96E6-46C0-B5F7A147730F}"/>
-                </a:ext>
-              </a:extLst>
-            </p:cNvPr>
-            <p:cNvSpPr/>
-            <p:nvPr/>
-          </p:nvSpPr>
-          <p:spPr>
-            <a:xfrm>
-              <a:off x="491066" y="2089747"/>
-              <a:ext cx="1639691" cy="3199620"/>
-            </a:xfrm>
-            <a:prstGeom prst="rect">
-              <a:avLst/>
-            </a:prstGeom>
-          </p:spPr>
-          <p:style>
-            <a:lnRef idx="2">
-              <a:schemeClr val="accent1">
-                <a:shade val="50000"/>
-              </a:schemeClr>
-            </a:lnRef>
-            <a:fillRef idx="1">
-              <a:schemeClr val="accent1"/>
-            </a:fillRef>
-            <a:effectRef idx="0">
-              <a:schemeClr val="accent1"/>
-            </a:effectRef>
-            <a:fontRef idx="minor">
-              <a:schemeClr val="lt1"/>
-            </a:fontRef>
-          </p:style>
-          <p:txBody>
-            <a:bodyPr rtlCol="0" anchor="t"/>
-            <a:lstStyle/>
-            <a:p>
-              <a:pPr algn="ctr"/>
-              <a:r>
-                <a:rPr lang="de-DE" dirty="0"/>
-                <a:t>Startseite</a:t>
-              </a:r>
-            </a:p>
-          </p:txBody>
-        </p:sp>
-        <p:sp>
-          <p:nvSpPr>
-            <p:cNvPr id="5" name="Rectangle 3">
-              <a:extLst>
-                <a:ext uri="{FF2B5EF4-FFF2-40B4-BE49-F238E27FC236}">
-                  <a16:creationId xmlns:a16="http://schemas.microsoft.com/office/drawing/2014/main" id="{1166387D-DA14-859C-3E59-A33864A3A72C}"/>
-                </a:ext>
-              </a:extLst>
-            </p:cNvPr>
-            <p:cNvSpPr/>
-            <p:nvPr/>
-          </p:nvSpPr>
-          <p:spPr>
-            <a:xfrm>
-              <a:off x="562502" y="2663126"/>
-              <a:ext cx="1496818" cy="245786"/>
-            </a:xfrm>
-            <a:prstGeom prst="rect">
-              <a:avLst/>
-            </a:prstGeom>
-          </p:spPr>
-          <p:style>
-            <a:lnRef idx="2">
-              <a:schemeClr val="accent6">
-                <a:shade val="50000"/>
-              </a:schemeClr>
-            </a:lnRef>
-            <a:fillRef idx="1">
-              <a:schemeClr val="accent6"/>
-            </a:fillRef>
-            <a:effectRef idx="0">
-              <a:schemeClr val="accent6"/>
-            </a:effectRef>
-            <a:fontRef idx="minor">
-              <a:schemeClr val="lt1"/>
-            </a:fontRef>
-          </p:style>
-          <p:txBody>
-            <a:bodyPr rtlCol="0" anchor="ctr"/>
-            <a:lstStyle/>
-            <a:p>
-              <a:pPr algn="ctr"/>
-              <a:r>
-                <a:rPr lang="de-DE" dirty="0"/>
-                <a:t>Suche</a:t>
-              </a:r>
-            </a:p>
-          </p:txBody>
-        </p:sp>
-        <p:sp>
-          <p:nvSpPr>
-            <p:cNvPr id="6" name="Rectangle: Rounded Corners 4">
-              <a:extLst>
-                <a:ext uri="{FF2B5EF4-FFF2-40B4-BE49-F238E27FC236}">
-                  <a16:creationId xmlns:a16="http://schemas.microsoft.com/office/drawing/2014/main" id="{1135D54C-67B0-CFA2-2416-39336519BD85}"/>
-                </a:ext>
-              </a:extLst>
-            </p:cNvPr>
-            <p:cNvSpPr/>
-            <p:nvPr/>
-          </p:nvSpPr>
-          <p:spPr>
-            <a:xfrm>
-              <a:off x="562503" y="3769933"/>
-              <a:ext cx="1496817" cy="245786"/>
-            </a:xfrm>
-            <a:prstGeom prst="roundRect">
-              <a:avLst/>
-            </a:prstGeom>
-          </p:spPr>
-          <p:style>
-            <a:lnRef idx="2">
-              <a:schemeClr val="accent2">
-                <a:shade val="50000"/>
-              </a:schemeClr>
-            </a:lnRef>
-            <a:fillRef idx="1">
-              <a:schemeClr val="accent2"/>
-            </a:fillRef>
-            <a:effectRef idx="0">
-              <a:schemeClr val="accent2"/>
-            </a:effectRef>
-            <a:fontRef idx="minor">
-              <a:schemeClr val="lt1"/>
-            </a:fontRef>
-          </p:style>
-          <p:txBody>
-            <a:bodyPr rtlCol="0" anchor="ctr"/>
-            <a:lstStyle/>
-            <a:p>
-              <a:pPr algn="ctr"/>
-              <a:r>
-                <a:rPr lang="de-DE" dirty="0"/>
-                <a:t>Restaurant 1</a:t>
-              </a:r>
-            </a:p>
-          </p:txBody>
-        </p:sp>
-        <p:sp>
-          <p:nvSpPr>
-            <p:cNvPr id="8" name="Rectangle 3">
-              <a:extLst>
-                <a:ext uri="{FF2B5EF4-FFF2-40B4-BE49-F238E27FC236}">
-                  <a16:creationId xmlns:a16="http://schemas.microsoft.com/office/drawing/2014/main" id="{2DB6F6D4-9961-3B22-AEA7-6126D19D8717}"/>
-                </a:ext>
-              </a:extLst>
-            </p:cNvPr>
-            <p:cNvSpPr/>
-            <p:nvPr/>
-          </p:nvSpPr>
-          <p:spPr>
-            <a:xfrm>
-              <a:off x="562502" y="3036955"/>
-              <a:ext cx="1496818" cy="534920"/>
-            </a:xfrm>
-            <a:prstGeom prst="rect">
-              <a:avLst/>
-            </a:prstGeom>
-          </p:spPr>
-          <p:style>
-            <a:lnRef idx="2">
-              <a:schemeClr val="accent6">
-                <a:shade val="50000"/>
-              </a:schemeClr>
-            </a:lnRef>
-            <a:fillRef idx="1">
-              <a:schemeClr val="accent6"/>
-            </a:fillRef>
-            <a:effectRef idx="0">
-              <a:schemeClr val="accent6"/>
-            </a:effectRef>
-            <a:fontRef idx="minor">
-              <a:schemeClr val="lt1"/>
-            </a:fontRef>
-          </p:style>
-          <p:txBody>
-            <a:bodyPr rtlCol="0" anchor="ctr"/>
-            <a:lstStyle/>
-            <a:p>
-              <a:pPr algn="ctr"/>
-              <a:r>
-                <a:rPr lang="de-DE" dirty="0"/>
-                <a:t>Karte</a:t>
-              </a:r>
-            </a:p>
-          </p:txBody>
-        </p:sp>
-        <p:sp>
-          <p:nvSpPr>
-            <p:cNvPr id="9" name="Rectangle: Rounded Corners 4">
-              <a:extLst>
-                <a:ext uri="{FF2B5EF4-FFF2-40B4-BE49-F238E27FC236}">
-                  <a16:creationId xmlns:a16="http://schemas.microsoft.com/office/drawing/2014/main" id="{02DE945B-BCDD-4BEB-1EA3-ED24B96AE224}"/>
-                </a:ext>
-              </a:extLst>
-            </p:cNvPr>
-            <p:cNvSpPr/>
-            <p:nvPr/>
-          </p:nvSpPr>
-          <p:spPr>
-            <a:xfrm>
-              <a:off x="562503" y="4114748"/>
-              <a:ext cx="1496817" cy="245786"/>
-            </a:xfrm>
-            <a:prstGeom prst="roundRect">
-              <a:avLst/>
-            </a:prstGeom>
-          </p:spPr>
-          <p:style>
-            <a:lnRef idx="2">
-              <a:schemeClr val="accent2">
-                <a:shade val="50000"/>
-              </a:schemeClr>
-            </a:lnRef>
-            <a:fillRef idx="1">
-              <a:schemeClr val="accent2"/>
-            </a:fillRef>
-            <a:effectRef idx="0">
-              <a:schemeClr val="accent2"/>
-            </a:effectRef>
-            <a:fontRef idx="minor">
-              <a:schemeClr val="lt1"/>
-            </a:fontRef>
-          </p:style>
-          <p:txBody>
-            <a:bodyPr rtlCol="0" anchor="ctr"/>
-            <a:lstStyle/>
-            <a:p>
-              <a:pPr algn="ctr"/>
-              <a:r>
-                <a:rPr lang="de-DE" dirty="0"/>
-                <a:t>Restaurant 2</a:t>
-              </a:r>
-            </a:p>
-          </p:txBody>
-        </p:sp>
-        <p:sp>
-          <p:nvSpPr>
-            <p:cNvPr id="21" name="Speech Bubble: Rectangle 75">
-              <a:extLst>
-                <a:ext uri="{FF2B5EF4-FFF2-40B4-BE49-F238E27FC236}">
-                  <a16:creationId xmlns:a16="http://schemas.microsoft.com/office/drawing/2014/main" id="{CB7F8A04-2E52-96B9-0E7D-4FF4F5A3296E}"/>
-                </a:ext>
-              </a:extLst>
-            </p:cNvPr>
-            <p:cNvSpPr/>
-            <p:nvPr/>
-          </p:nvSpPr>
-          <p:spPr>
-            <a:xfrm>
-              <a:off x="93662" y="1000410"/>
-              <a:ext cx="1639691" cy="890659"/>
-            </a:xfrm>
-            <a:prstGeom prst="wedgeRectCallout">
-              <a:avLst>
-                <a:gd name="adj1" fmla="val -13349"/>
-                <a:gd name="adj2" fmla="val 143008"/>
-              </a:avLst>
-            </a:prstGeom>
-          </p:spPr>
-          <p:style>
-            <a:lnRef idx="2">
-              <a:schemeClr val="dk1"/>
-            </a:lnRef>
-            <a:fillRef idx="1">
-              <a:schemeClr val="lt1"/>
-            </a:fillRef>
-            <a:effectRef idx="0">
-              <a:schemeClr val="dk1"/>
-            </a:effectRef>
-            <a:fontRef idx="minor">
-              <a:schemeClr val="dk1"/>
-            </a:fontRef>
-          </p:style>
-          <p:txBody>
-            <a:bodyPr rtlCol="0" anchor="ctr"/>
-            <a:lstStyle/>
-            <a:p>
-              <a:pPr algn="ctr"/>
-              <a:r>
-                <a:rPr lang="de-DE" dirty="0"/>
-                <a:t>Filterbar nach Allergien/Vorlieben</a:t>
-              </a:r>
-            </a:p>
-          </p:txBody>
-        </p:sp>
-        <p:sp>
-          <p:nvSpPr>
-            <p:cNvPr id="120" name="Rectangle: Rounded Corners 4">
-              <a:extLst>
-                <a:ext uri="{FF2B5EF4-FFF2-40B4-BE49-F238E27FC236}">
-                  <a16:creationId xmlns:a16="http://schemas.microsoft.com/office/drawing/2014/main" id="{EE6E4BA5-520E-E835-844B-AF1FC2819A19}"/>
-                </a:ext>
-              </a:extLst>
-            </p:cNvPr>
-            <p:cNvSpPr/>
-            <p:nvPr/>
-          </p:nvSpPr>
-          <p:spPr>
-            <a:xfrm>
-              <a:off x="562503" y="4539664"/>
-              <a:ext cx="1496817" cy="245786"/>
-            </a:xfrm>
-            <a:prstGeom prst="roundRect">
-              <a:avLst/>
-            </a:prstGeom>
-          </p:spPr>
-          <p:style>
-            <a:lnRef idx="2">
-              <a:schemeClr val="accent2">
-                <a:shade val="50000"/>
-              </a:schemeClr>
-            </a:lnRef>
-            <a:fillRef idx="1">
-              <a:schemeClr val="accent2"/>
-            </a:fillRef>
-            <a:effectRef idx="0">
-              <a:schemeClr val="accent2"/>
-            </a:effectRef>
-            <a:fontRef idx="minor">
-              <a:schemeClr val="lt1"/>
-            </a:fontRef>
-          </p:style>
-          <p:txBody>
-            <a:bodyPr rtlCol="0" anchor="ctr"/>
-            <a:lstStyle/>
-            <a:p>
-              <a:pPr algn="ctr"/>
-              <a:r>
-                <a:rPr lang="de-DE" sz="1400" dirty="0"/>
-                <a:t>QR-Code scannen</a:t>
-              </a:r>
-            </a:p>
-          </p:txBody>
-        </p:sp>
-        <p:sp>
-          <p:nvSpPr>
-            <p:cNvPr id="121" name="Speech Bubble: Rectangle 75">
-              <a:extLst>
-                <a:ext uri="{FF2B5EF4-FFF2-40B4-BE49-F238E27FC236}">
-                  <a16:creationId xmlns:a16="http://schemas.microsoft.com/office/drawing/2014/main" id="{66659D74-9B64-9B79-B1A7-B4FDF9F42DA7}"/>
-                </a:ext>
-              </a:extLst>
-            </p:cNvPr>
-            <p:cNvSpPr/>
-            <p:nvPr/>
-          </p:nvSpPr>
-          <p:spPr>
-            <a:xfrm>
-              <a:off x="2666528" y="3712995"/>
-              <a:ext cx="1639691" cy="890659"/>
-            </a:xfrm>
-            <a:prstGeom prst="wedgeRectCallout">
-              <a:avLst>
-                <a:gd name="adj1" fmla="val -87277"/>
-                <a:gd name="adj2" fmla="val 51925"/>
-              </a:avLst>
-            </a:prstGeom>
-          </p:spPr>
-          <p:style>
-            <a:lnRef idx="2">
-              <a:schemeClr val="dk1"/>
-            </a:lnRef>
-            <a:fillRef idx="1">
-              <a:schemeClr val="lt1"/>
-            </a:fillRef>
-            <a:effectRef idx="0">
-              <a:schemeClr val="dk1"/>
-            </a:effectRef>
-            <a:fontRef idx="minor">
-              <a:schemeClr val="dk1"/>
-            </a:fontRef>
-          </p:style>
-          <p:txBody>
-            <a:bodyPr rtlCol="0" anchor="ctr"/>
-            <a:lstStyle/>
-            <a:p>
-              <a:pPr algn="ctr"/>
-              <a:r>
-                <a:rPr lang="de-DE" dirty="0"/>
-                <a:t>Tisch QR-Code erhält man vom Kellner</a:t>
-              </a:r>
-            </a:p>
-          </p:txBody>
-        </p:sp>
-      </p:grpSp>
-      <p:cxnSp>
-        <p:nvCxnSpPr>
-          <p:cNvPr id="151" name="Connector: Curved 16">
-            <a:extLst>
-              <a:ext uri="{FF2B5EF4-FFF2-40B4-BE49-F238E27FC236}">
-                <a16:creationId xmlns:a16="http://schemas.microsoft.com/office/drawing/2014/main" id="{34C1FB57-A976-5A9D-28D4-F7E5FB25A404}"/>
-              </a:ext>
-            </a:extLst>
-          </p:cNvPr>
-          <p:cNvCxnSpPr>
-            <a:cxnSpLocks/>
-            <a:stCxn id="13" idx="3"/>
-            <a:endCxn id="143" idx="1"/>
-          </p:cNvCxnSpPr>
-          <p:nvPr/>
-        </p:nvCxnSpPr>
-        <p:spPr>
-          <a:xfrm flipV="1">
-            <a:off x="4642230" y="1393413"/>
-            <a:ext cx="877350" cy="1022136"/>
-          </a:xfrm>
-          <a:prstGeom prst="curvedConnector3">
-            <a:avLst>
-              <a:gd name="adj1" fmla="val 50000"/>
-            </a:avLst>
-          </a:prstGeom>
-          <a:ln w="28575">
-            <a:solidFill>
-              <a:srgbClr val="FF0000"/>
-            </a:solidFill>
-            <a:tailEnd type="triangle"/>
-          </a:ln>
-        </p:spPr>
-        <p:style>
-          <a:lnRef idx="1">
-            <a:schemeClr val="accent1"/>
-          </a:lnRef>
-          <a:fillRef idx="0">
-            <a:schemeClr val="accent1"/>
-          </a:fillRef>
-          <a:effectRef idx="0">
-            <a:schemeClr val="accent1"/>
-          </a:effectRef>
-          <a:fontRef idx="minor">
-            <a:schemeClr val="tx1"/>
-          </a:fontRef>
-        </p:style>
-      </p:cxnSp>
-      <p:cxnSp>
-        <p:nvCxnSpPr>
-          <p:cNvPr id="154" name="Connector: Curved 16">
-            <a:extLst>
-              <a:ext uri="{FF2B5EF4-FFF2-40B4-BE49-F238E27FC236}">
-                <a16:creationId xmlns:a16="http://schemas.microsoft.com/office/drawing/2014/main" id="{59EE8C76-ED96-7686-F588-E30B391C6BC4}"/>
-              </a:ext>
-            </a:extLst>
-          </p:cNvPr>
-          <p:cNvCxnSpPr>
-            <a:cxnSpLocks/>
-            <a:stCxn id="144" idx="1"/>
-            <a:endCxn id="10" idx="3"/>
-          </p:cNvCxnSpPr>
-          <p:nvPr/>
-        </p:nvCxnSpPr>
-        <p:spPr>
-          <a:xfrm rot="10800000">
-            <a:off x="4735559" y="2054325"/>
-            <a:ext cx="847724" cy="109480"/>
-          </a:xfrm>
-          <a:prstGeom prst="curvedConnector3">
-            <a:avLst>
-              <a:gd name="adj1" fmla="val 50000"/>
-            </a:avLst>
-          </a:prstGeom>
-          <a:ln w="28575">
-            <a:solidFill>
-              <a:srgbClr val="FF0000"/>
-            </a:solidFill>
-            <a:tailEnd type="triangle"/>
-          </a:ln>
-        </p:spPr>
-        <p:style>
-          <a:lnRef idx="1">
-            <a:schemeClr val="accent1"/>
-          </a:lnRef>
-          <a:fillRef idx="0">
-            <a:schemeClr val="accent1"/>
-          </a:fillRef>
-          <a:effectRef idx="0">
-            <a:schemeClr val="accent1"/>
-          </a:effectRef>
-          <a:fontRef idx="minor">
-            <a:schemeClr val="tx1"/>
-          </a:fontRef>
-        </p:style>
-      </p:cxnSp>
-      <p:grpSp>
-        <p:nvGrpSpPr>
-          <p:cNvPr id="161" name="Gruppieren 160">
-            <a:extLst>
-              <a:ext uri="{FF2B5EF4-FFF2-40B4-BE49-F238E27FC236}">
-                <a16:creationId xmlns:a16="http://schemas.microsoft.com/office/drawing/2014/main" id="{279CA1F7-36C4-EC77-3A85-EF30B0CCE583}"/>
-              </a:ext>
-            </a:extLst>
-          </p:cNvPr>
-          <p:cNvGrpSpPr/>
-          <p:nvPr/>
-        </p:nvGrpSpPr>
-        <p:grpSpPr>
-          <a:xfrm>
-            <a:off x="5519580" y="206930"/>
-            <a:ext cx="3859860" cy="2183910"/>
-            <a:chOff x="5519580" y="206930"/>
-            <a:chExt cx="3859860" cy="2183910"/>
-          </a:xfrm>
-        </p:grpSpPr>
-        <p:grpSp>
-          <p:nvGrpSpPr>
-            <p:cNvPr id="157" name="Gruppieren 156">
-              <a:extLst>
-                <a:ext uri="{FF2B5EF4-FFF2-40B4-BE49-F238E27FC236}">
-                  <a16:creationId xmlns:a16="http://schemas.microsoft.com/office/drawing/2014/main" id="{FEBD46EA-8A2E-F619-5149-CA337535C359}"/>
-                </a:ext>
-              </a:extLst>
-            </p:cNvPr>
-            <p:cNvGrpSpPr/>
-            <p:nvPr/>
-          </p:nvGrpSpPr>
-          <p:grpSpPr>
-            <a:xfrm>
-              <a:off x="5519580" y="206930"/>
-              <a:ext cx="1593115" cy="2183910"/>
-              <a:chOff x="5670596" y="654966"/>
-              <a:chExt cx="1593115" cy="2183910"/>
-            </a:xfrm>
-          </p:grpSpPr>
-          <p:sp>
-            <p:nvSpPr>
-              <p:cNvPr id="136" name="Rectangle 11">
-                <a:extLst>
-                  <a:ext uri="{FF2B5EF4-FFF2-40B4-BE49-F238E27FC236}">
-                    <a16:creationId xmlns:a16="http://schemas.microsoft.com/office/drawing/2014/main" id="{8DF30A91-FFAC-7149-DB21-B75A09F5B8AD}"/>
-                  </a:ext>
-                </a:extLst>
-              </p:cNvPr>
-              <p:cNvSpPr/>
-              <p:nvPr/>
-            </p:nvSpPr>
-            <p:spPr>
-              <a:xfrm>
-                <a:off x="5678542" y="654966"/>
-                <a:ext cx="1585168" cy="2056778"/>
-              </a:xfrm>
-              <a:prstGeom prst="rect">
-                <a:avLst/>
-              </a:prstGeom>
-            </p:spPr>
-            <p:style>
-              <a:lnRef idx="2">
-                <a:schemeClr val="accent1">
-                  <a:shade val="50000"/>
-                </a:schemeClr>
-              </a:lnRef>
-              <a:fillRef idx="1">
-                <a:schemeClr val="accent1"/>
-              </a:fillRef>
-              <a:effectRef idx="0">
-                <a:schemeClr val="accent1"/>
-              </a:effectRef>
-              <a:fontRef idx="minor">
-                <a:schemeClr val="lt1"/>
-              </a:fontRef>
-            </p:style>
-            <p:txBody>
-              <a:bodyPr rtlCol="0" anchor="t"/>
-              <a:lstStyle/>
-              <a:p>
-                <a:pPr algn="ctr"/>
-                <a:r>
-                  <a:rPr lang="de-DE" dirty="0"/>
-                  <a:t>Speisekarte</a:t>
-                </a:r>
-                <a:endParaRPr lang="de-DE" sz="1600" dirty="0"/>
-              </a:p>
-            </p:txBody>
-          </p:sp>
-          <p:sp>
-            <p:nvSpPr>
-              <p:cNvPr id="137" name="Rectangle 12">
-                <a:extLst>
-                  <a:ext uri="{FF2B5EF4-FFF2-40B4-BE49-F238E27FC236}">
-                    <a16:creationId xmlns:a16="http://schemas.microsoft.com/office/drawing/2014/main" id="{A6332876-A77C-E90F-D99F-8B6DBBD0EEC9}"/>
-                  </a:ext>
-                </a:extLst>
-              </p:cNvPr>
-              <p:cNvSpPr/>
-              <p:nvPr/>
-            </p:nvSpPr>
-            <p:spPr>
-              <a:xfrm>
-                <a:off x="5678542" y="1078043"/>
-                <a:ext cx="1585169" cy="1760833"/>
-              </a:xfrm>
-              <a:prstGeom prst="rect">
-                <a:avLst/>
-              </a:prstGeom>
-            </p:spPr>
-            <p:style>
-              <a:lnRef idx="2">
-                <a:schemeClr val="accent3">
-                  <a:shade val="50000"/>
-                </a:schemeClr>
-              </a:lnRef>
-              <a:fillRef idx="1">
-                <a:schemeClr val="accent3"/>
-              </a:fillRef>
-              <a:effectRef idx="0">
-                <a:schemeClr val="accent3"/>
-              </a:effectRef>
-              <a:fontRef idx="minor">
-                <a:schemeClr val="lt1"/>
-              </a:fontRef>
-            </p:style>
-            <p:txBody>
-              <a:bodyPr rtlCol="0" anchor="t"/>
-              <a:lstStyle/>
-              <a:p>
-                <a:r>
-                  <a:rPr lang="de-DE" sz="1400" dirty="0"/>
-                  <a:t>Gericht 1 - Preis</a:t>
-                </a:r>
-              </a:p>
-              <a:p>
-                <a:r>
-                  <a:rPr lang="de-DE" sz="1200" dirty="0"/>
-                  <a:t>    - Schinken, Milch</a:t>
-                </a:r>
-              </a:p>
-              <a:p>
-                <a:r>
-                  <a:rPr lang="de-DE" sz="1400" dirty="0"/>
-                  <a:t>Gericht 2 - Preis</a:t>
-                </a:r>
-              </a:p>
-              <a:p>
-                <a:r>
-                  <a:rPr lang="de-DE" sz="1400" dirty="0"/>
-                  <a:t>Gericht 3 - Preis</a:t>
-                </a:r>
-              </a:p>
-              <a:p>
-                <a:r>
-                  <a:rPr lang="de-DE" sz="1400" dirty="0"/>
-                  <a:t>Gericht 4 - Preis</a:t>
-                </a:r>
-              </a:p>
-              <a:p>
-                <a:endParaRPr lang="de-DE" sz="1400" dirty="0"/>
-              </a:p>
-              <a:p>
-                <a:endParaRPr lang="de-DE" sz="1400" dirty="0"/>
-              </a:p>
-            </p:txBody>
-          </p:sp>
-          <p:sp>
-            <p:nvSpPr>
-              <p:cNvPr id="142" name="Rectangle 60">
-                <a:extLst>
-                  <a:ext uri="{FF2B5EF4-FFF2-40B4-BE49-F238E27FC236}">
-                    <a16:creationId xmlns:a16="http://schemas.microsoft.com/office/drawing/2014/main" id="{7F66E57A-C40E-7A6B-62D3-3896CC9C824D}"/>
-                  </a:ext>
-                </a:extLst>
-              </p:cNvPr>
-              <p:cNvSpPr/>
-              <p:nvPr/>
-            </p:nvSpPr>
-            <p:spPr>
-              <a:xfrm>
-                <a:off x="5674570" y="1138659"/>
-                <a:ext cx="1587951" cy="133090"/>
-              </a:xfrm>
-              <a:prstGeom prst="rect">
-                <a:avLst/>
-              </a:prstGeom>
-              <a:noFill/>
-              <a:ln>
-                <a:noFill/>
-              </a:ln>
-            </p:spPr>
-            <p:style>
-              <a:lnRef idx="2">
-                <a:schemeClr val="accent1">
-                  <a:shade val="50000"/>
-                </a:schemeClr>
-              </a:lnRef>
-              <a:fillRef idx="1">
-                <a:schemeClr val="accent1"/>
-              </a:fillRef>
-              <a:effectRef idx="0">
-                <a:schemeClr val="accent1"/>
-              </a:effectRef>
-              <a:fontRef idx="minor">
-                <a:schemeClr val="lt1"/>
-              </a:fontRef>
-            </p:style>
-            <p:txBody>
-              <a:bodyPr rtlCol="0" anchor="ctr"/>
-              <a:lstStyle/>
-              <a:p>
-                <a:pPr algn="ctr"/>
-                <a:endParaRPr lang="de-DE"/>
-              </a:p>
-            </p:txBody>
-          </p:sp>
-          <p:sp>
-            <p:nvSpPr>
-              <p:cNvPr id="143" name="Rectangle 62">
-                <a:extLst>
-                  <a:ext uri="{FF2B5EF4-FFF2-40B4-BE49-F238E27FC236}">
-                    <a16:creationId xmlns:a16="http://schemas.microsoft.com/office/drawing/2014/main" id="{A507E33C-1DE3-D1BA-7E86-197DB64EEF14}"/>
-                  </a:ext>
-                </a:extLst>
-              </p:cNvPr>
-              <p:cNvSpPr/>
-              <p:nvPr/>
-            </p:nvSpPr>
-            <p:spPr>
-              <a:xfrm>
-                <a:off x="5670596" y="1774904"/>
-                <a:ext cx="1587951" cy="133090"/>
-              </a:xfrm>
-              <a:prstGeom prst="rect">
-                <a:avLst/>
-              </a:prstGeom>
-              <a:noFill/>
-              <a:ln>
-                <a:noFill/>
-              </a:ln>
-            </p:spPr>
-            <p:style>
-              <a:lnRef idx="2">
-                <a:schemeClr val="accent1">
-                  <a:shade val="50000"/>
-                </a:schemeClr>
-              </a:lnRef>
-              <a:fillRef idx="1">
-                <a:schemeClr val="accent1"/>
-              </a:fillRef>
-              <a:effectRef idx="0">
-                <a:schemeClr val="accent1"/>
-              </a:effectRef>
-              <a:fontRef idx="minor">
-                <a:schemeClr val="lt1"/>
-              </a:fontRef>
-            </p:style>
-            <p:txBody>
-              <a:bodyPr rtlCol="0" anchor="ctr"/>
-              <a:lstStyle/>
-              <a:p>
-                <a:pPr algn="ctr"/>
-                <a:endParaRPr lang="de-DE"/>
-              </a:p>
-            </p:txBody>
-          </p:sp>
-          <p:sp>
-            <p:nvSpPr>
-              <p:cNvPr id="144" name="Rectangle: Rounded Corners 4">
-                <a:extLst>
-                  <a:ext uri="{FF2B5EF4-FFF2-40B4-BE49-F238E27FC236}">
-                    <a16:creationId xmlns:a16="http://schemas.microsoft.com/office/drawing/2014/main" id="{B1CF2843-5339-1B8C-1645-2187A7F564E6}"/>
-                  </a:ext>
-                </a:extLst>
-              </p:cNvPr>
-              <p:cNvSpPr/>
-              <p:nvPr/>
-            </p:nvSpPr>
-            <p:spPr>
-              <a:xfrm>
-                <a:off x="5734299" y="2475554"/>
-                <a:ext cx="833064" cy="272574"/>
-              </a:xfrm>
-              <a:prstGeom prst="roundRect">
-                <a:avLst/>
-              </a:prstGeom>
-            </p:spPr>
-            <p:style>
-              <a:lnRef idx="2">
-                <a:schemeClr val="accent2">
-                  <a:shade val="50000"/>
-                </a:schemeClr>
-              </a:lnRef>
-              <a:fillRef idx="1">
-                <a:schemeClr val="accent2"/>
-              </a:fillRef>
-              <a:effectRef idx="0">
-                <a:schemeClr val="accent2"/>
-              </a:effectRef>
-              <a:fontRef idx="minor">
-                <a:schemeClr val="lt1"/>
-              </a:fontRef>
-            </p:style>
-            <p:txBody>
-              <a:bodyPr rtlCol="0" anchor="ctr"/>
-              <a:lstStyle/>
-              <a:p>
-                <a:pPr algn="ctr"/>
-                <a:r>
-                  <a:rPr lang="de-DE" sz="1600" dirty="0"/>
-                  <a:t>Zurück</a:t>
-                </a:r>
-              </a:p>
-            </p:txBody>
-          </p:sp>
-        </p:grpSp>
-        <p:sp>
-          <p:nvSpPr>
-            <p:cNvPr id="158" name="Speech Bubble: Rectangle 76">
-              <a:extLst>
-                <a:ext uri="{FF2B5EF4-FFF2-40B4-BE49-F238E27FC236}">
-                  <a16:creationId xmlns:a16="http://schemas.microsoft.com/office/drawing/2014/main" id="{D6CC85D0-8AAF-C78F-5A24-3D2DF85C4849}"/>
-                </a:ext>
-              </a:extLst>
-            </p:cNvPr>
-            <p:cNvSpPr/>
-            <p:nvPr/>
-          </p:nvSpPr>
-          <p:spPr>
-            <a:xfrm>
-              <a:off x="7739750" y="480553"/>
-              <a:ext cx="1639690" cy="1039713"/>
-            </a:xfrm>
-            <a:prstGeom prst="wedgeRectCallout">
-              <a:avLst>
-                <a:gd name="adj1" fmla="val -99145"/>
-                <a:gd name="adj2" fmla="val -13778"/>
-              </a:avLst>
-            </a:prstGeom>
-          </p:spPr>
-          <p:style>
-            <a:lnRef idx="2">
-              <a:schemeClr val="dk1"/>
-            </a:lnRef>
-            <a:fillRef idx="1">
-              <a:schemeClr val="lt1"/>
-            </a:fillRef>
-            <a:effectRef idx="0">
-              <a:schemeClr val="dk1"/>
-            </a:effectRef>
-            <a:fontRef idx="minor">
-              <a:schemeClr val="dk1"/>
-            </a:fontRef>
-          </p:style>
-          <p:txBody>
-            <a:bodyPr rtlCol="0" anchor="ctr"/>
-            <a:lstStyle/>
-            <a:p>
-              <a:pPr algn="ctr"/>
-              <a:r>
-                <a:rPr lang="de-DE" dirty="0"/>
-                <a:t>DropDown der jeweiligen Zutaten</a:t>
-              </a:r>
-            </a:p>
-          </p:txBody>
-        </p:sp>
-      </p:grpSp>
       <p:grpSp>
         <p:nvGrpSpPr>
           <p:cNvPr id="160" name="Gruppieren 159">
@@ -10020,6 +7368,2124 @@
           </p:txBody>
         </p:sp>
       </p:grpSp>
+      <p:grpSp>
+        <p:nvGrpSpPr>
+          <p:cNvPr id="116" name="Gruppieren 115">
+            <a:extLst>
+              <a:ext uri="{FF2B5EF4-FFF2-40B4-BE49-F238E27FC236}">
+                <a16:creationId xmlns:a16="http://schemas.microsoft.com/office/drawing/2014/main" id="{08D4CD47-E0DD-04C6-0B91-A5C23239D038}"/>
+              </a:ext>
+            </a:extLst>
+          </p:cNvPr>
+          <p:cNvGrpSpPr/>
+          <p:nvPr/>
+        </p:nvGrpSpPr>
+        <p:grpSpPr>
+          <a:xfrm>
+            <a:off x="7266146" y="1779494"/>
+            <a:ext cx="4603592" cy="4823245"/>
+            <a:chOff x="7415770" y="98961"/>
+            <a:chExt cx="4603592" cy="4823245"/>
+          </a:xfrm>
+        </p:grpSpPr>
+        <p:sp>
+          <p:nvSpPr>
+            <p:cNvPr id="60" name="Rectangle 1">
+              <a:extLst>
+                <a:ext uri="{FF2B5EF4-FFF2-40B4-BE49-F238E27FC236}">
+                  <a16:creationId xmlns:a16="http://schemas.microsoft.com/office/drawing/2014/main" id="{8BF207BF-E875-652D-1389-2732FFF73D65}"/>
+                </a:ext>
+              </a:extLst>
+            </p:cNvPr>
+            <p:cNvSpPr/>
+            <p:nvPr/>
+          </p:nvSpPr>
+          <p:spPr>
+            <a:xfrm>
+              <a:off x="7415770" y="1695336"/>
+              <a:ext cx="1639691" cy="2927050"/>
+            </a:xfrm>
+            <a:prstGeom prst="rect">
+              <a:avLst/>
+            </a:prstGeom>
+          </p:spPr>
+          <p:style>
+            <a:lnRef idx="2">
+              <a:schemeClr val="accent1">
+                <a:shade val="50000"/>
+              </a:schemeClr>
+            </a:lnRef>
+            <a:fillRef idx="1">
+              <a:schemeClr val="accent1"/>
+            </a:fillRef>
+            <a:effectRef idx="0">
+              <a:schemeClr val="accent1"/>
+            </a:effectRef>
+            <a:fontRef idx="minor">
+              <a:schemeClr val="lt1"/>
+            </a:fontRef>
+          </p:style>
+          <p:txBody>
+            <a:bodyPr rtlCol="0" anchor="t"/>
+            <a:lstStyle/>
+            <a:p>
+              <a:pPr algn="ctr"/>
+              <a:r>
+                <a:rPr lang="de-DE" sz="1400" dirty="0"/>
+                <a:t>Digitale Rechnung</a:t>
+              </a:r>
+            </a:p>
+          </p:txBody>
+        </p:sp>
+        <p:sp>
+          <p:nvSpPr>
+            <p:cNvPr id="65" name="Rectangle 2">
+              <a:extLst>
+                <a:ext uri="{FF2B5EF4-FFF2-40B4-BE49-F238E27FC236}">
+                  <a16:creationId xmlns:a16="http://schemas.microsoft.com/office/drawing/2014/main" id="{93B6005E-20FB-2257-FE6A-A4AB2361977A}"/>
+                </a:ext>
+              </a:extLst>
+            </p:cNvPr>
+            <p:cNvSpPr/>
+            <p:nvPr/>
+          </p:nvSpPr>
+          <p:spPr>
+            <a:xfrm>
+              <a:off x="7487207" y="2091358"/>
+              <a:ext cx="1496818" cy="245786"/>
+            </a:xfrm>
+            <a:prstGeom prst="rect">
+              <a:avLst/>
+            </a:prstGeom>
+          </p:spPr>
+          <p:style>
+            <a:lnRef idx="2">
+              <a:schemeClr val="accent6">
+                <a:shade val="50000"/>
+              </a:schemeClr>
+            </a:lnRef>
+            <a:fillRef idx="1">
+              <a:schemeClr val="accent6"/>
+            </a:fillRef>
+            <a:effectRef idx="0">
+              <a:schemeClr val="accent6"/>
+            </a:effectRef>
+            <a:fontRef idx="minor">
+              <a:schemeClr val="lt1"/>
+            </a:fontRef>
+          </p:style>
+          <p:txBody>
+            <a:bodyPr rtlCol="0" anchor="ctr"/>
+            <a:lstStyle/>
+            <a:p>
+              <a:pPr algn="ctr"/>
+              <a:r>
+                <a:rPr lang="de-DE" dirty="0"/>
+                <a:t>Bestellung 1</a:t>
+              </a:r>
+            </a:p>
+          </p:txBody>
+        </p:sp>
+        <p:sp>
+          <p:nvSpPr>
+            <p:cNvPr id="62" name="Rectangle: Rounded Corners 4">
+              <a:extLst>
+                <a:ext uri="{FF2B5EF4-FFF2-40B4-BE49-F238E27FC236}">
+                  <a16:creationId xmlns:a16="http://schemas.microsoft.com/office/drawing/2014/main" id="{19A49979-9966-AE77-81D4-C67D38E0FE71}"/>
+                </a:ext>
+              </a:extLst>
+            </p:cNvPr>
+            <p:cNvSpPr/>
+            <p:nvPr/>
+          </p:nvSpPr>
+          <p:spPr>
+            <a:xfrm>
+              <a:off x="7487207" y="3918028"/>
+              <a:ext cx="1496816" cy="272574"/>
+            </a:xfrm>
+            <a:prstGeom prst="roundRect">
+              <a:avLst/>
+            </a:prstGeom>
+          </p:spPr>
+          <p:style>
+            <a:lnRef idx="2">
+              <a:schemeClr val="accent2">
+                <a:shade val="50000"/>
+              </a:schemeClr>
+            </a:lnRef>
+            <a:fillRef idx="1">
+              <a:schemeClr val="accent2"/>
+            </a:fillRef>
+            <a:effectRef idx="0">
+              <a:schemeClr val="accent2"/>
+            </a:effectRef>
+            <a:fontRef idx="minor">
+              <a:schemeClr val="lt1"/>
+            </a:fontRef>
+          </p:style>
+          <p:txBody>
+            <a:bodyPr rtlCol="0" anchor="ctr"/>
+            <a:lstStyle/>
+            <a:p>
+              <a:pPr algn="ctr"/>
+              <a:r>
+                <a:rPr lang="de-DE" sz="1600" dirty="0"/>
+                <a:t>Mehr bestellen</a:t>
+              </a:r>
+            </a:p>
+          </p:txBody>
+        </p:sp>
+        <p:sp>
+          <p:nvSpPr>
+            <p:cNvPr id="75" name="Rectangle 2">
+              <a:extLst>
+                <a:ext uri="{FF2B5EF4-FFF2-40B4-BE49-F238E27FC236}">
+                  <a16:creationId xmlns:a16="http://schemas.microsoft.com/office/drawing/2014/main" id="{C734E1C0-8810-B2EF-AA5F-3883D9202174}"/>
+                </a:ext>
+              </a:extLst>
+            </p:cNvPr>
+            <p:cNvSpPr/>
+            <p:nvPr/>
+          </p:nvSpPr>
+          <p:spPr>
+            <a:xfrm>
+              <a:off x="7487206" y="2422952"/>
+              <a:ext cx="1496818" cy="245786"/>
+            </a:xfrm>
+            <a:prstGeom prst="rect">
+              <a:avLst/>
+            </a:prstGeom>
+          </p:spPr>
+          <p:style>
+            <a:lnRef idx="2">
+              <a:schemeClr val="accent6">
+                <a:shade val="50000"/>
+              </a:schemeClr>
+            </a:lnRef>
+            <a:fillRef idx="1">
+              <a:schemeClr val="accent6"/>
+            </a:fillRef>
+            <a:effectRef idx="0">
+              <a:schemeClr val="accent6"/>
+            </a:effectRef>
+            <a:fontRef idx="minor">
+              <a:schemeClr val="lt1"/>
+            </a:fontRef>
+          </p:style>
+          <p:txBody>
+            <a:bodyPr rtlCol="0" anchor="ctr"/>
+            <a:lstStyle/>
+            <a:p>
+              <a:pPr algn="ctr"/>
+              <a:r>
+                <a:rPr lang="de-DE" dirty="0"/>
+                <a:t>Bestellung 2</a:t>
+              </a:r>
+            </a:p>
+          </p:txBody>
+        </p:sp>
+        <p:sp>
+          <p:nvSpPr>
+            <p:cNvPr id="76" name="Rectangle 2">
+              <a:extLst>
+                <a:ext uri="{FF2B5EF4-FFF2-40B4-BE49-F238E27FC236}">
+                  <a16:creationId xmlns:a16="http://schemas.microsoft.com/office/drawing/2014/main" id="{95D3B742-F321-D907-CDE0-167967BA9524}"/>
+                </a:ext>
+              </a:extLst>
+            </p:cNvPr>
+            <p:cNvSpPr/>
+            <p:nvPr/>
+          </p:nvSpPr>
+          <p:spPr>
+            <a:xfrm>
+              <a:off x="7487206" y="2757640"/>
+              <a:ext cx="1496818" cy="245786"/>
+            </a:xfrm>
+            <a:prstGeom prst="rect">
+              <a:avLst/>
+            </a:prstGeom>
+          </p:spPr>
+          <p:style>
+            <a:lnRef idx="2">
+              <a:schemeClr val="accent6">
+                <a:shade val="50000"/>
+              </a:schemeClr>
+            </a:lnRef>
+            <a:fillRef idx="1">
+              <a:schemeClr val="accent6"/>
+            </a:fillRef>
+            <a:effectRef idx="0">
+              <a:schemeClr val="accent6"/>
+            </a:effectRef>
+            <a:fontRef idx="minor">
+              <a:schemeClr val="lt1"/>
+            </a:fontRef>
+          </p:style>
+          <p:txBody>
+            <a:bodyPr rtlCol="0" anchor="ctr"/>
+            <a:lstStyle/>
+            <a:p>
+              <a:pPr algn="ctr"/>
+              <a:r>
+                <a:rPr lang="de-DE" dirty="0"/>
+                <a:t>Bestellung 3</a:t>
+              </a:r>
+            </a:p>
+          </p:txBody>
+        </p:sp>
+        <p:sp>
+          <p:nvSpPr>
+            <p:cNvPr id="77" name="Rectangle: Rounded Corners 4">
+              <a:extLst>
+                <a:ext uri="{FF2B5EF4-FFF2-40B4-BE49-F238E27FC236}">
+                  <a16:creationId xmlns:a16="http://schemas.microsoft.com/office/drawing/2014/main" id="{EA575D4D-D953-6031-F9AF-E8ABF0BBCF80}"/>
+                </a:ext>
+              </a:extLst>
+            </p:cNvPr>
+            <p:cNvSpPr/>
+            <p:nvPr/>
+          </p:nvSpPr>
+          <p:spPr>
+            <a:xfrm>
+              <a:off x="7487207" y="3131936"/>
+              <a:ext cx="1496817" cy="245786"/>
+            </a:xfrm>
+            <a:prstGeom prst="roundRect">
+              <a:avLst/>
+            </a:prstGeom>
+          </p:spPr>
+          <p:style>
+            <a:lnRef idx="2">
+              <a:schemeClr val="accent2">
+                <a:shade val="50000"/>
+              </a:schemeClr>
+            </a:lnRef>
+            <a:fillRef idx="1">
+              <a:schemeClr val="accent2"/>
+            </a:fillRef>
+            <a:effectRef idx="0">
+              <a:schemeClr val="accent2"/>
+            </a:effectRef>
+            <a:fontRef idx="minor">
+              <a:schemeClr val="lt1"/>
+            </a:fontRef>
+          </p:style>
+          <p:txBody>
+            <a:bodyPr rtlCol="0" anchor="ctr"/>
+            <a:lstStyle/>
+            <a:p>
+              <a:pPr algn="ctr"/>
+              <a:r>
+                <a:rPr lang="de-DE" dirty="0"/>
+                <a:t>Sofort zahlen</a:t>
+              </a:r>
+            </a:p>
+          </p:txBody>
+        </p:sp>
+        <p:sp>
+          <p:nvSpPr>
+            <p:cNvPr id="110" name="Rectangle: Rounded Corners 4">
+              <a:extLst>
+                <a:ext uri="{FF2B5EF4-FFF2-40B4-BE49-F238E27FC236}">
+                  <a16:creationId xmlns:a16="http://schemas.microsoft.com/office/drawing/2014/main" id="{80C50E20-9FF6-DE0E-A0AD-6EB115F21934}"/>
+                </a:ext>
+              </a:extLst>
+            </p:cNvPr>
+            <p:cNvSpPr/>
+            <p:nvPr/>
+          </p:nvSpPr>
+          <p:spPr>
+            <a:xfrm>
+              <a:off x="7496967" y="3493904"/>
+              <a:ext cx="1496817" cy="245786"/>
+            </a:xfrm>
+            <a:prstGeom prst="roundRect">
+              <a:avLst/>
+            </a:prstGeom>
+          </p:spPr>
+          <p:style>
+            <a:lnRef idx="2">
+              <a:schemeClr val="accent2">
+                <a:shade val="50000"/>
+              </a:schemeClr>
+            </a:lnRef>
+            <a:fillRef idx="1">
+              <a:schemeClr val="accent2"/>
+            </a:fillRef>
+            <a:effectRef idx="0">
+              <a:schemeClr val="accent2"/>
+            </a:effectRef>
+            <a:fontRef idx="minor">
+              <a:schemeClr val="lt1"/>
+            </a:fontRef>
+          </p:style>
+          <p:txBody>
+            <a:bodyPr rtlCol="0" anchor="ctr"/>
+            <a:lstStyle/>
+            <a:p>
+              <a:pPr algn="ctr"/>
+              <a:r>
+                <a:rPr lang="de-DE" dirty="0"/>
+                <a:t>Bar zahlen</a:t>
+              </a:r>
+            </a:p>
+          </p:txBody>
+        </p:sp>
+        <p:sp>
+          <p:nvSpPr>
+            <p:cNvPr id="113" name="Speech Bubble: Rectangle 77">
+              <a:extLst>
+                <a:ext uri="{FF2B5EF4-FFF2-40B4-BE49-F238E27FC236}">
+                  <a16:creationId xmlns:a16="http://schemas.microsoft.com/office/drawing/2014/main" id="{AAA5A993-54FA-5487-BE55-4C19020F40D0}"/>
+                </a:ext>
+              </a:extLst>
+            </p:cNvPr>
+            <p:cNvSpPr/>
+            <p:nvPr/>
+          </p:nvSpPr>
+          <p:spPr>
+            <a:xfrm>
+              <a:off x="7982034" y="98961"/>
+              <a:ext cx="2146853" cy="1185611"/>
+            </a:xfrm>
+            <a:prstGeom prst="wedgeRectCallout">
+              <a:avLst>
+                <a:gd name="adj1" fmla="val -33575"/>
+                <a:gd name="adj2" fmla="val 89847"/>
+              </a:avLst>
+            </a:prstGeom>
+          </p:spPr>
+          <p:style>
+            <a:lnRef idx="2">
+              <a:schemeClr val="dk1"/>
+            </a:lnRef>
+            <a:fillRef idx="1">
+              <a:schemeClr val="lt1"/>
+            </a:fillRef>
+            <a:effectRef idx="0">
+              <a:schemeClr val="dk1"/>
+            </a:effectRef>
+            <a:fontRef idx="minor">
+              <a:schemeClr val="dk1"/>
+            </a:fontRef>
+          </p:style>
+          <p:txBody>
+            <a:bodyPr rtlCol="0" anchor="ctr"/>
+            <a:lstStyle/>
+            <a:p>
+              <a:pPr algn="ctr"/>
+              <a:r>
+                <a:rPr lang="de-DE" dirty="0"/>
+                <a:t>Digitale Rechnung bleibt gespeichert &amp; ist jederzeit wieder aufrufbar</a:t>
+              </a:r>
+            </a:p>
+          </p:txBody>
+        </p:sp>
+        <p:sp>
+          <p:nvSpPr>
+            <p:cNvPr id="114" name="Speech Bubble: Rectangle 77">
+              <a:extLst>
+                <a:ext uri="{FF2B5EF4-FFF2-40B4-BE49-F238E27FC236}">
+                  <a16:creationId xmlns:a16="http://schemas.microsoft.com/office/drawing/2014/main" id="{4A8F5AF1-BBC7-62AD-01B0-6D836676BA4C}"/>
+                </a:ext>
+              </a:extLst>
+            </p:cNvPr>
+            <p:cNvSpPr/>
+            <p:nvPr/>
+          </p:nvSpPr>
+          <p:spPr>
+            <a:xfrm>
+              <a:off x="9872509" y="3280485"/>
+              <a:ext cx="2146853" cy="624835"/>
+            </a:xfrm>
+            <a:prstGeom prst="wedgeRectCallout">
+              <a:avLst>
+                <a:gd name="adj1" fmla="val -93027"/>
+                <a:gd name="adj2" fmla="val 2358"/>
+              </a:avLst>
+            </a:prstGeom>
+          </p:spPr>
+          <p:style>
+            <a:lnRef idx="2">
+              <a:schemeClr val="dk1"/>
+            </a:lnRef>
+            <a:fillRef idx="1">
+              <a:schemeClr val="lt1"/>
+            </a:fillRef>
+            <a:effectRef idx="0">
+              <a:schemeClr val="dk1"/>
+            </a:effectRef>
+            <a:fontRef idx="minor">
+              <a:schemeClr val="dk1"/>
+            </a:fontRef>
+          </p:style>
+          <p:txBody>
+            <a:bodyPr rtlCol="0" anchor="ctr"/>
+            <a:lstStyle/>
+            <a:p>
+              <a:pPr algn="ctr"/>
+              <a:r>
+                <a:rPr lang="de-DE" dirty="0"/>
+                <a:t>Sagt Kellner, dass man bezahlen will</a:t>
+              </a:r>
+            </a:p>
+          </p:txBody>
+        </p:sp>
+        <p:sp>
+          <p:nvSpPr>
+            <p:cNvPr id="115" name="Speech Bubble: Rectangle 77">
+              <a:extLst>
+                <a:ext uri="{FF2B5EF4-FFF2-40B4-BE49-F238E27FC236}">
+                  <a16:creationId xmlns:a16="http://schemas.microsoft.com/office/drawing/2014/main" id="{20107869-A522-640E-560A-66F322E0093C}"/>
+                </a:ext>
+              </a:extLst>
+            </p:cNvPr>
+            <p:cNvSpPr/>
+            <p:nvPr/>
+          </p:nvSpPr>
+          <p:spPr>
+            <a:xfrm>
+              <a:off x="9753285" y="4297371"/>
+              <a:ext cx="2146853" cy="624835"/>
+            </a:xfrm>
+            <a:prstGeom prst="wedgeRectCallout">
+              <a:avLst>
+                <a:gd name="adj1" fmla="val -88592"/>
+                <a:gd name="adj2" fmla="val -83009"/>
+              </a:avLst>
+            </a:prstGeom>
+          </p:spPr>
+          <p:style>
+            <a:lnRef idx="2">
+              <a:schemeClr val="dk1"/>
+            </a:lnRef>
+            <a:fillRef idx="1">
+              <a:schemeClr val="lt1"/>
+            </a:fillRef>
+            <a:effectRef idx="0">
+              <a:schemeClr val="dk1"/>
+            </a:effectRef>
+            <a:fontRef idx="minor">
+              <a:schemeClr val="dk1"/>
+            </a:fontRef>
+          </p:style>
+          <p:txBody>
+            <a:bodyPr rtlCol="0" anchor="ctr"/>
+            <a:lstStyle/>
+            <a:p>
+              <a:pPr algn="ctr"/>
+              <a:r>
+                <a:rPr lang="de-DE" dirty="0"/>
+                <a:t>Kunde kann weitere Gerichte bestellen</a:t>
+              </a:r>
+            </a:p>
+          </p:txBody>
+        </p:sp>
+        <p:sp>
+          <p:nvSpPr>
+            <p:cNvPr id="169" name="Rectangle: Rounded Corners 4">
+              <a:extLst>
+                <a:ext uri="{FF2B5EF4-FFF2-40B4-BE49-F238E27FC236}">
+                  <a16:creationId xmlns:a16="http://schemas.microsoft.com/office/drawing/2014/main" id="{AB83AE59-5ABD-B429-77D0-A04AB7EAF0D4}"/>
+                </a:ext>
+              </a:extLst>
+            </p:cNvPr>
+            <p:cNvSpPr/>
+            <p:nvPr/>
+          </p:nvSpPr>
+          <p:spPr>
+            <a:xfrm>
+              <a:off x="7487207" y="4277215"/>
+              <a:ext cx="1496816" cy="272574"/>
+            </a:xfrm>
+            <a:prstGeom prst="roundRect">
+              <a:avLst/>
+            </a:prstGeom>
+          </p:spPr>
+          <p:style>
+            <a:lnRef idx="2">
+              <a:schemeClr val="accent2">
+                <a:shade val="50000"/>
+              </a:schemeClr>
+            </a:lnRef>
+            <a:fillRef idx="1">
+              <a:schemeClr val="accent2"/>
+            </a:fillRef>
+            <a:effectRef idx="0">
+              <a:schemeClr val="accent2"/>
+            </a:effectRef>
+            <a:fontRef idx="minor">
+              <a:schemeClr val="lt1"/>
+            </a:fontRef>
+          </p:style>
+          <p:txBody>
+            <a:bodyPr rtlCol="0" anchor="ctr"/>
+            <a:lstStyle/>
+            <a:p>
+              <a:pPr algn="ctr"/>
+              <a:r>
+                <a:rPr lang="de-DE" sz="1200" dirty="0"/>
+                <a:t>Restaurant verlassen</a:t>
+              </a:r>
+            </a:p>
+          </p:txBody>
+        </p:sp>
+      </p:grpSp>
+      <p:grpSp>
+        <p:nvGrpSpPr>
+          <p:cNvPr id="69" name="Gruppieren 68">
+            <a:extLst>
+              <a:ext uri="{FF2B5EF4-FFF2-40B4-BE49-F238E27FC236}">
+                <a16:creationId xmlns:a16="http://schemas.microsoft.com/office/drawing/2014/main" id="{8B1FC17A-2271-19F8-B617-97CC1CBE79D6}"/>
+              </a:ext>
+            </a:extLst>
+          </p:cNvPr>
+          <p:cNvGrpSpPr/>
+          <p:nvPr/>
+        </p:nvGrpSpPr>
+        <p:grpSpPr>
+          <a:xfrm>
+            <a:off x="3095868" y="963643"/>
+            <a:ext cx="1639691" cy="2181363"/>
+            <a:chOff x="3518927" y="1945355"/>
+            <a:chExt cx="1639691" cy="2181363"/>
+          </a:xfrm>
+        </p:grpSpPr>
+        <p:sp>
+          <p:nvSpPr>
+            <p:cNvPr id="10" name="Rectangle 1">
+              <a:extLst>
+                <a:ext uri="{FF2B5EF4-FFF2-40B4-BE49-F238E27FC236}">
+                  <a16:creationId xmlns:a16="http://schemas.microsoft.com/office/drawing/2014/main" id="{4A6322CB-61BB-5448-1206-D36DC87DDBF2}"/>
+                </a:ext>
+              </a:extLst>
+            </p:cNvPr>
+            <p:cNvSpPr/>
+            <p:nvPr/>
+          </p:nvSpPr>
+          <p:spPr>
+            <a:xfrm>
+              <a:off x="3518927" y="1945355"/>
+              <a:ext cx="1639691" cy="2181363"/>
+            </a:xfrm>
+            <a:prstGeom prst="rect">
+              <a:avLst/>
+            </a:prstGeom>
+          </p:spPr>
+          <p:style>
+            <a:lnRef idx="2">
+              <a:schemeClr val="accent1">
+                <a:shade val="50000"/>
+              </a:schemeClr>
+            </a:lnRef>
+            <a:fillRef idx="1">
+              <a:schemeClr val="accent1"/>
+            </a:fillRef>
+            <a:effectRef idx="0">
+              <a:schemeClr val="accent1"/>
+            </a:effectRef>
+            <a:fontRef idx="minor">
+              <a:schemeClr val="lt1"/>
+            </a:fontRef>
+          </p:style>
+          <p:txBody>
+            <a:bodyPr rtlCol="0" anchor="t"/>
+            <a:lstStyle/>
+            <a:p>
+              <a:pPr algn="ctr"/>
+              <a:r>
+                <a:rPr lang="de-DE" dirty="0"/>
+                <a:t>Restaurant x</a:t>
+              </a:r>
+            </a:p>
+          </p:txBody>
+        </p:sp>
+        <p:sp>
+          <p:nvSpPr>
+            <p:cNvPr id="12" name="Rectangle 3">
+              <a:extLst>
+                <a:ext uri="{FF2B5EF4-FFF2-40B4-BE49-F238E27FC236}">
+                  <a16:creationId xmlns:a16="http://schemas.microsoft.com/office/drawing/2014/main" id="{0D8D83B4-715C-3299-A9B7-75462282F270}"/>
+                </a:ext>
+              </a:extLst>
+            </p:cNvPr>
+            <p:cNvSpPr/>
+            <p:nvPr/>
+          </p:nvSpPr>
+          <p:spPr>
+            <a:xfrm>
+              <a:off x="3575394" y="2941272"/>
+              <a:ext cx="1496818" cy="245786"/>
+            </a:xfrm>
+            <a:prstGeom prst="rect">
+              <a:avLst/>
+            </a:prstGeom>
+          </p:spPr>
+          <p:style>
+            <a:lnRef idx="2">
+              <a:schemeClr val="accent6">
+                <a:shade val="50000"/>
+              </a:schemeClr>
+            </a:lnRef>
+            <a:fillRef idx="1">
+              <a:schemeClr val="accent6"/>
+            </a:fillRef>
+            <a:effectRef idx="0">
+              <a:schemeClr val="accent6"/>
+            </a:effectRef>
+            <a:fontRef idx="minor">
+              <a:schemeClr val="lt1"/>
+            </a:fontRef>
+          </p:style>
+          <p:txBody>
+            <a:bodyPr rtlCol="0" anchor="ctr"/>
+            <a:lstStyle/>
+            <a:p>
+              <a:pPr algn="ctr"/>
+              <a:r>
+                <a:rPr lang="de-DE" dirty="0"/>
+                <a:t>Bewertungen</a:t>
+              </a:r>
+            </a:p>
+          </p:txBody>
+        </p:sp>
+        <p:sp>
+          <p:nvSpPr>
+            <p:cNvPr id="13" name="Rectangle: Rounded Corners 4">
+              <a:extLst>
+                <a:ext uri="{FF2B5EF4-FFF2-40B4-BE49-F238E27FC236}">
+                  <a16:creationId xmlns:a16="http://schemas.microsoft.com/office/drawing/2014/main" id="{7A9BFA3E-0E59-C59A-6A68-50E3219711BD}"/>
+                </a:ext>
+              </a:extLst>
+            </p:cNvPr>
+            <p:cNvSpPr/>
+            <p:nvPr/>
+          </p:nvSpPr>
+          <p:spPr>
+            <a:xfrm>
+              <a:off x="3568472" y="3274368"/>
+              <a:ext cx="1496817" cy="245786"/>
+            </a:xfrm>
+            <a:prstGeom prst="roundRect">
+              <a:avLst/>
+            </a:prstGeom>
+          </p:spPr>
+          <p:style>
+            <a:lnRef idx="2">
+              <a:schemeClr val="accent2">
+                <a:shade val="50000"/>
+              </a:schemeClr>
+            </a:lnRef>
+            <a:fillRef idx="1">
+              <a:schemeClr val="accent2"/>
+            </a:fillRef>
+            <a:effectRef idx="0">
+              <a:schemeClr val="accent2"/>
+            </a:effectRef>
+            <a:fontRef idx="minor">
+              <a:schemeClr val="lt1"/>
+            </a:fontRef>
+          </p:style>
+          <p:txBody>
+            <a:bodyPr rtlCol="0" anchor="ctr"/>
+            <a:lstStyle/>
+            <a:p>
+              <a:pPr algn="ctr"/>
+              <a:r>
+                <a:rPr lang="de-DE" dirty="0"/>
+                <a:t>Speisekarte</a:t>
+              </a:r>
+            </a:p>
+          </p:txBody>
+        </p:sp>
+        <p:sp>
+          <p:nvSpPr>
+            <p:cNvPr id="40" name="Rectangle: Rounded Corners 4">
+              <a:extLst>
+                <a:ext uri="{FF2B5EF4-FFF2-40B4-BE49-F238E27FC236}">
+                  <a16:creationId xmlns:a16="http://schemas.microsoft.com/office/drawing/2014/main" id="{F3298448-4D2D-16BA-FDE4-AE5EF9A28E37}"/>
+                </a:ext>
+              </a:extLst>
+            </p:cNvPr>
+            <p:cNvSpPr/>
+            <p:nvPr/>
+          </p:nvSpPr>
+          <p:spPr>
+            <a:xfrm>
+              <a:off x="3590364" y="3756250"/>
+              <a:ext cx="833064" cy="272574"/>
+            </a:xfrm>
+            <a:prstGeom prst="roundRect">
+              <a:avLst/>
+            </a:prstGeom>
+          </p:spPr>
+          <p:style>
+            <a:lnRef idx="2">
+              <a:schemeClr val="accent2">
+                <a:shade val="50000"/>
+              </a:schemeClr>
+            </a:lnRef>
+            <a:fillRef idx="1">
+              <a:schemeClr val="accent2"/>
+            </a:fillRef>
+            <a:effectRef idx="0">
+              <a:schemeClr val="accent2"/>
+            </a:effectRef>
+            <a:fontRef idx="minor">
+              <a:schemeClr val="lt1"/>
+            </a:fontRef>
+          </p:style>
+          <p:txBody>
+            <a:bodyPr rtlCol="0" anchor="ctr"/>
+            <a:lstStyle/>
+            <a:p>
+              <a:pPr algn="ctr"/>
+              <a:r>
+                <a:rPr lang="de-DE" sz="1600" dirty="0"/>
+                <a:t>Zurück</a:t>
+              </a:r>
+            </a:p>
+          </p:txBody>
+        </p:sp>
+        <p:sp>
+          <p:nvSpPr>
+            <p:cNvPr id="11" name="Rectangle 2">
+              <a:extLst>
+                <a:ext uri="{FF2B5EF4-FFF2-40B4-BE49-F238E27FC236}">
+                  <a16:creationId xmlns:a16="http://schemas.microsoft.com/office/drawing/2014/main" id="{066EE2F7-78CD-F482-FCE3-151C462A1555}"/>
+                </a:ext>
+              </a:extLst>
+            </p:cNvPr>
+            <p:cNvSpPr/>
+            <p:nvPr/>
+          </p:nvSpPr>
+          <p:spPr>
+            <a:xfrm>
+              <a:off x="3575394" y="2619197"/>
+              <a:ext cx="1496818" cy="245786"/>
+            </a:xfrm>
+            <a:prstGeom prst="rect">
+              <a:avLst/>
+            </a:prstGeom>
+          </p:spPr>
+          <p:style>
+            <a:lnRef idx="2">
+              <a:schemeClr val="accent6">
+                <a:shade val="50000"/>
+              </a:schemeClr>
+            </a:lnRef>
+            <a:fillRef idx="1">
+              <a:schemeClr val="accent6"/>
+            </a:fillRef>
+            <a:effectRef idx="0">
+              <a:schemeClr val="accent6"/>
+            </a:effectRef>
+            <a:fontRef idx="minor">
+              <a:schemeClr val="lt1"/>
+            </a:fontRef>
+          </p:style>
+          <p:txBody>
+            <a:bodyPr rtlCol="0" anchor="ctr"/>
+            <a:lstStyle/>
+            <a:p>
+              <a:pPr algn="ctr"/>
+              <a:r>
+                <a:rPr lang="de-DE" sz="1600" dirty="0"/>
+                <a:t>Öffnungszeiten</a:t>
+              </a:r>
+            </a:p>
+          </p:txBody>
+        </p:sp>
+      </p:grpSp>
+      <p:cxnSp>
+        <p:nvCxnSpPr>
+          <p:cNvPr id="3" name="Connector: Curved 16">
+            <a:extLst>
+              <a:ext uri="{FF2B5EF4-FFF2-40B4-BE49-F238E27FC236}">
+                <a16:creationId xmlns:a16="http://schemas.microsoft.com/office/drawing/2014/main" id="{0D2909C9-9551-709E-E677-524FBC46E9A2}"/>
+              </a:ext>
+            </a:extLst>
+          </p:cNvPr>
+          <p:cNvCxnSpPr>
+            <a:cxnSpLocks/>
+            <a:endCxn id="2" idx="1"/>
+          </p:cNvCxnSpPr>
+          <p:nvPr/>
+        </p:nvCxnSpPr>
+        <p:spPr>
+          <a:xfrm>
+            <a:off x="0" y="3206822"/>
+            <a:ext cx="491066" cy="482735"/>
+          </a:xfrm>
+          <a:prstGeom prst="curvedConnector3">
+            <a:avLst>
+              <a:gd name="adj1" fmla="val 50000"/>
+            </a:avLst>
+          </a:prstGeom>
+          <a:ln w="28575">
+            <a:solidFill>
+              <a:srgbClr val="FF0000"/>
+            </a:solidFill>
+            <a:tailEnd type="triangle"/>
+          </a:ln>
+        </p:spPr>
+        <p:style>
+          <a:lnRef idx="1">
+            <a:schemeClr val="accent1"/>
+          </a:lnRef>
+          <a:fillRef idx="0">
+            <a:schemeClr val="accent1"/>
+          </a:fillRef>
+          <a:effectRef idx="0">
+            <a:schemeClr val="accent1"/>
+          </a:effectRef>
+          <a:fontRef idx="minor">
+            <a:schemeClr val="tx1"/>
+          </a:fontRef>
+        </p:style>
+      </p:cxnSp>
+      <p:cxnSp>
+        <p:nvCxnSpPr>
+          <p:cNvPr id="55" name="Connector: Curved 16">
+            <a:extLst>
+              <a:ext uri="{FF2B5EF4-FFF2-40B4-BE49-F238E27FC236}">
+                <a16:creationId xmlns:a16="http://schemas.microsoft.com/office/drawing/2014/main" id="{9CE27762-CB03-BB85-77D9-74B0EF1BE70E}"/>
+              </a:ext>
+            </a:extLst>
+          </p:cNvPr>
+          <p:cNvCxnSpPr>
+            <a:cxnSpLocks/>
+            <a:stCxn id="38" idx="3"/>
+            <a:endCxn id="60" idx="1"/>
+          </p:cNvCxnSpPr>
+          <p:nvPr/>
+        </p:nvCxnSpPr>
+        <p:spPr>
+          <a:xfrm flipV="1">
+            <a:off x="5913546" y="4839394"/>
+            <a:ext cx="1352600" cy="717710"/>
+          </a:xfrm>
+          <a:prstGeom prst="curvedConnector3">
+            <a:avLst>
+              <a:gd name="adj1" fmla="val 50000"/>
+            </a:avLst>
+          </a:prstGeom>
+          <a:ln w="28575">
+            <a:solidFill>
+              <a:srgbClr val="FF0000"/>
+            </a:solidFill>
+            <a:tailEnd type="triangle"/>
+          </a:ln>
+        </p:spPr>
+        <p:style>
+          <a:lnRef idx="1">
+            <a:schemeClr val="accent1"/>
+          </a:lnRef>
+          <a:fillRef idx="0">
+            <a:schemeClr val="accent1"/>
+          </a:fillRef>
+          <a:effectRef idx="0">
+            <a:schemeClr val="accent1"/>
+          </a:effectRef>
+          <a:fontRef idx="minor">
+            <a:schemeClr val="tx1"/>
+          </a:fontRef>
+        </p:style>
+      </p:cxnSp>
+      <p:grpSp>
+        <p:nvGrpSpPr>
+          <p:cNvPr id="87" name="Gruppieren 86">
+            <a:extLst>
+              <a:ext uri="{FF2B5EF4-FFF2-40B4-BE49-F238E27FC236}">
+                <a16:creationId xmlns:a16="http://schemas.microsoft.com/office/drawing/2014/main" id="{B29CC70D-C5D7-97CC-A673-03DFF2BB7E05}"/>
+              </a:ext>
+            </a:extLst>
+          </p:cNvPr>
+          <p:cNvGrpSpPr/>
+          <p:nvPr/>
+        </p:nvGrpSpPr>
+        <p:grpSpPr>
+          <a:xfrm>
+            <a:off x="10229433" y="2514987"/>
+            <a:ext cx="1639691" cy="2181363"/>
+            <a:chOff x="10267752" y="354631"/>
+            <a:chExt cx="1639691" cy="2181363"/>
+          </a:xfrm>
+        </p:grpSpPr>
+        <p:sp>
+          <p:nvSpPr>
+            <p:cNvPr id="78" name="Rectangle 1">
+              <a:extLst>
+                <a:ext uri="{FF2B5EF4-FFF2-40B4-BE49-F238E27FC236}">
+                  <a16:creationId xmlns:a16="http://schemas.microsoft.com/office/drawing/2014/main" id="{DFD5A98A-CCD8-A005-9EA7-68C89B8F452F}"/>
+                </a:ext>
+              </a:extLst>
+            </p:cNvPr>
+            <p:cNvSpPr/>
+            <p:nvPr/>
+          </p:nvSpPr>
+          <p:spPr>
+            <a:xfrm>
+              <a:off x="10267752" y="354631"/>
+              <a:ext cx="1639691" cy="2181363"/>
+            </a:xfrm>
+            <a:prstGeom prst="rect">
+              <a:avLst/>
+            </a:prstGeom>
+          </p:spPr>
+          <p:style>
+            <a:lnRef idx="2">
+              <a:schemeClr val="accent1">
+                <a:shade val="50000"/>
+              </a:schemeClr>
+            </a:lnRef>
+            <a:fillRef idx="1">
+              <a:schemeClr val="accent1"/>
+            </a:fillRef>
+            <a:effectRef idx="0">
+              <a:schemeClr val="accent1"/>
+            </a:effectRef>
+            <a:fontRef idx="minor">
+              <a:schemeClr val="lt1"/>
+            </a:fontRef>
+          </p:style>
+          <p:txBody>
+            <a:bodyPr rtlCol="0" anchor="t"/>
+            <a:lstStyle/>
+            <a:p>
+              <a:pPr algn="ctr"/>
+              <a:r>
+                <a:rPr lang="de-DE" sz="1400" dirty="0"/>
+                <a:t>Zahlungsmethoden</a:t>
+              </a:r>
+            </a:p>
+          </p:txBody>
+        </p:sp>
+        <p:sp>
+          <p:nvSpPr>
+            <p:cNvPr id="80" name="Rectangle: Rounded Corners 4">
+              <a:extLst>
+                <a:ext uri="{FF2B5EF4-FFF2-40B4-BE49-F238E27FC236}">
+                  <a16:creationId xmlns:a16="http://schemas.microsoft.com/office/drawing/2014/main" id="{27BB49B0-0437-3FE1-D470-6D3EDDD138C9}"/>
+                </a:ext>
+              </a:extLst>
+            </p:cNvPr>
+            <p:cNvSpPr/>
+            <p:nvPr/>
+          </p:nvSpPr>
+          <p:spPr>
+            <a:xfrm>
+              <a:off x="10339189" y="2165526"/>
+              <a:ext cx="1131292" cy="272574"/>
+            </a:xfrm>
+            <a:prstGeom prst="roundRect">
+              <a:avLst/>
+            </a:prstGeom>
+          </p:spPr>
+          <p:style>
+            <a:lnRef idx="2">
+              <a:schemeClr val="accent2">
+                <a:shade val="50000"/>
+              </a:schemeClr>
+            </a:lnRef>
+            <a:fillRef idx="1">
+              <a:schemeClr val="accent2"/>
+            </a:fillRef>
+            <a:effectRef idx="0">
+              <a:schemeClr val="accent2"/>
+            </a:effectRef>
+            <a:fontRef idx="minor">
+              <a:schemeClr val="lt1"/>
+            </a:fontRef>
+          </p:style>
+          <p:txBody>
+            <a:bodyPr rtlCol="0" anchor="ctr"/>
+            <a:lstStyle/>
+            <a:p>
+              <a:pPr algn="ctr"/>
+              <a:r>
+                <a:rPr lang="de-DE" sz="1600" dirty="0"/>
+                <a:t>Abbrechen</a:t>
+              </a:r>
+            </a:p>
+          </p:txBody>
+        </p:sp>
+        <p:sp>
+          <p:nvSpPr>
+            <p:cNvPr id="83" name="Rectangle: Rounded Corners 4">
+              <a:extLst>
+                <a:ext uri="{FF2B5EF4-FFF2-40B4-BE49-F238E27FC236}">
+                  <a16:creationId xmlns:a16="http://schemas.microsoft.com/office/drawing/2014/main" id="{9F242BE8-1DF3-D548-36C1-8F82B9799BCF}"/>
+                </a:ext>
+              </a:extLst>
+            </p:cNvPr>
+            <p:cNvSpPr/>
+            <p:nvPr/>
+          </p:nvSpPr>
+          <p:spPr>
+            <a:xfrm>
+              <a:off x="10339188" y="681855"/>
+              <a:ext cx="1496817" cy="245786"/>
+            </a:xfrm>
+            <a:prstGeom prst="roundRect">
+              <a:avLst/>
+            </a:prstGeom>
+          </p:spPr>
+          <p:style>
+            <a:lnRef idx="2">
+              <a:schemeClr val="accent2">
+                <a:shade val="50000"/>
+              </a:schemeClr>
+            </a:lnRef>
+            <a:fillRef idx="1">
+              <a:schemeClr val="accent2"/>
+            </a:fillRef>
+            <a:effectRef idx="0">
+              <a:schemeClr val="accent2"/>
+            </a:effectRef>
+            <a:fontRef idx="minor">
+              <a:schemeClr val="lt1"/>
+            </a:fontRef>
+          </p:style>
+          <p:txBody>
+            <a:bodyPr rtlCol="0" anchor="ctr"/>
+            <a:lstStyle/>
+            <a:p>
+              <a:pPr algn="ctr"/>
+              <a:r>
+                <a:rPr lang="de-DE" sz="1600" dirty="0"/>
+                <a:t>Zahlungsm. 1</a:t>
+              </a:r>
+            </a:p>
+          </p:txBody>
+        </p:sp>
+        <p:sp>
+          <p:nvSpPr>
+            <p:cNvPr id="84" name="Rectangle: Rounded Corners 4">
+              <a:extLst>
+                <a:ext uri="{FF2B5EF4-FFF2-40B4-BE49-F238E27FC236}">
+                  <a16:creationId xmlns:a16="http://schemas.microsoft.com/office/drawing/2014/main" id="{01F4925E-902E-0227-3E0A-9DE07A9BCB4A}"/>
+                </a:ext>
+              </a:extLst>
+            </p:cNvPr>
+            <p:cNvSpPr/>
+            <p:nvPr/>
+          </p:nvSpPr>
+          <p:spPr>
+            <a:xfrm>
+              <a:off x="10339189" y="1046466"/>
+              <a:ext cx="1496817" cy="245786"/>
+            </a:xfrm>
+            <a:prstGeom prst="roundRect">
+              <a:avLst/>
+            </a:prstGeom>
+          </p:spPr>
+          <p:style>
+            <a:lnRef idx="2">
+              <a:schemeClr val="accent2">
+                <a:shade val="50000"/>
+              </a:schemeClr>
+            </a:lnRef>
+            <a:fillRef idx="1">
+              <a:schemeClr val="accent2"/>
+            </a:fillRef>
+            <a:effectRef idx="0">
+              <a:schemeClr val="accent2"/>
+            </a:effectRef>
+            <a:fontRef idx="minor">
+              <a:schemeClr val="lt1"/>
+            </a:fontRef>
+          </p:style>
+          <p:txBody>
+            <a:bodyPr rtlCol="0" anchor="ctr"/>
+            <a:lstStyle/>
+            <a:p>
+              <a:pPr algn="ctr"/>
+              <a:r>
+                <a:rPr lang="de-DE" sz="1600" dirty="0"/>
+                <a:t>Zahlungsm. 2</a:t>
+              </a:r>
+            </a:p>
+          </p:txBody>
+        </p:sp>
+        <p:sp>
+          <p:nvSpPr>
+            <p:cNvPr id="85" name="Rectangle: Rounded Corners 4">
+              <a:extLst>
+                <a:ext uri="{FF2B5EF4-FFF2-40B4-BE49-F238E27FC236}">
+                  <a16:creationId xmlns:a16="http://schemas.microsoft.com/office/drawing/2014/main" id="{C16BBFDD-AB85-BB07-B775-855A398EB03E}"/>
+                </a:ext>
+              </a:extLst>
+            </p:cNvPr>
+            <p:cNvSpPr/>
+            <p:nvPr/>
+          </p:nvSpPr>
+          <p:spPr>
+            <a:xfrm>
+              <a:off x="10339188" y="1445312"/>
+              <a:ext cx="1496817" cy="245786"/>
+            </a:xfrm>
+            <a:prstGeom prst="roundRect">
+              <a:avLst/>
+            </a:prstGeom>
+          </p:spPr>
+          <p:style>
+            <a:lnRef idx="2">
+              <a:schemeClr val="accent2">
+                <a:shade val="50000"/>
+              </a:schemeClr>
+            </a:lnRef>
+            <a:fillRef idx="1">
+              <a:schemeClr val="accent2"/>
+            </a:fillRef>
+            <a:effectRef idx="0">
+              <a:schemeClr val="accent2"/>
+            </a:effectRef>
+            <a:fontRef idx="minor">
+              <a:schemeClr val="lt1"/>
+            </a:fontRef>
+          </p:style>
+          <p:txBody>
+            <a:bodyPr rtlCol="0" anchor="ctr"/>
+            <a:lstStyle/>
+            <a:p>
+              <a:pPr algn="ctr"/>
+              <a:r>
+                <a:rPr lang="de-DE" sz="1600" dirty="0"/>
+                <a:t>Zahlungsm. 3</a:t>
+              </a:r>
+            </a:p>
+          </p:txBody>
+        </p:sp>
+      </p:grpSp>
+      <p:cxnSp>
+        <p:nvCxnSpPr>
+          <p:cNvPr id="88" name="Connector: Curved 16">
+            <a:extLst>
+              <a:ext uri="{FF2B5EF4-FFF2-40B4-BE49-F238E27FC236}">
+                <a16:creationId xmlns:a16="http://schemas.microsoft.com/office/drawing/2014/main" id="{DF17BFB3-3D97-02C0-F312-DE2C8F23CA03}"/>
+              </a:ext>
+            </a:extLst>
+          </p:cNvPr>
+          <p:cNvCxnSpPr>
+            <a:cxnSpLocks/>
+            <a:stCxn id="77" idx="3"/>
+            <a:endCxn id="78" idx="1"/>
+          </p:cNvCxnSpPr>
+          <p:nvPr/>
+        </p:nvCxnSpPr>
+        <p:spPr>
+          <a:xfrm flipV="1">
+            <a:off x="8834400" y="3605669"/>
+            <a:ext cx="1395033" cy="1329693"/>
+          </a:xfrm>
+          <a:prstGeom prst="curvedConnector3">
+            <a:avLst>
+              <a:gd name="adj1" fmla="val 50000"/>
+            </a:avLst>
+          </a:prstGeom>
+          <a:ln w="28575">
+            <a:solidFill>
+              <a:srgbClr val="FF0000"/>
+            </a:solidFill>
+            <a:tailEnd type="triangle"/>
+          </a:ln>
+        </p:spPr>
+        <p:style>
+          <a:lnRef idx="1">
+            <a:schemeClr val="accent1"/>
+          </a:lnRef>
+          <a:fillRef idx="0">
+            <a:schemeClr val="accent1"/>
+          </a:fillRef>
+          <a:effectRef idx="0">
+            <a:schemeClr val="accent1"/>
+          </a:effectRef>
+          <a:fontRef idx="minor">
+            <a:schemeClr val="tx1"/>
+          </a:fontRef>
+        </p:style>
+      </p:cxnSp>
+      <p:cxnSp>
+        <p:nvCxnSpPr>
+          <p:cNvPr id="52" name="Connector: Curved 16">
+            <a:extLst>
+              <a:ext uri="{FF2B5EF4-FFF2-40B4-BE49-F238E27FC236}">
+                <a16:creationId xmlns:a16="http://schemas.microsoft.com/office/drawing/2014/main" id="{DDAB5BA1-A3AF-DEE7-4AD8-00D2368BE891}"/>
+              </a:ext>
+            </a:extLst>
+          </p:cNvPr>
+          <p:cNvCxnSpPr>
+            <a:cxnSpLocks/>
+            <a:stCxn id="62" idx="1"/>
+            <a:endCxn id="28" idx="3"/>
+          </p:cNvCxnSpPr>
+          <p:nvPr/>
+        </p:nvCxnSpPr>
+        <p:spPr>
+          <a:xfrm rot="10800000">
+            <a:off x="5948451" y="4963960"/>
+            <a:ext cx="1389133" cy="770889"/>
+          </a:xfrm>
+          <a:prstGeom prst="curvedConnector3">
+            <a:avLst>
+              <a:gd name="adj1" fmla="val 50000"/>
+            </a:avLst>
+          </a:prstGeom>
+          <a:ln w="28575">
+            <a:solidFill>
+              <a:srgbClr val="FF0000"/>
+            </a:solidFill>
+            <a:tailEnd type="triangle"/>
+          </a:ln>
+        </p:spPr>
+        <p:style>
+          <a:lnRef idx="1">
+            <a:schemeClr val="accent1"/>
+          </a:lnRef>
+          <a:fillRef idx="0">
+            <a:schemeClr val="accent1"/>
+          </a:fillRef>
+          <a:effectRef idx="0">
+            <a:schemeClr val="accent1"/>
+          </a:effectRef>
+          <a:fontRef idx="minor">
+            <a:schemeClr val="tx1"/>
+          </a:fontRef>
+        </p:style>
+      </p:cxnSp>
+      <p:grpSp>
+        <p:nvGrpSpPr>
+          <p:cNvPr id="163" name="Gruppieren 162">
+            <a:extLst>
+              <a:ext uri="{FF2B5EF4-FFF2-40B4-BE49-F238E27FC236}">
+                <a16:creationId xmlns:a16="http://schemas.microsoft.com/office/drawing/2014/main" id="{FB69E32B-007B-1554-5A4D-15CF632AF073}"/>
+              </a:ext>
+            </a:extLst>
+          </p:cNvPr>
+          <p:cNvGrpSpPr/>
+          <p:nvPr/>
+        </p:nvGrpSpPr>
+        <p:grpSpPr>
+          <a:xfrm>
+            <a:off x="93662" y="1000410"/>
+            <a:ext cx="4212557" cy="4288957"/>
+            <a:chOff x="93662" y="1000410"/>
+            <a:chExt cx="4212557" cy="4288957"/>
+          </a:xfrm>
+        </p:grpSpPr>
+        <p:sp>
+          <p:nvSpPr>
+            <p:cNvPr id="2" name="Rectangle 1">
+              <a:extLst>
+                <a:ext uri="{FF2B5EF4-FFF2-40B4-BE49-F238E27FC236}">
+                  <a16:creationId xmlns:a16="http://schemas.microsoft.com/office/drawing/2014/main" id="{B1D7C995-ADA2-96E6-46C0-B5F7A147730F}"/>
+                </a:ext>
+              </a:extLst>
+            </p:cNvPr>
+            <p:cNvSpPr/>
+            <p:nvPr/>
+          </p:nvSpPr>
+          <p:spPr>
+            <a:xfrm>
+              <a:off x="491066" y="2089747"/>
+              <a:ext cx="1639691" cy="3199620"/>
+            </a:xfrm>
+            <a:prstGeom prst="rect">
+              <a:avLst/>
+            </a:prstGeom>
+          </p:spPr>
+          <p:style>
+            <a:lnRef idx="2">
+              <a:schemeClr val="accent1">
+                <a:shade val="50000"/>
+              </a:schemeClr>
+            </a:lnRef>
+            <a:fillRef idx="1">
+              <a:schemeClr val="accent1"/>
+            </a:fillRef>
+            <a:effectRef idx="0">
+              <a:schemeClr val="accent1"/>
+            </a:effectRef>
+            <a:fontRef idx="minor">
+              <a:schemeClr val="lt1"/>
+            </a:fontRef>
+          </p:style>
+          <p:txBody>
+            <a:bodyPr rtlCol="0" anchor="t"/>
+            <a:lstStyle/>
+            <a:p>
+              <a:pPr algn="ctr"/>
+              <a:r>
+                <a:rPr lang="de-DE" dirty="0"/>
+                <a:t>Startseite</a:t>
+              </a:r>
+            </a:p>
+          </p:txBody>
+        </p:sp>
+        <p:sp>
+          <p:nvSpPr>
+            <p:cNvPr id="5" name="Rectangle 3">
+              <a:extLst>
+                <a:ext uri="{FF2B5EF4-FFF2-40B4-BE49-F238E27FC236}">
+                  <a16:creationId xmlns:a16="http://schemas.microsoft.com/office/drawing/2014/main" id="{1166387D-DA14-859C-3E59-A33864A3A72C}"/>
+                </a:ext>
+              </a:extLst>
+            </p:cNvPr>
+            <p:cNvSpPr/>
+            <p:nvPr/>
+          </p:nvSpPr>
+          <p:spPr>
+            <a:xfrm>
+              <a:off x="562502" y="2663126"/>
+              <a:ext cx="1496818" cy="245786"/>
+            </a:xfrm>
+            <a:prstGeom prst="rect">
+              <a:avLst/>
+            </a:prstGeom>
+          </p:spPr>
+          <p:style>
+            <a:lnRef idx="2">
+              <a:schemeClr val="accent6">
+                <a:shade val="50000"/>
+              </a:schemeClr>
+            </a:lnRef>
+            <a:fillRef idx="1">
+              <a:schemeClr val="accent6"/>
+            </a:fillRef>
+            <a:effectRef idx="0">
+              <a:schemeClr val="accent6"/>
+            </a:effectRef>
+            <a:fontRef idx="minor">
+              <a:schemeClr val="lt1"/>
+            </a:fontRef>
+          </p:style>
+          <p:txBody>
+            <a:bodyPr rtlCol="0" anchor="ctr"/>
+            <a:lstStyle/>
+            <a:p>
+              <a:pPr algn="ctr"/>
+              <a:r>
+                <a:rPr lang="de-DE" dirty="0"/>
+                <a:t>Suche</a:t>
+              </a:r>
+            </a:p>
+          </p:txBody>
+        </p:sp>
+        <p:sp>
+          <p:nvSpPr>
+            <p:cNvPr id="6" name="Rectangle: Rounded Corners 4">
+              <a:extLst>
+                <a:ext uri="{FF2B5EF4-FFF2-40B4-BE49-F238E27FC236}">
+                  <a16:creationId xmlns:a16="http://schemas.microsoft.com/office/drawing/2014/main" id="{1135D54C-67B0-CFA2-2416-39336519BD85}"/>
+                </a:ext>
+              </a:extLst>
+            </p:cNvPr>
+            <p:cNvSpPr/>
+            <p:nvPr/>
+          </p:nvSpPr>
+          <p:spPr>
+            <a:xfrm>
+              <a:off x="562503" y="3769933"/>
+              <a:ext cx="1496817" cy="245786"/>
+            </a:xfrm>
+            <a:prstGeom prst="roundRect">
+              <a:avLst/>
+            </a:prstGeom>
+          </p:spPr>
+          <p:style>
+            <a:lnRef idx="2">
+              <a:schemeClr val="accent2">
+                <a:shade val="50000"/>
+              </a:schemeClr>
+            </a:lnRef>
+            <a:fillRef idx="1">
+              <a:schemeClr val="accent2"/>
+            </a:fillRef>
+            <a:effectRef idx="0">
+              <a:schemeClr val="accent2"/>
+            </a:effectRef>
+            <a:fontRef idx="minor">
+              <a:schemeClr val="lt1"/>
+            </a:fontRef>
+          </p:style>
+          <p:txBody>
+            <a:bodyPr rtlCol="0" anchor="ctr"/>
+            <a:lstStyle/>
+            <a:p>
+              <a:pPr algn="ctr"/>
+              <a:r>
+                <a:rPr lang="de-DE" dirty="0"/>
+                <a:t>Restaurant 1</a:t>
+              </a:r>
+            </a:p>
+          </p:txBody>
+        </p:sp>
+        <p:sp>
+          <p:nvSpPr>
+            <p:cNvPr id="8" name="Rectangle 3">
+              <a:extLst>
+                <a:ext uri="{FF2B5EF4-FFF2-40B4-BE49-F238E27FC236}">
+                  <a16:creationId xmlns:a16="http://schemas.microsoft.com/office/drawing/2014/main" id="{2DB6F6D4-9961-3B22-AEA7-6126D19D8717}"/>
+                </a:ext>
+              </a:extLst>
+            </p:cNvPr>
+            <p:cNvSpPr/>
+            <p:nvPr/>
+          </p:nvSpPr>
+          <p:spPr>
+            <a:xfrm>
+              <a:off x="562502" y="3036955"/>
+              <a:ext cx="1496818" cy="534920"/>
+            </a:xfrm>
+            <a:prstGeom prst="rect">
+              <a:avLst/>
+            </a:prstGeom>
+          </p:spPr>
+          <p:style>
+            <a:lnRef idx="2">
+              <a:schemeClr val="accent6">
+                <a:shade val="50000"/>
+              </a:schemeClr>
+            </a:lnRef>
+            <a:fillRef idx="1">
+              <a:schemeClr val="accent6"/>
+            </a:fillRef>
+            <a:effectRef idx="0">
+              <a:schemeClr val="accent6"/>
+            </a:effectRef>
+            <a:fontRef idx="minor">
+              <a:schemeClr val="lt1"/>
+            </a:fontRef>
+          </p:style>
+          <p:txBody>
+            <a:bodyPr rtlCol="0" anchor="ctr"/>
+            <a:lstStyle/>
+            <a:p>
+              <a:pPr algn="ctr"/>
+              <a:r>
+                <a:rPr lang="de-DE" dirty="0"/>
+                <a:t>Karte</a:t>
+              </a:r>
+            </a:p>
+          </p:txBody>
+        </p:sp>
+        <p:sp>
+          <p:nvSpPr>
+            <p:cNvPr id="9" name="Rectangle: Rounded Corners 4">
+              <a:extLst>
+                <a:ext uri="{FF2B5EF4-FFF2-40B4-BE49-F238E27FC236}">
+                  <a16:creationId xmlns:a16="http://schemas.microsoft.com/office/drawing/2014/main" id="{02DE945B-BCDD-4BEB-1EA3-ED24B96AE224}"/>
+                </a:ext>
+              </a:extLst>
+            </p:cNvPr>
+            <p:cNvSpPr/>
+            <p:nvPr/>
+          </p:nvSpPr>
+          <p:spPr>
+            <a:xfrm>
+              <a:off x="562503" y="4114748"/>
+              <a:ext cx="1496817" cy="245786"/>
+            </a:xfrm>
+            <a:prstGeom prst="roundRect">
+              <a:avLst/>
+            </a:prstGeom>
+          </p:spPr>
+          <p:style>
+            <a:lnRef idx="2">
+              <a:schemeClr val="accent2">
+                <a:shade val="50000"/>
+              </a:schemeClr>
+            </a:lnRef>
+            <a:fillRef idx="1">
+              <a:schemeClr val="accent2"/>
+            </a:fillRef>
+            <a:effectRef idx="0">
+              <a:schemeClr val="accent2"/>
+            </a:effectRef>
+            <a:fontRef idx="minor">
+              <a:schemeClr val="lt1"/>
+            </a:fontRef>
+          </p:style>
+          <p:txBody>
+            <a:bodyPr rtlCol="0" anchor="ctr"/>
+            <a:lstStyle/>
+            <a:p>
+              <a:pPr algn="ctr"/>
+              <a:r>
+                <a:rPr lang="de-DE" dirty="0"/>
+                <a:t>Restaurant 2</a:t>
+              </a:r>
+            </a:p>
+          </p:txBody>
+        </p:sp>
+        <p:sp>
+          <p:nvSpPr>
+            <p:cNvPr id="21" name="Speech Bubble: Rectangle 75">
+              <a:extLst>
+                <a:ext uri="{FF2B5EF4-FFF2-40B4-BE49-F238E27FC236}">
+                  <a16:creationId xmlns:a16="http://schemas.microsoft.com/office/drawing/2014/main" id="{CB7F8A04-2E52-96B9-0E7D-4FF4F5A3296E}"/>
+                </a:ext>
+              </a:extLst>
+            </p:cNvPr>
+            <p:cNvSpPr/>
+            <p:nvPr/>
+          </p:nvSpPr>
+          <p:spPr>
+            <a:xfrm>
+              <a:off x="93662" y="1000410"/>
+              <a:ext cx="1639691" cy="890659"/>
+            </a:xfrm>
+            <a:prstGeom prst="wedgeRectCallout">
+              <a:avLst>
+                <a:gd name="adj1" fmla="val -13349"/>
+                <a:gd name="adj2" fmla="val 143008"/>
+              </a:avLst>
+            </a:prstGeom>
+          </p:spPr>
+          <p:style>
+            <a:lnRef idx="2">
+              <a:schemeClr val="dk1"/>
+            </a:lnRef>
+            <a:fillRef idx="1">
+              <a:schemeClr val="lt1"/>
+            </a:fillRef>
+            <a:effectRef idx="0">
+              <a:schemeClr val="dk1"/>
+            </a:effectRef>
+            <a:fontRef idx="minor">
+              <a:schemeClr val="dk1"/>
+            </a:fontRef>
+          </p:style>
+          <p:txBody>
+            <a:bodyPr rtlCol="0" anchor="ctr"/>
+            <a:lstStyle/>
+            <a:p>
+              <a:pPr algn="ctr"/>
+              <a:r>
+                <a:rPr lang="de-DE" dirty="0"/>
+                <a:t>Filterbar nach Allergien/Vorlieben</a:t>
+              </a:r>
+            </a:p>
+          </p:txBody>
+        </p:sp>
+        <p:sp>
+          <p:nvSpPr>
+            <p:cNvPr id="120" name="Rectangle: Rounded Corners 4">
+              <a:extLst>
+                <a:ext uri="{FF2B5EF4-FFF2-40B4-BE49-F238E27FC236}">
+                  <a16:creationId xmlns:a16="http://schemas.microsoft.com/office/drawing/2014/main" id="{EE6E4BA5-520E-E835-844B-AF1FC2819A19}"/>
+                </a:ext>
+              </a:extLst>
+            </p:cNvPr>
+            <p:cNvSpPr/>
+            <p:nvPr/>
+          </p:nvSpPr>
+          <p:spPr>
+            <a:xfrm>
+              <a:off x="562503" y="4539664"/>
+              <a:ext cx="1496817" cy="245786"/>
+            </a:xfrm>
+            <a:prstGeom prst="roundRect">
+              <a:avLst/>
+            </a:prstGeom>
+          </p:spPr>
+          <p:style>
+            <a:lnRef idx="2">
+              <a:schemeClr val="accent2">
+                <a:shade val="50000"/>
+              </a:schemeClr>
+            </a:lnRef>
+            <a:fillRef idx="1">
+              <a:schemeClr val="accent2"/>
+            </a:fillRef>
+            <a:effectRef idx="0">
+              <a:schemeClr val="accent2"/>
+            </a:effectRef>
+            <a:fontRef idx="minor">
+              <a:schemeClr val="lt1"/>
+            </a:fontRef>
+          </p:style>
+          <p:txBody>
+            <a:bodyPr rtlCol="0" anchor="ctr"/>
+            <a:lstStyle/>
+            <a:p>
+              <a:pPr algn="ctr"/>
+              <a:r>
+                <a:rPr lang="de-DE" sz="1400" dirty="0"/>
+                <a:t>QR-Code scannen</a:t>
+              </a:r>
+            </a:p>
+          </p:txBody>
+        </p:sp>
+        <p:sp>
+          <p:nvSpPr>
+            <p:cNvPr id="121" name="Speech Bubble: Rectangle 75">
+              <a:extLst>
+                <a:ext uri="{FF2B5EF4-FFF2-40B4-BE49-F238E27FC236}">
+                  <a16:creationId xmlns:a16="http://schemas.microsoft.com/office/drawing/2014/main" id="{66659D74-9B64-9B79-B1A7-B4FDF9F42DA7}"/>
+                </a:ext>
+              </a:extLst>
+            </p:cNvPr>
+            <p:cNvSpPr/>
+            <p:nvPr/>
+          </p:nvSpPr>
+          <p:spPr>
+            <a:xfrm>
+              <a:off x="2666528" y="3712995"/>
+              <a:ext cx="1639691" cy="890659"/>
+            </a:xfrm>
+            <a:prstGeom prst="wedgeRectCallout">
+              <a:avLst>
+                <a:gd name="adj1" fmla="val -87277"/>
+                <a:gd name="adj2" fmla="val 51925"/>
+              </a:avLst>
+            </a:prstGeom>
+          </p:spPr>
+          <p:style>
+            <a:lnRef idx="2">
+              <a:schemeClr val="dk1"/>
+            </a:lnRef>
+            <a:fillRef idx="1">
+              <a:schemeClr val="lt1"/>
+            </a:fillRef>
+            <a:effectRef idx="0">
+              <a:schemeClr val="dk1"/>
+            </a:effectRef>
+            <a:fontRef idx="minor">
+              <a:schemeClr val="dk1"/>
+            </a:fontRef>
+          </p:style>
+          <p:txBody>
+            <a:bodyPr rtlCol="0" anchor="ctr"/>
+            <a:lstStyle/>
+            <a:p>
+              <a:pPr algn="ctr"/>
+              <a:r>
+                <a:rPr lang="de-DE" dirty="0"/>
+                <a:t>Tisch QR-Code erhält man vom Kellner</a:t>
+              </a:r>
+            </a:p>
+          </p:txBody>
+        </p:sp>
+      </p:grpSp>
+      <p:cxnSp>
+        <p:nvCxnSpPr>
+          <p:cNvPr id="151" name="Connector: Curved 16">
+            <a:extLst>
+              <a:ext uri="{FF2B5EF4-FFF2-40B4-BE49-F238E27FC236}">
+                <a16:creationId xmlns:a16="http://schemas.microsoft.com/office/drawing/2014/main" id="{34C1FB57-A976-5A9D-28D4-F7E5FB25A404}"/>
+              </a:ext>
+            </a:extLst>
+          </p:cNvPr>
+          <p:cNvCxnSpPr>
+            <a:cxnSpLocks/>
+            <a:stCxn id="13" idx="3"/>
+            <a:endCxn id="143" idx="1"/>
+          </p:cNvCxnSpPr>
+          <p:nvPr/>
+        </p:nvCxnSpPr>
+        <p:spPr>
+          <a:xfrm flipV="1">
+            <a:off x="4642230" y="1393413"/>
+            <a:ext cx="877350" cy="1022136"/>
+          </a:xfrm>
+          <a:prstGeom prst="curvedConnector3">
+            <a:avLst>
+              <a:gd name="adj1" fmla="val 50000"/>
+            </a:avLst>
+          </a:prstGeom>
+          <a:ln w="28575">
+            <a:solidFill>
+              <a:srgbClr val="FF0000"/>
+            </a:solidFill>
+            <a:tailEnd type="triangle"/>
+          </a:ln>
+        </p:spPr>
+        <p:style>
+          <a:lnRef idx="1">
+            <a:schemeClr val="accent1"/>
+          </a:lnRef>
+          <a:fillRef idx="0">
+            <a:schemeClr val="accent1"/>
+          </a:fillRef>
+          <a:effectRef idx="0">
+            <a:schemeClr val="accent1"/>
+          </a:effectRef>
+          <a:fontRef idx="minor">
+            <a:schemeClr val="tx1"/>
+          </a:fontRef>
+        </p:style>
+      </p:cxnSp>
+      <p:grpSp>
+        <p:nvGrpSpPr>
+          <p:cNvPr id="161" name="Gruppieren 160">
+            <a:extLst>
+              <a:ext uri="{FF2B5EF4-FFF2-40B4-BE49-F238E27FC236}">
+                <a16:creationId xmlns:a16="http://schemas.microsoft.com/office/drawing/2014/main" id="{279CA1F7-36C4-EC77-3A85-EF30B0CCE583}"/>
+              </a:ext>
+            </a:extLst>
+          </p:cNvPr>
+          <p:cNvGrpSpPr/>
+          <p:nvPr/>
+        </p:nvGrpSpPr>
+        <p:grpSpPr>
+          <a:xfrm>
+            <a:off x="5519580" y="206930"/>
+            <a:ext cx="3859860" cy="2183910"/>
+            <a:chOff x="5519580" y="206930"/>
+            <a:chExt cx="3859860" cy="2183910"/>
+          </a:xfrm>
+        </p:grpSpPr>
+        <p:grpSp>
+          <p:nvGrpSpPr>
+            <p:cNvPr id="157" name="Gruppieren 156">
+              <a:extLst>
+                <a:ext uri="{FF2B5EF4-FFF2-40B4-BE49-F238E27FC236}">
+                  <a16:creationId xmlns:a16="http://schemas.microsoft.com/office/drawing/2014/main" id="{FEBD46EA-8A2E-F619-5149-CA337535C359}"/>
+                </a:ext>
+              </a:extLst>
+            </p:cNvPr>
+            <p:cNvGrpSpPr/>
+            <p:nvPr/>
+          </p:nvGrpSpPr>
+          <p:grpSpPr>
+            <a:xfrm>
+              <a:off x="5519580" y="206930"/>
+              <a:ext cx="1593115" cy="2183910"/>
+              <a:chOff x="5670596" y="654966"/>
+              <a:chExt cx="1593115" cy="2183910"/>
+            </a:xfrm>
+          </p:grpSpPr>
+          <p:sp>
+            <p:nvSpPr>
+              <p:cNvPr id="136" name="Rectangle 11">
+                <a:extLst>
+                  <a:ext uri="{FF2B5EF4-FFF2-40B4-BE49-F238E27FC236}">
+                    <a16:creationId xmlns:a16="http://schemas.microsoft.com/office/drawing/2014/main" id="{8DF30A91-FFAC-7149-DB21-B75A09F5B8AD}"/>
+                  </a:ext>
+                </a:extLst>
+              </p:cNvPr>
+              <p:cNvSpPr/>
+              <p:nvPr/>
+            </p:nvSpPr>
+            <p:spPr>
+              <a:xfrm>
+                <a:off x="5678542" y="654966"/>
+                <a:ext cx="1585168" cy="2056778"/>
+              </a:xfrm>
+              <a:prstGeom prst="rect">
+                <a:avLst/>
+              </a:prstGeom>
+            </p:spPr>
+            <p:style>
+              <a:lnRef idx="2">
+                <a:schemeClr val="accent1">
+                  <a:shade val="50000"/>
+                </a:schemeClr>
+              </a:lnRef>
+              <a:fillRef idx="1">
+                <a:schemeClr val="accent1"/>
+              </a:fillRef>
+              <a:effectRef idx="0">
+                <a:schemeClr val="accent1"/>
+              </a:effectRef>
+              <a:fontRef idx="minor">
+                <a:schemeClr val="lt1"/>
+              </a:fontRef>
+            </p:style>
+            <p:txBody>
+              <a:bodyPr rtlCol="0" anchor="t"/>
+              <a:lstStyle/>
+              <a:p>
+                <a:pPr algn="ctr"/>
+                <a:r>
+                  <a:rPr lang="de-DE" dirty="0"/>
+                  <a:t>Speisekarte</a:t>
+                </a:r>
+                <a:endParaRPr lang="de-DE" sz="1600" dirty="0"/>
+              </a:p>
+            </p:txBody>
+          </p:sp>
+          <p:sp>
+            <p:nvSpPr>
+              <p:cNvPr id="137" name="Rectangle 12">
+                <a:extLst>
+                  <a:ext uri="{FF2B5EF4-FFF2-40B4-BE49-F238E27FC236}">
+                    <a16:creationId xmlns:a16="http://schemas.microsoft.com/office/drawing/2014/main" id="{A6332876-A77C-E90F-D99F-8B6DBBD0EEC9}"/>
+                  </a:ext>
+                </a:extLst>
+              </p:cNvPr>
+              <p:cNvSpPr/>
+              <p:nvPr/>
+            </p:nvSpPr>
+            <p:spPr>
+              <a:xfrm>
+                <a:off x="5678542" y="1078043"/>
+                <a:ext cx="1585169" cy="1760833"/>
+              </a:xfrm>
+              <a:prstGeom prst="rect">
+                <a:avLst/>
+              </a:prstGeom>
+            </p:spPr>
+            <p:style>
+              <a:lnRef idx="2">
+                <a:schemeClr val="accent3">
+                  <a:shade val="50000"/>
+                </a:schemeClr>
+              </a:lnRef>
+              <a:fillRef idx="1">
+                <a:schemeClr val="accent3"/>
+              </a:fillRef>
+              <a:effectRef idx="0">
+                <a:schemeClr val="accent3"/>
+              </a:effectRef>
+              <a:fontRef idx="minor">
+                <a:schemeClr val="lt1"/>
+              </a:fontRef>
+            </p:style>
+            <p:txBody>
+              <a:bodyPr rtlCol="0" anchor="t"/>
+              <a:lstStyle/>
+              <a:p>
+                <a:r>
+                  <a:rPr lang="de-DE" sz="1400" dirty="0"/>
+                  <a:t>Gericht 1 - Preis</a:t>
+                </a:r>
+              </a:p>
+              <a:p>
+                <a:r>
+                  <a:rPr lang="de-DE" sz="1200" dirty="0"/>
+                  <a:t>    - Schinken, Milch</a:t>
+                </a:r>
+              </a:p>
+              <a:p>
+                <a:r>
+                  <a:rPr lang="de-DE" sz="1400" dirty="0"/>
+                  <a:t>Gericht 2 - Preis</a:t>
+                </a:r>
+              </a:p>
+              <a:p>
+                <a:r>
+                  <a:rPr lang="de-DE" sz="1400" dirty="0"/>
+                  <a:t>Gericht 3 - Preis</a:t>
+                </a:r>
+              </a:p>
+              <a:p>
+                <a:r>
+                  <a:rPr lang="de-DE" sz="1400" dirty="0"/>
+                  <a:t>Gericht 4 - Preis</a:t>
+                </a:r>
+              </a:p>
+              <a:p>
+                <a:endParaRPr lang="de-DE" sz="1400" dirty="0"/>
+              </a:p>
+              <a:p>
+                <a:endParaRPr lang="de-DE" sz="1400" dirty="0"/>
+              </a:p>
+            </p:txBody>
+          </p:sp>
+          <p:sp>
+            <p:nvSpPr>
+              <p:cNvPr id="142" name="Rectangle 60">
+                <a:extLst>
+                  <a:ext uri="{FF2B5EF4-FFF2-40B4-BE49-F238E27FC236}">
+                    <a16:creationId xmlns:a16="http://schemas.microsoft.com/office/drawing/2014/main" id="{7F66E57A-C40E-7A6B-62D3-3896CC9C824D}"/>
+                  </a:ext>
+                </a:extLst>
+              </p:cNvPr>
+              <p:cNvSpPr/>
+              <p:nvPr/>
+            </p:nvSpPr>
+            <p:spPr>
+              <a:xfrm>
+                <a:off x="5674570" y="1138659"/>
+                <a:ext cx="1587951" cy="133090"/>
+              </a:xfrm>
+              <a:prstGeom prst="rect">
+                <a:avLst/>
+              </a:prstGeom>
+              <a:noFill/>
+              <a:ln>
+                <a:noFill/>
+              </a:ln>
+            </p:spPr>
+            <p:style>
+              <a:lnRef idx="2">
+                <a:schemeClr val="accent1">
+                  <a:shade val="50000"/>
+                </a:schemeClr>
+              </a:lnRef>
+              <a:fillRef idx="1">
+                <a:schemeClr val="accent1"/>
+              </a:fillRef>
+              <a:effectRef idx="0">
+                <a:schemeClr val="accent1"/>
+              </a:effectRef>
+              <a:fontRef idx="minor">
+                <a:schemeClr val="lt1"/>
+              </a:fontRef>
+            </p:style>
+            <p:txBody>
+              <a:bodyPr rtlCol="0" anchor="ctr"/>
+              <a:lstStyle/>
+              <a:p>
+                <a:pPr algn="ctr"/>
+                <a:endParaRPr lang="de-DE"/>
+              </a:p>
+            </p:txBody>
+          </p:sp>
+          <p:sp>
+            <p:nvSpPr>
+              <p:cNvPr id="143" name="Rectangle 62">
+                <a:extLst>
+                  <a:ext uri="{FF2B5EF4-FFF2-40B4-BE49-F238E27FC236}">
+                    <a16:creationId xmlns:a16="http://schemas.microsoft.com/office/drawing/2014/main" id="{A507E33C-1DE3-D1BA-7E86-197DB64EEF14}"/>
+                  </a:ext>
+                </a:extLst>
+              </p:cNvPr>
+              <p:cNvSpPr/>
+              <p:nvPr/>
+            </p:nvSpPr>
+            <p:spPr>
+              <a:xfrm>
+                <a:off x="5670596" y="1774904"/>
+                <a:ext cx="1587951" cy="133090"/>
+              </a:xfrm>
+              <a:prstGeom prst="rect">
+                <a:avLst/>
+              </a:prstGeom>
+              <a:noFill/>
+              <a:ln>
+                <a:noFill/>
+              </a:ln>
+            </p:spPr>
+            <p:style>
+              <a:lnRef idx="2">
+                <a:schemeClr val="accent1">
+                  <a:shade val="50000"/>
+                </a:schemeClr>
+              </a:lnRef>
+              <a:fillRef idx="1">
+                <a:schemeClr val="accent1"/>
+              </a:fillRef>
+              <a:effectRef idx="0">
+                <a:schemeClr val="accent1"/>
+              </a:effectRef>
+              <a:fontRef idx="minor">
+                <a:schemeClr val="lt1"/>
+              </a:fontRef>
+            </p:style>
+            <p:txBody>
+              <a:bodyPr rtlCol="0" anchor="ctr"/>
+              <a:lstStyle/>
+              <a:p>
+                <a:pPr algn="ctr"/>
+                <a:endParaRPr lang="de-DE"/>
+              </a:p>
+            </p:txBody>
+          </p:sp>
+          <p:sp>
+            <p:nvSpPr>
+              <p:cNvPr id="144" name="Rectangle: Rounded Corners 4">
+                <a:extLst>
+                  <a:ext uri="{FF2B5EF4-FFF2-40B4-BE49-F238E27FC236}">
+                    <a16:creationId xmlns:a16="http://schemas.microsoft.com/office/drawing/2014/main" id="{B1CF2843-5339-1B8C-1645-2187A7F564E6}"/>
+                  </a:ext>
+                </a:extLst>
+              </p:cNvPr>
+              <p:cNvSpPr/>
+              <p:nvPr/>
+            </p:nvSpPr>
+            <p:spPr>
+              <a:xfrm>
+                <a:off x="5734299" y="2475554"/>
+                <a:ext cx="833064" cy="272574"/>
+              </a:xfrm>
+              <a:prstGeom prst="roundRect">
+                <a:avLst/>
+              </a:prstGeom>
+            </p:spPr>
+            <p:style>
+              <a:lnRef idx="2">
+                <a:schemeClr val="accent2">
+                  <a:shade val="50000"/>
+                </a:schemeClr>
+              </a:lnRef>
+              <a:fillRef idx="1">
+                <a:schemeClr val="accent2"/>
+              </a:fillRef>
+              <a:effectRef idx="0">
+                <a:schemeClr val="accent2"/>
+              </a:effectRef>
+              <a:fontRef idx="minor">
+                <a:schemeClr val="lt1"/>
+              </a:fontRef>
+            </p:style>
+            <p:txBody>
+              <a:bodyPr rtlCol="0" anchor="ctr"/>
+              <a:lstStyle/>
+              <a:p>
+                <a:pPr algn="ctr"/>
+                <a:r>
+                  <a:rPr lang="de-DE" sz="1600" dirty="0"/>
+                  <a:t>Zurück</a:t>
+                </a:r>
+              </a:p>
+            </p:txBody>
+          </p:sp>
+        </p:grpSp>
+        <p:sp>
+          <p:nvSpPr>
+            <p:cNvPr id="158" name="Speech Bubble: Rectangle 76">
+              <a:extLst>
+                <a:ext uri="{FF2B5EF4-FFF2-40B4-BE49-F238E27FC236}">
+                  <a16:creationId xmlns:a16="http://schemas.microsoft.com/office/drawing/2014/main" id="{D6CC85D0-8AAF-C78F-5A24-3D2DF85C4849}"/>
+                </a:ext>
+              </a:extLst>
+            </p:cNvPr>
+            <p:cNvSpPr/>
+            <p:nvPr/>
+          </p:nvSpPr>
+          <p:spPr>
+            <a:xfrm>
+              <a:off x="7739750" y="480553"/>
+              <a:ext cx="1639690" cy="1039713"/>
+            </a:xfrm>
+            <a:prstGeom prst="wedgeRectCallout">
+              <a:avLst>
+                <a:gd name="adj1" fmla="val -99145"/>
+                <a:gd name="adj2" fmla="val -13778"/>
+              </a:avLst>
+            </a:prstGeom>
+          </p:spPr>
+          <p:style>
+            <a:lnRef idx="2">
+              <a:schemeClr val="dk1"/>
+            </a:lnRef>
+            <a:fillRef idx="1">
+              <a:schemeClr val="lt1"/>
+            </a:fillRef>
+            <a:effectRef idx="0">
+              <a:schemeClr val="dk1"/>
+            </a:effectRef>
+            <a:fontRef idx="minor">
+              <a:schemeClr val="dk1"/>
+            </a:fontRef>
+          </p:style>
+          <p:txBody>
+            <a:bodyPr rtlCol="0" anchor="ctr"/>
+            <a:lstStyle/>
+            <a:p>
+              <a:pPr algn="ctr"/>
+              <a:r>
+                <a:rPr lang="de-DE" dirty="0"/>
+                <a:t>DropDown der jeweiligen Zutaten</a:t>
+              </a:r>
+            </a:p>
+          </p:txBody>
+        </p:sp>
+      </p:grpSp>
       <p:sp>
         <p:nvSpPr>
           <p:cNvPr id="23" name="Rectangle: Rounded Corners 4">
@@ -10119,6 +9585,150 @@
           </a:p>
         </p:txBody>
       </p:sp>
+      <p:cxnSp>
+        <p:nvCxnSpPr>
+          <p:cNvPr id="14" name="Connector: Curved 16">
+            <a:extLst>
+              <a:ext uri="{FF2B5EF4-FFF2-40B4-BE49-F238E27FC236}">
+                <a16:creationId xmlns:a16="http://schemas.microsoft.com/office/drawing/2014/main" id="{564FFD2A-9DB7-9501-61C7-F9013D494D54}"/>
+              </a:ext>
+            </a:extLst>
+          </p:cNvPr>
+          <p:cNvCxnSpPr>
+            <a:cxnSpLocks/>
+            <a:stCxn id="6" idx="3"/>
+            <a:endCxn id="10" idx="1"/>
+          </p:cNvCxnSpPr>
+          <p:nvPr/>
+        </p:nvCxnSpPr>
+        <p:spPr>
+          <a:xfrm flipV="1">
+            <a:off x="2059320" y="2054325"/>
+            <a:ext cx="1036548" cy="1838501"/>
+          </a:xfrm>
+          <a:prstGeom prst="curvedConnector3">
+            <a:avLst>
+              <a:gd name="adj1" fmla="val 50000"/>
+            </a:avLst>
+          </a:prstGeom>
+          <a:ln w="28575">
+            <a:solidFill>
+              <a:srgbClr val="FF0000"/>
+            </a:solidFill>
+            <a:tailEnd type="triangle"/>
+          </a:ln>
+        </p:spPr>
+        <p:style>
+          <a:lnRef idx="1">
+            <a:schemeClr val="accent1"/>
+          </a:lnRef>
+          <a:fillRef idx="0">
+            <a:schemeClr val="accent1"/>
+          </a:fillRef>
+          <a:effectRef idx="0">
+            <a:schemeClr val="accent1"/>
+          </a:effectRef>
+          <a:fontRef idx="minor">
+            <a:schemeClr val="tx1"/>
+          </a:fontRef>
+        </p:style>
+      </p:cxnSp>
+      <p:cxnSp>
+        <p:nvCxnSpPr>
+          <p:cNvPr id="17" name="Connector: Curved 16">
+            <a:extLst>
+              <a:ext uri="{FF2B5EF4-FFF2-40B4-BE49-F238E27FC236}">
+                <a16:creationId xmlns:a16="http://schemas.microsoft.com/office/drawing/2014/main" id="{0B92EDDB-D310-DA1B-4DBC-E4223B2D7B1E}"/>
+              </a:ext>
+            </a:extLst>
+          </p:cNvPr>
+          <p:cNvCxnSpPr>
+            <a:cxnSpLocks/>
+            <a:stCxn id="9" idx="3"/>
+            <a:endCxn id="10" idx="1"/>
+          </p:cNvCxnSpPr>
+          <p:nvPr/>
+        </p:nvCxnSpPr>
+        <p:spPr>
+          <a:xfrm flipV="1">
+            <a:off x="2059320" y="2054325"/>
+            <a:ext cx="1036548" cy="2183316"/>
+          </a:xfrm>
+          <a:prstGeom prst="curvedConnector3">
+            <a:avLst>
+              <a:gd name="adj1" fmla="val 50000"/>
+            </a:avLst>
+          </a:prstGeom>
+          <a:ln w="28575">
+            <a:solidFill>
+              <a:srgbClr val="FF0000"/>
+            </a:solidFill>
+            <a:tailEnd type="triangle"/>
+          </a:ln>
+        </p:spPr>
+        <p:style>
+          <a:lnRef idx="1">
+            <a:schemeClr val="accent1"/>
+          </a:lnRef>
+          <a:fillRef idx="0">
+            <a:schemeClr val="accent1"/>
+          </a:fillRef>
+          <a:effectRef idx="0">
+            <a:schemeClr val="accent1"/>
+          </a:effectRef>
+          <a:fontRef idx="minor">
+            <a:schemeClr val="tx1"/>
+          </a:fontRef>
+        </p:style>
+      </p:cxnSp>
+      <p:cxnSp>
+        <p:nvCxnSpPr>
+          <p:cNvPr id="26" name="Connector: Curved 16">
+            <a:extLst>
+              <a:ext uri="{FF2B5EF4-FFF2-40B4-BE49-F238E27FC236}">
+                <a16:creationId xmlns:a16="http://schemas.microsoft.com/office/drawing/2014/main" id="{058F4E60-110B-792C-2A4F-4A44DD01513A}"/>
+              </a:ext>
+            </a:extLst>
+          </p:cNvPr>
+          <p:cNvCxnSpPr>
+            <a:cxnSpLocks/>
+            <a:stCxn id="120" idx="3"/>
+            <a:endCxn id="28" idx="1"/>
+          </p:cNvCxnSpPr>
+          <p:nvPr/>
+        </p:nvCxnSpPr>
+        <p:spPr>
+          <a:xfrm>
+            <a:off x="2059320" y="4662557"/>
+            <a:ext cx="2301179" cy="301402"/>
+          </a:xfrm>
+          <a:prstGeom prst="curvedConnector3">
+            <a:avLst>
+              <a:gd name="adj1" fmla="val 50000"/>
+            </a:avLst>
+          </a:prstGeom>
+          <a:ln w="28575">
+            <a:solidFill>
+              <a:srgbClr val="FF0000"/>
+            </a:solidFill>
+            <a:tailEnd type="triangle"/>
+          </a:ln>
+        </p:spPr>
+        <p:style>
+          <a:lnRef idx="1">
+            <a:schemeClr val="accent1"/>
+          </a:lnRef>
+          <a:fillRef idx="0">
+            <a:schemeClr val="accent1"/>
+          </a:fillRef>
+          <a:effectRef idx="0">
+            <a:schemeClr val="accent1"/>
+          </a:effectRef>
+          <a:fontRef idx="minor">
+            <a:schemeClr val="tx1"/>
+          </a:fontRef>
+        </p:style>
+      </p:cxnSp>
     </p:spTree>
     <p:extLst>
       <p:ext uri="{BB962C8B-B14F-4D97-AF65-F5344CB8AC3E}">
@@ -10343,55 +9953,6 @@
           </a:p>
         </p:txBody>
       </p:sp>
-      <p:sp>
-        <p:nvSpPr>
-          <p:cNvPr id="8" name="Rectangle 1">
-            <a:extLst>
-              <a:ext uri="{FF2B5EF4-FFF2-40B4-BE49-F238E27FC236}">
-                <a16:creationId xmlns:a16="http://schemas.microsoft.com/office/drawing/2014/main" id="{F6CE01CD-FAC2-01C6-138F-653DC0338D8E}"/>
-              </a:ext>
-            </a:extLst>
-          </p:cNvPr>
-          <p:cNvSpPr/>
-          <p:nvPr/>
-        </p:nvSpPr>
-        <p:spPr>
-          <a:xfrm>
-            <a:off x="4145791" y="3428999"/>
-            <a:ext cx="1639691" cy="2181363"/>
-          </a:xfrm>
-          <a:prstGeom prst="rect">
-            <a:avLst/>
-          </a:prstGeom>
-        </p:spPr>
-        <p:style>
-          <a:lnRef idx="2">
-            <a:schemeClr val="accent1">
-              <a:shade val="50000"/>
-            </a:schemeClr>
-          </a:lnRef>
-          <a:fillRef idx="1">
-            <a:schemeClr val="accent1"/>
-          </a:fillRef>
-          <a:effectRef idx="0">
-            <a:schemeClr val="accent1"/>
-          </a:effectRef>
-          <a:fontRef idx="minor">
-            <a:schemeClr val="lt1"/>
-          </a:fontRef>
-        </p:style>
-        <p:txBody>
-          <a:bodyPr rtlCol="0" anchor="t"/>
-          <a:lstStyle/>
-          <a:p>
-            <a:pPr algn="ctr"/>
-            <a:r>
-              <a:rPr lang="de-DE" dirty="0"/>
-              <a:t>Restaurant</a:t>
-            </a:r>
-          </a:p>
-        </p:txBody>
-      </p:sp>
       <p:cxnSp>
         <p:nvCxnSpPr>
           <p:cNvPr id="9" name="Connector: Curved 16">
@@ -10404,14 +9965,14 @@
           <p:cNvCxnSpPr>
             <a:cxnSpLocks/>
             <a:stCxn id="7" idx="3"/>
-            <a:endCxn id="8" idx="1"/>
+            <a:endCxn id="22" idx="1"/>
           </p:cNvCxnSpPr>
           <p:nvPr/>
         </p:nvCxnSpPr>
         <p:spPr>
           <a:xfrm>
             <a:off x="2205968" y="3391133"/>
-            <a:ext cx="1939823" cy="1128548"/>
+            <a:ext cx="2031839" cy="807030"/>
           </a:xfrm>
           <a:prstGeom prst="curvedConnector3">
             <a:avLst>
@@ -10442,10 +10003,10 @@
       </p:cxnSp>
       <p:sp>
         <p:nvSpPr>
-          <p:cNvPr id="11" name="Rectangle: Rounded Corners 4">
-            <a:extLst>
-              <a:ext uri="{FF2B5EF4-FFF2-40B4-BE49-F238E27FC236}">
-                <a16:creationId xmlns:a16="http://schemas.microsoft.com/office/drawing/2014/main" id="{15A34155-64D6-84C4-8C0E-3772F5B7870F}"/>
+          <p:cNvPr id="22" name="Rectangle 1">
+            <a:extLst>
+              <a:ext uri="{FF2B5EF4-FFF2-40B4-BE49-F238E27FC236}">
+                <a16:creationId xmlns:a16="http://schemas.microsoft.com/office/drawing/2014/main" id="{D08EB7E3-E9CF-BA71-899C-A356849DE2E6}"/>
               </a:ext>
             </a:extLst>
           </p:cNvPr>
@@ -10454,7 +10015,56 @@
         </p:nvSpPr>
         <p:spPr>
           <a:xfrm>
-            <a:off x="4217227" y="4358921"/>
+            <a:off x="4237807" y="3107481"/>
+            <a:ext cx="1639691" cy="2181363"/>
+          </a:xfrm>
+          <a:prstGeom prst="rect">
+            <a:avLst/>
+          </a:prstGeom>
+        </p:spPr>
+        <p:style>
+          <a:lnRef idx="2">
+            <a:schemeClr val="accent1">
+              <a:shade val="50000"/>
+            </a:schemeClr>
+          </a:lnRef>
+          <a:fillRef idx="1">
+            <a:schemeClr val="accent1"/>
+          </a:fillRef>
+          <a:effectRef idx="0">
+            <a:schemeClr val="accent1"/>
+          </a:effectRef>
+          <a:fontRef idx="minor">
+            <a:schemeClr val="lt1"/>
+          </a:fontRef>
+        </p:style>
+        <p:txBody>
+          <a:bodyPr rtlCol="0" anchor="t"/>
+          <a:lstStyle/>
+          <a:p>
+            <a:pPr algn="ctr"/>
+            <a:r>
+              <a:rPr lang="de-DE" dirty="0"/>
+              <a:t>Einrichten</a:t>
+            </a:r>
+          </a:p>
+        </p:txBody>
+      </p:sp>
+      <p:sp>
+        <p:nvSpPr>
+          <p:cNvPr id="24" name="Rectangle: Rounded Corners 4">
+            <a:extLst>
+              <a:ext uri="{FF2B5EF4-FFF2-40B4-BE49-F238E27FC236}">
+                <a16:creationId xmlns:a16="http://schemas.microsoft.com/office/drawing/2014/main" id="{56F2D96B-48FF-5F19-5357-E042CE9F1BA5}"/>
+              </a:ext>
+            </a:extLst>
+          </p:cNvPr>
+          <p:cNvSpPr/>
+          <p:nvPr/>
+        </p:nvSpPr>
+        <p:spPr>
+          <a:xfrm>
+            <a:off x="4309242" y="4945687"/>
             <a:ext cx="1496817" cy="245786"/>
           </a:xfrm>
           <a:prstGeom prst="roundRect">
@@ -10483,18 +10093,18 @@
           <a:p>
             <a:pPr algn="ctr"/>
             <a:r>
-              <a:rPr lang="de-DE" dirty="0"/>
-              <a:t>Erstellen</a:t>
+              <a:rPr lang="de-DE" sz="1600" dirty="0"/>
+              <a:t>Fertig</a:t>
             </a:r>
           </a:p>
         </p:txBody>
       </p:sp>
       <p:sp>
         <p:nvSpPr>
-          <p:cNvPr id="22" name="Rectangle 1">
-            <a:extLst>
-              <a:ext uri="{FF2B5EF4-FFF2-40B4-BE49-F238E27FC236}">
-                <a16:creationId xmlns:a16="http://schemas.microsoft.com/office/drawing/2014/main" id="{D08EB7E3-E9CF-BA71-899C-A356849DE2E6}"/>
+          <p:cNvPr id="38" name="Rectangle 2">
+            <a:extLst>
+              <a:ext uri="{FF2B5EF4-FFF2-40B4-BE49-F238E27FC236}">
+                <a16:creationId xmlns:a16="http://schemas.microsoft.com/office/drawing/2014/main" id="{203976F3-C6F5-EF65-DC77-ACC3E7BB2BFF}"/>
               </a:ext>
             </a:extLst>
           </p:cNvPr>
@@ -10503,153 +10113,7 @@
         </p:nvSpPr>
         <p:spPr>
           <a:xfrm>
-            <a:off x="7653867" y="4198162"/>
-            <a:ext cx="1639691" cy="2181363"/>
-          </a:xfrm>
-          <a:prstGeom prst="rect">
-            <a:avLst/>
-          </a:prstGeom>
-        </p:spPr>
-        <p:style>
-          <a:lnRef idx="2">
-            <a:schemeClr val="accent1">
-              <a:shade val="50000"/>
-            </a:schemeClr>
-          </a:lnRef>
-          <a:fillRef idx="1">
-            <a:schemeClr val="accent1"/>
-          </a:fillRef>
-          <a:effectRef idx="0">
-            <a:schemeClr val="accent1"/>
-          </a:effectRef>
-          <a:fontRef idx="minor">
-            <a:schemeClr val="lt1"/>
-          </a:fontRef>
-        </p:style>
-        <p:txBody>
-          <a:bodyPr rtlCol="0" anchor="t"/>
-          <a:lstStyle/>
-          <a:p>
-            <a:pPr algn="ctr"/>
-            <a:r>
-              <a:rPr lang="de-DE" dirty="0"/>
-              <a:t>Einrichten</a:t>
-            </a:r>
-          </a:p>
-        </p:txBody>
-      </p:sp>
-      <p:sp>
-        <p:nvSpPr>
-          <p:cNvPr id="24" name="Rectangle: Rounded Corners 4">
-            <a:extLst>
-              <a:ext uri="{FF2B5EF4-FFF2-40B4-BE49-F238E27FC236}">
-                <a16:creationId xmlns:a16="http://schemas.microsoft.com/office/drawing/2014/main" id="{56F2D96B-48FF-5F19-5357-E042CE9F1BA5}"/>
-              </a:ext>
-            </a:extLst>
-          </p:cNvPr>
-          <p:cNvSpPr/>
-          <p:nvPr/>
-        </p:nvSpPr>
-        <p:spPr>
-          <a:xfrm>
-            <a:off x="7725302" y="6036368"/>
-            <a:ext cx="1496817" cy="245786"/>
-          </a:xfrm>
-          <a:prstGeom prst="roundRect">
-            <a:avLst/>
-          </a:prstGeom>
-        </p:spPr>
-        <p:style>
-          <a:lnRef idx="2">
-            <a:schemeClr val="accent2">
-              <a:shade val="50000"/>
-            </a:schemeClr>
-          </a:lnRef>
-          <a:fillRef idx="1">
-            <a:schemeClr val="accent2"/>
-          </a:fillRef>
-          <a:effectRef idx="0">
-            <a:schemeClr val="accent2"/>
-          </a:effectRef>
-          <a:fontRef idx="minor">
-            <a:schemeClr val="lt1"/>
-          </a:fontRef>
-        </p:style>
-        <p:txBody>
-          <a:bodyPr rtlCol="0" anchor="ctr"/>
-          <a:lstStyle/>
-          <a:p>
-            <a:pPr algn="ctr"/>
-            <a:r>
-              <a:rPr lang="de-DE" sz="1600" dirty="0"/>
-              <a:t>Fertig</a:t>
-            </a:r>
-          </a:p>
-        </p:txBody>
-      </p:sp>
-      <p:cxnSp>
-        <p:nvCxnSpPr>
-          <p:cNvPr id="26" name="Connector: Curved 16">
-            <a:extLst>
-              <a:ext uri="{FF2B5EF4-FFF2-40B4-BE49-F238E27FC236}">
-                <a16:creationId xmlns:a16="http://schemas.microsoft.com/office/drawing/2014/main" id="{D5A4A0E5-3545-7D14-7E13-4365EA2E0F31}"/>
-              </a:ext>
-            </a:extLst>
-          </p:cNvPr>
-          <p:cNvCxnSpPr>
-            <a:cxnSpLocks/>
-            <a:stCxn id="11" idx="3"/>
-            <a:endCxn id="22" idx="1"/>
-          </p:cNvCxnSpPr>
-          <p:nvPr/>
-        </p:nvCxnSpPr>
-        <p:spPr>
-          <a:xfrm>
-            <a:off x="5714044" y="4481814"/>
-            <a:ext cx="1939823" cy="807030"/>
-          </a:xfrm>
-          <a:prstGeom prst="curvedConnector3">
-            <a:avLst>
-              <a:gd name="adj1" fmla="val 50000"/>
-            </a:avLst>
-          </a:prstGeom>
-          <a:ln w="28575">
-            <a:solidFill>
-              <a:srgbClr val="FF0000"/>
-            </a:solidFill>
-            <a:tailEnd type="triangle"/>
-          </a:ln>
-        </p:spPr>
-        <p:style>
-          <a:lnRef idx="1">
-            <a:schemeClr val="accent1"/>
-          </a:lnRef>
-          <a:fillRef idx="0">
-            <a:schemeClr val="accent1"/>
-          </a:fillRef>
-          <a:effectRef idx="0">
-            <a:schemeClr val="accent1"/>
-          </a:effectRef>
-          <a:fontRef idx="minor">
-            <a:schemeClr val="tx1"/>
-          </a:fontRef>
-        </p:style>
-      </p:cxnSp>
-      <p:sp>
-        <p:nvSpPr>
-          <p:cNvPr id="38" name="Rectangle 2">
-            <a:extLst>
-              <a:ext uri="{FF2B5EF4-FFF2-40B4-BE49-F238E27FC236}">
-                <a16:creationId xmlns:a16="http://schemas.microsoft.com/office/drawing/2014/main" id="{203976F3-C6F5-EF65-DC77-ACC3E7BB2BFF}"/>
-              </a:ext>
-            </a:extLst>
-          </p:cNvPr>
-          <p:cNvSpPr/>
-          <p:nvPr/>
-        </p:nvSpPr>
-        <p:spPr>
-          <a:xfrm>
-            <a:off x="7725302" y="4710008"/>
+            <a:off x="4309242" y="3619327"/>
             <a:ext cx="1496818" cy="245786"/>
           </a:xfrm>
           <a:prstGeom prst="rect">
@@ -10698,7 +10162,7 @@
         </p:nvSpPr>
         <p:spPr>
           <a:xfrm>
-            <a:off x="7725302" y="5034278"/>
+            <a:off x="4309242" y="3943597"/>
             <a:ext cx="1496818" cy="245786"/>
           </a:xfrm>
           <a:prstGeom prst="rect">
@@ -10747,7 +10211,7 @@
         </p:nvSpPr>
         <p:spPr>
           <a:xfrm>
-            <a:off x="7725302" y="5358548"/>
+            <a:off x="4309242" y="4267867"/>
             <a:ext cx="1496818" cy="245786"/>
           </a:xfrm>
           <a:prstGeom prst="rect">
@@ -10796,7 +10260,7 @@
         </p:nvSpPr>
         <p:spPr>
           <a:xfrm>
-            <a:off x="7725302" y="5697458"/>
+            <a:off x="4309242" y="4606777"/>
             <a:ext cx="1496818" cy="245786"/>
           </a:xfrm>
           <a:prstGeom prst="rect">
@@ -10848,8 +10312,8 @@
         </p:nvCxnSpPr>
         <p:spPr>
           <a:xfrm flipV="1">
-            <a:off x="9222119" y="4770408"/>
-            <a:ext cx="2969881" cy="1388853"/>
+            <a:off x="5806059" y="3391133"/>
+            <a:ext cx="6385941" cy="1677447"/>
           </a:xfrm>
           <a:prstGeom prst="curvedConnector3">
             <a:avLst>
@@ -11235,7 +10699,7 @@
         <p:spPr>
           <a:xfrm>
             <a:off x="637715" y="2338318"/>
-            <a:ext cx="1639691" cy="2181363"/>
+            <a:ext cx="1639691" cy="2276814"/>
           </a:xfrm>
           <a:prstGeom prst="rect">
             <a:avLst/>
@@ -11314,7 +10778,7 @@
         <p:spPr>
           <a:xfrm>
             <a:off x="0" y="3107481"/>
-            <a:ext cx="637715" cy="321519"/>
+            <a:ext cx="637715" cy="369244"/>
           </a:xfrm>
           <a:prstGeom prst="curvedConnector3">
             <a:avLst>
@@ -11560,42 +11024,12 @@
           </a:p>
         </p:txBody>
       </p:sp>
-    </p:spTree>
-    <p:extLst>
-      <p:ext uri="{BB962C8B-B14F-4D97-AF65-F5344CB8AC3E}">
-        <p14:creationId xmlns:p14="http://schemas.microsoft.com/office/powerpoint/2010/main" val="198200983"/>
-      </p:ext>
-    </p:extLst>
-  </p:cSld>
-  <p:clrMapOvr>
-    <a:masterClrMapping/>
-  </p:clrMapOvr>
-</p:sld>
-</file>
-
-<file path=ppt/slides/slide5.xml><?xml version="1.0" encoding="utf-8"?>
-<p:sld xmlns:a="http://schemas.openxmlformats.org/drawingml/2006/main" xmlns:r="http://schemas.openxmlformats.org/officeDocument/2006/relationships" xmlns:p="http://schemas.openxmlformats.org/presentationml/2006/main">
-  <p:cSld>
-    <p:spTree>
-      <p:nvGrpSpPr>
-        <p:cNvPr id="1" name=""/>
-        <p:cNvGrpSpPr/>
-        <p:nvPr/>
-      </p:nvGrpSpPr>
-      <p:grpSpPr>
-        <a:xfrm>
-          <a:off x="0" y="0"/>
-          <a:ext cx="0" cy="0"/>
-          <a:chOff x="0" y="0"/>
-          <a:chExt cx="0" cy="0"/>
-        </a:xfrm>
-      </p:grpSpPr>
       <p:sp>
         <p:nvSpPr>
-          <p:cNvPr id="25" name="Rectangle 24">
-            <a:extLst>
-              <a:ext uri="{FF2B5EF4-FFF2-40B4-BE49-F238E27FC236}">
-                <a16:creationId xmlns:a16="http://schemas.microsoft.com/office/drawing/2014/main" id="{B5C5A9BC-1E95-4762-9250-AB95FF64365C}"/>
+          <p:cNvPr id="4" name="Rectangle: Rounded Corners 4">
+            <a:extLst>
+              <a:ext uri="{FF2B5EF4-FFF2-40B4-BE49-F238E27FC236}">
+                <a16:creationId xmlns:a16="http://schemas.microsoft.com/office/drawing/2014/main" id="{FF98F0F3-5FD0-4E98-6442-06D0F8470F70}"/>
               </a:ext>
             </a:extLst>
           </p:cNvPr>
@@ -11604,212 +11038,8 @@
         </p:nvSpPr>
         <p:spPr>
           <a:xfrm>
-            <a:off x="5865412" y="3756828"/>
-            <a:ext cx="2266122" cy="2940325"/>
-          </a:xfrm>
-          <a:prstGeom prst="rect">
-            <a:avLst/>
-          </a:prstGeom>
-        </p:spPr>
-        <p:style>
-          <a:lnRef idx="2">
-            <a:schemeClr val="accent1">
-              <a:shade val="50000"/>
-            </a:schemeClr>
-          </a:lnRef>
-          <a:fillRef idx="1">
-            <a:schemeClr val="accent1"/>
-          </a:fillRef>
-          <a:effectRef idx="0">
-            <a:schemeClr val="accent1"/>
-          </a:effectRef>
-          <a:fontRef idx="minor">
-            <a:schemeClr val="lt1"/>
-          </a:fontRef>
-        </p:style>
-        <p:txBody>
-          <a:bodyPr rtlCol="0" anchor="t"/>
-          <a:lstStyle/>
-          <a:p>
-            <a:pPr algn="ctr"/>
-            <a:r>
-              <a:rPr lang="de-DE" dirty="0"/>
-              <a:t>Einstellungen</a:t>
-            </a:r>
-          </a:p>
-        </p:txBody>
-      </p:sp>
-      <p:sp>
-        <p:nvSpPr>
-          <p:cNvPr id="2" name="Rectangle 1">
-            <a:extLst>
-              <a:ext uri="{FF2B5EF4-FFF2-40B4-BE49-F238E27FC236}">
-                <a16:creationId xmlns:a16="http://schemas.microsoft.com/office/drawing/2014/main" id="{280E33A1-E32B-4EF2-BA84-FEBCAC6F66F5}"/>
-              </a:ext>
-            </a:extLst>
-          </p:cNvPr>
-          <p:cNvSpPr/>
-          <p:nvPr/>
-        </p:nvSpPr>
-        <p:spPr>
-          <a:xfrm>
-            <a:off x="190831" y="1958837"/>
-            <a:ext cx="2266122" cy="2940325"/>
-          </a:xfrm>
-          <a:prstGeom prst="rect">
-            <a:avLst/>
-          </a:prstGeom>
-        </p:spPr>
-        <p:style>
-          <a:lnRef idx="2">
-            <a:schemeClr val="accent1">
-              <a:shade val="50000"/>
-            </a:schemeClr>
-          </a:lnRef>
-          <a:fillRef idx="1">
-            <a:schemeClr val="accent1"/>
-          </a:fillRef>
-          <a:effectRef idx="0">
-            <a:schemeClr val="accent1"/>
-          </a:effectRef>
-          <a:fontRef idx="minor">
-            <a:schemeClr val="lt1"/>
-          </a:fontRef>
-        </p:style>
-        <p:txBody>
-          <a:bodyPr rtlCol="0" anchor="t"/>
-          <a:lstStyle/>
-          <a:p>
-            <a:pPr algn="ctr"/>
-            <a:r>
-              <a:rPr lang="de-DE" dirty="0"/>
-              <a:t>Meine </a:t>
-            </a:r>
-            <a:r>
-              <a:rPr lang="de-DE" dirty="0" err="1"/>
-              <a:t>ToDo</a:t>
-            </a:r>
-            <a:r>
-              <a:rPr lang="de-DE" dirty="0"/>
-              <a:t>-App</a:t>
-            </a:r>
-          </a:p>
-        </p:txBody>
-      </p:sp>
-      <p:sp>
-        <p:nvSpPr>
-          <p:cNvPr id="3" name="Rectangle 2">
-            <a:extLst>
-              <a:ext uri="{FF2B5EF4-FFF2-40B4-BE49-F238E27FC236}">
-                <a16:creationId xmlns:a16="http://schemas.microsoft.com/office/drawing/2014/main" id="{255D5950-7DDC-4EE2-8A8F-AD95CA12B249}"/>
-              </a:ext>
-            </a:extLst>
-          </p:cNvPr>
-          <p:cNvSpPr/>
-          <p:nvPr/>
-        </p:nvSpPr>
-        <p:spPr>
-          <a:xfrm>
-            <a:off x="298173" y="2463584"/>
-            <a:ext cx="2068665" cy="331303"/>
-          </a:xfrm>
-          <a:prstGeom prst="rect">
-            <a:avLst/>
-          </a:prstGeom>
-        </p:spPr>
-        <p:style>
-          <a:lnRef idx="2">
-            <a:schemeClr val="accent6">
-              <a:shade val="50000"/>
-            </a:schemeClr>
-          </a:lnRef>
-          <a:fillRef idx="1">
-            <a:schemeClr val="accent6"/>
-          </a:fillRef>
-          <a:effectRef idx="0">
-            <a:schemeClr val="accent6"/>
-          </a:effectRef>
-          <a:fontRef idx="minor">
-            <a:schemeClr val="lt1"/>
-          </a:fontRef>
-        </p:style>
-        <p:txBody>
-          <a:bodyPr rtlCol="0" anchor="ctr"/>
-          <a:lstStyle/>
-          <a:p>
-            <a:pPr algn="ctr"/>
-            <a:r>
-              <a:rPr lang="de-DE" dirty="0"/>
-              <a:t>User</a:t>
-            </a:r>
-          </a:p>
-        </p:txBody>
-      </p:sp>
-      <p:sp>
-        <p:nvSpPr>
-          <p:cNvPr id="4" name="Rectangle 3">
-            <a:extLst>
-              <a:ext uri="{FF2B5EF4-FFF2-40B4-BE49-F238E27FC236}">
-                <a16:creationId xmlns:a16="http://schemas.microsoft.com/office/drawing/2014/main" id="{C261AF38-C9CC-4858-A270-349DB4816159}"/>
-              </a:ext>
-            </a:extLst>
-          </p:cNvPr>
-          <p:cNvSpPr/>
-          <p:nvPr/>
-        </p:nvSpPr>
-        <p:spPr>
-          <a:xfrm>
-            <a:off x="298173" y="2942484"/>
-            <a:ext cx="2068665" cy="331303"/>
-          </a:xfrm>
-          <a:prstGeom prst="rect">
-            <a:avLst/>
-          </a:prstGeom>
-        </p:spPr>
-        <p:style>
-          <a:lnRef idx="2">
-            <a:schemeClr val="accent6">
-              <a:shade val="50000"/>
-            </a:schemeClr>
-          </a:lnRef>
-          <a:fillRef idx="1">
-            <a:schemeClr val="accent6"/>
-          </a:fillRef>
-          <a:effectRef idx="0">
-            <a:schemeClr val="accent6"/>
-          </a:effectRef>
-          <a:fontRef idx="minor">
-            <a:schemeClr val="lt1"/>
-          </a:fontRef>
-        </p:style>
-        <p:txBody>
-          <a:bodyPr rtlCol="0" anchor="ctr"/>
-          <a:lstStyle/>
-          <a:p>
-            <a:pPr algn="ctr"/>
-            <a:r>
-              <a:rPr lang="de-DE" dirty="0"/>
-              <a:t>Password</a:t>
-            </a:r>
-          </a:p>
-        </p:txBody>
-      </p:sp>
-      <p:sp>
-        <p:nvSpPr>
-          <p:cNvPr id="5" name="Rectangle: Rounded Corners 4">
-            <a:extLst>
-              <a:ext uri="{FF2B5EF4-FFF2-40B4-BE49-F238E27FC236}">
-                <a16:creationId xmlns:a16="http://schemas.microsoft.com/office/drawing/2014/main" id="{5E723C2E-D681-40D6-9EB4-87851632CF14}"/>
-              </a:ext>
-            </a:extLst>
-          </p:cNvPr>
-          <p:cNvSpPr/>
-          <p:nvPr/>
-        </p:nvSpPr>
-        <p:spPr>
-          <a:xfrm>
-            <a:off x="298173" y="3421384"/>
-            <a:ext cx="2068664" cy="331302"/>
+            <a:off x="709151" y="4128776"/>
+            <a:ext cx="1496817" cy="245786"/>
           </a:xfrm>
           <a:prstGeom prst="roundRect">
             <a:avLst/>
@@ -11837,18 +11067,18 @@
           <a:p>
             <a:pPr algn="ctr"/>
             <a:r>
-              <a:rPr lang="de-DE" dirty="0"/>
-              <a:t>Login</a:t>
+              <a:rPr lang="de-DE" sz="1200" dirty="0"/>
+              <a:t>Zur Mitarbeiterseite</a:t>
             </a:r>
           </a:p>
         </p:txBody>
       </p:sp>
       <p:sp>
         <p:nvSpPr>
-          <p:cNvPr id="6" name="Rectangle 5">
-            <a:extLst>
-              <a:ext uri="{FF2B5EF4-FFF2-40B4-BE49-F238E27FC236}">
-                <a16:creationId xmlns:a16="http://schemas.microsoft.com/office/drawing/2014/main" id="{BFE65EA0-BEC8-46FD-A9CA-6226680EF260}"/>
+          <p:cNvPr id="11" name="Speech Bubble: Rectangle 76">
+            <a:extLst>
+              <a:ext uri="{FF2B5EF4-FFF2-40B4-BE49-F238E27FC236}">
+                <a16:creationId xmlns:a16="http://schemas.microsoft.com/office/drawing/2014/main" id="{FD2DC216-6286-063C-EF40-E5D90FE22CA3}"/>
               </a:ext>
             </a:extLst>
           </p:cNvPr>
@@ -11857,1542 +11087,13 @@
         </p:nvSpPr>
         <p:spPr>
           <a:xfrm>
-            <a:off x="2843917" y="1958837"/>
-            <a:ext cx="2266122" cy="2940325"/>
-          </a:xfrm>
-          <a:prstGeom prst="rect">
-            <a:avLst/>
-          </a:prstGeom>
-        </p:spPr>
-        <p:style>
-          <a:lnRef idx="2">
-            <a:schemeClr val="accent1">
-              <a:shade val="50000"/>
-            </a:schemeClr>
-          </a:lnRef>
-          <a:fillRef idx="1">
-            <a:schemeClr val="accent1"/>
-          </a:fillRef>
-          <a:effectRef idx="0">
-            <a:schemeClr val="accent1"/>
-          </a:effectRef>
-          <a:fontRef idx="minor">
-            <a:schemeClr val="lt1"/>
-          </a:fontRef>
-        </p:style>
-        <p:txBody>
-          <a:bodyPr rtlCol="0" anchor="t"/>
-          <a:lstStyle/>
-          <a:p>
-            <a:pPr algn="ctr"/>
-            <a:r>
-              <a:rPr lang="de-DE" dirty="0"/>
-              <a:t>Hauptmenü</a:t>
-            </a:r>
-          </a:p>
-        </p:txBody>
-      </p:sp>
-      <p:sp>
-        <p:nvSpPr>
-          <p:cNvPr id="9" name="Rectangle: Rounded Corners 8">
-            <a:extLst>
-              <a:ext uri="{FF2B5EF4-FFF2-40B4-BE49-F238E27FC236}">
-                <a16:creationId xmlns:a16="http://schemas.microsoft.com/office/drawing/2014/main" id="{0C9D06B0-E302-4853-A739-94F9E29A968C}"/>
-              </a:ext>
-            </a:extLst>
-          </p:cNvPr>
-          <p:cNvSpPr/>
-          <p:nvPr/>
-        </p:nvSpPr>
-        <p:spPr>
-          <a:xfrm>
-            <a:off x="2983065" y="2427801"/>
-            <a:ext cx="2010354" cy="331302"/>
-          </a:xfrm>
-          <a:prstGeom prst="roundRect">
-            <a:avLst/>
-          </a:prstGeom>
-        </p:spPr>
-        <p:style>
-          <a:lnRef idx="2">
-            <a:schemeClr val="accent2">
-              <a:shade val="50000"/>
-            </a:schemeClr>
-          </a:lnRef>
-          <a:fillRef idx="1">
-            <a:schemeClr val="accent2"/>
-          </a:fillRef>
-          <a:effectRef idx="0">
-            <a:schemeClr val="accent2"/>
-          </a:effectRef>
-          <a:fontRef idx="minor">
-            <a:schemeClr val="lt1"/>
-          </a:fontRef>
-        </p:style>
-        <p:txBody>
-          <a:bodyPr rtlCol="0" anchor="ctr"/>
-          <a:lstStyle/>
-          <a:p>
-            <a:pPr algn="ctr"/>
-            <a:r>
-              <a:rPr lang="de-DE" dirty="0"/>
-              <a:t>Meine Aufgaben</a:t>
-            </a:r>
-          </a:p>
-        </p:txBody>
-      </p:sp>
-      <p:sp>
-        <p:nvSpPr>
-          <p:cNvPr id="10" name="Rectangle: Rounded Corners 9">
-            <a:extLst>
-              <a:ext uri="{FF2B5EF4-FFF2-40B4-BE49-F238E27FC236}">
-                <a16:creationId xmlns:a16="http://schemas.microsoft.com/office/drawing/2014/main" id="{7A8D631A-FA9D-4266-BB51-7B8BD3A247C5}"/>
-              </a:ext>
-            </a:extLst>
-          </p:cNvPr>
-          <p:cNvSpPr/>
-          <p:nvPr/>
-        </p:nvSpPr>
-        <p:spPr>
-          <a:xfrm>
-            <a:off x="2983065" y="2872246"/>
-            <a:ext cx="2010354" cy="331302"/>
-          </a:xfrm>
-          <a:prstGeom prst="roundRect">
-            <a:avLst/>
-          </a:prstGeom>
-        </p:spPr>
-        <p:style>
-          <a:lnRef idx="2">
-            <a:schemeClr val="accent2">
-              <a:shade val="50000"/>
-            </a:schemeClr>
-          </a:lnRef>
-          <a:fillRef idx="1">
-            <a:schemeClr val="accent2"/>
-          </a:fillRef>
-          <a:effectRef idx="0">
-            <a:schemeClr val="accent2"/>
-          </a:effectRef>
-          <a:fontRef idx="minor">
-            <a:schemeClr val="lt1"/>
-          </a:fontRef>
-        </p:style>
-        <p:txBody>
-          <a:bodyPr rtlCol="0" anchor="ctr"/>
-          <a:lstStyle/>
-          <a:p>
-            <a:pPr algn="ctr"/>
-            <a:r>
-              <a:rPr lang="de-DE" dirty="0"/>
-              <a:t>Einstellungen</a:t>
-            </a:r>
-          </a:p>
-        </p:txBody>
-      </p:sp>
-      <p:sp>
-        <p:nvSpPr>
-          <p:cNvPr id="12" name="Rectangle 11">
-            <a:extLst>
-              <a:ext uri="{FF2B5EF4-FFF2-40B4-BE49-F238E27FC236}">
-                <a16:creationId xmlns:a16="http://schemas.microsoft.com/office/drawing/2014/main" id="{C8BE2D6A-F597-4B06-A49A-22E3D24B0185}"/>
-              </a:ext>
-            </a:extLst>
-          </p:cNvPr>
-          <p:cNvSpPr/>
-          <p:nvPr/>
-        </p:nvSpPr>
-        <p:spPr>
-          <a:xfrm>
-            <a:off x="5865412" y="389284"/>
-            <a:ext cx="2266122" cy="2940325"/>
-          </a:xfrm>
-          <a:prstGeom prst="rect">
-            <a:avLst/>
-          </a:prstGeom>
-        </p:spPr>
-        <p:style>
-          <a:lnRef idx="2">
-            <a:schemeClr val="accent1">
-              <a:shade val="50000"/>
-            </a:schemeClr>
-          </a:lnRef>
-          <a:fillRef idx="1">
-            <a:schemeClr val="accent1"/>
-          </a:fillRef>
-          <a:effectRef idx="0">
-            <a:schemeClr val="accent1"/>
-          </a:effectRef>
-          <a:fontRef idx="minor">
-            <a:schemeClr val="lt1"/>
-          </a:fontRef>
-        </p:style>
-        <p:txBody>
-          <a:bodyPr rtlCol="0" anchor="t"/>
-          <a:lstStyle/>
-          <a:p>
-            <a:pPr algn="ctr"/>
-            <a:r>
-              <a:rPr lang="de-DE" dirty="0"/>
-              <a:t>Meine Aufgaben</a:t>
-            </a:r>
-          </a:p>
-        </p:txBody>
-      </p:sp>
-      <p:sp>
-        <p:nvSpPr>
-          <p:cNvPr id="13" name="Rectangle 12">
-            <a:extLst>
-              <a:ext uri="{FF2B5EF4-FFF2-40B4-BE49-F238E27FC236}">
-                <a16:creationId xmlns:a16="http://schemas.microsoft.com/office/drawing/2014/main" id="{39A8923C-F9B0-4700-87B6-454C5E2B7A6C}"/>
-              </a:ext>
-            </a:extLst>
-          </p:cNvPr>
-          <p:cNvSpPr/>
-          <p:nvPr/>
-        </p:nvSpPr>
-        <p:spPr>
-          <a:xfrm>
-            <a:off x="5865412" y="812362"/>
-            <a:ext cx="2266122" cy="2517248"/>
-          </a:xfrm>
-          <a:prstGeom prst="rect">
-            <a:avLst/>
-          </a:prstGeom>
-        </p:spPr>
-        <p:style>
-          <a:lnRef idx="2">
-            <a:schemeClr val="accent3">
-              <a:shade val="50000"/>
-            </a:schemeClr>
-          </a:lnRef>
-          <a:fillRef idx="1">
-            <a:schemeClr val="accent3"/>
-          </a:fillRef>
-          <a:effectRef idx="0">
-            <a:schemeClr val="accent3"/>
-          </a:effectRef>
-          <a:fontRef idx="minor">
-            <a:schemeClr val="lt1"/>
-          </a:fontRef>
-        </p:style>
-        <p:txBody>
-          <a:bodyPr rtlCol="0" anchor="t"/>
-          <a:lstStyle/>
-          <a:p>
-            <a:r>
-              <a:rPr lang="de-DE" sz="1400" dirty="0"/>
-              <a:t>Rasen mähen, 23.10.2020</a:t>
-            </a:r>
-          </a:p>
-          <a:p>
-            <a:r>
-              <a:rPr lang="de-DE" sz="1400" dirty="0"/>
-              <a:t>Einkaufen, 24.10.2020</a:t>
-            </a:r>
-          </a:p>
-          <a:p>
-            <a:r>
-              <a:rPr lang="de-DE" sz="1400" dirty="0"/>
-              <a:t>Lernen, 24.10.2020</a:t>
-            </a:r>
-          </a:p>
-          <a:p>
-            <a:r>
-              <a:rPr lang="de-DE" sz="1400" dirty="0"/>
-              <a:t>Chillen, 25.10.2020</a:t>
-            </a:r>
-          </a:p>
-        </p:txBody>
-      </p:sp>
-      <p:sp>
-        <p:nvSpPr>
-          <p:cNvPr id="14" name="Rectangle: Rounded Corners 13">
-            <a:extLst>
-              <a:ext uri="{FF2B5EF4-FFF2-40B4-BE49-F238E27FC236}">
-                <a16:creationId xmlns:a16="http://schemas.microsoft.com/office/drawing/2014/main" id="{F9EBC805-31EC-4A91-8057-1111FC2483E9}"/>
-              </a:ext>
-            </a:extLst>
-          </p:cNvPr>
-          <p:cNvSpPr/>
-          <p:nvPr/>
-        </p:nvSpPr>
-        <p:spPr>
-          <a:xfrm>
-            <a:off x="6933538" y="2658387"/>
-            <a:ext cx="1094630" cy="545161"/>
-          </a:xfrm>
-          <a:prstGeom prst="roundRect">
-            <a:avLst/>
-          </a:prstGeom>
-        </p:spPr>
-        <p:style>
-          <a:lnRef idx="2">
-            <a:schemeClr val="accent2">
-              <a:shade val="50000"/>
-            </a:schemeClr>
-          </a:lnRef>
-          <a:fillRef idx="1">
-            <a:schemeClr val="accent2"/>
-          </a:fillRef>
-          <a:effectRef idx="0">
-            <a:schemeClr val="accent2"/>
-          </a:effectRef>
-          <a:fontRef idx="minor">
-            <a:schemeClr val="lt1"/>
-          </a:fontRef>
-        </p:style>
-        <p:txBody>
-          <a:bodyPr rtlCol="0" anchor="ctr"/>
-          <a:lstStyle/>
-          <a:p>
-            <a:pPr algn="ctr"/>
-            <a:r>
-              <a:rPr lang="de-DE" dirty="0"/>
-              <a:t>Aufgabe anlegen</a:t>
-            </a:r>
-          </a:p>
-        </p:txBody>
-      </p:sp>
-      <p:cxnSp>
-        <p:nvCxnSpPr>
-          <p:cNvPr id="16" name="Connector: Curved 15">
-            <a:extLst>
-              <a:ext uri="{FF2B5EF4-FFF2-40B4-BE49-F238E27FC236}">
-                <a16:creationId xmlns:a16="http://schemas.microsoft.com/office/drawing/2014/main" id="{F8B844C8-E025-4D32-A0AF-720D5B2C0461}"/>
-              </a:ext>
-            </a:extLst>
-          </p:cNvPr>
-          <p:cNvCxnSpPr>
-            <a:cxnSpLocks/>
-            <a:stCxn id="5" idx="3"/>
-            <a:endCxn id="6" idx="1"/>
-          </p:cNvCxnSpPr>
-          <p:nvPr/>
-        </p:nvCxnSpPr>
-        <p:spPr>
-          <a:xfrm flipV="1">
-            <a:off x="2366837" y="3429000"/>
-            <a:ext cx="477080" cy="158035"/>
-          </a:xfrm>
-          <a:prstGeom prst="curvedConnector3">
-            <a:avLst/>
-          </a:prstGeom>
-          <a:ln w="28575">
-            <a:solidFill>
-              <a:srgbClr val="FF0000"/>
-            </a:solidFill>
-            <a:tailEnd type="triangle"/>
-          </a:ln>
-        </p:spPr>
-        <p:style>
-          <a:lnRef idx="1">
-            <a:schemeClr val="accent1"/>
-          </a:lnRef>
-          <a:fillRef idx="0">
-            <a:schemeClr val="accent1"/>
-          </a:fillRef>
-          <a:effectRef idx="0">
-            <a:schemeClr val="accent1"/>
-          </a:effectRef>
-          <a:fontRef idx="minor">
-            <a:schemeClr val="tx1"/>
-          </a:fontRef>
-        </p:style>
-      </p:cxnSp>
-      <p:cxnSp>
-        <p:nvCxnSpPr>
-          <p:cNvPr id="17" name="Connector: Curved 16">
-            <a:extLst>
-              <a:ext uri="{FF2B5EF4-FFF2-40B4-BE49-F238E27FC236}">
-                <a16:creationId xmlns:a16="http://schemas.microsoft.com/office/drawing/2014/main" id="{2BC6B549-92DB-46CB-ABA0-0B99EF8E61D4}"/>
-              </a:ext>
-            </a:extLst>
-          </p:cNvPr>
-          <p:cNvCxnSpPr>
-            <a:cxnSpLocks/>
-            <a:stCxn id="9" idx="3"/>
-            <a:endCxn id="13" idx="1"/>
-          </p:cNvCxnSpPr>
-          <p:nvPr/>
-        </p:nvCxnSpPr>
-        <p:spPr>
-          <a:xfrm flipV="1">
-            <a:off x="4993419" y="2070986"/>
-            <a:ext cx="871993" cy="522466"/>
-          </a:xfrm>
-          <a:prstGeom prst="curvedConnector3">
-            <a:avLst/>
-          </a:prstGeom>
-          <a:ln w="28575">
-            <a:solidFill>
-              <a:srgbClr val="FF0000"/>
-            </a:solidFill>
-            <a:tailEnd type="triangle"/>
-          </a:ln>
-        </p:spPr>
-        <p:style>
-          <a:lnRef idx="1">
-            <a:schemeClr val="accent1"/>
-          </a:lnRef>
-          <a:fillRef idx="0">
-            <a:schemeClr val="accent1"/>
-          </a:fillRef>
-          <a:effectRef idx="0">
-            <a:schemeClr val="accent1"/>
-          </a:effectRef>
-          <a:fontRef idx="minor">
-            <a:schemeClr val="tx1"/>
-          </a:fontRef>
-        </p:style>
-      </p:cxnSp>
-      <p:pic>
-        <p:nvPicPr>
-          <p:cNvPr id="21" name="Graphic 20" descr="Checklist">
-            <a:extLst>
-              <a:ext uri="{FF2B5EF4-FFF2-40B4-BE49-F238E27FC236}">
-                <a16:creationId xmlns:a16="http://schemas.microsoft.com/office/drawing/2014/main" id="{E500B9A6-46BA-499F-8EDD-73FA2807FC5B}"/>
-              </a:ext>
-            </a:extLst>
-          </p:cNvPr>
-          <p:cNvPicPr>
-            <a:picLocks noChangeAspect="1"/>
-          </p:cNvPicPr>
-          <p:nvPr/>
-        </p:nvPicPr>
-        <p:blipFill>
-          <a:blip r:embed="rId2">
-            <a:extLst>
-              <a:ext uri="{96DAC541-7B7A-43D3-8B79-37D633B846F1}">
-                <asvg:svgBlip xmlns:asvg="http://schemas.microsoft.com/office/drawing/2016/SVG/main" r:embed="rId3"/>
-              </a:ext>
-            </a:extLst>
-          </a:blip>
-          <a:stretch>
-            <a:fillRect/>
-          </a:stretch>
-        </p:blipFill>
-        <p:spPr>
-          <a:xfrm>
-            <a:off x="3291837" y="3468265"/>
-            <a:ext cx="1364973" cy="1364973"/>
-          </a:xfrm>
-          <a:prstGeom prst="rect">
-            <a:avLst/>
-          </a:prstGeom>
-        </p:spPr>
-      </p:pic>
-      <p:cxnSp>
-        <p:nvCxnSpPr>
-          <p:cNvPr id="28" name="Connector: Curved 27">
-            <a:extLst>
-              <a:ext uri="{FF2B5EF4-FFF2-40B4-BE49-F238E27FC236}">
-                <a16:creationId xmlns:a16="http://schemas.microsoft.com/office/drawing/2014/main" id="{72D349F1-5211-4306-B876-6D5D03731570}"/>
-              </a:ext>
-            </a:extLst>
-          </p:cNvPr>
-          <p:cNvCxnSpPr>
-            <a:cxnSpLocks/>
-            <a:stCxn id="10" idx="3"/>
-            <a:endCxn id="25" idx="1"/>
-          </p:cNvCxnSpPr>
-          <p:nvPr/>
-        </p:nvCxnSpPr>
-        <p:spPr>
-          <a:xfrm>
-            <a:off x="4993419" y="3037897"/>
-            <a:ext cx="871993" cy="2189094"/>
-          </a:xfrm>
-          <a:prstGeom prst="curvedConnector3">
-            <a:avLst/>
-          </a:prstGeom>
-          <a:ln w="28575">
-            <a:solidFill>
-              <a:srgbClr val="FF0000"/>
-            </a:solidFill>
-            <a:tailEnd type="triangle"/>
-          </a:ln>
-        </p:spPr>
-        <p:style>
-          <a:lnRef idx="1">
-            <a:schemeClr val="accent1"/>
-          </a:lnRef>
-          <a:fillRef idx="0">
-            <a:schemeClr val="accent1"/>
-          </a:fillRef>
-          <a:effectRef idx="0">
-            <a:schemeClr val="accent1"/>
-          </a:effectRef>
-          <a:fontRef idx="minor">
-            <a:schemeClr val="tx1"/>
-          </a:fontRef>
-        </p:style>
-      </p:cxnSp>
-      <p:sp>
-        <p:nvSpPr>
-          <p:cNvPr id="31" name="Rectangle 30">
-            <a:extLst>
-              <a:ext uri="{FF2B5EF4-FFF2-40B4-BE49-F238E27FC236}">
-                <a16:creationId xmlns:a16="http://schemas.microsoft.com/office/drawing/2014/main" id="{3BE8C57C-0A9C-4742-9BD9-D272751DBE6A}"/>
-              </a:ext>
-            </a:extLst>
-          </p:cNvPr>
-          <p:cNvSpPr/>
-          <p:nvPr/>
-        </p:nvSpPr>
-        <p:spPr>
-          <a:xfrm>
-            <a:off x="5982032" y="4230093"/>
-            <a:ext cx="1370275" cy="302150"/>
-          </a:xfrm>
-          <a:prstGeom prst="rect">
-            <a:avLst/>
-          </a:prstGeom>
-          <a:noFill/>
-          <a:ln>
-            <a:noFill/>
-          </a:ln>
-        </p:spPr>
-        <p:style>
-          <a:lnRef idx="2">
-            <a:schemeClr val="accent1">
-              <a:shade val="50000"/>
-            </a:schemeClr>
-          </a:lnRef>
-          <a:fillRef idx="1">
-            <a:schemeClr val="accent1"/>
-          </a:fillRef>
-          <a:effectRef idx="0">
-            <a:schemeClr val="accent1"/>
-          </a:effectRef>
-          <a:fontRef idx="minor">
-            <a:schemeClr val="lt1"/>
-          </a:fontRef>
-        </p:style>
-        <p:txBody>
-          <a:bodyPr rtlCol="0" anchor="ctr"/>
-          <a:lstStyle/>
-          <a:p>
-            <a:r>
-              <a:rPr lang="de-DE" dirty="0"/>
-              <a:t>Farbschema:</a:t>
-            </a:r>
-          </a:p>
-        </p:txBody>
-      </p:sp>
-      <p:sp>
-        <p:nvSpPr>
-          <p:cNvPr id="32" name="Rectangle 31">
-            <a:extLst>
-              <a:ext uri="{FF2B5EF4-FFF2-40B4-BE49-F238E27FC236}">
-                <a16:creationId xmlns:a16="http://schemas.microsoft.com/office/drawing/2014/main" id="{285B06B6-06DF-40BD-9AD4-28C89DD7061C}"/>
-              </a:ext>
-            </a:extLst>
-          </p:cNvPr>
-          <p:cNvSpPr/>
-          <p:nvPr/>
-        </p:nvSpPr>
-        <p:spPr>
-          <a:xfrm>
-            <a:off x="5982032" y="4589060"/>
-            <a:ext cx="1370275" cy="302150"/>
-          </a:xfrm>
-          <a:prstGeom prst="rect">
-            <a:avLst/>
-          </a:prstGeom>
-          <a:noFill/>
-          <a:ln>
-            <a:noFill/>
-          </a:ln>
-        </p:spPr>
-        <p:style>
-          <a:lnRef idx="2">
-            <a:schemeClr val="accent1">
-              <a:shade val="50000"/>
-            </a:schemeClr>
-          </a:lnRef>
-          <a:fillRef idx="1">
-            <a:schemeClr val="accent1"/>
-          </a:fillRef>
-          <a:effectRef idx="0">
-            <a:schemeClr val="accent1"/>
-          </a:effectRef>
-          <a:fontRef idx="minor">
-            <a:schemeClr val="lt1"/>
-          </a:fontRef>
-        </p:style>
-        <p:txBody>
-          <a:bodyPr rtlCol="0" anchor="ctr"/>
-          <a:lstStyle/>
-          <a:p>
-            <a:r>
-              <a:rPr lang="de-DE" dirty="0"/>
-              <a:t>Ton:</a:t>
-            </a:r>
-          </a:p>
-        </p:txBody>
-      </p:sp>
-      <p:sp>
-        <p:nvSpPr>
-          <p:cNvPr id="33" name="Rectangle 32">
-            <a:extLst>
-              <a:ext uri="{FF2B5EF4-FFF2-40B4-BE49-F238E27FC236}">
-                <a16:creationId xmlns:a16="http://schemas.microsoft.com/office/drawing/2014/main" id="{73179BCA-A4B4-4040-9E65-1D7803DC08F5}"/>
-              </a:ext>
-            </a:extLst>
-          </p:cNvPr>
-          <p:cNvSpPr/>
-          <p:nvPr/>
-        </p:nvSpPr>
-        <p:spPr>
-          <a:xfrm>
-            <a:off x="7415918" y="4230093"/>
-            <a:ext cx="320701" cy="302150"/>
-          </a:xfrm>
-          <a:prstGeom prst="rect">
-            <a:avLst/>
-          </a:prstGeom>
-          <a:ln/>
-        </p:spPr>
-        <p:style>
-          <a:lnRef idx="2">
-            <a:schemeClr val="accent4">
-              <a:shade val="50000"/>
-            </a:schemeClr>
-          </a:lnRef>
-          <a:fillRef idx="1">
-            <a:schemeClr val="accent4"/>
-          </a:fillRef>
-          <a:effectRef idx="0">
-            <a:schemeClr val="accent4"/>
-          </a:effectRef>
-          <a:fontRef idx="minor">
-            <a:schemeClr val="lt1"/>
-          </a:fontRef>
-        </p:style>
-        <p:txBody>
-          <a:bodyPr rtlCol="0" anchor="ctr"/>
-          <a:lstStyle/>
-          <a:p>
-            <a:endParaRPr lang="de-DE" dirty="0"/>
-          </a:p>
-        </p:txBody>
-      </p:sp>
-      <p:pic>
-        <p:nvPicPr>
-          <p:cNvPr id="35" name="Graphic 34" descr="Checkmark">
-            <a:extLst>
-              <a:ext uri="{FF2B5EF4-FFF2-40B4-BE49-F238E27FC236}">
-                <a16:creationId xmlns:a16="http://schemas.microsoft.com/office/drawing/2014/main" id="{7A84BE69-9E49-4CF4-BDCC-8B208A423DD7}"/>
-              </a:ext>
-            </a:extLst>
-          </p:cNvPr>
-          <p:cNvPicPr>
-            <a:picLocks noChangeAspect="1"/>
-          </p:cNvPicPr>
-          <p:nvPr/>
-        </p:nvPicPr>
-        <p:blipFill>
-          <a:blip r:embed="rId4">
-            <a:extLst>
-              <a:ext uri="{96DAC541-7B7A-43D3-8B79-37D633B846F1}">
-                <asvg:svgBlip xmlns:asvg="http://schemas.microsoft.com/office/drawing/2016/SVG/main" r:embed="rId5"/>
-              </a:ext>
-            </a:extLst>
-          </a:blip>
-          <a:stretch>
-            <a:fillRect/>
-          </a:stretch>
-        </p:blipFill>
-        <p:spPr>
-          <a:xfrm>
-            <a:off x="7397363" y="4561230"/>
-            <a:ext cx="357809" cy="357809"/>
-          </a:xfrm>
-          <a:prstGeom prst="rect">
-            <a:avLst/>
-          </a:prstGeom>
-        </p:spPr>
-      </p:pic>
-      <p:sp>
-        <p:nvSpPr>
-          <p:cNvPr id="36" name="Rectangle 35">
-            <a:extLst>
-              <a:ext uri="{FF2B5EF4-FFF2-40B4-BE49-F238E27FC236}">
-                <a16:creationId xmlns:a16="http://schemas.microsoft.com/office/drawing/2014/main" id="{42C1AD04-00B7-4ACD-926A-C0CD2153D130}"/>
-              </a:ext>
-            </a:extLst>
-          </p:cNvPr>
-          <p:cNvSpPr/>
-          <p:nvPr/>
-        </p:nvSpPr>
-        <p:spPr>
-          <a:xfrm>
-            <a:off x="9382540" y="3203548"/>
-            <a:ext cx="2266122" cy="2940325"/>
-          </a:xfrm>
-          <a:prstGeom prst="rect">
-            <a:avLst/>
-          </a:prstGeom>
-        </p:spPr>
-        <p:style>
-          <a:lnRef idx="2">
-            <a:schemeClr val="accent1">
-              <a:shade val="50000"/>
-            </a:schemeClr>
-          </a:lnRef>
-          <a:fillRef idx="1">
-            <a:schemeClr val="accent1"/>
-          </a:fillRef>
-          <a:effectRef idx="0">
-            <a:schemeClr val="accent1"/>
-          </a:effectRef>
-          <a:fontRef idx="minor">
-            <a:schemeClr val="lt1"/>
-          </a:fontRef>
-        </p:style>
-        <p:txBody>
-          <a:bodyPr rtlCol="0" anchor="t"/>
-          <a:lstStyle/>
-          <a:p>
-            <a:pPr algn="ctr"/>
-            <a:r>
-              <a:rPr lang="de-DE" dirty="0"/>
-              <a:t>Aufgabe anlegen</a:t>
-            </a:r>
-          </a:p>
-        </p:txBody>
-      </p:sp>
-      <p:sp>
-        <p:nvSpPr>
-          <p:cNvPr id="37" name="Rectangle 36">
-            <a:extLst>
-              <a:ext uri="{FF2B5EF4-FFF2-40B4-BE49-F238E27FC236}">
-                <a16:creationId xmlns:a16="http://schemas.microsoft.com/office/drawing/2014/main" id="{1C402345-EDE0-4437-AC01-1D81F2F3F090}"/>
-              </a:ext>
-            </a:extLst>
-          </p:cNvPr>
-          <p:cNvSpPr/>
-          <p:nvPr/>
-        </p:nvSpPr>
-        <p:spPr>
-          <a:xfrm>
-            <a:off x="7882399" y="906449"/>
-            <a:ext cx="145769" cy="119269"/>
-          </a:xfrm>
-          <a:prstGeom prst="rect">
-            <a:avLst/>
-          </a:prstGeom>
-        </p:spPr>
-        <p:style>
-          <a:lnRef idx="2">
-            <a:schemeClr val="accent6">
-              <a:shade val="50000"/>
-            </a:schemeClr>
-          </a:lnRef>
-          <a:fillRef idx="1">
-            <a:schemeClr val="accent6"/>
-          </a:fillRef>
-          <a:effectRef idx="0">
-            <a:schemeClr val="accent6"/>
-          </a:effectRef>
-          <a:fontRef idx="minor">
-            <a:schemeClr val="lt1"/>
-          </a:fontRef>
-        </p:style>
-        <p:txBody>
-          <a:bodyPr rtlCol="0" anchor="ctr"/>
-          <a:lstStyle/>
-          <a:p>
-            <a:pPr algn="ctr"/>
-            <a:endParaRPr lang="de-DE"/>
-          </a:p>
-        </p:txBody>
-      </p:sp>
-      <p:sp>
-        <p:nvSpPr>
-          <p:cNvPr id="38" name="Rectangle 37">
-            <a:extLst>
-              <a:ext uri="{FF2B5EF4-FFF2-40B4-BE49-F238E27FC236}">
-                <a16:creationId xmlns:a16="http://schemas.microsoft.com/office/drawing/2014/main" id="{5CE23C0B-D766-45C0-B888-14DFEA9CB200}"/>
-              </a:ext>
-            </a:extLst>
-          </p:cNvPr>
-          <p:cNvSpPr/>
-          <p:nvPr/>
-        </p:nvSpPr>
-        <p:spPr>
-          <a:xfrm>
-            <a:off x="7882399" y="1120057"/>
-            <a:ext cx="145769" cy="119269"/>
-          </a:xfrm>
-          <a:prstGeom prst="rect">
-            <a:avLst/>
-          </a:prstGeom>
-        </p:spPr>
-        <p:style>
-          <a:lnRef idx="2">
-            <a:schemeClr val="accent6">
-              <a:shade val="50000"/>
-            </a:schemeClr>
-          </a:lnRef>
-          <a:fillRef idx="1">
-            <a:schemeClr val="accent6"/>
-          </a:fillRef>
-          <a:effectRef idx="0">
-            <a:schemeClr val="accent6"/>
-          </a:effectRef>
-          <a:fontRef idx="minor">
-            <a:schemeClr val="lt1"/>
-          </a:fontRef>
-        </p:style>
-        <p:txBody>
-          <a:bodyPr rtlCol="0" anchor="ctr"/>
-          <a:lstStyle/>
-          <a:p>
-            <a:pPr algn="ctr"/>
-            <a:endParaRPr lang="de-DE"/>
-          </a:p>
-        </p:txBody>
-      </p:sp>
-      <p:sp>
-        <p:nvSpPr>
-          <p:cNvPr id="39" name="Rectangle 38">
-            <a:extLst>
-              <a:ext uri="{FF2B5EF4-FFF2-40B4-BE49-F238E27FC236}">
-                <a16:creationId xmlns:a16="http://schemas.microsoft.com/office/drawing/2014/main" id="{7F6F743D-908E-460E-B203-6248378DDC46}"/>
-              </a:ext>
-            </a:extLst>
-          </p:cNvPr>
-          <p:cNvSpPr/>
-          <p:nvPr/>
-        </p:nvSpPr>
-        <p:spPr>
-          <a:xfrm>
-            <a:off x="7882398" y="1333665"/>
-            <a:ext cx="145769" cy="119269"/>
-          </a:xfrm>
-          <a:prstGeom prst="rect">
-            <a:avLst/>
-          </a:prstGeom>
-        </p:spPr>
-        <p:style>
-          <a:lnRef idx="2">
-            <a:schemeClr val="accent6">
-              <a:shade val="50000"/>
-            </a:schemeClr>
-          </a:lnRef>
-          <a:fillRef idx="1">
-            <a:schemeClr val="accent6"/>
-          </a:fillRef>
-          <a:effectRef idx="0">
-            <a:schemeClr val="accent6"/>
-          </a:effectRef>
-          <a:fontRef idx="minor">
-            <a:schemeClr val="lt1"/>
-          </a:fontRef>
-        </p:style>
-        <p:txBody>
-          <a:bodyPr rtlCol="0" anchor="ctr"/>
-          <a:lstStyle/>
-          <a:p>
-            <a:pPr algn="ctr"/>
-            <a:endParaRPr lang="de-DE"/>
-          </a:p>
-        </p:txBody>
-      </p:sp>
-      <p:sp>
-        <p:nvSpPr>
-          <p:cNvPr id="40" name="Rectangle 39">
-            <a:extLst>
-              <a:ext uri="{FF2B5EF4-FFF2-40B4-BE49-F238E27FC236}">
-                <a16:creationId xmlns:a16="http://schemas.microsoft.com/office/drawing/2014/main" id="{DD25A77C-6655-4FB0-85AA-C7A17F7608DF}"/>
-              </a:ext>
-            </a:extLst>
-          </p:cNvPr>
-          <p:cNvSpPr/>
-          <p:nvPr/>
-        </p:nvSpPr>
-        <p:spPr>
-          <a:xfrm>
-            <a:off x="7882397" y="1556345"/>
-            <a:ext cx="145769" cy="119269"/>
-          </a:xfrm>
-          <a:prstGeom prst="rect">
-            <a:avLst/>
-          </a:prstGeom>
-        </p:spPr>
-        <p:style>
-          <a:lnRef idx="2">
-            <a:schemeClr val="accent6">
-              <a:shade val="50000"/>
-            </a:schemeClr>
-          </a:lnRef>
-          <a:fillRef idx="1">
-            <a:schemeClr val="accent6"/>
-          </a:fillRef>
-          <a:effectRef idx="0">
-            <a:schemeClr val="accent6"/>
-          </a:effectRef>
-          <a:fontRef idx="minor">
-            <a:schemeClr val="lt1"/>
-          </a:fontRef>
-        </p:style>
-        <p:txBody>
-          <a:bodyPr rtlCol="0" anchor="ctr"/>
-          <a:lstStyle/>
-          <a:p>
-            <a:pPr algn="ctr"/>
-            <a:endParaRPr lang="de-DE"/>
-          </a:p>
-        </p:txBody>
-      </p:sp>
-      <p:cxnSp>
-        <p:nvCxnSpPr>
-          <p:cNvPr id="41" name="Connector: Curved 40">
-            <a:extLst>
-              <a:ext uri="{FF2B5EF4-FFF2-40B4-BE49-F238E27FC236}">
-                <a16:creationId xmlns:a16="http://schemas.microsoft.com/office/drawing/2014/main" id="{0072A46F-31D0-4E5C-A7F7-18E77DBB0482}"/>
-              </a:ext>
-            </a:extLst>
-          </p:cNvPr>
-          <p:cNvCxnSpPr>
-            <a:cxnSpLocks/>
-            <a:stCxn id="14" idx="3"/>
-            <a:endCxn id="36" idx="1"/>
-          </p:cNvCxnSpPr>
-          <p:nvPr/>
-        </p:nvCxnSpPr>
-        <p:spPr>
-          <a:xfrm>
-            <a:off x="8028168" y="2930968"/>
-            <a:ext cx="1354372" cy="1742743"/>
-          </a:xfrm>
-          <a:prstGeom prst="curvedConnector3">
-            <a:avLst/>
-          </a:prstGeom>
-          <a:ln w="28575">
-            <a:solidFill>
-              <a:srgbClr val="FF0000"/>
-            </a:solidFill>
-            <a:tailEnd type="triangle"/>
-          </a:ln>
-        </p:spPr>
-        <p:style>
-          <a:lnRef idx="1">
-            <a:schemeClr val="accent1"/>
-          </a:lnRef>
-          <a:fillRef idx="0">
-            <a:schemeClr val="accent1"/>
-          </a:fillRef>
-          <a:effectRef idx="0">
-            <a:schemeClr val="accent1"/>
-          </a:effectRef>
-          <a:fontRef idx="minor">
-            <a:schemeClr val="tx1"/>
-          </a:fontRef>
-        </p:style>
-      </p:cxnSp>
-      <p:sp>
-        <p:nvSpPr>
-          <p:cNvPr id="44" name="Rectangle 43">
-            <a:extLst>
-              <a:ext uri="{FF2B5EF4-FFF2-40B4-BE49-F238E27FC236}">
-                <a16:creationId xmlns:a16="http://schemas.microsoft.com/office/drawing/2014/main" id="{EC3095EF-50F1-4DD1-9CB6-D96A1A7D5058}"/>
-              </a:ext>
-            </a:extLst>
-          </p:cNvPr>
-          <p:cNvSpPr/>
-          <p:nvPr/>
-        </p:nvSpPr>
-        <p:spPr>
-          <a:xfrm>
-            <a:off x="9481932" y="3753504"/>
-            <a:ext cx="2068665" cy="331303"/>
-          </a:xfrm>
-          <a:prstGeom prst="rect">
-            <a:avLst/>
-          </a:prstGeom>
-        </p:spPr>
-        <p:style>
-          <a:lnRef idx="2">
-            <a:schemeClr val="accent6">
-              <a:shade val="50000"/>
-            </a:schemeClr>
-          </a:lnRef>
-          <a:fillRef idx="1">
-            <a:schemeClr val="accent6"/>
-          </a:fillRef>
-          <a:effectRef idx="0">
-            <a:schemeClr val="accent6"/>
-          </a:effectRef>
-          <a:fontRef idx="minor">
-            <a:schemeClr val="lt1"/>
-          </a:fontRef>
-        </p:style>
-        <p:txBody>
-          <a:bodyPr rtlCol="0" anchor="ctr"/>
-          <a:lstStyle/>
-          <a:p>
-            <a:r>
-              <a:rPr lang="de-DE" dirty="0"/>
-              <a:t>Chillen</a:t>
-            </a:r>
-          </a:p>
-        </p:txBody>
-      </p:sp>
-      <p:sp>
-        <p:nvSpPr>
-          <p:cNvPr id="45" name="Rectangle 44">
-            <a:extLst>
-              <a:ext uri="{FF2B5EF4-FFF2-40B4-BE49-F238E27FC236}">
-                <a16:creationId xmlns:a16="http://schemas.microsoft.com/office/drawing/2014/main" id="{1923397D-4059-401F-A40A-63EC6FB218FF}"/>
-              </a:ext>
-            </a:extLst>
-          </p:cNvPr>
-          <p:cNvSpPr/>
-          <p:nvPr/>
-        </p:nvSpPr>
-        <p:spPr>
-          <a:xfrm>
-            <a:off x="9481932" y="4232404"/>
-            <a:ext cx="2068665" cy="331303"/>
-          </a:xfrm>
-          <a:prstGeom prst="rect">
-            <a:avLst/>
-          </a:prstGeom>
-        </p:spPr>
-        <p:style>
-          <a:lnRef idx="2">
-            <a:schemeClr val="accent6">
-              <a:shade val="50000"/>
-            </a:schemeClr>
-          </a:lnRef>
-          <a:fillRef idx="1">
-            <a:schemeClr val="accent6"/>
-          </a:fillRef>
-          <a:effectRef idx="0">
-            <a:schemeClr val="accent6"/>
-          </a:effectRef>
-          <a:fontRef idx="minor">
-            <a:schemeClr val="lt1"/>
-          </a:fontRef>
-        </p:style>
-        <p:txBody>
-          <a:bodyPr rtlCol="0" anchor="ctr"/>
-          <a:lstStyle/>
-          <a:p>
-            <a:r>
-              <a:rPr lang="de-DE" dirty="0"/>
-              <a:t>25.10.2020</a:t>
-            </a:r>
-          </a:p>
-        </p:txBody>
-      </p:sp>
-      <p:sp>
-        <p:nvSpPr>
-          <p:cNvPr id="46" name="Rectangle: Rounded Corners 45">
-            <a:extLst>
-              <a:ext uri="{FF2B5EF4-FFF2-40B4-BE49-F238E27FC236}">
-                <a16:creationId xmlns:a16="http://schemas.microsoft.com/office/drawing/2014/main" id="{C73EDDF2-2BC8-4933-9172-9B0E8318E18B}"/>
-              </a:ext>
-            </a:extLst>
-          </p:cNvPr>
-          <p:cNvSpPr/>
-          <p:nvPr/>
-        </p:nvSpPr>
-        <p:spPr>
-          <a:xfrm>
-            <a:off x="9512415" y="5713926"/>
-            <a:ext cx="2068664" cy="331302"/>
-          </a:xfrm>
-          <a:prstGeom prst="roundRect">
-            <a:avLst/>
-          </a:prstGeom>
-        </p:spPr>
-        <p:style>
-          <a:lnRef idx="2">
-            <a:schemeClr val="accent2">
-              <a:shade val="50000"/>
-            </a:schemeClr>
-          </a:lnRef>
-          <a:fillRef idx="1">
-            <a:schemeClr val="accent2"/>
-          </a:fillRef>
-          <a:effectRef idx="0">
-            <a:schemeClr val="accent2"/>
-          </a:effectRef>
-          <a:fontRef idx="minor">
-            <a:schemeClr val="lt1"/>
-          </a:fontRef>
-        </p:style>
-        <p:txBody>
-          <a:bodyPr rtlCol="0" anchor="ctr"/>
-          <a:lstStyle/>
-          <a:p>
-            <a:pPr algn="ctr"/>
-            <a:r>
-              <a:rPr lang="de-DE" dirty="0"/>
-              <a:t>Speichern</a:t>
-            </a:r>
-          </a:p>
-        </p:txBody>
-      </p:sp>
-      <p:cxnSp>
-        <p:nvCxnSpPr>
-          <p:cNvPr id="47" name="Connector: Curved 46">
-            <a:extLst>
-              <a:ext uri="{FF2B5EF4-FFF2-40B4-BE49-F238E27FC236}">
-                <a16:creationId xmlns:a16="http://schemas.microsoft.com/office/drawing/2014/main" id="{1C93E5ED-D497-42F9-85A8-EECB84DD2412}"/>
-              </a:ext>
-            </a:extLst>
-          </p:cNvPr>
-          <p:cNvCxnSpPr>
-            <a:cxnSpLocks/>
-            <a:stCxn id="46" idx="1"/>
-            <a:endCxn id="63" idx="3"/>
-          </p:cNvCxnSpPr>
-          <p:nvPr/>
-        </p:nvCxnSpPr>
-        <p:spPr>
-          <a:xfrm rot="10800000">
-            <a:off x="8127559" y="1604355"/>
-            <a:ext cx="1384856" cy="4275223"/>
-          </a:xfrm>
-          <a:prstGeom prst="curvedConnector3">
-            <a:avLst/>
-          </a:prstGeom>
-          <a:ln w="28575">
-            <a:solidFill>
-              <a:srgbClr val="FF0000"/>
-            </a:solidFill>
-            <a:tailEnd type="triangle"/>
-          </a:ln>
-        </p:spPr>
-        <p:style>
-          <a:lnRef idx="1">
-            <a:schemeClr val="accent1"/>
-          </a:lnRef>
-          <a:fillRef idx="0">
-            <a:schemeClr val="accent1"/>
-          </a:fillRef>
-          <a:effectRef idx="0">
-            <a:schemeClr val="accent1"/>
-          </a:effectRef>
-          <a:fontRef idx="minor">
-            <a:schemeClr val="tx1"/>
-          </a:fontRef>
-        </p:style>
-      </p:cxnSp>
-      <p:sp>
-        <p:nvSpPr>
-          <p:cNvPr id="52" name="Rectangle 51">
-            <a:extLst>
-              <a:ext uri="{FF2B5EF4-FFF2-40B4-BE49-F238E27FC236}">
-                <a16:creationId xmlns:a16="http://schemas.microsoft.com/office/drawing/2014/main" id="{C72A1C32-2449-47B4-A53D-9863EFD8D573}"/>
-              </a:ext>
-            </a:extLst>
-          </p:cNvPr>
-          <p:cNvSpPr/>
-          <p:nvPr/>
-        </p:nvSpPr>
-        <p:spPr>
-          <a:xfrm>
-            <a:off x="9382540" y="97572"/>
-            <a:ext cx="2266122" cy="2940325"/>
-          </a:xfrm>
-          <a:prstGeom prst="rect">
-            <a:avLst/>
-          </a:prstGeom>
-        </p:spPr>
-        <p:style>
-          <a:lnRef idx="2">
-            <a:schemeClr val="accent1">
-              <a:shade val="50000"/>
-            </a:schemeClr>
-          </a:lnRef>
-          <a:fillRef idx="1">
-            <a:schemeClr val="accent1"/>
-          </a:fillRef>
-          <a:effectRef idx="0">
-            <a:schemeClr val="accent1"/>
-          </a:effectRef>
-          <a:fontRef idx="minor">
-            <a:schemeClr val="lt1"/>
-          </a:fontRef>
-        </p:style>
-        <p:txBody>
-          <a:bodyPr rtlCol="0" anchor="t"/>
-          <a:lstStyle/>
-          <a:p>
-            <a:pPr algn="ctr"/>
-            <a:r>
-              <a:rPr lang="de-DE" dirty="0"/>
-              <a:t>Aufgabe bearbeiten</a:t>
-            </a:r>
-          </a:p>
-        </p:txBody>
-      </p:sp>
-      <p:sp>
-        <p:nvSpPr>
-          <p:cNvPr id="53" name="Rectangle 52">
-            <a:extLst>
-              <a:ext uri="{FF2B5EF4-FFF2-40B4-BE49-F238E27FC236}">
-                <a16:creationId xmlns:a16="http://schemas.microsoft.com/office/drawing/2014/main" id="{EBEA2993-76E4-4EDD-95BB-EF139C2B47FA}"/>
-              </a:ext>
-            </a:extLst>
-          </p:cNvPr>
-          <p:cNvSpPr/>
-          <p:nvPr/>
-        </p:nvSpPr>
-        <p:spPr>
-          <a:xfrm>
-            <a:off x="9481932" y="647528"/>
-            <a:ext cx="2068665" cy="331303"/>
-          </a:xfrm>
-          <a:prstGeom prst="rect">
-            <a:avLst/>
-          </a:prstGeom>
-        </p:spPr>
-        <p:style>
-          <a:lnRef idx="2">
-            <a:schemeClr val="accent6">
-              <a:shade val="50000"/>
-            </a:schemeClr>
-          </a:lnRef>
-          <a:fillRef idx="1">
-            <a:schemeClr val="accent6"/>
-          </a:fillRef>
-          <a:effectRef idx="0">
-            <a:schemeClr val="accent6"/>
-          </a:effectRef>
-          <a:fontRef idx="minor">
-            <a:schemeClr val="lt1"/>
-          </a:fontRef>
-        </p:style>
-        <p:txBody>
-          <a:bodyPr rtlCol="0" anchor="ctr"/>
-          <a:lstStyle/>
-          <a:p>
-            <a:r>
-              <a:rPr lang="de-DE" dirty="0"/>
-              <a:t>Rasen mähen</a:t>
-            </a:r>
-          </a:p>
-        </p:txBody>
-      </p:sp>
-      <p:sp>
-        <p:nvSpPr>
-          <p:cNvPr id="54" name="Rectangle 53">
-            <a:extLst>
-              <a:ext uri="{FF2B5EF4-FFF2-40B4-BE49-F238E27FC236}">
-                <a16:creationId xmlns:a16="http://schemas.microsoft.com/office/drawing/2014/main" id="{66B29C8E-6EAB-4FB8-98E1-451AAACFA68C}"/>
-              </a:ext>
-            </a:extLst>
-          </p:cNvPr>
-          <p:cNvSpPr/>
-          <p:nvPr/>
-        </p:nvSpPr>
-        <p:spPr>
-          <a:xfrm>
-            <a:off x="9481932" y="1126428"/>
-            <a:ext cx="2068665" cy="331303"/>
-          </a:xfrm>
-          <a:prstGeom prst="rect">
-            <a:avLst/>
-          </a:prstGeom>
-        </p:spPr>
-        <p:style>
-          <a:lnRef idx="2">
-            <a:schemeClr val="accent6">
-              <a:shade val="50000"/>
-            </a:schemeClr>
-          </a:lnRef>
-          <a:fillRef idx="1">
-            <a:schemeClr val="accent6"/>
-          </a:fillRef>
-          <a:effectRef idx="0">
-            <a:schemeClr val="accent6"/>
-          </a:effectRef>
-          <a:fontRef idx="minor">
-            <a:schemeClr val="lt1"/>
-          </a:fontRef>
-        </p:style>
-        <p:txBody>
-          <a:bodyPr rtlCol="0" anchor="ctr"/>
-          <a:lstStyle/>
-          <a:p>
-            <a:r>
-              <a:rPr lang="de-DE" dirty="0"/>
-              <a:t>23.10.2020</a:t>
-            </a:r>
-          </a:p>
-        </p:txBody>
-      </p:sp>
-      <p:sp>
-        <p:nvSpPr>
-          <p:cNvPr id="55" name="Rectangle: Rounded Corners 54">
-            <a:extLst>
-              <a:ext uri="{FF2B5EF4-FFF2-40B4-BE49-F238E27FC236}">
-                <a16:creationId xmlns:a16="http://schemas.microsoft.com/office/drawing/2014/main" id="{DE61902F-9EF3-4F17-836D-125A81E73202}"/>
-              </a:ext>
-            </a:extLst>
-          </p:cNvPr>
-          <p:cNvSpPr/>
-          <p:nvPr/>
-        </p:nvSpPr>
-        <p:spPr>
-          <a:xfrm>
-            <a:off x="9481932" y="2603397"/>
-            <a:ext cx="2068664" cy="331302"/>
-          </a:xfrm>
-          <a:prstGeom prst="roundRect">
-            <a:avLst/>
-          </a:prstGeom>
-        </p:spPr>
-        <p:style>
-          <a:lnRef idx="2">
-            <a:schemeClr val="accent2">
-              <a:shade val="50000"/>
-            </a:schemeClr>
-          </a:lnRef>
-          <a:fillRef idx="1">
-            <a:schemeClr val="accent2"/>
-          </a:fillRef>
-          <a:effectRef idx="0">
-            <a:schemeClr val="accent2"/>
-          </a:effectRef>
-          <a:fontRef idx="minor">
-            <a:schemeClr val="lt1"/>
-          </a:fontRef>
-        </p:style>
-        <p:txBody>
-          <a:bodyPr rtlCol="0" anchor="ctr"/>
-          <a:lstStyle/>
-          <a:p>
-            <a:pPr algn="ctr"/>
-            <a:r>
-              <a:rPr lang="de-DE" dirty="0"/>
-              <a:t>Speichern</a:t>
-            </a:r>
-          </a:p>
-        </p:txBody>
-      </p:sp>
-      <p:cxnSp>
-        <p:nvCxnSpPr>
-          <p:cNvPr id="56" name="Connector: Curved 55">
-            <a:extLst>
-              <a:ext uri="{FF2B5EF4-FFF2-40B4-BE49-F238E27FC236}">
-                <a16:creationId xmlns:a16="http://schemas.microsoft.com/office/drawing/2014/main" id="{B188F758-9C9F-4DA2-B1EC-37C7204A8D35}"/>
-              </a:ext>
-            </a:extLst>
-          </p:cNvPr>
-          <p:cNvCxnSpPr>
-            <a:cxnSpLocks/>
-            <a:stCxn id="55" idx="1"/>
-            <a:endCxn id="61" idx="3"/>
-          </p:cNvCxnSpPr>
-          <p:nvPr/>
-        </p:nvCxnSpPr>
-        <p:spPr>
-          <a:xfrm rot="10800000">
-            <a:off x="8131534" y="968110"/>
-            <a:ext cx="1350399" cy="1800939"/>
-          </a:xfrm>
-          <a:prstGeom prst="curvedConnector3">
-            <a:avLst/>
-          </a:prstGeom>
-          <a:ln w="28575">
-            <a:solidFill>
-              <a:srgbClr val="FF0000"/>
-            </a:solidFill>
-            <a:tailEnd type="triangle"/>
-          </a:ln>
-        </p:spPr>
-        <p:style>
-          <a:lnRef idx="1">
-            <a:schemeClr val="accent1"/>
-          </a:lnRef>
-          <a:fillRef idx="0">
-            <a:schemeClr val="accent1"/>
-          </a:fillRef>
-          <a:effectRef idx="0">
-            <a:schemeClr val="accent1"/>
-          </a:effectRef>
-          <a:fontRef idx="minor">
-            <a:schemeClr val="tx1"/>
-          </a:fontRef>
-        </p:style>
-      </p:cxnSp>
-      <p:cxnSp>
-        <p:nvCxnSpPr>
-          <p:cNvPr id="59" name="Connector: Curved 58">
-            <a:extLst>
-              <a:ext uri="{FF2B5EF4-FFF2-40B4-BE49-F238E27FC236}">
-                <a16:creationId xmlns:a16="http://schemas.microsoft.com/office/drawing/2014/main" id="{4D1761F8-8DAE-4568-8C10-E70FD623565C}"/>
-              </a:ext>
-            </a:extLst>
-          </p:cNvPr>
-          <p:cNvCxnSpPr>
-            <a:cxnSpLocks/>
-            <a:stCxn id="61" idx="3"/>
-            <a:endCxn id="52" idx="1"/>
-          </p:cNvCxnSpPr>
-          <p:nvPr/>
-        </p:nvCxnSpPr>
-        <p:spPr>
-          <a:xfrm>
-            <a:off x="8131533" y="968109"/>
-            <a:ext cx="1251007" cy="599626"/>
-          </a:xfrm>
-          <a:prstGeom prst="curvedConnector3">
-            <a:avLst>
-              <a:gd name="adj1" fmla="val 50000"/>
-            </a:avLst>
-          </a:prstGeom>
-          <a:ln w="28575">
-            <a:solidFill>
-              <a:srgbClr val="FF0000"/>
-            </a:solidFill>
-            <a:tailEnd type="triangle"/>
-          </a:ln>
-        </p:spPr>
-        <p:style>
-          <a:lnRef idx="1">
-            <a:schemeClr val="accent1"/>
-          </a:lnRef>
-          <a:fillRef idx="0">
-            <a:schemeClr val="accent1"/>
-          </a:fillRef>
-          <a:effectRef idx="0">
-            <a:schemeClr val="accent1"/>
-          </a:effectRef>
-          <a:fontRef idx="minor">
-            <a:schemeClr val="tx1"/>
-          </a:fontRef>
-        </p:style>
-      </p:cxnSp>
-      <p:sp>
-        <p:nvSpPr>
-          <p:cNvPr id="61" name="Rectangle 60">
-            <a:extLst>
-              <a:ext uri="{FF2B5EF4-FFF2-40B4-BE49-F238E27FC236}">
-                <a16:creationId xmlns:a16="http://schemas.microsoft.com/office/drawing/2014/main" id="{B2C483A0-4993-457D-B3B6-C3E097E4C17F}"/>
-              </a:ext>
-            </a:extLst>
-          </p:cNvPr>
-          <p:cNvSpPr/>
-          <p:nvPr/>
-        </p:nvSpPr>
-        <p:spPr>
-          <a:xfrm>
-            <a:off x="5861440" y="872978"/>
-            <a:ext cx="2270093" cy="190262"/>
-          </a:xfrm>
-          <a:prstGeom prst="rect">
-            <a:avLst/>
-          </a:prstGeom>
-          <a:noFill/>
-          <a:ln>
-            <a:noFill/>
-          </a:ln>
-        </p:spPr>
-        <p:style>
-          <a:lnRef idx="2">
-            <a:schemeClr val="accent1">
-              <a:shade val="50000"/>
-            </a:schemeClr>
-          </a:lnRef>
-          <a:fillRef idx="1">
-            <a:schemeClr val="accent1"/>
-          </a:fillRef>
-          <a:effectRef idx="0">
-            <a:schemeClr val="accent1"/>
-          </a:effectRef>
-          <a:fontRef idx="minor">
-            <a:schemeClr val="lt1"/>
-          </a:fontRef>
-        </p:style>
-        <p:txBody>
-          <a:bodyPr rtlCol="0" anchor="ctr"/>
-          <a:lstStyle/>
-          <a:p>
-            <a:pPr algn="ctr"/>
-            <a:endParaRPr lang="de-DE"/>
-          </a:p>
-        </p:txBody>
-      </p:sp>
-      <p:sp>
-        <p:nvSpPr>
-          <p:cNvPr id="63" name="Rectangle 62">
-            <a:extLst>
-              <a:ext uri="{FF2B5EF4-FFF2-40B4-BE49-F238E27FC236}">
-                <a16:creationId xmlns:a16="http://schemas.microsoft.com/office/drawing/2014/main" id="{840B0AD8-7BD0-4F6F-BD7C-8FBFC77C7924}"/>
-              </a:ext>
-            </a:extLst>
-          </p:cNvPr>
-          <p:cNvSpPr/>
-          <p:nvPr/>
-        </p:nvSpPr>
-        <p:spPr>
-          <a:xfrm>
-            <a:off x="5857466" y="1509223"/>
-            <a:ext cx="2270093" cy="190262"/>
-          </a:xfrm>
-          <a:prstGeom prst="rect">
-            <a:avLst/>
-          </a:prstGeom>
-          <a:noFill/>
-          <a:ln>
-            <a:noFill/>
-          </a:ln>
-        </p:spPr>
-        <p:style>
-          <a:lnRef idx="2">
-            <a:schemeClr val="accent1">
-              <a:shade val="50000"/>
-            </a:schemeClr>
-          </a:lnRef>
-          <a:fillRef idx="1">
-            <a:schemeClr val="accent1"/>
-          </a:fillRef>
-          <a:effectRef idx="0">
-            <a:schemeClr val="accent1"/>
-          </a:effectRef>
-          <a:fontRef idx="minor">
-            <a:schemeClr val="lt1"/>
-          </a:fontRef>
-        </p:style>
-        <p:txBody>
-          <a:bodyPr rtlCol="0" anchor="ctr"/>
-          <a:lstStyle/>
-          <a:p>
-            <a:pPr algn="ctr"/>
-            <a:endParaRPr lang="de-DE"/>
-          </a:p>
-        </p:txBody>
-      </p:sp>
-      <p:sp>
-        <p:nvSpPr>
-          <p:cNvPr id="76" name="Speech Bubble: Rectangle 75">
-            <a:extLst>
-              <a:ext uri="{FF2B5EF4-FFF2-40B4-BE49-F238E27FC236}">
-                <a16:creationId xmlns:a16="http://schemas.microsoft.com/office/drawing/2014/main" id="{87FCF8BC-43FB-4B1C-B907-7BBC3E53DC24}"/>
-              </a:ext>
-            </a:extLst>
-          </p:cNvPr>
-          <p:cNvSpPr/>
-          <p:nvPr/>
-        </p:nvSpPr>
-        <p:spPr>
-          <a:xfrm>
-            <a:off x="7882397" y="185668"/>
-            <a:ext cx="1326550" cy="378190"/>
+            <a:off x="2447378" y="4707958"/>
+            <a:ext cx="1326550" cy="665989"/>
           </a:xfrm>
           <a:prstGeom prst="wedgeRectCallout">
             <a:avLst>
-              <a:gd name="adj1" fmla="val 35210"/>
-              <a:gd name="adj2" fmla="val 297976"/>
+              <a:gd name="adj1" fmla="val -71546"/>
+              <a:gd name="adj2" fmla="val -112541"/>
             </a:avLst>
           </a:prstGeom>
         </p:spPr>
@@ -13417,157 +11118,7 @@
             <a:pPr algn="ctr"/>
             <a:r>
               <a:rPr lang="de-DE" dirty="0"/>
-              <a:t>Doppelklick</a:t>
-            </a:r>
-          </a:p>
-        </p:txBody>
-      </p:sp>
-      <p:sp>
-        <p:nvSpPr>
-          <p:cNvPr id="77" name="Speech Bubble: Rectangle 76">
-            <a:extLst>
-              <a:ext uri="{FF2B5EF4-FFF2-40B4-BE49-F238E27FC236}">
-                <a16:creationId xmlns:a16="http://schemas.microsoft.com/office/drawing/2014/main" id="{D4A53D20-A127-4072-A691-2377EA73D459}"/>
-              </a:ext>
-            </a:extLst>
-          </p:cNvPr>
-          <p:cNvSpPr/>
-          <p:nvPr/>
-        </p:nvSpPr>
-        <p:spPr>
-          <a:xfrm>
-            <a:off x="7824074" y="5307242"/>
-            <a:ext cx="1326550" cy="378190"/>
-          </a:xfrm>
-          <a:prstGeom prst="wedgeRectCallout">
-            <a:avLst>
-              <a:gd name="adj1" fmla="val -63092"/>
-              <a:gd name="adj2" fmla="val -273895"/>
-            </a:avLst>
-          </a:prstGeom>
-        </p:spPr>
-        <p:style>
-          <a:lnRef idx="2">
-            <a:schemeClr val="dk1"/>
-          </a:lnRef>
-          <a:fillRef idx="1">
-            <a:schemeClr val="lt1"/>
-          </a:fillRef>
-          <a:effectRef idx="0">
-            <a:schemeClr val="dk1"/>
-          </a:effectRef>
-          <a:fontRef idx="minor">
-            <a:schemeClr val="dk1"/>
-          </a:fontRef>
-        </p:style>
-        <p:txBody>
-          <a:bodyPr rtlCol="0" anchor="ctr"/>
-          <a:lstStyle/>
-          <a:p>
-            <a:pPr algn="ctr"/>
-            <a:r>
-              <a:rPr lang="de-DE" dirty="0"/>
-              <a:t>DropDown</a:t>
-            </a:r>
-          </a:p>
-        </p:txBody>
-      </p:sp>
-      <p:sp>
-        <p:nvSpPr>
-          <p:cNvPr id="78" name="Speech Bubble: Rectangle 77">
-            <a:extLst>
-              <a:ext uri="{FF2B5EF4-FFF2-40B4-BE49-F238E27FC236}">
-                <a16:creationId xmlns:a16="http://schemas.microsoft.com/office/drawing/2014/main" id="{E48FE182-C568-4C21-BC60-33B8CFC547A2}"/>
-              </a:ext>
-            </a:extLst>
-          </p:cNvPr>
-          <p:cNvSpPr/>
-          <p:nvPr/>
-        </p:nvSpPr>
-        <p:spPr>
-          <a:xfrm>
-            <a:off x="2843917" y="211051"/>
-            <a:ext cx="2146853" cy="624835"/>
-          </a:xfrm>
-          <a:prstGeom prst="wedgeRectCallout">
-            <a:avLst>
-              <a:gd name="adj1" fmla="val 94646"/>
-              <a:gd name="adj2" fmla="val 13029"/>
-            </a:avLst>
-          </a:prstGeom>
-        </p:spPr>
-        <p:style>
-          <a:lnRef idx="2">
-            <a:schemeClr val="dk1"/>
-          </a:lnRef>
-          <a:fillRef idx="1">
-            <a:schemeClr val="lt1"/>
-          </a:fillRef>
-          <a:effectRef idx="0">
-            <a:schemeClr val="dk1"/>
-          </a:effectRef>
-          <a:fontRef idx="minor">
-            <a:schemeClr val="dk1"/>
-          </a:fontRef>
-        </p:style>
-        <p:txBody>
-          <a:bodyPr rtlCol="0" anchor="ctr"/>
-          <a:lstStyle/>
-          <a:p>
-            <a:pPr algn="ctr"/>
-            <a:r>
-              <a:rPr lang="de-DE" dirty="0"/>
-              <a:t>Nur offene Aufgaben werden angezeigt </a:t>
-            </a:r>
-          </a:p>
-        </p:txBody>
-      </p:sp>
-      <p:sp>
-        <p:nvSpPr>
-          <p:cNvPr id="79" name="Speech Bubble: Rectangle 78">
-            <a:extLst>
-              <a:ext uri="{FF2B5EF4-FFF2-40B4-BE49-F238E27FC236}">
-                <a16:creationId xmlns:a16="http://schemas.microsoft.com/office/drawing/2014/main" id="{35841447-E32F-4FF6-B2B4-916222C52044}"/>
-              </a:ext>
-            </a:extLst>
-          </p:cNvPr>
-          <p:cNvSpPr/>
-          <p:nvPr/>
-        </p:nvSpPr>
-        <p:spPr>
-          <a:xfrm>
-            <a:off x="2983065" y="968109"/>
-            <a:ext cx="1933503" cy="570004"/>
-          </a:xfrm>
-          <a:prstGeom prst="wedgeRectCallout">
-            <a:avLst>
-              <a:gd name="adj1" fmla="val 101491"/>
-              <a:gd name="adj2" fmla="val 28093"/>
-            </a:avLst>
-          </a:prstGeom>
-        </p:spPr>
-        <p:style>
-          <a:lnRef idx="2">
-            <a:schemeClr val="dk1"/>
-          </a:lnRef>
-          <a:fillRef idx="1">
-            <a:schemeClr val="lt1"/>
-          </a:fillRef>
-          <a:effectRef idx="0">
-            <a:schemeClr val="dk1"/>
-          </a:effectRef>
-          <a:fontRef idx="minor">
-            <a:schemeClr val="dk1"/>
-          </a:fontRef>
-        </p:style>
-        <p:txBody>
-          <a:bodyPr rtlCol="0" anchor="ctr"/>
-          <a:lstStyle/>
-          <a:p>
-            <a:pPr algn="ctr"/>
-            <a:r>
-              <a:rPr lang="de-DE" dirty="0"/>
-              <a:t>Langer Klick: Aufgabe löschen</a:t>
+              <a:t>Sehen nur Mitarbeiter</a:t>
             </a:r>
           </a:p>
         </p:txBody>
@@ -13575,7 +11126,7 @@
     </p:spTree>
     <p:extLst>
       <p:ext uri="{BB962C8B-B14F-4D97-AF65-F5344CB8AC3E}">
-        <p14:creationId xmlns:p14="http://schemas.microsoft.com/office/powerpoint/2010/main" val="3849806584"/>
+        <p14:creationId xmlns:p14="http://schemas.microsoft.com/office/powerpoint/2010/main" val="198200983"/>
       </p:ext>
     </p:extLst>
   </p:cSld>
